--- a/Kapitel4/Kapitel4.pptx
+++ b/Kapitel4/Kapitel4.pptx
@@ -104,6 +104,11 @@
       </a:defRPr>
     </a:lvl9pPr>
   </p:defaultTextStyle>
+  <p:extLst>
+    <p:ext uri="{EFAFB233-063F-42B5-8137-9DF3F51BA10A}">
+      <p15:sldGuideLst xmlns:p15="http://schemas.microsoft.com/office/powerpoint/2012/main"/>
+    </p:ext>
+  </p:extLst>
 </p:presentation>
 </file>
 
@@ -254,7 +259,7 @@
           <a:p>
             <a:fld id="{31AE3AAC-D95A-4AAF-A317-292EE053B245}" type="datetimeFigureOut">
               <a:rPr lang="de-DE" smtClean="0"/>
-              <a:t>28.08.2019</a:t>
+              <a:t>02.09.2019</a:t>
             </a:fld>
             <a:endParaRPr lang="de-DE"/>
           </a:p>
@@ -452,7 +457,7 @@
           <a:p>
             <a:fld id="{31AE3AAC-D95A-4AAF-A317-292EE053B245}" type="datetimeFigureOut">
               <a:rPr lang="de-DE" smtClean="0"/>
-              <a:t>28.08.2019</a:t>
+              <a:t>02.09.2019</a:t>
             </a:fld>
             <a:endParaRPr lang="de-DE"/>
           </a:p>
@@ -660,7 +665,7 @@
           <a:p>
             <a:fld id="{31AE3AAC-D95A-4AAF-A317-292EE053B245}" type="datetimeFigureOut">
               <a:rPr lang="de-DE" smtClean="0"/>
-              <a:t>28.08.2019</a:t>
+              <a:t>02.09.2019</a:t>
             </a:fld>
             <a:endParaRPr lang="de-DE"/>
           </a:p>
@@ -858,7 +863,7 @@
           <a:p>
             <a:fld id="{31AE3AAC-D95A-4AAF-A317-292EE053B245}" type="datetimeFigureOut">
               <a:rPr lang="de-DE" smtClean="0"/>
-              <a:t>28.08.2019</a:t>
+              <a:t>02.09.2019</a:t>
             </a:fld>
             <a:endParaRPr lang="de-DE"/>
           </a:p>
@@ -1133,7 +1138,7 @@
           <a:p>
             <a:fld id="{31AE3AAC-D95A-4AAF-A317-292EE053B245}" type="datetimeFigureOut">
               <a:rPr lang="de-DE" smtClean="0"/>
-              <a:t>28.08.2019</a:t>
+              <a:t>02.09.2019</a:t>
             </a:fld>
             <a:endParaRPr lang="de-DE"/>
           </a:p>
@@ -1398,7 +1403,7 @@
           <a:p>
             <a:fld id="{31AE3AAC-D95A-4AAF-A317-292EE053B245}" type="datetimeFigureOut">
               <a:rPr lang="de-DE" smtClean="0"/>
-              <a:t>28.08.2019</a:t>
+              <a:t>02.09.2019</a:t>
             </a:fld>
             <a:endParaRPr lang="de-DE"/>
           </a:p>
@@ -1810,7 +1815,7 @@
           <a:p>
             <a:fld id="{31AE3AAC-D95A-4AAF-A317-292EE053B245}" type="datetimeFigureOut">
               <a:rPr lang="de-DE" smtClean="0"/>
-              <a:t>28.08.2019</a:t>
+              <a:t>02.09.2019</a:t>
             </a:fld>
             <a:endParaRPr lang="de-DE"/>
           </a:p>
@@ -1951,7 +1956,7 @@
           <a:p>
             <a:fld id="{31AE3AAC-D95A-4AAF-A317-292EE053B245}" type="datetimeFigureOut">
               <a:rPr lang="de-DE" smtClean="0"/>
-              <a:t>28.08.2019</a:t>
+              <a:t>02.09.2019</a:t>
             </a:fld>
             <a:endParaRPr lang="de-DE"/>
           </a:p>
@@ -2064,7 +2069,7 @@
           <a:p>
             <a:fld id="{31AE3AAC-D95A-4AAF-A317-292EE053B245}" type="datetimeFigureOut">
               <a:rPr lang="de-DE" smtClean="0"/>
-              <a:t>28.08.2019</a:t>
+              <a:t>02.09.2019</a:t>
             </a:fld>
             <a:endParaRPr lang="de-DE"/>
           </a:p>
@@ -2375,7 +2380,7 @@
           <a:p>
             <a:fld id="{31AE3AAC-D95A-4AAF-A317-292EE053B245}" type="datetimeFigureOut">
               <a:rPr lang="de-DE" smtClean="0"/>
-              <a:t>28.08.2019</a:t>
+              <a:t>02.09.2019</a:t>
             </a:fld>
             <a:endParaRPr lang="de-DE"/>
           </a:p>
@@ -2663,7 +2668,7 @@
           <a:p>
             <a:fld id="{31AE3AAC-D95A-4AAF-A317-292EE053B245}" type="datetimeFigureOut">
               <a:rPr lang="de-DE" smtClean="0"/>
-              <a:t>28.08.2019</a:t>
+              <a:t>02.09.2019</a:t>
             </a:fld>
             <a:endParaRPr lang="de-DE"/>
           </a:p>
@@ -2904,7 +2909,7 @@
           <a:p>
             <a:fld id="{31AE3AAC-D95A-4AAF-A317-292EE053B245}" type="datetimeFigureOut">
               <a:rPr lang="de-DE" smtClean="0"/>
-              <a:t>28.08.2019</a:t>
+              <a:t>02.09.2019</a:t>
             </a:fld>
             <a:endParaRPr lang="de-DE"/>
           </a:p>
@@ -3337,7 +3342,12 @@
             <p:ph type="title"/>
           </p:nvPr>
         </p:nvSpPr>
-        <p:spPr/>
+        <p:spPr>
+          <a:xfrm>
+            <a:off x="838200" y="365125"/>
+            <a:ext cx="10515600" cy="1325563"/>
+          </a:xfrm>
+        </p:spPr>
         <p:txBody>
           <a:bodyPr/>
           <a:lstStyle/>
@@ -3367,14 +3377,5665 @@
           <p:nvPr>
             <p:extLst>
               <p:ext uri="{D42A27DB-BD31-4B8C-83A1-F6EECF244321}">
-                <p14:modId xmlns:p14="http://schemas.microsoft.com/office/powerpoint/2010/main" val="3272351711"/>
+                <p14:modId xmlns:p14="http://schemas.microsoft.com/office/powerpoint/2010/main" val="2471943279"/>
               </p:ext>
             </p:extLst>
           </p:nvPr>
         </p:nvGraphicFramePr>
         <p:xfrm>
           <a:off x="2032000" y="1945640"/>
-          <a:ext cx="1666240" cy="2194560"/>
+          <a:ext cx="1728000" cy="2194560"/>
+        </p:xfrm>
+        <a:graphic>
+          <a:graphicData uri="http://schemas.openxmlformats.org/drawingml/2006/table">
+            <a:tbl>
+              <a:tblPr firstRow="1" bandRow="1">
+                <a:tableStyleId>{5940675A-B579-460E-94D1-54222C63F5DA}</a:tableStyleId>
+              </a:tblPr>
+              <a:tblGrid>
+                <a:gridCol w="216000">
+                  <a:extLst>
+                    <a:ext uri="{9D8B030D-6E8A-4147-A177-3AD203B41FA5}">
+                      <a16:colId xmlns:a16="http://schemas.microsoft.com/office/drawing/2014/main" val="3222932943"/>
+                    </a:ext>
+                  </a:extLst>
+                </a:gridCol>
+                <a:gridCol w="216000">
+                  <a:extLst>
+                    <a:ext uri="{9D8B030D-6E8A-4147-A177-3AD203B41FA5}">
+                      <a16:colId xmlns:a16="http://schemas.microsoft.com/office/drawing/2014/main" val="4138838359"/>
+                    </a:ext>
+                  </a:extLst>
+                </a:gridCol>
+                <a:gridCol w="216000">
+                  <a:extLst>
+                    <a:ext uri="{9D8B030D-6E8A-4147-A177-3AD203B41FA5}">
+                      <a16:colId xmlns:a16="http://schemas.microsoft.com/office/drawing/2014/main" val="1778424054"/>
+                    </a:ext>
+                  </a:extLst>
+                </a:gridCol>
+                <a:gridCol w="216000">
+                  <a:extLst>
+                    <a:ext uri="{9D8B030D-6E8A-4147-A177-3AD203B41FA5}">
+                      <a16:colId xmlns:a16="http://schemas.microsoft.com/office/drawing/2014/main" val="3773267374"/>
+                    </a:ext>
+                  </a:extLst>
+                </a:gridCol>
+                <a:gridCol w="216000">
+                  <a:extLst>
+                    <a:ext uri="{9D8B030D-6E8A-4147-A177-3AD203B41FA5}">
+                      <a16:colId xmlns:a16="http://schemas.microsoft.com/office/drawing/2014/main" val="3359534323"/>
+                    </a:ext>
+                  </a:extLst>
+                </a:gridCol>
+                <a:gridCol w="216000">
+                  <a:extLst>
+                    <a:ext uri="{9D8B030D-6E8A-4147-A177-3AD203B41FA5}">
+                      <a16:colId xmlns:a16="http://schemas.microsoft.com/office/drawing/2014/main" val="961354694"/>
+                    </a:ext>
+                  </a:extLst>
+                </a:gridCol>
+                <a:gridCol w="216000">
+                  <a:extLst>
+                    <a:ext uri="{9D8B030D-6E8A-4147-A177-3AD203B41FA5}">
+                      <a16:colId xmlns:a16="http://schemas.microsoft.com/office/drawing/2014/main" val="2871666653"/>
+                    </a:ext>
+                  </a:extLst>
+                </a:gridCol>
+                <a:gridCol w="216000">
+                  <a:extLst>
+                    <a:ext uri="{9D8B030D-6E8A-4147-A177-3AD203B41FA5}">
+                      <a16:colId xmlns:a16="http://schemas.microsoft.com/office/drawing/2014/main" val="1803651156"/>
+                    </a:ext>
+                  </a:extLst>
+                </a:gridCol>
+              </a:tblGrid>
+              <a:tr h="216000">
+                <a:tc>
+                  <a:txBody>
+                    <a:bodyPr/>
+                    <a:lstStyle/>
+                    <a:p>
+                      <a:pPr algn="ctr"/>
+                      <a:endParaRPr lang="de-DE" sz="1200" b="1" dirty="0">
+                        <a:latin typeface="Arial" panose="020B0604020202020204" pitchFamily="34" charset="0"/>
+                        <a:cs typeface="Arial" panose="020B0604020202020204" pitchFamily="34" charset="0"/>
+                      </a:endParaRPr>
+                    </a:p>
+                  </a:txBody>
+                  <a:tcPr anchor="ctr"/>
+                </a:tc>
+                <a:tc>
+                  <a:txBody>
+                    <a:bodyPr/>
+                    <a:lstStyle/>
+                    <a:p>
+                      <a:pPr algn="ctr"/>
+                      <a:r>
+                        <a:rPr lang="de-DE" sz="1200" b="1" dirty="0">
+                          <a:latin typeface="Arial" panose="020B0604020202020204" pitchFamily="34" charset="0"/>
+                          <a:cs typeface="Arial" panose="020B0604020202020204" pitchFamily="34" charset="0"/>
+                        </a:rPr>
+                        <a:t>O</a:t>
+                      </a:r>
+                    </a:p>
+                  </a:txBody>
+                  <a:tcPr anchor="ctr"/>
+                </a:tc>
+                <a:tc>
+                  <a:txBody>
+                    <a:bodyPr/>
+                    <a:lstStyle/>
+                    <a:p>
+                      <a:pPr algn="ctr"/>
+                      <a:r>
+                        <a:rPr lang="de-DE" sz="1200" b="1" dirty="0">
+                          <a:latin typeface="Arial" panose="020B0604020202020204" pitchFamily="34" charset="0"/>
+                          <a:cs typeface="Arial" panose="020B0604020202020204" pitchFamily="34" charset="0"/>
+                        </a:rPr>
+                        <a:t>C</a:t>
+                      </a:r>
+                    </a:p>
+                  </a:txBody>
+                  <a:tcPr anchor="ctr"/>
+                </a:tc>
+                <a:tc>
+                  <a:txBody>
+                    <a:bodyPr/>
+                    <a:lstStyle/>
+                    <a:p>
+                      <a:pPr algn="ctr"/>
+                      <a:r>
+                        <a:rPr lang="de-DE" sz="1200" b="1" dirty="0">
+                          <a:latin typeface="Arial" panose="020B0604020202020204" pitchFamily="34" charset="0"/>
+                          <a:cs typeface="Arial" panose="020B0604020202020204" pitchFamily="34" charset="0"/>
+                        </a:rPr>
+                        <a:t>H</a:t>
+                      </a:r>
+                    </a:p>
+                  </a:txBody>
+                  <a:tcPr anchor="ctr"/>
+                </a:tc>
+                <a:tc>
+                  <a:txBody>
+                    <a:bodyPr/>
+                    <a:lstStyle/>
+                    <a:p>
+                      <a:pPr algn="ctr"/>
+                      <a:r>
+                        <a:rPr lang="de-DE" sz="1200" b="1" dirty="0">
+                          <a:latin typeface="Arial" panose="020B0604020202020204" pitchFamily="34" charset="0"/>
+                          <a:cs typeface="Arial" panose="020B0604020202020204" pitchFamily="34" charset="0"/>
+                        </a:rPr>
+                        <a:t>H</a:t>
+                      </a:r>
+                    </a:p>
+                  </a:txBody>
+                  <a:tcPr anchor="ctr"/>
+                </a:tc>
+                <a:tc>
+                  <a:txBody>
+                    <a:bodyPr/>
+                    <a:lstStyle/>
+                    <a:p>
+                      <a:pPr algn="ctr"/>
+                      <a:r>
+                        <a:rPr lang="de-DE" sz="1200" b="1" dirty="0">
+                          <a:latin typeface="Arial" panose="020B0604020202020204" pitchFamily="34" charset="0"/>
+                          <a:cs typeface="Arial" panose="020B0604020202020204" pitchFamily="34" charset="0"/>
+                        </a:rPr>
+                        <a:t>H</a:t>
+                      </a:r>
+                    </a:p>
+                  </a:txBody>
+                  <a:tcPr anchor="ctr"/>
+                </a:tc>
+                <a:tc>
+                  <a:txBody>
+                    <a:bodyPr/>
+                    <a:lstStyle/>
+                    <a:p>
+                      <a:pPr algn="ctr"/>
+                      <a:r>
+                        <a:rPr lang="de-DE" sz="1200" b="1" dirty="0">
+                          <a:latin typeface="Arial" panose="020B0604020202020204" pitchFamily="34" charset="0"/>
+                          <a:cs typeface="Arial" panose="020B0604020202020204" pitchFamily="34" charset="0"/>
+                        </a:rPr>
+                        <a:t>C</a:t>
+                      </a:r>
+                    </a:p>
+                  </a:txBody>
+                  <a:tcPr anchor="ctr"/>
+                </a:tc>
+                <a:tc>
+                  <a:txBody>
+                    <a:bodyPr/>
+                    <a:lstStyle/>
+                    <a:p>
+                      <a:pPr algn="ctr"/>
+                      <a:r>
+                        <a:rPr lang="de-DE" sz="1200" b="1" dirty="0">
+                          <a:latin typeface="Arial" panose="020B0604020202020204" pitchFamily="34" charset="0"/>
+                          <a:cs typeface="Arial" panose="020B0604020202020204" pitchFamily="34" charset="0"/>
+                        </a:rPr>
+                        <a:t>N</a:t>
+                      </a:r>
+                    </a:p>
+                  </a:txBody>
+                  <a:tcPr anchor="ctr"/>
+                </a:tc>
+                <a:extLst>
+                  <a:ext uri="{0D108BD9-81ED-4DB2-BD59-A6C34878D82A}">
+                    <a16:rowId xmlns:a16="http://schemas.microsoft.com/office/drawing/2014/main" val="3599272777"/>
+                  </a:ext>
+                </a:extLst>
+              </a:tr>
+              <a:tr h="216000">
+                <a:tc>
+                  <a:txBody>
+                    <a:bodyPr/>
+                    <a:lstStyle/>
+                    <a:p>
+                      <a:pPr algn="ctr"/>
+                      <a:r>
+                        <a:rPr lang="de-DE" sz="1200" b="1" dirty="0">
+                          <a:latin typeface="Arial" panose="020B0604020202020204" pitchFamily="34" charset="0"/>
+                          <a:cs typeface="Arial" panose="020B0604020202020204" pitchFamily="34" charset="0"/>
+                        </a:rPr>
+                        <a:t>O</a:t>
+                      </a:r>
+                    </a:p>
+                  </a:txBody>
+                  <a:tcPr anchor="ctr"/>
+                </a:tc>
+                <a:tc>
+                  <a:txBody>
+                    <a:bodyPr/>
+                    <a:lstStyle/>
+                    <a:p>
+                      <a:pPr algn="ctr"/>
+                      <a:r>
+                        <a:rPr lang="de-DE" sz="1200" dirty="0">
+                          <a:latin typeface="Arial" panose="020B0604020202020204" pitchFamily="34" charset="0"/>
+                          <a:cs typeface="Arial" panose="020B0604020202020204" pitchFamily="34" charset="0"/>
+                        </a:rPr>
+                        <a:t>4</a:t>
+                      </a:r>
+                    </a:p>
+                  </a:txBody>
+                  <a:tcPr anchor="ctr">
+                    <a:lnR w="12700" cap="flat" cmpd="sng" algn="ctr">
+                      <a:solidFill>
+                        <a:schemeClr val="tx1"/>
+                      </a:solidFill>
+                      <a:prstDash val="sysDot"/>
+                      <a:round/>
+                      <a:headEnd type="none" w="med" len="med"/>
+                      <a:tailEnd type="none" w="med" len="med"/>
+                    </a:lnR>
+                    <a:lnB w="12700" cap="flat" cmpd="sng" algn="ctr">
+                      <a:solidFill>
+                        <a:schemeClr val="tx1"/>
+                      </a:solidFill>
+                      <a:prstDash val="sysDot"/>
+                      <a:round/>
+                      <a:headEnd type="none" w="med" len="med"/>
+                      <a:tailEnd type="none" w="med" len="med"/>
+                    </a:lnB>
+                  </a:tcPr>
+                </a:tc>
+                <a:tc>
+                  <a:txBody>
+                    <a:bodyPr/>
+                    <a:lstStyle/>
+                    <a:p>
+                      <a:pPr algn="ctr"/>
+                      <a:r>
+                        <a:rPr lang="de-DE" sz="1200" dirty="0">
+                          <a:latin typeface="Arial" panose="020B0604020202020204" pitchFamily="34" charset="0"/>
+                          <a:cs typeface="Arial" panose="020B0604020202020204" pitchFamily="34" charset="0"/>
+                        </a:rPr>
+                        <a:t>1</a:t>
+                      </a:r>
+                    </a:p>
+                  </a:txBody>
+                  <a:tcPr anchor="ctr">
+                    <a:lnL w="12700" cap="flat" cmpd="sng" algn="ctr">
+                      <a:solidFill>
+                        <a:schemeClr val="tx1"/>
+                      </a:solidFill>
+                      <a:prstDash val="sysDot"/>
+                      <a:round/>
+                      <a:headEnd type="none" w="med" len="med"/>
+                      <a:tailEnd type="none" w="med" len="med"/>
+                    </a:lnL>
+                    <a:lnR w="12700" cap="flat" cmpd="sng" algn="ctr">
+                      <a:solidFill>
+                        <a:schemeClr val="tx1"/>
+                      </a:solidFill>
+                      <a:prstDash val="sysDot"/>
+                      <a:round/>
+                      <a:headEnd type="none" w="med" len="med"/>
+                      <a:tailEnd type="none" w="med" len="med"/>
+                    </a:lnR>
+                    <a:lnB w="12700" cap="flat" cmpd="sng" algn="ctr">
+                      <a:solidFill>
+                        <a:schemeClr val="tx1"/>
+                      </a:solidFill>
+                      <a:prstDash val="sysDot"/>
+                      <a:round/>
+                      <a:headEnd type="none" w="med" len="med"/>
+                      <a:tailEnd type="none" w="med" len="med"/>
+                    </a:lnB>
+                  </a:tcPr>
+                </a:tc>
+                <a:tc>
+                  <a:txBody>
+                    <a:bodyPr/>
+                    <a:lstStyle/>
+                    <a:p>
+                      <a:pPr algn="ctr"/>
+                      <a:r>
+                        <a:rPr lang="de-DE" sz="1200" dirty="0">
+                          <a:latin typeface="Arial" panose="020B0604020202020204" pitchFamily="34" charset="0"/>
+                          <a:cs typeface="Arial" panose="020B0604020202020204" pitchFamily="34" charset="0"/>
+                        </a:rPr>
+                        <a:t>0</a:t>
+                      </a:r>
+                    </a:p>
+                  </a:txBody>
+                  <a:tcPr anchor="ctr">
+                    <a:lnL w="12700" cap="flat" cmpd="sng" algn="ctr">
+                      <a:solidFill>
+                        <a:schemeClr val="tx1"/>
+                      </a:solidFill>
+                      <a:prstDash val="sysDot"/>
+                      <a:round/>
+                      <a:headEnd type="none" w="med" len="med"/>
+                      <a:tailEnd type="none" w="med" len="med"/>
+                    </a:lnL>
+                    <a:lnR w="12700" cap="flat" cmpd="sng" algn="ctr">
+                      <a:solidFill>
+                        <a:schemeClr val="tx1"/>
+                      </a:solidFill>
+                      <a:prstDash val="sysDot"/>
+                      <a:round/>
+                      <a:headEnd type="none" w="med" len="med"/>
+                      <a:tailEnd type="none" w="med" len="med"/>
+                    </a:lnR>
+                    <a:lnB w="12700" cap="flat" cmpd="sng" algn="ctr">
+                      <a:solidFill>
+                        <a:schemeClr val="tx1"/>
+                      </a:solidFill>
+                      <a:prstDash val="sysDot"/>
+                      <a:round/>
+                      <a:headEnd type="none" w="med" len="med"/>
+                      <a:tailEnd type="none" w="med" len="med"/>
+                    </a:lnB>
+                  </a:tcPr>
+                </a:tc>
+                <a:tc>
+                  <a:txBody>
+                    <a:bodyPr/>
+                    <a:lstStyle/>
+                    <a:p>
+                      <a:pPr algn="ctr"/>
+                      <a:r>
+                        <a:rPr lang="de-DE" sz="1200" dirty="0">
+                          <a:latin typeface="Arial" panose="020B0604020202020204" pitchFamily="34" charset="0"/>
+                          <a:cs typeface="Arial" panose="020B0604020202020204" pitchFamily="34" charset="0"/>
+                        </a:rPr>
+                        <a:t>0</a:t>
+                      </a:r>
+                    </a:p>
+                  </a:txBody>
+                  <a:tcPr anchor="ctr">
+                    <a:lnL w="12700" cap="flat" cmpd="sng" algn="ctr">
+                      <a:solidFill>
+                        <a:schemeClr val="tx1"/>
+                      </a:solidFill>
+                      <a:prstDash val="sysDot"/>
+                      <a:round/>
+                      <a:headEnd type="none" w="med" len="med"/>
+                      <a:tailEnd type="none" w="med" len="med"/>
+                    </a:lnL>
+                    <a:lnR w="12700" cap="flat" cmpd="sng" algn="ctr">
+                      <a:solidFill>
+                        <a:schemeClr val="tx1"/>
+                      </a:solidFill>
+                      <a:prstDash val="sysDot"/>
+                      <a:round/>
+                      <a:headEnd type="none" w="med" len="med"/>
+                      <a:tailEnd type="none" w="med" len="med"/>
+                    </a:lnR>
+                    <a:lnB w="12700" cap="flat" cmpd="sng" algn="ctr">
+                      <a:solidFill>
+                        <a:schemeClr val="tx1"/>
+                      </a:solidFill>
+                      <a:prstDash val="sysDot"/>
+                      <a:round/>
+                      <a:headEnd type="none" w="med" len="med"/>
+                      <a:tailEnd type="none" w="med" len="med"/>
+                    </a:lnB>
+                  </a:tcPr>
+                </a:tc>
+                <a:tc>
+                  <a:txBody>
+                    <a:bodyPr/>
+                    <a:lstStyle/>
+                    <a:p>
+                      <a:pPr algn="ctr"/>
+                      <a:r>
+                        <a:rPr lang="de-DE" sz="1200" dirty="0">
+                          <a:latin typeface="Arial" panose="020B0604020202020204" pitchFamily="34" charset="0"/>
+                          <a:cs typeface="Arial" panose="020B0604020202020204" pitchFamily="34" charset="0"/>
+                        </a:rPr>
+                        <a:t>1</a:t>
+                      </a:r>
+                    </a:p>
+                  </a:txBody>
+                  <a:tcPr anchor="ctr">
+                    <a:lnL w="12700" cap="flat" cmpd="sng" algn="ctr">
+                      <a:solidFill>
+                        <a:schemeClr val="tx1"/>
+                      </a:solidFill>
+                      <a:prstDash val="sysDot"/>
+                      <a:round/>
+                      <a:headEnd type="none" w="med" len="med"/>
+                      <a:tailEnd type="none" w="med" len="med"/>
+                    </a:lnL>
+                    <a:lnR w="12700" cap="flat" cmpd="sng" algn="ctr">
+                      <a:solidFill>
+                        <a:schemeClr val="tx1"/>
+                      </a:solidFill>
+                      <a:prstDash val="sysDot"/>
+                      <a:round/>
+                      <a:headEnd type="none" w="med" len="med"/>
+                      <a:tailEnd type="none" w="med" len="med"/>
+                    </a:lnR>
+                    <a:lnB w="12700" cap="flat" cmpd="sng" algn="ctr">
+                      <a:solidFill>
+                        <a:schemeClr val="tx1"/>
+                      </a:solidFill>
+                      <a:prstDash val="sysDot"/>
+                      <a:round/>
+                      <a:headEnd type="none" w="med" len="med"/>
+                      <a:tailEnd type="none" w="med" len="med"/>
+                    </a:lnB>
+                  </a:tcPr>
+                </a:tc>
+                <a:tc>
+                  <a:txBody>
+                    <a:bodyPr/>
+                    <a:lstStyle/>
+                    <a:p>
+                      <a:pPr algn="ctr"/>
+                      <a:r>
+                        <a:rPr lang="de-DE" sz="1200" dirty="0">
+                          <a:latin typeface="Arial" panose="020B0604020202020204" pitchFamily="34" charset="0"/>
+                          <a:cs typeface="Arial" panose="020B0604020202020204" pitchFamily="34" charset="0"/>
+                        </a:rPr>
+                        <a:t>0</a:t>
+                      </a:r>
+                    </a:p>
+                  </a:txBody>
+                  <a:tcPr anchor="ctr">
+                    <a:lnL w="12700" cap="flat" cmpd="sng" algn="ctr">
+                      <a:solidFill>
+                        <a:schemeClr val="tx1"/>
+                      </a:solidFill>
+                      <a:prstDash val="sysDot"/>
+                      <a:round/>
+                      <a:headEnd type="none" w="med" len="med"/>
+                      <a:tailEnd type="none" w="med" len="med"/>
+                    </a:lnL>
+                    <a:lnR w="12700" cap="flat" cmpd="sng" algn="ctr">
+                      <a:solidFill>
+                        <a:schemeClr val="tx1"/>
+                      </a:solidFill>
+                      <a:prstDash val="sysDot"/>
+                      <a:round/>
+                      <a:headEnd type="none" w="med" len="med"/>
+                      <a:tailEnd type="none" w="med" len="med"/>
+                    </a:lnR>
+                    <a:lnB w="12700" cap="flat" cmpd="sng" algn="ctr">
+                      <a:solidFill>
+                        <a:schemeClr val="tx1"/>
+                      </a:solidFill>
+                      <a:prstDash val="sysDot"/>
+                      <a:round/>
+                      <a:headEnd type="none" w="med" len="med"/>
+                      <a:tailEnd type="none" w="med" len="med"/>
+                    </a:lnB>
+                  </a:tcPr>
+                </a:tc>
+                <a:tc>
+                  <a:txBody>
+                    <a:bodyPr/>
+                    <a:lstStyle/>
+                    <a:p>
+                      <a:pPr algn="ctr"/>
+                      <a:r>
+                        <a:rPr lang="de-DE" sz="1200" dirty="0">
+                          <a:latin typeface="Arial" panose="020B0604020202020204" pitchFamily="34" charset="0"/>
+                          <a:cs typeface="Arial" panose="020B0604020202020204" pitchFamily="34" charset="0"/>
+                        </a:rPr>
+                        <a:t>0</a:t>
+                      </a:r>
+                    </a:p>
+                  </a:txBody>
+                  <a:tcPr anchor="ctr">
+                    <a:lnL w="12700" cap="flat" cmpd="sng" algn="ctr">
+                      <a:solidFill>
+                        <a:schemeClr val="tx1"/>
+                      </a:solidFill>
+                      <a:prstDash val="sysDot"/>
+                      <a:round/>
+                      <a:headEnd type="none" w="med" len="med"/>
+                      <a:tailEnd type="none" w="med" len="med"/>
+                    </a:lnL>
+                    <a:lnB w="12700" cap="flat" cmpd="sng" algn="ctr">
+                      <a:solidFill>
+                        <a:schemeClr val="tx1"/>
+                      </a:solidFill>
+                      <a:prstDash val="sysDot"/>
+                      <a:round/>
+                      <a:headEnd type="none" w="med" len="med"/>
+                      <a:tailEnd type="none" w="med" len="med"/>
+                    </a:lnB>
+                  </a:tcPr>
+                </a:tc>
+                <a:extLst>
+                  <a:ext uri="{0D108BD9-81ED-4DB2-BD59-A6C34878D82A}">
+                    <a16:rowId xmlns:a16="http://schemas.microsoft.com/office/drawing/2014/main" val="3047790479"/>
+                  </a:ext>
+                </a:extLst>
+              </a:tr>
+              <a:tr h="216000">
+                <a:tc>
+                  <a:txBody>
+                    <a:bodyPr/>
+                    <a:lstStyle/>
+                    <a:p>
+                      <a:pPr algn="ctr"/>
+                      <a:r>
+                        <a:rPr lang="de-DE" sz="1200" b="1" dirty="0">
+                          <a:latin typeface="Arial" panose="020B0604020202020204" pitchFamily="34" charset="0"/>
+                          <a:cs typeface="Arial" panose="020B0604020202020204" pitchFamily="34" charset="0"/>
+                        </a:rPr>
+                        <a:t>C</a:t>
+                      </a:r>
+                    </a:p>
+                  </a:txBody>
+                  <a:tcPr anchor="ctr"/>
+                </a:tc>
+                <a:tc>
+                  <a:txBody>
+                    <a:bodyPr/>
+                    <a:lstStyle/>
+                    <a:p>
+                      <a:pPr algn="ctr"/>
+                      <a:r>
+                        <a:rPr lang="de-DE" sz="1200" dirty="0">
+                          <a:latin typeface="Arial" panose="020B0604020202020204" pitchFamily="34" charset="0"/>
+                          <a:cs typeface="Arial" panose="020B0604020202020204" pitchFamily="34" charset="0"/>
+                        </a:rPr>
+                        <a:t>1</a:t>
+                      </a:r>
+                    </a:p>
+                  </a:txBody>
+                  <a:tcPr anchor="ctr">
+                    <a:lnR w="12700" cap="flat" cmpd="sng" algn="ctr">
+                      <a:solidFill>
+                        <a:schemeClr val="tx1"/>
+                      </a:solidFill>
+                      <a:prstDash val="sysDot"/>
+                      <a:round/>
+                      <a:headEnd type="none" w="med" len="med"/>
+                      <a:tailEnd type="none" w="med" len="med"/>
+                    </a:lnR>
+                    <a:lnT w="12700" cap="flat" cmpd="sng" algn="ctr">
+                      <a:solidFill>
+                        <a:schemeClr val="tx1"/>
+                      </a:solidFill>
+                      <a:prstDash val="sysDot"/>
+                      <a:round/>
+                      <a:headEnd type="none" w="med" len="med"/>
+                      <a:tailEnd type="none" w="med" len="med"/>
+                    </a:lnT>
+                    <a:lnB w="12700" cap="flat" cmpd="sng" algn="ctr">
+                      <a:solidFill>
+                        <a:schemeClr val="tx1"/>
+                      </a:solidFill>
+                      <a:prstDash val="sysDot"/>
+                      <a:round/>
+                      <a:headEnd type="none" w="med" len="med"/>
+                      <a:tailEnd type="none" w="med" len="med"/>
+                    </a:lnB>
+                  </a:tcPr>
+                </a:tc>
+                <a:tc>
+                  <a:txBody>
+                    <a:bodyPr/>
+                    <a:lstStyle/>
+                    <a:p>
+                      <a:pPr algn="ctr"/>
+                      <a:r>
+                        <a:rPr lang="de-DE" sz="1200" dirty="0">
+                          <a:latin typeface="Arial" panose="020B0604020202020204" pitchFamily="34" charset="0"/>
+                          <a:cs typeface="Arial" panose="020B0604020202020204" pitchFamily="34" charset="0"/>
+                        </a:rPr>
+                        <a:t>0</a:t>
+                      </a:r>
+                    </a:p>
+                  </a:txBody>
+                  <a:tcPr anchor="ctr">
+                    <a:lnL w="12700" cap="flat" cmpd="sng" algn="ctr">
+                      <a:solidFill>
+                        <a:schemeClr val="tx1"/>
+                      </a:solidFill>
+                      <a:prstDash val="sysDot"/>
+                      <a:round/>
+                      <a:headEnd type="none" w="med" len="med"/>
+                      <a:tailEnd type="none" w="med" len="med"/>
+                    </a:lnL>
+                    <a:lnR w="12700" cap="flat" cmpd="sng" algn="ctr">
+                      <a:solidFill>
+                        <a:schemeClr val="tx1"/>
+                      </a:solidFill>
+                      <a:prstDash val="sysDot"/>
+                      <a:round/>
+                      <a:headEnd type="none" w="med" len="med"/>
+                      <a:tailEnd type="none" w="med" len="med"/>
+                    </a:lnR>
+                    <a:lnT w="12700" cap="flat" cmpd="sng" algn="ctr">
+                      <a:solidFill>
+                        <a:schemeClr val="tx1"/>
+                      </a:solidFill>
+                      <a:prstDash val="sysDot"/>
+                      <a:round/>
+                      <a:headEnd type="none" w="med" len="med"/>
+                      <a:tailEnd type="none" w="med" len="med"/>
+                    </a:lnT>
+                    <a:lnB w="12700" cap="flat" cmpd="sng" algn="ctr">
+                      <a:solidFill>
+                        <a:schemeClr val="tx1"/>
+                      </a:solidFill>
+                      <a:prstDash val="sysDot"/>
+                      <a:round/>
+                      <a:headEnd type="none" w="med" len="med"/>
+                      <a:tailEnd type="none" w="med" len="med"/>
+                    </a:lnB>
+                  </a:tcPr>
+                </a:tc>
+                <a:tc>
+                  <a:txBody>
+                    <a:bodyPr/>
+                    <a:lstStyle/>
+                    <a:p>
+                      <a:pPr algn="ctr"/>
+                      <a:r>
+                        <a:rPr lang="de-DE" sz="1200" dirty="0">
+                          <a:latin typeface="Arial" panose="020B0604020202020204" pitchFamily="34" charset="0"/>
+                          <a:cs typeface="Arial" panose="020B0604020202020204" pitchFamily="34" charset="0"/>
+                        </a:rPr>
+                        <a:t>1</a:t>
+                      </a:r>
+                    </a:p>
+                  </a:txBody>
+                  <a:tcPr anchor="ctr">
+                    <a:lnL w="12700" cap="flat" cmpd="sng" algn="ctr">
+                      <a:solidFill>
+                        <a:schemeClr val="tx1"/>
+                      </a:solidFill>
+                      <a:prstDash val="sysDot"/>
+                      <a:round/>
+                      <a:headEnd type="none" w="med" len="med"/>
+                      <a:tailEnd type="none" w="med" len="med"/>
+                    </a:lnL>
+                    <a:lnR w="12700" cap="flat" cmpd="sng" algn="ctr">
+                      <a:solidFill>
+                        <a:schemeClr val="tx1"/>
+                      </a:solidFill>
+                      <a:prstDash val="sysDot"/>
+                      <a:round/>
+                      <a:headEnd type="none" w="med" len="med"/>
+                      <a:tailEnd type="none" w="med" len="med"/>
+                    </a:lnR>
+                    <a:lnT w="12700" cap="flat" cmpd="sng" algn="ctr">
+                      <a:solidFill>
+                        <a:schemeClr val="tx1"/>
+                      </a:solidFill>
+                      <a:prstDash val="sysDot"/>
+                      <a:round/>
+                      <a:headEnd type="none" w="med" len="med"/>
+                      <a:tailEnd type="none" w="med" len="med"/>
+                    </a:lnT>
+                    <a:lnB w="12700" cap="flat" cmpd="sng" algn="ctr">
+                      <a:solidFill>
+                        <a:schemeClr val="tx1"/>
+                      </a:solidFill>
+                      <a:prstDash val="sysDot"/>
+                      <a:round/>
+                      <a:headEnd type="none" w="med" len="med"/>
+                      <a:tailEnd type="none" w="med" len="med"/>
+                    </a:lnB>
+                  </a:tcPr>
+                </a:tc>
+                <a:tc>
+                  <a:txBody>
+                    <a:bodyPr/>
+                    <a:lstStyle/>
+                    <a:p>
+                      <a:pPr algn="ctr"/>
+                      <a:r>
+                        <a:rPr lang="de-DE" sz="1200" dirty="0">
+                          <a:latin typeface="Arial" panose="020B0604020202020204" pitchFamily="34" charset="0"/>
+                          <a:cs typeface="Arial" panose="020B0604020202020204" pitchFamily="34" charset="0"/>
+                        </a:rPr>
+                        <a:t>1</a:t>
+                      </a:r>
+                    </a:p>
+                  </a:txBody>
+                  <a:tcPr anchor="ctr">
+                    <a:lnL w="12700" cap="flat" cmpd="sng" algn="ctr">
+                      <a:solidFill>
+                        <a:schemeClr val="tx1"/>
+                      </a:solidFill>
+                      <a:prstDash val="sysDot"/>
+                      <a:round/>
+                      <a:headEnd type="none" w="med" len="med"/>
+                      <a:tailEnd type="none" w="med" len="med"/>
+                    </a:lnL>
+                    <a:lnR w="12700" cap="flat" cmpd="sng" algn="ctr">
+                      <a:solidFill>
+                        <a:schemeClr val="tx1"/>
+                      </a:solidFill>
+                      <a:prstDash val="sysDot"/>
+                      <a:round/>
+                      <a:headEnd type="none" w="med" len="med"/>
+                      <a:tailEnd type="none" w="med" len="med"/>
+                    </a:lnR>
+                    <a:lnT w="12700" cap="flat" cmpd="sng" algn="ctr">
+                      <a:solidFill>
+                        <a:schemeClr val="tx1"/>
+                      </a:solidFill>
+                      <a:prstDash val="sysDot"/>
+                      <a:round/>
+                      <a:headEnd type="none" w="med" len="med"/>
+                      <a:tailEnd type="none" w="med" len="med"/>
+                    </a:lnT>
+                    <a:lnB w="12700" cap="flat" cmpd="sng" algn="ctr">
+                      <a:solidFill>
+                        <a:schemeClr val="tx1"/>
+                      </a:solidFill>
+                      <a:prstDash val="sysDot"/>
+                      <a:round/>
+                      <a:headEnd type="none" w="med" len="med"/>
+                      <a:tailEnd type="none" w="med" len="med"/>
+                    </a:lnB>
+                  </a:tcPr>
+                </a:tc>
+                <a:tc>
+                  <a:txBody>
+                    <a:bodyPr/>
+                    <a:lstStyle/>
+                    <a:p>
+                      <a:pPr algn="ctr"/>
+                      <a:r>
+                        <a:rPr lang="de-DE" sz="1200" dirty="0">
+                          <a:latin typeface="Arial" panose="020B0604020202020204" pitchFamily="34" charset="0"/>
+                          <a:cs typeface="Arial" panose="020B0604020202020204" pitchFamily="34" charset="0"/>
+                        </a:rPr>
+                        <a:t>0</a:t>
+                      </a:r>
+                    </a:p>
+                  </a:txBody>
+                  <a:tcPr anchor="ctr">
+                    <a:lnL w="12700" cap="flat" cmpd="sng" algn="ctr">
+                      <a:solidFill>
+                        <a:schemeClr val="tx1"/>
+                      </a:solidFill>
+                      <a:prstDash val="sysDot"/>
+                      <a:round/>
+                      <a:headEnd type="none" w="med" len="med"/>
+                      <a:tailEnd type="none" w="med" len="med"/>
+                    </a:lnL>
+                    <a:lnR w="12700" cap="flat" cmpd="sng" algn="ctr">
+                      <a:solidFill>
+                        <a:schemeClr val="tx1"/>
+                      </a:solidFill>
+                      <a:prstDash val="sysDot"/>
+                      <a:round/>
+                      <a:headEnd type="none" w="med" len="med"/>
+                      <a:tailEnd type="none" w="med" len="med"/>
+                    </a:lnR>
+                    <a:lnT w="12700" cap="flat" cmpd="sng" algn="ctr">
+                      <a:solidFill>
+                        <a:schemeClr val="tx1"/>
+                      </a:solidFill>
+                      <a:prstDash val="sysDot"/>
+                      <a:round/>
+                      <a:headEnd type="none" w="med" len="med"/>
+                      <a:tailEnd type="none" w="med" len="med"/>
+                    </a:lnT>
+                    <a:lnB w="12700" cap="flat" cmpd="sng" algn="ctr">
+                      <a:solidFill>
+                        <a:schemeClr val="tx1"/>
+                      </a:solidFill>
+                      <a:prstDash val="sysDot"/>
+                      <a:round/>
+                      <a:headEnd type="none" w="med" len="med"/>
+                      <a:tailEnd type="none" w="med" len="med"/>
+                    </a:lnB>
+                  </a:tcPr>
+                </a:tc>
+                <a:tc>
+                  <a:txBody>
+                    <a:bodyPr/>
+                    <a:lstStyle/>
+                    <a:p>
+                      <a:pPr algn="ctr"/>
+                      <a:r>
+                        <a:rPr lang="de-DE" sz="1200" dirty="0">
+                          <a:latin typeface="Arial" panose="020B0604020202020204" pitchFamily="34" charset="0"/>
+                          <a:cs typeface="Arial" panose="020B0604020202020204" pitchFamily="34" charset="0"/>
+                        </a:rPr>
+                        <a:t>1</a:t>
+                      </a:r>
+                    </a:p>
+                  </a:txBody>
+                  <a:tcPr anchor="ctr">
+                    <a:lnL w="12700" cap="flat" cmpd="sng" algn="ctr">
+                      <a:solidFill>
+                        <a:schemeClr val="tx1"/>
+                      </a:solidFill>
+                      <a:prstDash val="sysDot"/>
+                      <a:round/>
+                      <a:headEnd type="none" w="med" len="med"/>
+                      <a:tailEnd type="none" w="med" len="med"/>
+                    </a:lnL>
+                    <a:lnR w="12700" cap="flat" cmpd="sng" algn="ctr">
+                      <a:solidFill>
+                        <a:schemeClr val="tx1"/>
+                      </a:solidFill>
+                      <a:prstDash val="sysDot"/>
+                      <a:round/>
+                      <a:headEnd type="none" w="med" len="med"/>
+                      <a:tailEnd type="none" w="med" len="med"/>
+                    </a:lnR>
+                    <a:lnT w="12700" cap="flat" cmpd="sng" algn="ctr">
+                      <a:solidFill>
+                        <a:schemeClr val="tx1"/>
+                      </a:solidFill>
+                      <a:prstDash val="sysDot"/>
+                      <a:round/>
+                      <a:headEnd type="none" w="med" len="med"/>
+                      <a:tailEnd type="none" w="med" len="med"/>
+                    </a:lnT>
+                    <a:lnB w="12700" cap="flat" cmpd="sng" algn="ctr">
+                      <a:solidFill>
+                        <a:schemeClr val="tx1"/>
+                      </a:solidFill>
+                      <a:prstDash val="sysDot"/>
+                      <a:round/>
+                      <a:headEnd type="none" w="med" len="med"/>
+                      <a:tailEnd type="none" w="med" len="med"/>
+                    </a:lnB>
+                  </a:tcPr>
+                </a:tc>
+                <a:tc>
+                  <a:txBody>
+                    <a:bodyPr/>
+                    <a:lstStyle/>
+                    <a:p>
+                      <a:pPr algn="ctr"/>
+                      <a:r>
+                        <a:rPr lang="de-DE" sz="1200" dirty="0">
+                          <a:latin typeface="Arial" panose="020B0604020202020204" pitchFamily="34" charset="0"/>
+                          <a:cs typeface="Arial" panose="020B0604020202020204" pitchFamily="34" charset="0"/>
+                        </a:rPr>
+                        <a:t>0</a:t>
+                      </a:r>
+                    </a:p>
+                  </a:txBody>
+                  <a:tcPr anchor="ctr">
+                    <a:lnL w="12700" cap="flat" cmpd="sng" algn="ctr">
+                      <a:solidFill>
+                        <a:schemeClr val="tx1"/>
+                      </a:solidFill>
+                      <a:prstDash val="sysDot"/>
+                      <a:round/>
+                      <a:headEnd type="none" w="med" len="med"/>
+                      <a:tailEnd type="none" w="med" len="med"/>
+                    </a:lnL>
+                    <a:lnT w="12700" cap="flat" cmpd="sng" algn="ctr">
+                      <a:solidFill>
+                        <a:schemeClr val="tx1"/>
+                      </a:solidFill>
+                      <a:prstDash val="sysDot"/>
+                      <a:round/>
+                      <a:headEnd type="none" w="med" len="med"/>
+                      <a:tailEnd type="none" w="med" len="med"/>
+                    </a:lnT>
+                    <a:lnB w="12700" cap="flat" cmpd="sng" algn="ctr">
+                      <a:solidFill>
+                        <a:schemeClr val="tx1"/>
+                      </a:solidFill>
+                      <a:prstDash val="sysDot"/>
+                      <a:round/>
+                      <a:headEnd type="none" w="med" len="med"/>
+                      <a:tailEnd type="none" w="med" len="med"/>
+                    </a:lnB>
+                  </a:tcPr>
+                </a:tc>
+                <a:extLst>
+                  <a:ext uri="{0D108BD9-81ED-4DB2-BD59-A6C34878D82A}">
+                    <a16:rowId xmlns:a16="http://schemas.microsoft.com/office/drawing/2014/main" val="3254972039"/>
+                  </a:ext>
+                </a:extLst>
+              </a:tr>
+              <a:tr h="216000">
+                <a:tc>
+                  <a:txBody>
+                    <a:bodyPr/>
+                    <a:lstStyle/>
+                    <a:p>
+                      <a:pPr algn="ctr"/>
+                      <a:r>
+                        <a:rPr lang="de-DE" sz="1200" b="1" dirty="0">
+                          <a:latin typeface="Arial" panose="020B0604020202020204" pitchFamily="34" charset="0"/>
+                          <a:cs typeface="Arial" panose="020B0604020202020204" pitchFamily="34" charset="0"/>
+                        </a:rPr>
+                        <a:t>H</a:t>
+                      </a:r>
+                    </a:p>
+                  </a:txBody>
+                  <a:tcPr anchor="ctr"/>
+                </a:tc>
+                <a:tc>
+                  <a:txBody>
+                    <a:bodyPr/>
+                    <a:lstStyle/>
+                    <a:p>
+                      <a:pPr algn="ctr"/>
+                      <a:r>
+                        <a:rPr lang="de-DE" sz="1200" dirty="0">
+                          <a:latin typeface="Arial" panose="020B0604020202020204" pitchFamily="34" charset="0"/>
+                          <a:cs typeface="Arial" panose="020B0604020202020204" pitchFamily="34" charset="0"/>
+                        </a:rPr>
+                        <a:t>0</a:t>
+                      </a:r>
+                    </a:p>
+                  </a:txBody>
+                  <a:tcPr anchor="ctr">
+                    <a:lnR w="12700" cap="flat" cmpd="sng" algn="ctr">
+                      <a:solidFill>
+                        <a:schemeClr val="tx1"/>
+                      </a:solidFill>
+                      <a:prstDash val="sysDot"/>
+                      <a:round/>
+                      <a:headEnd type="none" w="med" len="med"/>
+                      <a:tailEnd type="none" w="med" len="med"/>
+                    </a:lnR>
+                    <a:lnT w="12700" cap="flat" cmpd="sng" algn="ctr">
+                      <a:solidFill>
+                        <a:schemeClr val="tx1"/>
+                      </a:solidFill>
+                      <a:prstDash val="sysDot"/>
+                      <a:round/>
+                      <a:headEnd type="none" w="med" len="med"/>
+                      <a:tailEnd type="none" w="med" len="med"/>
+                    </a:lnT>
+                    <a:lnB w="12700" cap="flat" cmpd="sng" algn="ctr">
+                      <a:solidFill>
+                        <a:schemeClr val="tx1"/>
+                      </a:solidFill>
+                      <a:prstDash val="sysDot"/>
+                      <a:round/>
+                      <a:headEnd type="none" w="med" len="med"/>
+                      <a:tailEnd type="none" w="med" len="med"/>
+                    </a:lnB>
+                  </a:tcPr>
+                </a:tc>
+                <a:tc>
+                  <a:txBody>
+                    <a:bodyPr/>
+                    <a:lstStyle/>
+                    <a:p>
+                      <a:pPr algn="ctr"/>
+                      <a:r>
+                        <a:rPr lang="de-DE" sz="1200" dirty="0">
+                          <a:latin typeface="Arial" panose="020B0604020202020204" pitchFamily="34" charset="0"/>
+                          <a:cs typeface="Arial" panose="020B0604020202020204" pitchFamily="34" charset="0"/>
+                        </a:rPr>
+                        <a:t>1</a:t>
+                      </a:r>
+                    </a:p>
+                  </a:txBody>
+                  <a:tcPr anchor="ctr">
+                    <a:lnL w="12700" cap="flat" cmpd="sng" algn="ctr">
+                      <a:solidFill>
+                        <a:schemeClr val="tx1"/>
+                      </a:solidFill>
+                      <a:prstDash val="sysDot"/>
+                      <a:round/>
+                      <a:headEnd type="none" w="med" len="med"/>
+                      <a:tailEnd type="none" w="med" len="med"/>
+                    </a:lnL>
+                    <a:lnR w="12700" cap="flat" cmpd="sng" algn="ctr">
+                      <a:solidFill>
+                        <a:schemeClr val="tx1"/>
+                      </a:solidFill>
+                      <a:prstDash val="sysDot"/>
+                      <a:round/>
+                      <a:headEnd type="none" w="med" len="med"/>
+                      <a:tailEnd type="none" w="med" len="med"/>
+                    </a:lnR>
+                    <a:lnT w="12700" cap="flat" cmpd="sng" algn="ctr">
+                      <a:solidFill>
+                        <a:schemeClr val="tx1"/>
+                      </a:solidFill>
+                      <a:prstDash val="sysDot"/>
+                      <a:round/>
+                      <a:headEnd type="none" w="med" len="med"/>
+                      <a:tailEnd type="none" w="med" len="med"/>
+                    </a:lnT>
+                    <a:lnB w="12700" cap="flat" cmpd="sng" algn="ctr">
+                      <a:solidFill>
+                        <a:schemeClr val="tx1"/>
+                      </a:solidFill>
+                      <a:prstDash val="sysDot"/>
+                      <a:round/>
+                      <a:headEnd type="none" w="med" len="med"/>
+                      <a:tailEnd type="none" w="med" len="med"/>
+                    </a:lnB>
+                  </a:tcPr>
+                </a:tc>
+                <a:tc>
+                  <a:txBody>
+                    <a:bodyPr/>
+                    <a:lstStyle/>
+                    <a:p>
+                      <a:pPr algn="ctr"/>
+                      <a:r>
+                        <a:rPr lang="de-DE" sz="1200" dirty="0">
+                          <a:latin typeface="Arial" panose="020B0604020202020204" pitchFamily="34" charset="0"/>
+                          <a:cs typeface="Arial" panose="020B0604020202020204" pitchFamily="34" charset="0"/>
+                        </a:rPr>
+                        <a:t>0</a:t>
+                      </a:r>
+                    </a:p>
+                  </a:txBody>
+                  <a:tcPr anchor="ctr">
+                    <a:lnL w="12700" cap="flat" cmpd="sng" algn="ctr">
+                      <a:solidFill>
+                        <a:schemeClr val="tx1"/>
+                      </a:solidFill>
+                      <a:prstDash val="sysDot"/>
+                      <a:round/>
+                      <a:headEnd type="none" w="med" len="med"/>
+                      <a:tailEnd type="none" w="med" len="med"/>
+                    </a:lnL>
+                    <a:lnR w="12700" cap="flat" cmpd="sng" algn="ctr">
+                      <a:solidFill>
+                        <a:schemeClr val="tx1"/>
+                      </a:solidFill>
+                      <a:prstDash val="sysDot"/>
+                      <a:round/>
+                      <a:headEnd type="none" w="med" len="med"/>
+                      <a:tailEnd type="none" w="med" len="med"/>
+                    </a:lnR>
+                    <a:lnT w="12700" cap="flat" cmpd="sng" algn="ctr">
+                      <a:solidFill>
+                        <a:schemeClr val="tx1"/>
+                      </a:solidFill>
+                      <a:prstDash val="sysDot"/>
+                      <a:round/>
+                      <a:headEnd type="none" w="med" len="med"/>
+                      <a:tailEnd type="none" w="med" len="med"/>
+                    </a:lnT>
+                    <a:lnB w="12700" cap="flat" cmpd="sng" algn="ctr">
+                      <a:solidFill>
+                        <a:schemeClr val="tx1"/>
+                      </a:solidFill>
+                      <a:prstDash val="sysDot"/>
+                      <a:round/>
+                      <a:headEnd type="none" w="med" len="med"/>
+                      <a:tailEnd type="none" w="med" len="med"/>
+                    </a:lnB>
+                  </a:tcPr>
+                </a:tc>
+                <a:tc>
+                  <a:txBody>
+                    <a:bodyPr/>
+                    <a:lstStyle/>
+                    <a:p>
+                      <a:pPr algn="ctr"/>
+                      <a:r>
+                        <a:rPr lang="de-DE" sz="1200" dirty="0">
+                          <a:latin typeface="Arial" panose="020B0604020202020204" pitchFamily="34" charset="0"/>
+                          <a:cs typeface="Arial" panose="020B0604020202020204" pitchFamily="34" charset="0"/>
+                        </a:rPr>
+                        <a:t>0</a:t>
+                      </a:r>
+                    </a:p>
+                  </a:txBody>
+                  <a:tcPr anchor="ctr">
+                    <a:lnL w="12700" cap="flat" cmpd="sng" algn="ctr">
+                      <a:solidFill>
+                        <a:schemeClr val="tx1"/>
+                      </a:solidFill>
+                      <a:prstDash val="sysDot"/>
+                      <a:round/>
+                      <a:headEnd type="none" w="med" len="med"/>
+                      <a:tailEnd type="none" w="med" len="med"/>
+                    </a:lnL>
+                    <a:lnR w="12700" cap="flat" cmpd="sng" algn="ctr">
+                      <a:solidFill>
+                        <a:schemeClr val="tx1"/>
+                      </a:solidFill>
+                      <a:prstDash val="sysDot"/>
+                      <a:round/>
+                      <a:headEnd type="none" w="med" len="med"/>
+                      <a:tailEnd type="none" w="med" len="med"/>
+                    </a:lnR>
+                    <a:lnT w="12700" cap="flat" cmpd="sng" algn="ctr">
+                      <a:solidFill>
+                        <a:schemeClr val="tx1"/>
+                      </a:solidFill>
+                      <a:prstDash val="sysDot"/>
+                      <a:round/>
+                      <a:headEnd type="none" w="med" len="med"/>
+                      <a:tailEnd type="none" w="med" len="med"/>
+                    </a:lnT>
+                    <a:lnB w="12700" cap="flat" cmpd="sng" algn="ctr">
+                      <a:solidFill>
+                        <a:schemeClr val="tx1"/>
+                      </a:solidFill>
+                      <a:prstDash val="sysDot"/>
+                      <a:round/>
+                      <a:headEnd type="none" w="med" len="med"/>
+                      <a:tailEnd type="none" w="med" len="med"/>
+                    </a:lnB>
+                  </a:tcPr>
+                </a:tc>
+                <a:tc>
+                  <a:txBody>
+                    <a:bodyPr/>
+                    <a:lstStyle/>
+                    <a:p>
+                      <a:pPr algn="ctr"/>
+                      <a:r>
+                        <a:rPr lang="de-DE" sz="1200" dirty="0">
+                          <a:latin typeface="Arial" panose="020B0604020202020204" pitchFamily="34" charset="0"/>
+                          <a:cs typeface="Arial" panose="020B0604020202020204" pitchFamily="34" charset="0"/>
+                        </a:rPr>
+                        <a:t>0</a:t>
+                      </a:r>
+                    </a:p>
+                  </a:txBody>
+                  <a:tcPr anchor="ctr">
+                    <a:lnL w="12700" cap="flat" cmpd="sng" algn="ctr">
+                      <a:solidFill>
+                        <a:schemeClr val="tx1"/>
+                      </a:solidFill>
+                      <a:prstDash val="sysDot"/>
+                      <a:round/>
+                      <a:headEnd type="none" w="med" len="med"/>
+                      <a:tailEnd type="none" w="med" len="med"/>
+                    </a:lnL>
+                    <a:lnR w="12700" cap="flat" cmpd="sng" algn="ctr">
+                      <a:solidFill>
+                        <a:schemeClr val="tx1"/>
+                      </a:solidFill>
+                      <a:prstDash val="sysDot"/>
+                      <a:round/>
+                      <a:headEnd type="none" w="med" len="med"/>
+                      <a:tailEnd type="none" w="med" len="med"/>
+                    </a:lnR>
+                    <a:lnT w="12700" cap="flat" cmpd="sng" algn="ctr">
+                      <a:solidFill>
+                        <a:schemeClr val="tx1"/>
+                      </a:solidFill>
+                      <a:prstDash val="sysDot"/>
+                      <a:round/>
+                      <a:headEnd type="none" w="med" len="med"/>
+                      <a:tailEnd type="none" w="med" len="med"/>
+                    </a:lnT>
+                    <a:lnB w="12700" cap="flat" cmpd="sng" algn="ctr">
+                      <a:solidFill>
+                        <a:schemeClr val="tx1"/>
+                      </a:solidFill>
+                      <a:prstDash val="sysDot"/>
+                      <a:round/>
+                      <a:headEnd type="none" w="med" len="med"/>
+                      <a:tailEnd type="none" w="med" len="med"/>
+                    </a:lnB>
+                  </a:tcPr>
+                </a:tc>
+                <a:tc>
+                  <a:txBody>
+                    <a:bodyPr/>
+                    <a:lstStyle/>
+                    <a:p>
+                      <a:pPr algn="ctr"/>
+                      <a:r>
+                        <a:rPr lang="de-DE" sz="1200" dirty="0">
+                          <a:latin typeface="Arial" panose="020B0604020202020204" pitchFamily="34" charset="0"/>
+                          <a:cs typeface="Arial" panose="020B0604020202020204" pitchFamily="34" charset="0"/>
+                        </a:rPr>
+                        <a:t>0</a:t>
+                      </a:r>
+                    </a:p>
+                  </a:txBody>
+                  <a:tcPr anchor="ctr">
+                    <a:lnL w="12700" cap="flat" cmpd="sng" algn="ctr">
+                      <a:solidFill>
+                        <a:schemeClr val="tx1"/>
+                      </a:solidFill>
+                      <a:prstDash val="sysDot"/>
+                      <a:round/>
+                      <a:headEnd type="none" w="med" len="med"/>
+                      <a:tailEnd type="none" w="med" len="med"/>
+                    </a:lnL>
+                    <a:lnR w="12700" cap="flat" cmpd="sng" algn="ctr">
+                      <a:solidFill>
+                        <a:schemeClr val="tx1"/>
+                      </a:solidFill>
+                      <a:prstDash val="sysDot"/>
+                      <a:round/>
+                      <a:headEnd type="none" w="med" len="med"/>
+                      <a:tailEnd type="none" w="med" len="med"/>
+                    </a:lnR>
+                    <a:lnT w="12700" cap="flat" cmpd="sng" algn="ctr">
+                      <a:solidFill>
+                        <a:schemeClr val="tx1"/>
+                      </a:solidFill>
+                      <a:prstDash val="sysDot"/>
+                      <a:round/>
+                      <a:headEnd type="none" w="med" len="med"/>
+                      <a:tailEnd type="none" w="med" len="med"/>
+                    </a:lnT>
+                    <a:lnB w="12700" cap="flat" cmpd="sng" algn="ctr">
+                      <a:solidFill>
+                        <a:schemeClr val="tx1"/>
+                      </a:solidFill>
+                      <a:prstDash val="sysDot"/>
+                      <a:round/>
+                      <a:headEnd type="none" w="med" len="med"/>
+                      <a:tailEnd type="none" w="med" len="med"/>
+                    </a:lnB>
+                  </a:tcPr>
+                </a:tc>
+                <a:tc>
+                  <a:txBody>
+                    <a:bodyPr/>
+                    <a:lstStyle/>
+                    <a:p>
+                      <a:pPr algn="ctr"/>
+                      <a:r>
+                        <a:rPr lang="de-DE" sz="1200" dirty="0">
+                          <a:latin typeface="Arial" panose="020B0604020202020204" pitchFamily="34" charset="0"/>
+                          <a:cs typeface="Arial" panose="020B0604020202020204" pitchFamily="34" charset="0"/>
+                        </a:rPr>
+                        <a:t>0</a:t>
+                      </a:r>
+                    </a:p>
+                  </a:txBody>
+                  <a:tcPr anchor="ctr">
+                    <a:lnL w="12700" cap="flat" cmpd="sng" algn="ctr">
+                      <a:solidFill>
+                        <a:schemeClr val="tx1"/>
+                      </a:solidFill>
+                      <a:prstDash val="sysDot"/>
+                      <a:round/>
+                      <a:headEnd type="none" w="med" len="med"/>
+                      <a:tailEnd type="none" w="med" len="med"/>
+                    </a:lnL>
+                    <a:lnT w="12700" cap="flat" cmpd="sng" algn="ctr">
+                      <a:solidFill>
+                        <a:schemeClr val="tx1"/>
+                      </a:solidFill>
+                      <a:prstDash val="sysDot"/>
+                      <a:round/>
+                      <a:headEnd type="none" w="med" len="med"/>
+                      <a:tailEnd type="none" w="med" len="med"/>
+                    </a:lnT>
+                    <a:lnB w="12700" cap="flat" cmpd="sng" algn="ctr">
+                      <a:solidFill>
+                        <a:schemeClr val="tx1"/>
+                      </a:solidFill>
+                      <a:prstDash val="sysDot"/>
+                      <a:round/>
+                      <a:headEnd type="none" w="med" len="med"/>
+                      <a:tailEnd type="none" w="med" len="med"/>
+                    </a:lnB>
+                  </a:tcPr>
+                </a:tc>
+                <a:extLst>
+                  <a:ext uri="{0D108BD9-81ED-4DB2-BD59-A6C34878D82A}">
+                    <a16:rowId xmlns:a16="http://schemas.microsoft.com/office/drawing/2014/main" val="1780095958"/>
+                  </a:ext>
+                </a:extLst>
+              </a:tr>
+              <a:tr h="216000">
+                <a:tc>
+                  <a:txBody>
+                    <a:bodyPr/>
+                    <a:lstStyle/>
+                    <a:p>
+                      <a:pPr algn="ctr"/>
+                      <a:r>
+                        <a:rPr lang="de-DE" sz="1200" b="1" dirty="0">
+                          <a:latin typeface="Arial" panose="020B0604020202020204" pitchFamily="34" charset="0"/>
+                          <a:cs typeface="Arial" panose="020B0604020202020204" pitchFamily="34" charset="0"/>
+                        </a:rPr>
+                        <a:t>H</a:t>
+                      </a:r>
+                    </a:p>
+                  </a:txBody>
+                  <a:tcPr anchor="ctr"/>
+                </a:tc>
+                <a:tc>
+                  <a:txBody>
+                    <a:bodyPr/>
+                    <a:lstStyle/>
+                    <a:p>
+                      <a:pPr algn="ctr"/>
+                      <a:r>
+                        <a:rPr lang="de-DE" sz="1200" dirty="0">
+                          <a:latin typeface="Arial" panose="020B0604020202020204" pitchFamily="34" charset="0"/>
+                          <a:cs typeface="Arial" panose="020B0604020202020204" pitchFamily="34" charset="0"/>
+                        </a:rPr>
+                        <a:t>0</a:t>
+                      </a:r>
+                    </a:p>
+                  </a:txBody>
+                  <a:tcPr anchor="ctr">
+                    <a:lnR w="12700" cap="flat" cmpd="sng" algn="ctr">
+                      <a:solidFill>
+                        <a:schemeClr val="tx1"/>
+                      </a:solidFill>
+                      <a:prstDash val="sysDot"/>
+                      <a:round/>
+                      <a:headEnd type="none" w="med" len="med"/>
+                      <a:tailEnd type="none" w="med" len="med"/>
+                    </a:lnR>
+                    <a:lnT w="12700" cap="flat" cmpd="sng" algn="ctr">
+                      <a:solidFill>
+                        <a:schemeClr val="tx1"/>
+                      </a:solidFill>
+                      <a:prstDash val="sysDot"/>
+                      <a:round/>
+                      <a:headEnd type="none" w="med" len="med"/>
+                      <a:tailEnd type="none" w="med" len="med"/>
+                    </a:lnT>
+                    <a:lnB w="12700" cap="flat" cmpd="sng" algn="ctr">
+                      <a:solidFill>
+                        <a:schemeClr val="tx1"/>
+                      </a:solidFill>
+                      <a:prstDash val="sysDot"/>
+                      <a:round/>
+                      <a:headEnd type="none" w="med" len="med"/>
+                      <a:tailEnd type="none" w="med" len="med"/>
+                    </a:lnB>
+                  </a:tcPr>
+                </a:tc>
+                <a:tc>
+                  <a:txBody>
+                    <a:bodyPr/>
+                    <a:lstStyle/>
+                    <a:p>
+                      <a:pPr algn="ctr"/>
+                      <a:r>
+                        <a:rPr lang="de-DE" sz="1200" dirty="0">
+                          <a:latin typeface="Arial" panose="020B0604020202020204" pitchFamily="34" charset="0"/>
+                          <a:cs typeface="Arial" panose="020B0604020202020204" pitchFamily="34" charset="0"/>
+                        </a:rPr>
+                        <a:t>1</a:t>
+                      </a:r>
+                    </a:p>
+                  </a:txBody>
+                  <a:tcPr anchor="ctr">
+                    <a:lnL w="12700" cap="flat" cmpd="sng" algn="ctr">
+                      <a:solidFill>
+                        <a:schemeClr val="tx1"/>
+                      </a:solidFill>
+                      <a:prstDash val="sysDot"/>
+                      <a:round/>
+                      <a:headEnd type="none" w="med" len="med"/>
+                      <a:tailEnd type="none" w="med" len="med"/>
+                    </a:lnL>
+                    <a:lnR w="12700" cap="flat" cmpd="sng" algn="ctr">
+                      <a:solidFill>
+                        <a:schemeClr val="tx1"/>
+                      </a:solidFill>
+                      <a:prstDash val="sysDot"/>
+                      <a:round/>
+                      <a:headEnd type="none" w="med" len="med"/>
+                      <a:tailEnd type="none" w="med" len="med"/>
+                    </a:lnR>
+                    <a:lnT w="12700" cap="flat" cmpd="sng" algn="ctr">
+                      <a:solidFill>
+                        <a:schemeClr val="tx1"/>
+                      </a:solidFill>
+                      <a:prstDash val="sysDot"/>
+                      <a:round/>
+                      <a:headEnd type="none" w="med" len="med"/>
+                      <a:tailEnd type="none" w="med" len="med"/>
+                    </a:lnT>
+                    <a:lnB w="12700" cap="flat" cmpd="sng" algn="ctr">
+                      <a:solidFill>
+                        <a:schemeClr val="tx1"/>
+                      </a:solidFill>
+                      <a:prstDash val="sysDot"/>
+                      <a:round/>
+                      <a:headEnd type="none" w="med" len="med"/>
+                      <a:tailEnd type="none" w="med" len="med"/>
+                    </a:lnB>
+                  </a:tcPr>
+                </a:tc>
+                <a:tc>
+                  <a:txBody>
+                    <a:bodyPr/>
+                    <a:lstStyle/>
+                    <a:p>
+                      <a:pPr algn="ctr"/>
+                      <a:r>
+                        <a:rPr lang="de-DE" sz="1200" dirty="0">
+                          <a:latin typeface="Arial" panose="020B0604020202020204" pitchFamily="34" charset="0"/>
+                          <a:cs typeface="Arial" panose="020B0604020202020204" pitchFamily="34" charset="0"/>
+                        </a:rPr>
+                        <a:t>0</a:t>
+                      </a:r>
+                    </a:p>
+                  </a:txBody>
+                  <a:tcPr anchor="ctr">
+                    <a:lnL w="12700" cap="flat" cmpd="sng" algn="ctr">
+                      <a:solidFill>
+                        <a:schemeClr val="tx1"/>
+                      </a:solidFill>
+                      <a:prstDash val="sysDot"/>
+                      <a:round/>
+                      <a:headEnd type="none" w="med" len="med"/>
+                      <a:tailEnd type="none" w="med" len="med"/>
+                    </a:lnL>
+                    <a:lnR w="12700" cap="flat" cmpd="sng" algn="ctr">
+                      <a:solidFill>
+                        <a:schemeClr val="tx1"/>
+                      </a:solidFill>
+                      <a:prstDash val="sysDot"/>
+                      <a:round/>
+                      <a:headEnd type="none" w="med" len="med"/>
+                      <a:tailEnd type="none" w="med" len="med"/>
+                    </a:lnR>
+                    <a:lnT w="12700" cap="flat" cmpd="sng" algn="ctr">
+                      <a:solidFill>
+                        <a:schemeClr val="tx1"/>
+                      </a:solidFill>
+                      <a:prstDash val="sysDot"/>
+                      <a:round/>
+                      <a:headEnd type="none" w="med" len="med"/>
+                      <a:tailEnd type="none" w="med" len="med"/>
+                    </a:lnT>
+                    <a:lnB w="12700" cap="flat" cmpd="sng" algn="ctr">
+                      <a:solidFill>
+                        <a:schemeClr val="tx1"/>
+                      </a:solidFill>
+                      <a:prstDash val="sysDot"/>
+                      <a:round/>
+                      <a:headEnd type="none" w="med" len="med"/>
+                      <a:tailEnd type="none" w="med" len="med"/>
+                    </a:lnB>
+                  </a:tcPr>
+                </a:tc>
+                <a:tc>
+                  <a:txBody>
+                    <a:bodyPr/>
+                    <a:lstStyle/>
+                    <a:p>
+                      <a:pPr algn="ctr"/>
+                      <a:r>
+                        <a:rPr lang="de-DE" sz="1200" dirty="0">
+                          <a:latin typeface="Arial" panose="020B0604020202020204" pitchFamily="34" charset="0"/>
+                          <a:cs typeface="Arial" panose="020B0604020202020204" pitchFamily="34" charset="0"/>
+                        </a:rPr>
+                        <a:t>0</a:t>
+                      </a:r>
+                    </a:p>
+                  </a:txBody>
+                  <a:tcPr anchor="ctr">
+                    <a:lnL w="12700" cap="flat" cmpd="sng" algn="ctr">
+                      <a:solidFill>
+                        <a:schemeClr val="tx1"/>
+                      </a:solidFill>
+                      <a:prstDash val="sysDot"/>
+                      <a:round/>
+                      <a:headEnd type="none" w="med" len="med"/>
+                      <a:tailEnd type="none" w="med" len="med"/>
+                    </a:lnL>
+                    <a:lnR w="12700" cap="flat" cmpd="sng" algn="ctr">
+                      <a:solidFill>
+                        <a:schemeClr val="tx1"/>
+                      </a:solidFill>
+                      <a:prstDash val="sysDot"/>
+                      <a:round/>
+                      <a:headEnd type="none" w="med" len="med"/>
+                      <a:tailEnd type="none" w="med" len="med"/>
+                    </a:lnR>
+                    <a:lnT w="12700" cap="flat" cmpd="sng" algn="ctr">
+                      <a:solidFill>
+                        <a:schemeClr val="tx1"/>
+                      </a:solidFill>
+                      <a:prstDash val="sysDot"/>
+                      <a:round/>
+                      <a:headEnd type="none" w="med" len="med"/>
+                      <a:tailEnd type="none" w="med" len="med"/>
+                    </a:lnT>
+                    <a:lnB w="12700" cap="flat" cmpd="sng" algn="ctr">
+                      <a:solidFill>
+                        <a:schemeClr val="tx1"/>
+                      </a:solidFill>
+                      <a:prstDash val="sysDot"/>
+                      <a:round/>
+                      <a:headEnd type="none" w="med" len="med"/>
+                      <a:tailEnd type="none" w="med" len="med"/>
+                    </a:lnB>
+                  </a:tcPr>
+                </a:tc>
+                <a:tc>
+                  <a:txBody>
+                    <a:bodyPr/>
+                    <a:lstStyle/>
+                    <a:p>
+                      <a:pPr algn="ctr"/>
+                      <a:r>
+                        <a:rPr lang="de-DE" sz="1200" dirty="0">
+                          <a:latin typeface="Arial" panose="020B0604020202020204" pitchFamily="34" charset="0"/>
+                          <a:cs typeface="Arial" panose="020B0604020202020204" pitchFamily="34" charset="0"/>
+                        </a:rPr>
+                        <a:t>0</a:t>
+                      </a:r>
+                    </a:p>
+                  </a:txBody>
+                  <a:tcPr anchor="ctr">
+                    <a:lnL w="12700" cap="flat" cmpd="sng" algn="ctr">
+                      <a:solidFill>
+                        <a:schemeClr val="tx1"/>
+                      </a:solidFill>
+                      <a:prstDash val="sysDot"/>
+                      <a:round/>
+                      <a:headEnd type="none" w="med" len="med"/>
+                      <a:tailEnd type="none" w="med" len="med"/>
+                    </a:lnL>
+                    <a:lnR w="12700" cap="flat" cmpd="sng" algn="ctr">
+                      <a:solidFill>
+                        <a:schemeClr val="tx1"/>
+                      </a:solidFill>
+                      <a:prstDash val="sysDot"/>
+                      <a:round/>
+                      <a:headEnd type="none" w="med" len="med"/>
+                      <a:tailEnd type="none" w="med" len="med"/>
+                    </a:lnR>
+                    <a:lnT w="12700" cap="flat" cmpd="sng" algn="ctr">
+                      <a:solidFill>
+                        <a:schemeClr val="tx1"/>
+                      </a:solidFill>
+                      <a:prstDash val="sysDot"/>
+                      <a:round/>
+                      <a:headEnd type="none" w="med" len="med"/>
+                      <a:tailEnd type="none" w="med" len="med"/>
+                    </a:lnT>
+                    <a:lnB w="12700" cap="flat" cmpd="sng" algn="ctr">
+                      <a:solidFill>
+                        <a:schemeClr val="tx1"/>
+                      </a:solidFill>
+                      <a:prstDash val="sysDot"/>
+                      <a:round/>
+                      <a:headEnd type="none" w="med" len="med"/>
+                      <a:tailEnd type="none" w="med" len="med"/>
+                    </a:lnB>
+                  </a:tcPr>
+                </a:tc>
+                <a:tc>
+                  <a:txBody>
+                    <a:bodyPr/>
+                    <a:lstStyle/>
+                    <a:p>
+                      <a:pPr algn="ctr"/>
+                      <a:r>
+                        <a:rPr lang="de-DE" sz="1200" dirty="0">
+                          <a:latin typeface="Arial" panose="020B0604020202020204" pitchFamily="34" charset="0"/>
+                          <a:cs typeface="Arial" panose="020B0604020202020204" pitchFamily="34" charset="0"/>
+                        </a:rPr>
+                        <a:t>0</a:t>
+                      </a:r>
+                    </a:p>
+                  </a:txBody>
+                  <a:tcPr anchor="ctr">
+                    <a:lnL w="12700" cap="flat" cmpd="sng" algn="ctr">
+                      <a:solidFill>
+                        <a:schemeClr val="tx1"/>
+                      </a:solidFill>
+                      <a:prstDash val="sysDot"/>
+                      <a:round/>
+                      <a:headEnd type="none" w="med" len="med"/>
+                      <a:tailEnd type="none" w="med" len="med"/>
+                    </a:lnL>
+                    <a:lnR w="12700" cap="flat" cmpd="sng" algn="ctr">
+                      <a:solidFill>
+                        <a:schemeClr val="tx1"/>
+                      </a:solidFill>
+                      <a:prstDash val="sysDot"/>
+                      <a:round/>
+                      <a:headEnd type="none" w="med" len="med"/>
+                      <a:tailEnd type="none" w="med" len="med"/>
+                    </a:lnR>
+                    <a:lnT w="12700" cap="flat" cmpd="sng" algn="ctr">
+                      <a:solidFill>
+                        <a:schemeClr val="tx1"/>
+                      </a:solidFill>
+                      <a:prstDash val="sysDot"/>
+                      <a:round/>
+                      <a:headEnd type="none" w="med" len="med"/>
+                      <a:tailEnd type="none" w="med" len="med"/>
+                    </a:lnT>
+                    <a:lnB w="12700" cap="flat" cmpd="sng" algn="ctr">
+                      <a:solidFill>
+                        <a:schemeClr val="tx1"/>
+                      </a:solidFill>
+                      <a:prstDash val="sysDot"/>
+                      <a:round/>
+                      <a:headEnd type="none" w="med" len="med"/>
+                      <a:tailEnd type="none" w="med" len="med"/>
+                    </a:lnB>
+                  </a:tcPr>
+                </a:tc>
+                <a:tc>
+                  <a:txBody>
+                    <a:bodyPr/>
+                    <a:lstStyle/>
+                    <a:p>
+                      <a:pPr algn="ctr"/>
+                      <a:r>
+                        <a:rPr lang="de-DE" sz="1200" dirty="0">
+                          <a:latin typeface="Arial" panose="020B0604020202020204" pitchFamily="34" charset="0"/>
+                          <a:cs typeface="Arial" panose="020B0604020202020204" pitchFamily="34" charset="0"/>
+                        </a:rPr>
+                        <a:t>0</a:t>
+                      </a:r>
+                    </a:p>
+                  </a:txBody>
+                  <a:tcPr anchor="ctr">
+                    <a:lnL w="12700" cap="flat" cmpd="sng" algn="ctr">
+                      <a:solidFill>
+                        <a:schemeClr val="tx1"/>
+                      </a:solidFill>
+                      <a:prstDash val="sysDot"/>
+                      <a:round/>
+                      <a:headEnd type="none" w="med" len="med"/>
+                      <a:tailEnd type="none" w="med" len="med"/>
+                    </a:lnL>
+                    <a:lnT w="12700" cap="flat" cmpd="sng" algn="ctr">
+                      <a:solidFill>
+                        <a:schemeClr val="tx1"/>
+                      </a:solidFill>
+                      <a:prstDash val="sysDot"/>
+                      <a:round/>
+                      <a:headEnd type="none" w="med" len="med"/>
+                      <a:tailEnd type="none" w="med" len="med"/>
+                    </a:lnT>
+                    <a:lnB w="12700" cap="flat" cmpd="sng" algn="ctr">
+                      <a:solidFill>
+                        <a:schemeClr val="tx1"/>
+                      </a:solidFill>
+                      <a:prstDash val="sysDot"/>
+                      <a:round/>
+                      <a:headEnd type="none" w="med" len="med"/>
+                      <a:tailEnd type="none" w="med" len="med"/>
+                    </a:lnB>
+                  </a:tcPr>
+                </a:tc>
+                <a:extLst>
+                  <a:ext uri="{0D108BD9-81ED-4DB2-BD59-A6C34878D82A}">
+                    <a16:rowId xmlns:a16="http://schemas.microsoft.com/office/drawing/2014/main" val="2506266957"/>
+                  </a:ext>
+                </a:extLst>
+              </a:tr>
+              <a:tr h="216000">
+                <a:tc>
+                  <a:txBody>
+                    <a:bodyPr/>
+                    <a:lstStyle/>
+                    <a:p>
+                      <a:pPr algn="ctr"/>
+                      <a:r>
+                        <a:rPr lang="de-DE" sz="1200" b="1" dirty="0">
+                          <a:latin typeface="Arial" panose="020B0604020202020204" pitchFamily="34" charset="0"/>
+                          <a:cs typeface="Arial" panose="020B0604020202020204" pitchFamily="34" charset="0"/>
+                        </a:rPr>
+                        <a:t>H</a:t>
+                      </a:r>
+                    </a:p>
+                  </a:txBody>
+                  <a:tcPr anchor="ctr"/>
+                </a:tc>
+                <a:tc>
+                  <a:txBody>
+                    <a:bodyPr/>
+                    <a:lstStyle/>
+                    <a:p>
+                      <a:pPr algn="ctr"/>
+                      <a:r>
+                        <a:rPr lang="de-DE" sz="1200" dirty="0">
+                          <a:latin typeface="Arial" panose="020B0604020202020204" pitchFamily="34" charset="0"/>
+                          <a:cs typeface="Arial" panose="020B0604020202020204" pitchFamily="34" charset="0"/>
+                        </a:rPr>
+                        <a:t>1</a:t>
+                      </a:r>
+                    </a:p>
+                  </a:txBody>
+                  <a:tcPr anchor="ctr">
+                    <a:lnR w="12700" cap="flat" cmpd="sng" algn="ctr">
+                      <a:solidFill>
+                        <a:schemeClr val="tx1"/>
+                      </a:solidFill>
+                      <a:prstDash val="sysDot"/>
+                      <a:round/>
+                      <a:headEnd type="none" w="med" len="med"/>
+                      <a:tailEnd type="none" w="med" len="med"/>
+                    </a:lnR>
+                    <a:lnT w="12700" cap="flat" cmpd="sng" algn="ctr">
+                      <a:solidFill>
+                        <a:schemeClr val="tx1"/>
+                      </a:solidFill>
+                      <a:prstDash val="sysDot"/>
+                      <a:round/>
+                      <a:headEnd type="none" w="med" len="med"/>
+                      <a:tailEnd type="none" w="med" len="med"/>
+                    </a:lnT>
+                    <a:lnB w="12700" cap="flat" cmpd="sng" algn="ctr">
+                      <a:solidFill>
+                        <a:schemeClr val="tx1"/>
+                      </a:solidFill>
+                      <a:prstDash val="sysDot"/>
+                      <a:round/>
+                      <a:headEnd type="none" w="med" len="med"/>
+                      <a:tailEnd type="none" w="med" len="med"/>
+                    </a:lnB>
+                  </a:tcPr>
+                </a:tc>
+                <a:tc>
+                  <a:txBody>
+                    <a:bodyPr/>
+                    <a:lstStyle/>
+                    <a:p>
+                      <a:pPr algn="ctr"/>
+                      <a:r>
+                        <a:rPr lang="de-DE" sz="1200" dirty="0">
+                          <a:latin typeface="Arial" panose="020B0604020202020204" pitchFamily="34" charset="0"/>
+                          <a:cs typeface="Arial" panose="020B0604020202020204" pitchFamily="34" charset="0"/>
+                        </a:rPr>
+                        <a:t>0</a:t>
+                      </a:r>
+                    </a:p>
+                  </a:txBody>
+                  <a:tcPr anchor="ctr">
+                    <a:lnL w="12700" cap="flat" cmpd="sng" algn="ctr">
+                      <a:solidFill>
+                        <a:schemeClr val="tx1"/>
+                      </a:solidFill>
+                      <a:prstDash val="sysDot"/>
+                      <a:round/>
+                      <a:headEnd type="none" w="med" len="med"/>
+                      <a:tailEnd type="none" w="med" len="med"/>
+                    </a:lnL>
+                    <a:lnR w="12700" cap="flat" cmpd="sng" algn="ctr">
+                      <a:solidFill>
+                        <a:schemeClr val="tx1"/>
+                      </a:solidFill>
+                      <a:prstDash val="sysDot"/>
+                      <a:round/>
+                      <a:headEnd type="none" w="med" len="med"/>
+                      <a:tailEnd type="none" w="med" len="med"/>
+                    </a:lnR>
+                    <a:lnT w="12700" cap="flat" cmpd="sng" algn="ctr">
+                      <a:solidFill>
+                        <a:schemeClr val="tx1"/>
+                      </a:solidFill>
+                      <a:prstDash val="sysDot"/>
+                      <a:round/>
+                      <a:headEnd type="none" w="med" len="med"/>
+                      <a:tailEnd type="none" w="med" len="med"/>
+                    </a:lnT>
+                    <a:lnB w="12700" cap="flat" cmpd="sng" algn="ctr">
+                      <a:solidFill>
+                        <a:schemeClr val="tx1"/>
+                      </a:solidFill>
+                      <a:prstDash val="sysDot"/>
+                      <a:round/>
+                      <a:headEnd type="none" w="med" len="med"/>
+                      <a:tailEnd type="none" w="med" len="med"/>
+                    </a:lnB>
+                  </a:tcPr>
+                </a:tc>
+                <a:tc>
+                  <a:txBody>
+                    <a:bodyPr/>
+                    <a:lstStyle/>
+                    <a:p>
+                      <a:pPr algn="ctr"/>
+                      <a:r>
+                        <a:rPr lang="de-DE" sz="1200" dirty="0">
+                          <a:latin typeface="Arial" panose="020B0604020202020204" pitchFamily="34" charset="0"/>
+                          <a:cs typeface="Arial" panose="020B0604020202020204" pitchFamily="34" charset="0"/>
+                        </a:rPr>
+                        <a:t>0</a:t>
+                      </a:r>
+                    </a:p>
+                  </a:txBody>
+                  <a:tcPr anchor="ctr">
+                    <a:lnL w="12700" cap="flat" cmpd="sng" algn="ctr">
+                      <a:solidFill>
+                        <a:schemeClr val="tx1"/>
+                      </a:solidFill>
+                      <a:prstDash val="sysDot"/>
+                      <a:round/>
+                      <a:headEnd type="none" w="med" len="med"/>
+                      <a:tailEnd type="none" w="med" len="med"/>
+                    </a:lnL>
+                    <a:lnR w="12700" cap="flat" cmpd="sng" algn="ctr">
+                      <a:solidFill>
+                        <a:schemeClr val="tx1"/>
+                      </a:solidFill>
+                      <a:prstDash val="sysDot"/>
+                      <a:round/>
+                      <a:headEnd type="none" w="med" len="med"/>
+                      <a:tailEnd type="none" w="med" len="med"/>
+                    </a:lnR>
+                    <a:lnT w="12700" cap="flat" cmpd="sng" algn="ctr">
+                      <a:solidFill>
+                        <a:schemeClr val="tx1"/>
+                      </a:solidFill>
+                      <a:prstDash val="sysDot"/>
+                      <a:round/>
+                      <a:headEnd type="none" w="med" len="med"/>
+                      <a:tailEnd type="none" w="med" len="med"/>
+                    </a:lnT>
+                    <a:lnB w="12700" cap="flat" cmpd="sng" algn="ctr">
+                      <a:solidFill>
+                        <a:schemeClr val="tx1"/>
+                      </a:solidFill>
+                      <a:prstDash val="sysDot"/>
+                      <a:round/>
+                      <a:headEnd type="none" w="med" len="med"/>
+                      <a:tailEnd type="none" w="med" len="med"/>
+                    </a:lnB>
+                  </a:tcPr>
+                </a:tc>
+                <a:tc>
+                  <a:txBody>
+                    <a:bodyPr/>
+                    <a:lstStyle/>
+                    <a:p>
+                      <a:pPr algn="ctr"/>
+                      <a:r>
+                        <a:rPr lang="de-DE" sz="1200" dirty="0">
+                          <a:latin typeface="Arial" panose="020B0604020202020204" pitchFamily="34" charset="0"/>
+                          <a:cs typeface="Arial" panose="020B0604020202020204" pitchFamily="34" charset="0"/>
+                        </a:rPr>
+                        <a:t>0</a:t>
+                      </a:r>
+                    </a:p>
+                  </a:txBody>
+                  <a:tcPr anchor="ctr">
+                    <a:lnL w="12700" cap="flat" cmpd="sng" algn="ctr">
+                      <a:solidFill>
+                        <a:schemeClr val="tx1"/>
+                      </a:solidFill>
+                      <a:prstDash val="sysDot"/>
+                      <a:round/>
+                      <a:headEnd type="none" w="med" len="med"/>
+                      <a:tailEnd type="none" w="med" len="med"/>
+                    </a:lnL>
+                    <a:lnR w="12700" cap="flat" cmpd="sng" algn="ctr">
+                      <a:solidFill>
+                        <a:schemeClr val="tx1"/>
+                      </a:solidFill>
+                      <a:prstDash val="sysDot"/>
+                      <a:round/>
+                      <a:headEnd type="none" w="med" len="med"/>
+                      <a:tailEnd type="none" w="med" len="med"/>
+                    </a:lnR>
+                    <a:lnT w="12700" cap="flat" cmpd="sng" algn="ctr">
+                      <a:solidFill>
+                        <a:schemeClr val="tx1"/>
+                      </a:solidFill>
+                      <a:prstDash val="sysDot"/>
+                      <a:round/>
+                      <a:headEnd type="none" w="med" len="med"/>
+                      <a:tailEnd type="none" w="med" len="med"/>
+                    </a:lnT>
+                    <a:lnB w="12700" cap="flat" cmpd="sng" algn="ctr">
+                      <a:solidFill>
+                        <a:schemeClr val="tx1"/>
+                      </a:solidFill>
+                      <a:prstDash val="sysDot"/>
+                      <a:round/>
+                      <a:headEnd type="none" w="med" len="med"/>
+                      <a:tailEnd type="none" w="med" len="med"/>
+                    </a:lnB>
+                  </a:tcPr>
+                </a:tc>
+                <a:tc>
+                  <a:txBody>
+                    <a:bodyPr/>
+                    <a:lstStyle/>
+                    <a:p>
+                      <a:pPr algn="ctr"/>
+                      <a:r>
+                        <a:rPr lang="de-DE" sz="1200" dirty="0">
+                          <a:latin typeface="Arial" panose="020B0604020202020204" pitchFamily="34" charset="0"/>
+                          <a:cs typeface="Arial" panose="020B0604020202020204" pitchFamily="34" charset="0"/>
+                        </a:rPr>
+                        <a:t>0</a:t>
+                      </a:r>
+                    </a:p>
+                  </a:txBody>
+                  <a:tcPr anchor="ctr">
+                    <a:lnL w="12700" cap="flat" cmpd="sng" algn="ctr">
+                      <a:solidFill>
+                        <a:schemeClr val="tx1"/>
+                      </a:solidFill>
+                      <a:prstDash val="sysDot"/>
+                      <a:round/>
+                      <a:headEnd type="none" w="med" len="med"/>
+                      <a:tailEnd type="none" w="med" len="med"/>
+                    </a:lnL>
+                    <a:lnR w="12700" cap="flat" cmpd="sng" algn="ctr">
+                      <a:solidFill>
+                        <a:schemeClr val="tx1"/>
+                      </a:solidFill>
+                      <a:prstDash val="sysDot"/>
+                      <a:round/>
+                      <a:headEnd type="none" w="med" len="med"/>
+                      <a:tailEnd type="none" w="med" len="med"/>
+                    </a:lnR>
+                    <a:lnT w="12700" cap="flat" cmpd="sng" algn="ctr">
+                      <a:solidFill>
+                        <a:schemeClr val="tx1"/>
+                      </a:solidFill>
+                      <a:prstDash val="sysDot"/>
+                      <a:round/>
+                      <a:headEnd type="none" w="med" len="med"/>
+                      <a:tailEnd type="none" w="med" len="med"/>
+                    </a:lnT>
+                    <a:lnB w="12700" cap="flat" cmpd="sng" algn="ctr">
+                      <a:solidFill>
+                        <a:schemeClr val="tx1"/>
+                      </a:solidFill>
+                      <a:prstDash val="sysDot"/>
+                      <a:round/>
+                      <a:headEnd type="none" w="med" len="med"/>
+                      <a:tailEnd type="none" w="med" len="med"/>
+                    </a:lnB>
+                  </a:tcPr>
+                </a:tc>
+                <a:tc>
+                  <a:txBody>
+                    <a:bodyPr/>
+                    <a:lstStyle/>
+                    <a:p>
+                      <a:pPr algn="ctr"/>
+                      <a:r>
+                        <a:rPr lang="de-DE" sz="1200" dirty="0">
+                          <a:latin typeface="Arial" panose="020B0604020202020204" pitchFamily="34" charset="0"/>
+                          <a:cs typeface="Arial" panose="020B0604020202020204" pitchFamily="34" charset="0"/>
+                        </a:rPr>
+                        <a:t>0</a:t>
+                      </a:r>
+                    </a:p>
+                  </a:txBody>
+                  <a:tcPr anchor="ctr">
+                    <a:lnL w="12700" cap="flat" cmpd="sng" algn="ctr">
+                      <a:solidFill>
+                        <a:schemeClr val="tx1"/>
+                      </a:solidFill>
+                      <a:prstDash val="sysDot"/>
+                      <a:round/>
+                      <a:headEnd type="none" w="med" len="med"/>
+                      <a:tailEnd type="none" w="med" len="med"/>
+                    </a:lnL>
+                    <a:lnR w="12700" cap="flat" cmpd="sng" algn="ctr">
+                      <a:solidFill>
+                        <a:schemeClr val="tx1"/>
+                      </a:solidFill>
+                      <a:prstDash val="sysDot"/>
+                      <a:round/>
+                      <a:headEnd type="none" w="med" len="med"/>
+                      <a:tailEnd type="none" w="med" len="med"/>
+                    </a:lnR>
+                    <a:lnT w="12700" cap="flat" cmpd="sng" algn="ctr">
+                      <a:solidFill>
+                        <a:schemeClr val="tx1"/>
+                      </a:solidFill>
+                      <a:prstDash val="sysDot"/>
+                      <a:round/>
+                      <a:headEnd type="none" w="med" len="med"/>
+                      <a:tailEnd type="none" w="med" len="med"/>
+                    </a:lnT>
+                    <a:lnB w="12700" cap="flat" cmpd="sng" algn="ctr">
+                      <a:solidFill>
+                        <a:schemeClr val="tx1"/>
+                      </a:solidFill>
+                      <a:prstDash val="sysDot"/>
+                      <a:round/>
+                      <a:headEnd type="none" w="med" len="med"/>
+                      <a:tailEnd type="none" w="med" len="med"/>
+                    </a:lnB>
+                  </a:tcPr>
+                </a:tc>
+                <a:tc>
+                  <a:txBody>
+                    <a:bodyPr/>
+                    <a:lstStyle/>
+                    <a:p>
+                      <a:pPr algn="ctr"/>
+                      <a:r>
+                        <a:rPr lang="de-DE" sz="1200" dirty="0">
+                          <a:latin typeface="Arial" panose="020B0604020202020204" pitchFamily="34" charset="0"/>
+                          <a:cs typeface="Arial" panose="020B0604020202020204" pitchFamily="34" charset="0"/>
+                        </a:rPr>
+                        <a:t>0</a:t>
+                      </a:r>
+                    </a:p>
+                  </a:txBody>
+                  <a:tcPr anchor="ctr">
+                    <a:lnL w="12700" cap="flat" cmpd="sng" algn="ctr">
+                      <a:solidFill>
+                        <a:schemeClr val="tx1"/>
+                      </a:solidFill>
+                      <a:prstDash val="sysDot"/>
+                      <a:round/>
+                      <a:headEnd type="none" w="med" len="med"/>
+                      <a:tailEnd type="none" w="med" len="med"/>
+                    </a:lnL>
+                    <a:lnT w="12700" cap="flat" cmpd="sng" algn="ctr">
+                      <a:solidFill>
+                        <a:schemeClr val="tx1"/>
+                      </a:solidFill>
+                      <a:prstDash val="sysDot"/>
+                      <a:round/>
+                      <a:headEnd type="none" w="med" len="med"/>
+                      <a:tailEnd type="none" w="med" len="med"/>
+                    </a:lnT>
+                    <a:lnB w="12700" cap="flat" cmpd="sng" algn="ctr">
+                      <a:solidFill>
+                        <a:schemeClr val="tx1"/>
+                      </a:solidFill>
+                      <a:prstDash val="sysDot"/>
+                      <a:round/>
+                      <a:headEnd type="none" w="med" len="med"/>
+                      <a:tailEnd type="none" w="med" len="med"/>
+                    </a:lnB>
+                  </a:tcPr>
+                </a:tc>
+                <a:extLst>
+                  <a:ext uri="{0D108BD9-81ED-4DB2-BD59-A6C34878D82A}">
+                    <a16:rowId xmlns:a16="http://schemas.microsoft.com/office/drawing/2014/main" val="2951610868"/>
+                  </a:ext>
+                </a:extLst>
+              </a:tr>
+              <a:tr h="216000">
+                <a:tc>
+                  <a:txBody>
+                    <a:bodyPr/>
+                    <a:lstStyle/>
+                    <a:p>
+                      <a:pPr algn="ctr"/>
+                      <a:r>
+                        <a:rPr lang="de-DE" sz="1200" b="1" dirty="0">
+                          <a:latin typeface="Arial" panose="020B0604020202020204" pitchFamily="34" charset="0"/>
+                          <a:cs typeface="Arial" panose="020B0604020202020204" pitchFamily="34" charset="0"/>
+                        </a:rPr>
+                        <a:t>C</a:t>
+                      </a:r>
+                    </a:p>
+                  </a:txBody>
+                  <a:tcPr anchor="ctr"/>
+                </a:tc>
+                <a:tc>
+                  <a:txBody>
+                    <a:bodyPr/>
+                    <a:lstStyle/>
+                    <a:p>
+                      <a:pPr algn="ctr"/>
+                      <a:r>
+                        <a:rPr lang="de-DE" sz="1200" dirty="0">
+                          <a:latin typeface="Arial" panose="020B0604020202020204" pitchFamily="34" charset="0"/>
+                          <a:cs typeface="Arial" panose="020B0604020202020204" pitchFamily="34" charset="0"/>
+                        </a:rPr>
+                        <a:t>0</a:t>
+                      </a:r>
+                    </a:p>
+                  </a:txBody>
+                  <a:tcPr anchor="ctr">
+                    <a:lnR w="12700" cap="flat" cmpd="sng" algn="ctr">
+                      <a:solidFill>
+                        <a:schemeClr val="tx1"/>
+                      </a:solidFill>
+                      <a:prstDash val="sysDot"/>
+                      <a:round/>
+                      <a:headEnd type="none" w="med" len="med"/>
+                      <a:tailEnd type="none" w="med" len="med"/>
+                    </a:lnR>
+                    <a:lnT w="12700" cap="flat" cmpd="sng" algn="ctr">
+                      <a:solidFill>
+                        <a:schemeClr val="tx1"/>
+                      </a:solidFill>
+                      <a:prstDash val="sysDot"/>
+                      <a:round/>
+                      <a:headEnd type="none" w="med" len="med"/>
+                      <a:tailEnd type="none" w="med" len="med"/>
+                    </a:lnT>
+                    <a:lnB w="12700" cap="flat" cmpd="sng" algn="ctr">
+                      <a:solidFill>
+                        <a:schemeClr val="tx1"/>
+                      </a:solidFill>
+                      <a:prstDash val="sysDot"/>
+                      <a:round/>
+                      <a:headEnd type="none" w="med" len="med"/>
+                      <a:tailEnd type="none" w="med" len="med"/>
+                    </a:lnB>
+                  </a:tcPr>
+                </a:tc>
+                <a:tc>
+                  <a:txBody>
+                    <a:bodyPr/>
+                    <a:lstStyle/>
+                    <a:p>
+                      <a:pPr algn="ctr"/>
+                      <a:r>
+                        <a:rPr lang="de-DE" sz="1200" dirty="0">
+                          <a:latin typeface="Arial" panose="020B0604020202020204" pitchFamily="34" charset="0"/>
+                          <a:cs typeface="Arial" panose="020B0604020202020204" pitchFamily="34" charset="0"/>
+                        </a:rPr>
+                        <a:t>1</a:t>
+                      </a:r>
+                    </a:p>
+                  </a:txBody>
+                  <a:tcPr anchor="ctr">
+                    <a:lnL w="12700" cap="flat" cmpd="sng" algn="ctr">
+                      <a:solidFill>
+                        <a:schemeClr val="tx1"/>
+                      </a:solidFill>
+                      <a:prstDash val="sysDot"/>
+                      <a:round/>
+                      <a:headEnd type="none" w="med" len="med"/>
+                      <a:tailEnd type="none" w="med" len="med"/>
+                    </a:lnL>
+                    <a:lnR w="12700" cap="flat" cmpd="sng" algn="ctr">
+                      <a:solidFill>
+                        <a:schemeClr val="tx1"/>
+                      </a:solidFill>
+                      <a:prstDash val="sysDot"/>
+                      <a:round/>
+                      <a:headEnd type="none" w="med" len="med"/>
+                      <a:tailEnd type="none" w="med" len="med"/>
+                    </a:lnR>
+                    <a:lnT w="12700" cap="flat" cmpd="sng" algn="ctr">
+                      <a:solidFill>
+                        <a:schemeClr val="tx1"/>
+                      </a:solidFill>
+                      <a:prstDash val="sysDot"/>
+                      <a:round/>
+                      <a:headEnd type="none" w="med" len="med"/>
+                      <a:tailEnd type="none" w="med" len="med"/>
+                    </a:lnT>
+                    <a:lnB w="12700" cap="flat" cmpd="sng" algn="ctr">
+                      <a:solidFill>
+                        <a:schemeClr val="tx1"/>
+                      </a:solidFill>
+                      <a:prstDash val="sysDot"/>
+                      <a:round/>
+                      <a:headEnd type="none" w="med" len="med"/>
+                      <a:tailEnd type="none" w="med" len="med"/>
+                    </a:lnB>
+                  </a:tcPr>
+                </a:tc>
+                <a:tc>
+                  <a:txBody>
+                    <a:bodyPr/>
+                    <a:lstStyle/>
+                    <a:p>
+                      <a:pPr algn="ctr"/>
+                      <a:r>
+                        <a:rPr lang="de-DE" sz="1200" dirty="0">
+                          <a:latin typeface="Arial" panose="020B0604020202020204" pitchFamily="34" charset="0"/>
+                          <a:cs typeface="Arial" panose="020B0604020202020204" pitchFamily="34" charset="0"/>
+                        </a:rPr>
+                        <a:t>0</a:t>
+                      </a:r>
+                    </a:p>
+                  </a:txBody>
+                  <a:tcPr anchor="ctr">
+                    <a:lnL w="12700" cap="flat" cmpd="sng" algn="ctr">
+                      <a:solidFill>
+                        <a:schemeClr val="tx1"/>
+                      </a:solidFill>
+                      <a:prstDash val="sysDot"/>
+                      <a:round/>
+                      <a:headEnd type="none" w="med" len="med"/>
+                      <a:tailEnd type="none" w="med" len="med"/>
+                    </a:lnL>
+                    <a:lnR w="12700" cap="flat" cmpd="sng" algn="ctr">
+                      <a:solidFill>
+                        <a:schemeClr val="tx1"/>
+                      </a:solidFill>
+                      <a:prstDash val="sysDot"/>
+                      <a:round/>
+                      <a:headEnd type="none" w="med" len="med"/>
+                      <a:tailEnd type="none" w="med" len="med"/>
+                    </a:lnR>
+                    <a:lnT w="12700" cap="flat" cmpd="sng" algn="ctr">
+                      <a:solidFill>
+                        <a:schemeClr val="tx1"/>
+                      </a:solidFill>
+                      <a:prstDash val="sysDot"/>
+                      <a:round/>
+                      <a:headEnd type="none" w="med" len="med"/>
+                      <a:tailEnd type="none" w="med" len="med"/>
+                    </a:lnT>
+                    <a:lnB w="12700" cap="flat" cmpd="sng" algn="ctr">
+                      <a:solidFill>
+                        <a:schemeClr val="tx1"/>
+                      </a:solidFill>
+                      <a:prstDash val="sysDot"/>
+                      <a:round/>
+                      <a:headEnd type="none" w="med" len="med"/>
+                      <a:tailEnd type="none" w="med" len="med"/>
+                    </a:lnB>
+                  </a:tcPr>
+                </a:tc>
+                <a:tc>
+                  <a:txBody>
+                    <a:bodyPr/>
+                    <a:lstStyle/>
+                    <a:p>
+                      <a:pPr algn="ctr"/>
+                      <a:r>
+                        <a:rPr lang="de-DE" sz="1200" dirty="0">
+                          <a:latin typeface="Arial" panose="020B0604020202020204" pitchFamily="34" charset="0"/>
+                          <a:cs typeface="Arial" panose="020B0604020202020204" pitchFamily="34" charset="0"/>
+                        </a:rPr>
+                        <a:t>0</a:t>
+                      </a:r>
+                    </a:p>
+                  </a:txBody>
+                  <a:tcPr anchor="ctr">
+                    <a:lnL w="12700" cap="flat" cmpd="sng" algn="ctr">
+                      <a:solidFill>
+                        <a:schemeClr val="tx1"/>
+                      </a:solidFill>
+                      <a:prstDash val="sysDot"/>
+                      <a:round/>
+                      <a:headEnd type="none" w="med" len="med"/>
+                      <a:tailEnd type="none" w="med" len="med"/>
+                    </a:lnL>
+                    <a:lnR w="12700" cap="flat" cmpd="sng" algn="ctr">
+                      <a:solidFill>
+                        <a:schemeClr val="tx1"/>
+                      </a:solidFill>
+                      <a:prstDash val="sysDot"/>
+                      <a:round/>
+                      <a:headEnd type="none" w="med" len="med"/>
+                      <a:tailEnd type="none" w="med" len="med"/>
+                    </a:lnR>
+                    <a:lnT w="12700" cap="flat" cmpd="sng" algn="ctr">
+                      <a:solidFill>
+                        <a:schemeClr val="tx1"/>
+                      </a:solidFill>
+                      <a:prstDash val="sysDot"/>
+                      <a:round/>
+                      <a:headEnd type="none" w="med" len="med"/>
+                      <a:tailEnd type="none" w="med" len="med"/>
+                    </a:lnT>
+                    <a:lnB w="12700" cap="flat" cmpd="sng" algn="ctr">
+                      <a:solidFill>
+                        <a:schemeClr val="tx1"/>
+                      </a:solidFill>
+                      <a:prstDash val="sysDot"/>
+                      <a:round/>
+                      <a:headEnd type="none" w="med" len="med"/>
+                      <a:tailEnd type="none" w="med" len="med"/>
+                    </a:lnB>
+                  </a:tcPr>
+                </a:tc>
+                <a:tc>
+                  <a:txBody>
+                    <a:bodyPr/>
+                    <a:lstStyle/>
+                    <a:p>
+                      <a:pPr algn="ctr"/>
+                      <a:r>
+                        <a:rPr lang="de-DE" sz="1200" dirty="0">
+                          <a:latin typeface="Arial" panose="020B0604020202020204" pitchFamily="34" charset="0"/>
+                          <a:cs typeface="Arial" panose="020B0604020202020204" pitchFamily="34" charset="0"/>
+                        </a:rPr>
+                        <a:t>0</a:t>
+                      </a:r>
+                    </a:p>
+                  </a:txBody>
+                  <a:tcPr anchor="ctr">
+                    <a:lnL w="12700" cap="flat" cmpd="sng" algn="ctr">
+                      <a:solidFill>
+                        <a:schemeClr val="tx1"/>
+                      </a:solidFill>
+                      <a:prstDash val="sysDot"/>
+                      <a:round/>
+                      <a:headEnd type="none" w="med" len="med"/>
+                      <a:tailEnd type="none" w="med" len="med"/>
+                    </a:lnL>
+                    <a:lnR w="12700" cap="flat" cmpd="sng" algn="ctr">
+                      <a:solidFill>
+                        <a:schemeClr val="tx1"/>
+                      </a:solidFill>
+                      <a:prstDash val="sysDot"/>
+                      <a:round/>
+                      <a:headEnd type="none" w="med" len="med"/>
+                      <a:tailEnd type="none" w="med" len="med"/>
+                    </a:lnR>
+                    <a:lnT w="12700" cap="flat" cmpd="sng" algn="ctr">
+                      <a:solidFill>
+                        <a:schemeClr val="tx1"/>
+                      </a:solidFill>
+                      <a:prstDash val="sysDot"/>
+                      <a:round/>
+                      <a:headEnd type="none" w="med" len="med"/>
+                      <a:tailEnd type="none" w="med" len="med"/>
+                    </a:lnT>
+                    <a:lnB w="12700" cap="flat" cmpd="sng" algn="ctr">
+                      <a:solidFill>
+                        <a:schemeClr val="tx1"/>
+                      </a:solidFill>
+                      <a:prstDash val="sysDot"/>
+                      <a:round/>
+                      <a:headEnd type="none" w="med" len="med"/>
+                      <a:tailEnd type="none" w="med" len="med"/>
+                    </a:lnB>
+                  </a:tcPr>
+                </a:tc>
+                <a:tc>
+                  <a:txBody>
+                    <a:bodyPr/>
+                    <a:lstStyle/>
+                    <a:p>
+                      <a:pPr algn="ctr"/>
+                      <a:r>
+                        <a:rPr lang="de-DE" sz="1200" dirty="0">
+                          <a:latin typeface="Arial" panose="020B0604020202020204" pitchFamily="34" charset="0"/>
+                          <a:cs typeface="Arial" panose="020B0604020202020204" pitchFamily="34" charset="0"/>
+                        </a:rPr>
+                        <a:t>0</a:t>
+                      </a:r>
+                    </a:p>
+                  </a:txBody>
+                  <a:tcPr anchor="ctr">
+                    <a:lnL w="12700" cap="flat" cmpd="sng" algn="ctr">
+                      <a:solidFill>
+                        <a:schemeClr val="tx1"/>
+                      </a:solidFill>
+                      <a:prstDash val="sysDot"/>
+                      <a:round/>
+                      <a:headEnd type="none" w="med" len="med"/>
+                      <a:tailEnd type="none" w="med" len="med"/>
+                    </a:lnL>
+                    <a:lnR w="12700" cap="flat" cmpd="sng" algn="ctr">
+                      <a:solidFill>
+                        <a:schemeClr val="tx1"/>
+                      </a:solidFill>
+                      <a:prstDash val="sysDot"/>
+                      <a:round/>
+                      <a:headEnd type="none" w="med" len="med"/>
+                      <a:tailEnd type="none" w="med" len="med"/>
+                    </a:lnR>
+                    <a:lnT w="12700" cap="flat" cmpd="sng" algn="ctr">
+                      <a:solidFill>
+                        <a:schemeClr val="tx1"/>
+                      </a:solidFill>
+                      <a:prstDash val="sysDot"/>
+                      <a:round/>
+                      <a:headEnd type="none" w="med" len="med"/>
+                      <a:tailEnd type="none" w="med" len="med"/>
+                    </a:lnT>
+                    <a:lnB w="12700" cap="flat" cmpd="sng" algn="ctr">
+                      <a:solidFill>
+                        <a:schemeClr val="tx1"/>
+                      </a:solidFill>
+                      <a:prstDash val="sysDot"/>
+                      <a:round/>
+                      <a:headEnd type="none" w="med" len="med"/>
+                      <a:tailEnd type="none" w="med" len="med"/>
+                    </a:lnB>
+                  </a:tcPr>
+                </a:tc>
+                <a:tc>
+                  <a:txBody>
+                    <a:bodyPr/>
+                    <a:lstStyle/>
+                    <a:p>
+                      <a:pPr algn="ctr"/>
+                      <a:r>
+                        <a:rPr lang="de-DE" sz="1200" dirty="0">
+                          <a:latin typeface="Arial" panose="020B0604020202020204" pitchFamily="34" charset="0"/>
+                          <a:cs typeface="Arial" panose="020B0604020202020204" pitchFamily="34" charset="0"/>
+                        </a:rPr>
+                        <a:t>3</a:t>
+                      </a:r>
+                    </a:p>
+                  </a:txBody>
+                  <a:tcPr anchor="ctr">
+                    <a:lnL w="12700" cap="flat" cmpd="sng" algn="ctr">
+                      <a:solidFill>
+                        <a:schemeClr val="tx1"/>
+                      </a:solidFill>
+                      <a:prstDash val="sysDot"/>
+                      <a:round/>
+                      <a:headEnd type="none" w="med" len="med"/>
+                      <a:tailEnd type="none" w="med" len="med"/>
+                    </a:lnL>
+                    <a:lnT w="12700" cap="flat" cmpd="sng" algn="ctr">
+                      <a:solidFill>
+                        <a:schemeClr val="tx1"/>
+                      </a:solidFill>
+                      <a:prstDash val="sysDot"/>
+                      <a:round/>
+                      <a:headEnd type="none" w="med" len="med"/>
+                      <a:tailEnd type="none" w="med" len="med"/>
+                    </a:lnT>
+                    <a:lnB w="12700" cap="flat" cmpd="sng" algn="ctr">
+                      <a:solidFill>
+                        <a:schemeClr val="tx1"/>
+                      </a:solidFill>
+                      <a:prstDash val="sysDot"/>
+                      <a:round/>
+                      <a:headEnd type="none" w="med" len="med"/>
+                      <a:tailEnd type="none" w="med" len="med"/>
+                    </a:lnB>
+                  </a:tcPr>
+                </a:tc>
+                <a:extLst>
+                  <a:ext uri="{0D108BD9-81ED-4DB2-BD59-A6C34878D82A}">
+                    <a16:rowId xmlns:a16="http://schemas.microsoft.com/office/drawing/2014/main" val="1140954133"/>
+                  </a:ext>
+                </a:extLst>
+              </a:tr>
+              <a:tr h="216000">
+                <a:tc>
+                  <a:txBody>
+                    <a:bodyPr/>
+                    <a:lstStyle/>
+                    <a:p>
+                      <a:pPr algn="ctr"/>
+                      <a:r>
+                        <a:rPr lang="de-DE" sz="1200" b="1" dirty="0">
+                          <a:latin typeface="Arial" panose="020B0604020202020204" pitchFamily="34" charset="0"/>
+                          <a:cs typeface="Arial" panose="020B0604020202020204" pitchFamily="34" charset="0"/>
+                        </a:rPr>
+                        <a:t>N</a:t>
+                      </a:r>
+                    </a:p>
+                  </a:txBody>
+                  <a:tcPr anchor="ctr"/>
+                </a:tc>
+                <a:tc>
+                  <a:txBody>
+                    <a:bodyPr/>
+                    <a:lstStyle/>
+                    <a:p>
+                      <a:pPr algn="ctr"/>
+                      <a:r>
+                        <a:rPr lang="de-DE" sz="1200" dirty="0">
+                          <a:latin typeface="Arial" panose="020B0604020202020204" pitchFamily="34" charset="0"/>
+                          <a:cs typeface="Arial" panose="020B0604020202020204" pitchFamily="34" charset="0"/>
+                        </a:rPr>
+                        <a:t>0</a:t>
+                      </a:r>
+                    </a:p>
+                  </a:txBody>
+                  <a:tcPr anchor="ctr">
+                    <a:lnR w="12700" cap="flat" cmpd="sng" algn="ctr">
+                      <a:solidFill>
+                        <a:schemeClr val="tx1"/>
+                      </a:solidFill>
+                      <a:prstDash val="sysDot"/>
+                      <a:round/>
+                      <a:headEnd type="none" w="med" len="med"/>
+                      <a:tailEnd type="none" w="med" len="med"/>
+                    </a:lnR>
+                    <a:lnT w="12700" cap="flat" cmpd="sng" algn="ctr">
+                      <a:solidFill>
+                        <a:schemeClr val="tx1"/>
+                      </a:solidFill>
+                      <a:prstDash val="sysDot"/>
+                      <a:round/>
+                      <a:headEnd type="none" w="med" len="med"/>
+                      <a:tailEnd type="none" w="med" len="med"/>
+                    </a:lnT>
+                  </a:tcPr>
+                </a:tc>
+                <a:tc>
+                  <a:txBody>
+                    <a:bodyPr/>
+                    <a:lstStyle/>
+                    <a:p>
+                      <a:pPr algn="ctr"/>
+                      <a:r>
+                        <a:rPr lang="de-DE" sz="1200" dirty="0">
+                          <a:latin typeface="Arial" panose="020B0604020202020204" pitchFamily="34" charset="0"/>
+                          <a:cs typeface="Arial" panose="020B0604020202020204" pitchFamily="34" charset="0"/>
+                        </a:rPr>
+                        <a:t>0</a:t>
+                      </a:r>
+                    </a:p>
+                  </a:txBody>
+                  <a:tcPr anchor="ctr">
+                    <a:lnL w="12700" cap="flat" cmpd="sng" algn="ctr">
+                      <a:solidFill>
+                        <a:schemeClr val="tx1"/>
+                      </a:solidFill>
+                      <a:prstDash val="sysDot"/>
+                      <a:round/>
+                      <a:headEnd type="none" w="med" len="med"/>
+                      <a:tailEnd type="none" w="med" len="med"/>
+                    </a:lnL>
+                    <a:lnR w="12700" cap="flat" cmpd="sng" algn="ctr">
+                      <a:solidFill>
+                        <a:schemeClr val="tx1"/>
+                      </a:solidFill>
+                      <a:prstDash val="sysDot"/>
+                      <a:round/>
+                      <a:headEnd type="none" w="med" len="med"/>
+                      <a:tailEnd type="none" w="med" len="med"/>
+                    </a:lnR>
+                    <a:lnT w="12700" cap="flat" cmpd="sng" algn="ctr">
+                      <a:solidFill>
+                        <a:schemeClr val="tx1"/>
+                      </a:solidFill>
+                      <a:prstDash val="sysDot"/>
+                      <a:round/>
+                      <a:headEnd type="none" w="med" len="med"/>
+                      <a:tailEnd type="none" w="med" len="med"/>
+                    </a:lnT>
+                  </a:tcPr>
+                </a:tc>
+                <a:tc>
+                  <a:txBody>
+                    <a:bodyPr/>
+                    <a:lstStyle/>
+                    <a:p>
+                      <a:pPr algn="ctr"/>
+                      <a:r>
+                        <a:rPr lang="de-DE" sz="1200" dirty="0">
+                          <a:latin typeface="Arial" panose="020B0604020202020204" pitchFamily="34" charset="0"/>
+                          <a:cs typeface="Arial" panose="020B0604020202020204" pitchFamily="34" charset="0"/>
+                        </a:rPr>
+                        <a:t>0</a:t>
+                      </a:r>
+                    </a:p>
+                  </a:txBody>
+                  <a:tcPr anchor="ctr">
+                    <a:lnL w="12700" cap="flat" cmpd="sng" algn="ctr">
+                      <a:solidFill>
+                        <a:schemeClr val="tx1"/>
+                      </a:solidFill>
+                      <a:prstDash val="sysDot"/>
+                      <a:round/>
+                      <a:headEnd type="none" w="med" len="med"/>
+                      <a:tailEnd type="none" w="med" len="med"/>
+                    </a:lnL>
+                    <a:lnR w="12700" cap="flat" cmpd="sng" algn="ctr">
+                      <a:solidFill>
+                        <a:schemeClr val="tx1"/>
+                      </a:solidFill>
+                      <a:prstDash val="sysDot"/>
+                      <a:round/>
+                      <a:headEnd type="none" w="med" len="med"/>
+                      <a:tailEnd type="none" w="med" len="med"/>
+                    </a:lnR>
+                    <a:lnT w="12700" cap="flat" cmpd="sng" algn="ctr">
+                      <a:solidFill>
+                        <a:schemeClr val="tx1"/>
+                      </a:solidFill>
+                      <a:prstDash val="sysDot"/>
+                      <a:round/>
+                      <a:headEnd type="none" w="med" len="med"/>
+                      <a:tailEnd type="none" w="med" len="med"/>
+                    </a:lnT>
+                  </a:tcPr>
+                </a:tc>
+                <a:tc>
+                  <a:txBody>
+                    <a:bodyPr/>
+                    <a:lstStyle/>
+                    <a:p>
+                      <a:pPr algn="ctr"/>
+                      <a:r>
+                        <a:rPr lang="de-DE" sz="1200" dirty="0">
+                          <a:latin typeface="Arial" panose="020B0604020202020204" pitchFamily="34" charset="0"/>
+                          <a:cs typeface="Arial" panose="020B0604020202020204" pitchFamily="34" charset="0"/>
+                        </a:rPr>
+                        <a:t>0</a:t>
+                      </a:r>
+                    </a:p>
+                  </a:txBody>
+                  <a:tcPr anchor="ctr">
+                    <a:lnL w="12700" cap="flat" cmpd="sng" algn="ctr">
+                      <a:solidFill>
+                        <a:schemeClr val="tx1"/>
+                      </a:solidFill>
+                      <a:prstDash val="sysDot"/>
+                      <a:round/>
+                      <a:headEnd type="none" w="med" len="med"/>
+                      <a:tailEnd type="none" w="med" len="med"/>
+                    </a:lnL>
+                    <a:lnR w="12700" cap="flat" cmpd="sng" algn="ctr">
+                      <a:solidFill>
+                        <a:schemeClr val="tx1"/>
+                      </a:solidFill>
+                      <a:prstDash val="sysDot"/>
+                      <a:round/>
+                      <a:headEnd type="none" w="med" len="med"/>
+                      <a:tailEnd type="none" w="med" len="med"/>
+                    </a:lnR>
+                    <a:lnT w="12700" cap="flat" cmpd="sng" algn="ctr">
+                      <a:solidFill>
+                        <a:schemeClr val="tx1"/>
+                      </a:solidFill>
+                      <a:prstDash val="sysDot"/>
+                      <a:round/>
+                      <a:headEnd type="none" w="med" len="med"/>
+                      <a:tailEnd type="none" w="med" len="med"/>
+                    </a:lnT>
+                  </a:tcPr>
+                </a:tc>
+                <a:tc>
+                  <a:txBody>
+                    <a:bodyPr/>
+                    <a:lstStyle/>
+                    <a:p>
+                      <a:pPr algn="ctr"/>
+                      <a:r>
+                        <a:rPr lang="de-DE" sz="1200" dirty="0">
+                          <a:latin typeface="Arial" panose="020B0604020202020204" pitchFamily="34" charset="0"/>
+                          <a:cs typeface="Arial" panose="020B0604020202020204" pitchFamily="34" charset="0"/>
+                        </a:rPr>
+                        <a:t>0</a:t>
+                      </a:r>
+                    </a:p>
+                  </a:txBody>
+                  <a:tcPr anchor="ctr">
+                    <a:lnL w="12700" cap="flat" cmpd="sng" algn="ctr">
+                      <a:solidFill>
+                        <a:schemeClr val="tx1"/>
+                      </a:solidFill>
+                      <a:prstDash val="sysDot"/>
+                      <a:round/>
+                      <a:headEnd type="none" w="med" len="med"/>
+                      <a:tailEnd type="none" w="med" len="med"/>
+                    </a:lnL>
+                    <a:lnR w="12700" cap="flat" cmpd="sng" algn="ctr">
+                      <a:solidFill>
+                        <a:schemeClr val="tx1"/>
+                      </a:solidFill>
+                      <a:prstDash val="sysDot"/>
+                      <a:round/>
+                      <a:headEnd type="none" w="med" len="med"/>
+                      <a:tailEnd type="none" w="med" len="med"/>
+                    </a:lnR>
+                    <a:lnT w="12700" cap="flat" cmpd="sng" algn="ctr">
+                      <a:solidFill>
+                        <a:schemeClr val="tx1"/>
+                      </a:solidFill>
+                      <a:prstDash val="sysDot"/>
+                      <a:round/>
+                      <a:headEnd type="none" w="med" len="med"/>
+                      <a:tailEnd type="none" w="med" len="med"/>
+                    </a:lnT>
+                  </a:tcPr>
+                </a:tc>
+                <a:tc>
+                  <a:txBody>
+                    <a:bodyPr/>
+                    <a:lstStyle/>
+                    <a:p>
+                      <a:pPr algn="ctr"/>
+                      <a:r>
+                        <a:rPr lang="de-DE" sz="1200" dirty="0">
+                          <a:latin typeface="Arial" panose="020B0604020202020204" pitchFamily="34" charset="0"/>
+                          <a:cs typeface="Arial" panose="020B0604020202020204" pitchFamily="34" charset="0"/>
+                        </a:rPr>
+                        <a:t>3</a:t>
+                      </a:r>
+                    </a:p>
+                  </a:txBody>
+                  <a:tcPr anchor="ctr">
+                    <a:lnL w="12700" cap="flat" cmpd="sng" algn="ctr">
+                      <a:solidFill>
+                        <a:schemeClr val="tx1"/>
+                      </a:solidFill>
+                      <a:prstDash val="sysDot"/>
+                      <a:round/>
+                      <a:headEnd type="none" w="med" len="med"/>
+                      <a:tailEnd type="none" w="med" len="med"/>
+                    </a:lnL>
+                    <a:lnR w="12700" cap="flat" cmpd="sng" algn="ctr">
+                      <a:solidFill>
+                        <a:schemeClr val="tx1"/>
+                      </a:solidFill>
+                      <a:prstDash val="sysDot"/>
+                      <a:round/>
+                      <a:headEnd type="none" w="med" len="med"/>
+                      <a:tailEnd type="none" w="med" len="med"/>
+                    </a:lnR>
+                    <a:lnT w="12700" cap="flat" cmpd="sng" algn="ctr">
+                      <a:solidFill>
+                        <a:schemeClr val="tx1"/>
+                      </a:solidFill>
+                      <a:prstDash val="sysDot"/>
+                      <a:round/>
+                      <a:headEnd type="none" w="med" len="med"/>
+                      <a:tailEnd type="none" w="med" len="med"/>
+                    </a:lnT>
+                  </a:tcPr>
+                </a:tc>
+                <a:tc>
+                  <a:txBody>
+                    <a:bodyPr/>
+                    <a:lstStyle/>
+                    <a:p>
+                      <a:pPr algn="ctr"/>
+                      <a:r>
+                        <a:rPr lang="de-DE" sz="1200" dirty="0">
+                          <a:latin typeface="Arial" panose="020B0604020202020204" pitchFamily="34" charset="0"/>
+                          <a:cs typeface="Arial" panose="020B0604020202020204" pitchFamily="34" charset="0"/>
+                        </a:rPr>
+                        <a:t>2</a:t>
+                      </a:r>
+                    </a:p>
+                  </a:txBody>
+                  <a:tcPr anchor="ctr">
+                    <a:lnL w="12700" cap="flat" cmpd="sng" algn="ctr">
+                      <a:solidFill>
+                        <a:schemeClr val="tx1"/>
+                      </a:solidFill>
+                      <a:prstDash val="sysDot"/>
+                      <a:round/>
+                      <a:headEnd type="none" w="med" len="med"/>
+                      <a:tailEnd type="none" w="med" len="med"/>
+                    </a:lnL>
+                    <a:lnT w="12700" cap="flat" cmpd="sng" algn="ctr">
+                      <a:solidFill>
+                        <a:schemeClr val="tx1"/>
+                      </a:solidFill>
+                      <a:prstDash val="sysDot"/>
+                      <a:round/>
+                      <a:headEnd type="none" w="med" len="med"/>
+                      <a:tailEnd type="none" w="med" len="med"/>
+                    </a:lnT>
+                  </a:tcPr>
+                </a:tc>
+                <a:extLst>
+                  <a:ext uri="{0D108BD9-81ED-4DB2-BD59-A6C34878D82A}">
+                    <a16:rowId xmlns:a16="http://schemas.microsoft.com/office/drawing/2014/main" val="2461113615"/>
+                  </a:ext>
+                </a:extLst>
+              </a:tr>
+            </a:tbl>
+          </a:graphicData>
+        </a:graphic>
+      </p:graphicFrame>
+      <p:graphicFrame>
+        <p:nvGraphicFramePr>
+          <p:cNvPr id="7" name="Tabelle 6">
+            <a:extLst>
+              <a:ext uri="{FF2B5EF4-FFF2-40B4-BE49-F238E27FC236}">
+                <a16:creationId xmlns:a16="http://schemas.microsoft.com/office/drawing/2014/main" id="{B93C69E6-7C93-4B83-A11A-5D63DB5BC77B}"/>
+              </a:ext>
+            </a:extLst>
+          </p:cNvPr>
+          <p:cNvGraphicFramePr>
+            <a:graphicFrameLocks noGrp="1"/>
+          </p:cNvGraphicFramePr>
+          <p:nvPr>
+            <p:extLst>
+              <p:ext uri="{D42A27DB-BD31-4B8C-83A1-F6EECF244321}">
+                <p14:modId xmlns:p14="http://schemas.microsoft.com/office/powerpoint/2010/main" val="2118967903"/>
+              </p:ext>
+            </p:extLst>
+          </p:nvPr>
+        </p:nvGraphicFramePr>
+        <p:xfrm>
+          <a:off x="4847701" y="1945640"/>
+          <a:ext cx="1728000" cy="2194560"/>
+        </p:xfrm>
+        <a:graphic>
+          <a:graphicData uri="http://schemas.openxmlformats.org/drawingml/2006/table">
+            <a:tbl>
+              <a:tblPr firstRow="1" bandRow="1">
+                <a:tableStyleId>{5940675A-B579-460E-94D1-54222C63F5DA}</a:tableStyleId>
+              </a:tblPr>
+              <a:tblGrid>
+                <a:gridCol w="216000">
+                  <a:extLst>
+                    <a:ext uri="{9D8B030D-6E8A-4147-A177-3AD203B41FA5}">
+                      <a16:colId xmlns:a16="http://schemas.microsoft.com/office/drawing/2014/main" val="3222932943"/>
+                    </a:ext>
+                  </a:extLst>
+                </a:gridCol>
+                <a:gridCol w="216000">
+                  <a:extLst>
+                    <a:ext uri="{9D8B030D-6E8A-4147-A177-3AD203B41FA5}">
+                      <a16:colId xmlns:a16="http://schemas.microsoft.com/office/drawing/2014/main" val="4138838359"/>
+                    </a:ext>
+                  </a:extLst>
+                </a:gridCol>
+                <a:gridCol w="216000">
+                  <a:extLst>
+                    <a:ext uri="{9D8B030D-6E8A-4147-A177-3AD203B41FA5}">
+                      <a16:colId xmlns:a16="http://schemas.microsoft.com/office/drawing/2014/main" val="1778424054"/>
+                    </a:ext>
+                  </a:extLst>
+                </a:gridCol>
+                <a:gridCol w="216000">
+                  <a:extLst>
+                    <a:ext uri="{9D8B030D-6E8A-4147-A177-3AD203B41FA5}">
+                      <a16:colId xmlns:a16="http://schemas.microsoft.com/office/drawing/2014/main" val="3773267374"/>
+                    </a:ext>
+                  </a:extLst>
+                </a:gridCol>
+                <a:gridCol w="216000">
+                  <a:extLst>
+                    <a:ext uri="{9D8B030D-6E8A-4147-A177-3AD203B41FA5}">
+                      <a16:colId xmlns:a16="http://schemas.microsoft.com/office/drawing/2014/main" val="3359534323"/>
+                    </a:ext>
+                  </a:extLst>
+                </a:gridCol>
+                <a:gridCol w="216000">
+                  <a:extLst>
+                    <a:ext uri="{9D8B030D-6E8A-4147-A177-3AD203B41FA5}">
+                      <a16:colId xmlns:a16="http://schemas.microsoft.com/office/drawing/2014/main" val="961354694"/>
+                    </a:ext>
+                  </a:extLst>
+                </a:gridCol>
+                <a:gridCol w="216000">
+                  <a:extLst>
+                    <a:ext uri="{9D8B030D-6E8A-4147-A177-3AD203B41FA5}">
+                      <a16:colId xmlns:a16="http://schemas.microsoft.com/office/drawing/2014/main" val="2871666653"/>
+                    </a:ext>
+                  </a:extLst>
+                </a:gridCol>
+                <a:gridCol w="216000">
+                  <a:extLst>
+                    <a:ext uri="{9D8B030D-6E8A-4147-A177-3AD203B41FA5}">
+                      <a16:colId xmlns:a16="http://schemas.microsoft.com/office/drawing/2014/main" val="1803651156"/>
+                    </a:ext>
+                  </a:extLst>
+                </a:gridCol>
+              </a:tblGrid>
+              <a:tr h="216000">
+                <a:tc>
+                  <a:txBody>
+                    <a:bodyPr/>
+                    <a:lstStyle/>
+                    <a:p>
+                      <a:pPr algn="ctr"/>
+                      <a:endParaRPr lang="de-DE" sz="1200" b="1" dirty="0">
+                        <a:latin typeface="Arial" panose="020B0604020202020204" pitchFamily="34" charset="0"/>
+                        <a:cs typeface="Arial" panose="020B0604020202020204" pitchFamily="34" charset="0"/>
+                      </a:endParaRPr>
+                    </a:p>
+                  </a:txBody>
+                  <a:tcPr anchor="ctr"/>
+                </a:tc>
+                <a:tc>
+                  <a:txBody>
+                    <a:bodyPr/>
+                    <a:lstStyle/>
+                    <a:p>
+                      <a:pPr algn="ctr"/>
+                      <a:r>
+                        <a:rPr lang="de-DE" sz="1200" b="1" dirty="0">
+                          <a:latin typeface="Arial" panose="020B0604020202020204" pitchFamily="34" charset="0"/>
+                          <a:cs typeface="Arial" panose="020B0604020202020204" pitchFamily="34" charset="0"/>
+                        </a:rPr>
+                        <a:t>O</a:t>
+                      </a:r>
+                    </a:p>
+                  </a:txBody>
+                  <a:tcPr anchor="ctr"/>
+                </a:tc>
+                <a:tc>
+                  <a:txBody>
+                    <a:bodyPr/>
+                    <a:lstStyle/>
+                    <a:p>
+                      <a:pPr algn="ctr"/>
+                      <a:r>
+                        <a:rPr lang="de-DE" sz="1200" b="1" dirty="0">
+                          <a:latin typeface="Arial" panose="020B0604020202020204" pitchFamily="34" charset="0"/>
+                          <a:cs typeface="Arial" panose="020B0604020202020204" pitchFamily="34" charset="0"/>
+                        </a:rPr>
+                        <a:t>C</a:t>
+                      </a:r>
+                    </a:p>
+                  </a:txBody>
+                  <a:tcPr anchor="ctr"/>
+                </a:tc>
+                <a:tc>
+                  <a:txBody>
+                    <a:bodyPr/>
+                    <a:lstStyle/>
+                    <a:p>
+                      <a:pPr algn="ctr"/>
+                      <a:r>
+                        <a:rPr lang="de-DE" sz="1200" b="1" dirty="0">
+                          <a:latin typeface="Arial" panose="020B0604020202020204" pitchFamily="34" charset="0"/>
+                          <a:cs typeface="Arial" panose="020B0604020202020204" pitchFamily="34" charset="0"/>
+                        </a:rPr>
+                        <a:t>H</a:t>
+                      </a:r>
+                    </a:p>
+                  </a:txBody>
+                  <a:tcPr anchor="ctr"/>
+                </a:tc>
+                <a:tc>
+                  <a:txBody>
+                    <a:bodyPr/>
+                    <a:lstStyle/>
+                    <a:p>
+                      <a:pPr algn="ctr"/>
+                      <a:r>
+                        <a:rPr lang="de-DE" sz="1200" b="1" dirty="0">
+                          <a:latin typeface="Arial" panose="020B0604020202020204" pitchFamily="34" charset="0"/>
+                          <a:cs typeface="Arial" panose="020B0604020202020204" pitchFamily="34" charset="0"/>
+                        </a:rPr>
+                        <a:t>H</a:t>
+                      </a:r>
+                    </a:p>
+                  </a:txBody>
+                  <a:tcPr anchor="ctr"/>
+                </a:tc>
+                <a:tc>
+                  <a:txBody>
+                    <a:bodyPr/>
+                    <a:lstStyle/>
+                    <a:p>
+                      <a:pPr algn="ctr"/>
+                      <a:r>
+                        <a:rPr lang="de-DE" sz="1200" b="1" dirty="0">
+                          <a:latin typeface="Arial" panose="020B0604020202020204" pitchFamily="34" charset="0"/>
+                          <a:cs typeface="Arial" panose="020B0604020202020204" pitchFamily="34" charset="0"/>
+                        </a:rPr>
+                        <a:t>H</a:t>
+                      </a:r>
+                    </a:p>
+                  </a:txBody>
+                  <a:tcPr anchor="ctr"/>
+                </a:tc>
+                <a:tc>
+                  <a:txBody>
+                    <a:bodyPr/>
+                    <a:lstStyle/>
+                    <a:p>
+                      <a:pPr algn="ctr"/>
+                      <a:r>
+                        <a:rPr lang="de-DE" sz="1200" b="1" dirty="0">
+                          <a:latin typeface="Arial" panose="020B0604020202020204" pitchFamily="34" charset="0"/>
+                          <a:cs typeface="Arial" panose="020B0604020202020204" pitchFamily="34" charset="0"/>
+                        </a:rPr>
+                        <a:t>C</a:t>
+                      </a:r>
+                    </a:p>
+                  </a:txBody>
+                  <a:tcPr anchor="ctr"/>
+                </a:tc>
+                <a:tc>
+                  <a:txBody>
+                    <a:bodyPr/>
+                    <a:lstStyle/>
+                    <a:p>
+                      <a:pPr algn="ctr"/>
+                      <a:r>
+                        <a:rPr lang="de-DE" sz="1200" b="1" dirty="0">
+                          <a:latin typeface="Arial" panose="020B0604020202020204" pitchFamily="34" charset="0"/>
+                          <a:cs typeface="Arial" panose="020B0604020202020204" pitchFamily="34" charset="0"/>
+                        </a:rPr>
+                        <a:t>N</a:t>
+                      </a:r>
+                    </a:p>
+                  </a:txBody>
+                  <a:tcPr anchor="ctr"/>
+                </a:tc>
+                <a:extLst>
+                  <a:ext uri="{0D108BD9-81ED-4DB2-BD59-A6C34878D82A}">
+                    <a16:rowId xmlns:a16="http://schemas.microsoft.com/office/drawing/2014/main" val="3599272777"/>
+                  </a:ext>
+                </a:extLst>
+              </a:tr>
+              <a:tr h="216000">
+                <a:tc>
+                  <a:txBody>
+                    <a:bodyPr/>
+                    <a:lstStyle/>
+                    <a:p>
+                      <a:pPr algn="ctr"/>
+                      <a:r>
+                        <a:rPr lang="de-DE" sz="1200" b="1" dirty="0">
+                          <a:latin typeface="Arial" panose="020B0604020202020204" pitchFamily="34" charset="0"/>
+                          <a:cs typeface="Arial" panose="020B0604020202020204" pitchFamily="34" charset="0"/>
+                        </a:rPr>
+                        <a:t>O</a:t>
+                      </a:r>
+                    </a:p>
+                  </a:txBody>
+                  <a:tcPr anchor="ctr"/>
+                </a:tc>
+                <a:tc>
+                  <a:txBody>
+                    <a:bodyPr/>
+                    <a:lstStyle/>
+                    <a:p>
+                      <a:pPr algn="ctr"/>
+                      <a:r>
+                        <a:rPr lang="de-DE" sz="1200" dirty="0">
+                          <a:latin typeface="Arial" panose="020B0604020202020204" pitchFamily="34" charset="0"/>
+                          <a:cs typeface="Arial" panose="020B0604020202020204" pitchFamily="34" charset="0"/>
+                        </a:rPr>
+                        <a:t>4</a:t>
+                      </a:r>
+                    </a:p>
+                  </a:txBody>
+                  <a:tcPr anchor="ctr">
+                    <a:lnR w="12700" cap="flat" cmpd="sng" algn="ctr">
+                      <a:solidFill>
+                        <a:schemeClr val="tx1"/>
+                      </a:solidFill>
+                      <a:prstDash val="dot"/>
+                      <a:round/>
+                      <a:headEnd type="none" w="med" len="med"/>
+                      <a:tailEnd type="none" w="med" len="med"/>
+                    </a:lnR>
+                    <a:lnB w="12700" cap="flat" cmpd="sng" algn="ctr">
+                      <a:solidFill>
+                        <a:schemeClr val="tx1"/>
+                      </a:solidFill>
+                      <a:prstDash val="dot"/>
+                      <a:round/>
+                      <a:headEnd type="none" w="med" len="med"/>
+                      <a:tailEnd type="none" w="med" len="med"/>
+                    </a:lnB>
+                  </a:tcPr>
+                </a:tc>
+                <a:tc>
+                  <a:txBody>
+                    <a:bodyPr/>
+                    <a:lstStyle/>
+                    <a:p>
+                      <a:pPr algn="ctr"/>
+                      <a:r>
+                        <a:rPr lang="de-DE" sz="1200" dirty="0">
+                          <a:latin typeface="Arial" panose="020B0604020202020204" pitchFamily="34" charset="0"/>
+                          <a:cs typeface="Arial" panose="020B0604020202020204" pitchFamily="34" charset="0"/>
+                        </a:rPr>
+                        <a:t>2</a:t>
+                      </a:r>
+                    </a:p>
+                  </a:txBody>
+                  <a:tcPr anchor="ctr">
+                    <a:lnL w="12700" cap="flat" cmpd="sng" algn="ctr">
+                      <a:solidFill>
+                        <a:schemeClr val="tx1"/>
+                      </a:solidFill>
+                      <a:prstDash val="dot"/>
+                      <a:round/>
+                      <a:headEnd type="none" w="med" len="med"/>
+                      <a:tailEnd type="none" w="med" len="med"/>
+                    </a:lnL>
+                    <a:lnR w="12700" cap="flat" cmpd="sng" algn="ctr">
+                      <a:solidFill>
+                        <a:schemeClr val="tx1"/>
+                      </a:solidFill>
+                      <a:prstDash val="dot"/>
+                      <a:round/>
+                      <a:headEnd type="none" w="med" len="med"/>
+                      <a:tailEnd type="none" w="med" len="med"/>
+                    </a:lnR>
+                    <a:lnB w="12700" cap="flat" cmpd="sng" algn="ctr">
+                      <a:solidFill>
+                        <a:schemeClr val="tx1"/>
+                      </a:solidFill>
+                      <a:prstDash val="dot"/>
+                      <a:round/>
+                      <a:headEnd type="none" w="med" len="med"/>
+                      <a:tailEnd type="none" w="med" len="med"/>
+                    </a:lnB>
+                  </a:tcPr>
+                </a:tc>
+                <a:tc>
+                  <a:txBody>
+                    <a:bodyPr/>
+                    <a:lstStyle/>
+                    <a:p>
+                      <a:pPr algn="ctr"/>
+                      <a:r>
+                        <a:rPr lang="de-DE" sz="1200" dirty="0">
+                          <a:latin typeface="Arial" panose="020B0604020202020204" pitchFamily="34" charset="0"/>
+                          <a:cs typeface="Arial" panose="020B0604020202020204" pitchFamily="34" charset="0"/>
+                        </a:rPr>
+                        <a:t>0</a:t>
+                      </a:r>
+                    </a:p>
+                  </a:txBody>
+                  <a:tcPr anchor="ctr">
+                    <a:lnL w="12700" cap="flat" cmpd="sng" algn="ctr">
+                      <a:solidFill>
+                        <a:schemeClr val="tx1"/>
+                      </a:solidFill>
+                      <a:prstDash val="dot"/>
+                      <a:round/>
+                      <a:headEnd type="none" w="med" len="med"/>
+                      <a:tailEnd type="none" w="med" len="med"/>
+                    </a:lnL>
+                    <a:lnR w="12700" cap="flat" cmpd="sng" algn="ctr">
+                      <a:solidFill>
+                        <a:schemeClr val="tx1"/>
+                      </a:solidFill>
+                      <a:prstDash val="dot"/>
+                      <a:round/>
+                      <a:headEnd type="none" w="med" len="med"/>
+                      <a:tailEnd type="none" w="med" len="med"/>
+                    </a:lnR>
+                    <a:lnB w="12700" cap="flat" cmpd="sng" algn="ctr">
+                      <a:solidFill>
+                        <a:schemeClr val="tx1"/>
+                      </a:solidFill>
+                      <a:prstDash val="dot"/>
+                      <a:round/>
+                      <a:headEnd type="none" w="med" len="med"/>
+                      <a:tailEnd type="none" w="med" len="med"/>
+                    </a:lnB>
+                  </a:tcPr>
+                </a:tc>
+                <a:tc>
+                  <a:txBody>
+                    <a:bodyPr/>
+                    <a:lstStyle/>
+                    <a:p>
+                      <a:pPr algn="ctr"/>
+                      <a:r>
+                        <a:rPr lang="de-DE" sz="1200" dirty="0">
+                          <a:latin typeface="Arial" panose="020B0604020202020204" pitchFamily="34" charset="0"/>
+                          <a:cs typeface="Arial" panose="020B0604020202020204" pitchFamily="34" charset="0"/>
+                        </a:rPr>
+                        <a:t>0</a:t>
+                      </a:r>
+                    </a:p>
+                  </a:txBody>
+                  <a:tcPr anchor="ctr">
+                    <a:lnL w="12700" cap="flat" cmpd="sng" algn="ctr">
+                      <a:solidFill>
+                        <a:schemeClr val="tx1"/>
+                      </a:solidFill>
+                      <a:prstDash val="dot"/>
+                      <a:round/>
+                      <a:headEnd type="none" w="med" len="med"/>
+                      <a:tailEnd type="none" w="med" len="med"/>
+                    </a:lnL>
+                    <a:lnR w="12700" cap="flat" cmpd="sng" algn="ctr">
+                      <a:solidFill>
+                        <a:schemeClr val="tx1"/>
+                      </a:solidFill>
+                      <a:prstDash val="dot"/>
+                      <a:round/>
+                      <a:headEnd type="none" w="med" len="med"/>
+                      <a:tailEnd type="none" w="med" len="med"/>
+                    </a:lnR>
+                    <a:lnB w="12700" cap="flat" cmpd="sng" algn="ctr">
+                      <a:solidFill>
+                        <a:schemeClr val="tx1"/>
+                      </a:solidFill>
+                      <a:prstDash val="dot"/>
+                      <a:round/>
+                      <a:headEnd type="none" w="med" len="med"/>
+                      <a:tailEnd type="none" w="med" len="med"/>
+                    </a:lnB>
+                  </a:tcPr>
+                </a:tc>
+                <a:tc>
+                  <a:txBody>
+                    <a:bodyPr/>
+                    <a:lstStyle/>
+                    <a:p>
+                      <a:pPr algn="ctr"/>
+                      <a:r>
+                        <a:rPr lang="de-DE" sz="1200" dirty="0">
+                          <a:latin typeface="Arial" panose="020B0604020202020204" pitchFamily="34" charset="0"/>
+                          <a:cs typeface="Arial" panose="020B0604020202020204" pitchFamily="34" charset="0"/>
+                        </a:rPr>
+                        <a:t>0</a:t>
+                      </a:r>
+                    </a:p>
+                  </a:txBody>
+                  <a:tcPr anchor="ctr">
+                    <a:lnL w="12700" cap="flat" cmpd="sng" algn="ctr">
+                      <a:solidFill>
+                        <a:schemeClr val="tx1"/>
+                      </a:solidFill>
+                      <a:prstDash val="dot"/>
+                      <a:round/>
+                      <a:headEnd type="none" w="med" len="med"/>
+                      <a:tailEnd type="none" w="med" len="med"/>
+                    </a:lnL>
+                    <a:lnR w="12700" cap="flat" cmpd="sng" algn="ctr">
+                      <a:solidFill>
+                        <a:schemeClr val="tx1"/>
+                      </a:solidFill>
+                      <a:prstDash val="dot"/>
+                      <a:round/>
+                      <a:headEnd type="none" w="med" len="med"/>
+                      <a:tailEnd type="none" w="med" len="med"/>
+                    </a:lnR>
+                    <a:lnB w="12700" cap="flat" cmpd="sng" algn="ctr">
+                      <a:solidFill>
+                        <a:schemeClr val="tx1"/>
+                      </a:solidFill>
+                      <a:prstDash val="dot"/>
+                      <a:round/>
+                      <a:headEnd type="none" w="med" len="med"/>
+                      <a:tailEnd type="none" w="med" len="med"/>
+                    </a:lnB>
+                  </a:tcPr>
+                </a:tc>
+                <a:tc>
+                  <a:txBody>
+                    <a:bodyPr/>
+                    <a:lstStyle/>
+                    <a:p>
+                      <a:pPr algn="ctr"/>
+                      <a:r>
+                        <a:rPr lang="de-DE" sz="1200" dirty="0">
+                          <a:latin typeface="Arial" panose="020B0604020202020204" pitchFamily="34" charset="0"/>
+                          <a:cs typeface="Arial" panose="020B0604020202020204" pitchFamily="34" charset="0"/>
+                        </a:rPr>
+                        <a:t>0</a:t>
+                      </a:r>
+                    </a:p>
+                  </a:txBody>
+                  <a:tcPr anchor="ctr">
+                    <a:lnL w="12700" cap="flat" cmpd="sng" algn="ctr">
+                      <a:solidFill>
+                        <a:schemeClr val="tx1"/>
+                      </a:solidFill>
+                      <a:prstDash val="dot"/>
+                      <a:round/>
+                      <a:headEnd type="none" w="med" len="med"/>
+                      <a:tailEnd type="none" w="med" len="med"/>
+                    </a:lnL>
+                    <a:lnR w="12700" cap="flat" cmpd="sng" algn="ctr">
+                      <a:solidFill>
+                        <a:schemeClr val="tx1"/>
+                      </a:solidFill>
+                      <a:prstDash val="dot"/>
+                      <a:round/>
+                      <a:headEnd type="none" w="med" len="med"/>
+                      <a:tailEnd type="none" w="med" len="med"/>
+                    </a:lnR>
+                    <a:lnB w="12700" cap="flat" cmpd="sng" algn="ctr">
+                      <a:solidFill>
+                        <a:schemeClr val="tx1"/>
+                      </a:solidFill>
+                      <a:prstDash val="dot"/>
+                      <a:round/>
+                      <a:headEnd type="none" w="med" len="med"/>
+                      <a:tailEnd type="none" w="med" len="med"/>
+                    </a:lnB>
+                  </a:tcPr>
+                </a:tc>
+                <a:tc>
+                  <a:txBody>
+                    <a:bodyPr/>
+                    <a:lstStyle/>
+                    <a:p>
+                      <a:pPr algn="ctr"/>
+                      <a:r>
+                        <a:rPr lang="de-DE" sz="1200" dirty="0">
+                          <a:latin typeface="Arial" panose="020B0604020202020204" pitchFamily="34" charset="0"/>
+                          <a:cs typeface="Arial" panose="020B0604020202020204" pitchFamily="34" charset="0"/>
+                        </a:rPr>
+                        <a:t>0</a:t>
+                      </a:r>
+                    </a:p>
+                  </a:txBody>
+                  <a:tcPr anchor="ctr">
+                    <a:lnL w="12700" cap="flat" cmpd="sng" algn="ctr">
+                      <a:solidFill>
+                        <a:schemeClr val="tx1"/>
+                      </a:solidFill>
+                      <a:prstDash val="dot"/>
+                      <a:round/>
+                      <a:headEnd type="none" w="med" len="med"/>
+                      <a:tailEnd type="none" w="med" len="med"/>
+                    </a:lnL>
+                    <a:lnB w="12700" cap="flat" cmpd="sng" algn="ctr">
+                      <a:solidFill>
+                        <a:schemeClr val="tx1"/>
+                      </a:solidFill>
+                      <a:prstDash val="dot"/>
+                      <a:round/>
+                      <a:headEnd type="none" w="med" len="med"/>
+                      <a:tailEnd type="none" w="med" len="med"/>
+                    </a:lnB>
+                  </a:tcPr>
+                </a:tc>
+                <a:extLst>
+                  <a:ext uri="{0D108BD9-81ED-4DB2-BD59-A6C34878D82A}">
+                    <a16:rowId xmlns:a16="http://schemas.microsoft.com/office/drawing/2014/main" val="3047790479"/>
+                  </a:ext>
+                </a:extLst>
+              </a:tr>
+              <a:tr h="216000">
+                <a:tc>
+                  <a:txBody>
+                    <a:bodyPr/>
+                    <a:lstStyle/>
+                    <a:p>
+                      <a:pPr algn="ctr"/>
+                      <a:r>
+                        <a:rPr lang="de-DE" sz="1200" b="1" dirty="0">
+                          <a:latin typeface="Arial" panose="020B0604020202020204" pitchFamily="34" charset="0"/>
+                          <a:cs typeface="Arial" panose="020B0604020202020204" pitchFamily="34" charset="0"/>
+                        </a:rPr>
+                        <a:t>C</a:t>
+                      </a:r>
+                    </a:p>
+                  </a:txBody>
+                  <a:tcPr anchor="ctr"/>
+                </a:tc>
+                <a:tc>
+                  <a:txBody>
+                    <a:bodyPr/>
+                    <a:lstStyle/>
+                    <a:p>
+                      <a:pPr algn="ctr"/>
+                      <a:r>
+                        <a:rPr lang="de-DE" sz="1200" dirty="0">
+                          <a:latin typeface="Arial" panose="020B0604020202020204" pitchFamily="34" charset="0"/>
+                          <a:cs typeface="Arial" panose="020B0604020202020204" pitchFamily="34" charset="0"/>
+                        </a:rPr>
+                        <a:t>2</a:t>
+                      </a:r>
+                    </a:p>
+                  </a:txBody>
+                  <a:tcPr anchor="ctr">
+                    <a:lnR w="12700" cap="flat" cmpd="sng" algn="ctr">
+                      <a:solidFill>
+                        <a:schemeClr val="tx1"/>
+                      </a:solidFill>
+                      <a:prstDash val="dot"/>
+                      <a:round/>
+                      <a:headEnd type="none" w="med" len="med"/>
+                      <a:tailEnd type="none" w="med" len="med"/>
+                    </a:lnR>
+                    <a:lnT w="12700" cap="flat" cmpd="sng" algn="ctr">
+                      <a:solidFill>
+                        <a:schemeClr val="tx1"/>
+                      </a:solidFill>
+                      <a:prstDash val="dot"/>
+                      <a:round/>
+                      <a:headEnd type="none" w="med" len="med"/>
+                      <a:tailEnd type="none" w="med" len="med"/>
+                    </a:lnT>
+                    <a:lnB w="12700" cap="flat" cmpd="sng" algn="ctr">
+                      <a:solidFill>
+                        <a:schemeClr val="tx1"/>
+                      </a:solidFill>
+                      <a:prstDash val="dot"/>
+                      <a:round/>
+                      <a:headEnd type="none" w="med" len="med"/>
+                      <a:tailEnd type="none" w="med" len="med"/>
+                    </a:lnB>
+                  </a:tcPr>
+                </a:tc>
+                <a:tc>
+                  <a:txBody>
+                    <a:bodyPr/>
+                    <a:lstStyle/>
+                    <a:p>
+                      <a:pPr algn="ctr"/>
+                      <a:r>
+                        <a:rPr lang="de-DE" sz="1200" dirty="0">
+                          <a:latin typeface="Arial" panose="020B0604020202020204" pitchFamily="34" charset="0"/>
+                          <a:cs typeface="Arial" panose="020B0604020202020204" pitchFamily="34" charset="0"/>
+                        </a:rPr>
+                        <a:t>0</a:t>
+                      </a:r>
+                    </a:p>
+                  </a:txBody>
+                  <a:tcPr anchor="ctr">
+                    <a:lnL w="12700" cap="flat" cmpd="sng" algn="ctr">
+                      <a:solidFill>
+                        <a:schemeClr val="tx1"/>
+                      </a:solidFill>
+                      <a:prstDash val="dot"/>
+                      <a:round/>
+                      <a:headEnd type="none" w="med" len="med"/>
+                      <a:tailEnd type="none" w="med" len="med"/>
+                    </a:lnL>
+                    <a:lnR w="12700" cap="flat" cmpd="sng" algn="ctr">
+                      <a:solidFill>
+                        <a:schemeClr val="tx1"/>
+                      </a:solidFill>
+                      <a:prstDash val="dot"/>
+                      <a:round/>
+                      <a:headEnd type="none" w="med" len="med"/>
+                      <a:tailEnd type="none" w="med" len="med"/>
+                    </a:lnR>
+                    <a:lnT w="12700" cap="flat" cmpd="sng" algn="ctr">
+                      <a:solidFill>
+                        <a:schemeClr val="tx1"/>
+                      </a:solidFill>
+                      <a:prstDash val="dot"/>
+                      <a:round/>
+                      <a:headEnd type="none" w="med" len="med"/>
+                      <a:tailEnd type="none" w="med" len="med"/>
+                    </a:lnT>
+                    <a:lnB w="12700" cap="flat" cmpd="sng" algn="ctr">
+                      <a:solidFill>
+                        <a:schemeClr val="tx1"/>
+                      </a:solidFill>
+                      <a:prstDash val="dot"/>
+                      <a:round/>
+                      <a:headEnd type="none" w="med" len="med"/>
+                      <a:tailEnd type="none" w="med" len="med"/>
+                    </a:lnB>
+                  </a:tcPr>
+                </a:tc>
+                <a:tc>
+                  <a:txBody>
+                    <a:bodyPr/>
+                    <a:lstStyle/>
+                    <a:p>
+                      <a:pPr algn="ctr"/>
+                      <a:r>
+                        <a:rPr lang="de-DE" sz="1200" dirty="0">
+                          <a:latin typeface="Arial" panose="020B0604020202020204" pitchFamily="34" charset="0"/>
+                          <a:cs typeface="Arial" panose="020B0604020202020204" pitchFamily="34" charset="0"/>
+                        </a:rPr>
+                        <a:t>1</a:t>
+                      </a:r>
+                    </a:p>
+                  </a:txBody>
+                  <a:tcPr anchor="ctr">
+                    <a:lnL w="12700" cap="flat" cmpd="sng" algn="ctr">
+                      <a:solidFill>
+                        <a:schemeClr val="tx1"/>
+                      </a:solidFill>
+                      <a:prstDash val="dot"/>
+                      <a:round/>
+                      <a:headEnd type="none" w="med" len="med"/>
+                      <a:tailEnd type="none" w="med" len="med"/>
+                    </a:lnL>
+                    <a:lnR w="12700" cap="flat" cmpd="sng" algn="ctr">
+                      <a:solidFill>
+                        <a:schemeClr val="tx1"/>
+                      </a:solidFill>
+                      <a:prstDash val="dot"/>
+                      <a:round/>
+                      <a:headEnd type="none" w="med" len="med"/>
+                      <a:tailEnd type="none" w="med" len="med"/>
+                    </a:lnR>
+                    <a:lnT w="12700" cap="flat" cmpd="sng" algn="ctr">
+                      <a:solidFill>
+                        <a:schemeClr val="tx1"/>
+                      </a:solidFill>
+                      <a:prstDash val="dot"/>
+                      <a:round/>
+                      <a:headEnd type="none" w="med" len="med"/>
+                      <a:tailEnd type="none" w="med" len="med"/>
+                    </a:lnT>
+                    <a:lnB w="12700" cap="flat" cmpd="sng" algn="ctr">
+                      <a:solidFill>
+                        <a:schemeClr val="tx1"/>
+                      </a:solidFill>
+                      <a:prstDash val="dot"/>
+                      <a:round/>
+                      <a:headEnd type="none" w="med" len="med"/>
+                      <a:tailEnd type="none" w="med" len="med"/>
+                    </a:lnB>
+                  </a:tcPr>
+                </a:tc>
+                <a:tc>
+                  <a:txBody>
+                    <a:bodyPr/>
+                    <a:lstStyle/>
+                    <a:p>
+                      <a:pPr algn="ctr"/>
+                      <a:r>
+                        <a:rPr lang="de-DE" sz="1200" dirty="0">
+                          <a:latin typeface="Arial" panose="020B0604020202020204" pitchFamily="34" charset="0"/>
+                          <a:cs typeface="Arial" panose="020B0604020202020204" pitchFamily="34" charset="0"/>
+                        </a:rPr>
+                        <a:t>1</a:t>
+                      </a:r>
+                    </a:p>
+                  </a:txBody>
+                  <a:tcPr anchor="ctr">
+                    <a:lnL w="12700" cap="flat" cmpd="sng" algn="ctr">
+                      <a:solidFill>
+                        <a:schemeClr val="tx1"/>
+                      </a:solidFill>
+                      <a:prstDash val="dot"/>
+                      <a:round/>
+                      <a:headEnd type="none" w="med" len="med"/>
+                      <a:tailEnd type="none" w="med" len="med"/>
+                    </a:lnL>
+                    <a:lnR w="12700" cap="flat" cmpd="sng" algn="ctr">
+                      <a:solidFill>
+                        <a:schemeClr val="tx1"/>
+                      </a:solidFill>
+                      <a:prstDash val="dot"/>
+                      <a:round/>
+                      <a:headEnd type="none" w="med" len="med"/>
+                      <a:tailEnd type="none" w="med" len="med"/>
+                    </a:lnR>
+                    <a:lnT w="12700" cap="flat" cmpd="sng" algn="ctr">
+                      <a:solidFill>
+                        <a:schemeClr val="tx1"/>
+                      </a:solidFill>
+                      <a:prstDash val="dot"/>
+                      <a:round/>
+                      <a:headEnd type="none" w="med" len="med"/>
+                      <a:tailEnd type="none" w="med" len="med"/>
+                    </a:lnT>
+                    <a:lnB w="12700" cap="flat" cmpd="sng" algn="ctr">
+                      <a:solidFill>
+                        <a:schemeClr val="tx1"/>
+                      </a:solidFill>
+                      <a:prstDash val="dot"/>
+                      <a:round/>
+                      <a:headEnd type="none" w="med" len="med"/>
+                      <a:tailEnd type="none" w="med" len="med"/>
+                    </a:lnB>
+                  </a:tcPr>
+                </a:tc>
+                <a:tc>
+                  <a:txBody>
+                    <a:bodyPr/>
+                    <a:lstStyle/>
+                    <a:p>
+                      <a:pPr algn="ctr"/>
+                      <a:r>
+                        <a:rPr lang="de-DE" sz="1200" dirty="0">
+                          <a:latin typeface="Arial" panose="020B0604020202020204" pitchFamily="34" charset="0"/>
+                          <a:cs typeface="Arial" panose="020B0604020202020204" pitchFamily="34" charset="0"/>
+                        </a:rPr>
+                        <a:t>0</a:t>
+                      </a:r>
+                    </a:p>
+                  </a:txBody>
+                  <a:tcPr anchor="ctr">
+                    <a:lnL w="12700" cap="flat" cmpd="sng" algn="ctr">
+                      <a:solidFill>
+                        <a:schemeClr val="tx1"/>
+                      </a:solidFill>
+                      <a:prstDash val="dot"/>
+                      <a:round/>
+                      <a:headEnd type="none" w="med" len="med"/>
+                      <a:tailEnd type="none" w="med" len="med"/>
+                    </a:lnL>
+                    <a:lnR w="12700" cap="flat" cmpd="sng" algn="ctr">
+                      <a:solidFill>
+                        <a:schemeClr val="tx1"/>
+                      </a:solidFill>
+                      <a:prstDash val="dot"/>
+                      <a:round/>
+                      <a:headEnd type="none" w="med" len="med"/>
+                      <a:tailEnd type="none" w="med" len="med"/>
+                    </a:lnR>
+                    <a:lnT w="12700" cap="flat" cmpd="sng" algn="ctr">
+                      <a:solidFill>
+                        <a:schemeClr val="tx1"/>
+                      </a:solidFill>
+                      <a:prstDash val="dot"/>
+                      <a:round/>
+                      <a:headEnd type="none" w="med" len="med"/>
+                      <a:tailEnd type="none" w="med" len="med"/>
+                    </a:lnT>
+                    <a:lnB w="12700" cap="flat" cmpd="sng" algn="ctr">
+                      <a:solidFill>
+                        <a:schemeClr val="tx1"/>
+                      </a:solidFill>
+                      <a:prstDash val="dot"/>
+                      <a:round/>
+                      <a:headEnd type="none" w="med" len="med"/>
+                      <a:tailEnd type="none" w="med" len="med"/>
+                    </a:lnB>
+                  </a:tcPr>
+                </a:tc>
+                <a:tc>
+                  <a:txBody>
+                    <a:bodyPr/>
+                    <a:lstStyle/>
+                    <a:p>
+                      <a:pPr algn="ctr"/>
+                      <a:r>
+                        <a:rPr lang="de-DE" sz="1200" dirty="0">
+                          <a:latin typeface="Arial" panose="020B0604020202020204" pitchFamily="34" charset="0"/>
+                          <a:cs typeface="Arial" panose="020B0604020202020204" pitchFamily="34" charset="0"/>
+                        </a:rPr>
+                        <a:t>0</a:t>
+                      </a:r>
+                    </a:p>
+                  </a:txBody>
+                  <a:tcPr anchor="ctr">
+                    <a:lnL w="12700" cap="flat" cmpd="sng" algn="ctr">
+                      <a:solidFill>
+                        <a:schemeClr val="tx1"/>
+                      </a:solidFill>
+                      <a:prstDash val="dot"/>
+                      <a:round/>
+                      <a:headEnd type="none" w="med" len="med"/>
+                      <a:tailEnd type="none" w="med" len="med"/>
+                    </a:lnL>
+                    <a:lnR w="12700" cap="flat" cmpd="sng" algn="ctr">
+                      <a:solidFill>
+                        <a:schemeClr val="tx1"/>
+                      </a:solidFill>
+                      <a:prstDash val="dot"/>
+                      <a:round/>
+                      <a:headEnd type="none" w="med" len="med"/>
+                      <a:tailEnd type="none" w="med" len="med"/>
+                    </a:lnR>
+                    <a:lnT w="12700" cap="flat" cmpd="sng" algn="ctr">
+                      <a:solidFill>
+                        <a:schemeClr val="tx1"/>
+                      </a:solidFill>
+                      <a:prstDash val="dot"/>
+                      <a:round/>
+                      <a:headEnd type="none" w="med" len="med"/>
+                      <a:tailEnd type="none" w="med" len="med"/>
+                    </a:lnT>
+                    <a:lnB w="12700" cap="flat" cmpd="sng" algn="ctr">
+                      <a:solidFill>
+                        <a:schemeClr val="tx1"/>
+                      </a:solidFill>
+                      <a:prstDash val="dot"/>
+                      <a:round/>
+                      <a:headEnd type="none" w="med" len="med"/>
+                      <a:tailEnd type="none" w="med" len="med"/>
+                    </a:lnB>
+                  </a:tcPr>
+                </a:tc>
+                <a:tc>
+                  <a:txBody>
+                    <a:bodyPr/>
+                    <a:lstStyle/>
+                    <a:p>
+                      <a:pPr algn="ctr"/>
+                      <a:r>
+                        <a:rPr lang="de-DE" sz="1200" dirty="0">
+                          <a:latin typeface="Arial" panose="020B0604020202020204" pitchFamily="34" charset="0"/>
+                          <a:cs typeface="Arial" panose="020B0604020202020204" pitchFamily="34" charset="0"/>
+                        </a:rPr>
+                        <a:t>0</a:t>
+                      </a:r>
+                    </a:p>
+                  </a:txBody>
+                  <a:tcPr anchor="ctr">
+                    <a:lnL w="12700" cap="flat" cmpd="sng" algn="ctr">
+                      <a:solidFill>
+                        <a:schemeClr val="tx1"/>
+                      </a:solidFill>
+                      <a:prstDash val="dot"/>
+                      <a:round/>
+                      <a:headEnd type="none" w="med" len="med"/>
+                      <a:tailEnd type="none" w="med" len="med"/>
+                    </a:lnL>
+                    <a:lnT w="12700" cap="flat" cmpd="sng" algn="ctr">
+                      <a:solidFill>
+                        <a:schemeClr val="tx1"/>
+                      </a:solidFill>
+                      <a:prstDash val="dot"/>
+                      <a:round/>
+                      <a:headEnd type="none" w="med" len="med"/>
+                      <a:tailEnd type="none" w="med" len="med"/>
+                    </a:lnT>
+                    <a:lnB w="12700" cap="flat" cmpd="sng" algn="ctr">
+                      <a:solidFill>
+                        <a:schemeClr val="tx1"/>
+                      </a:solidFill>
+                      <a:prstDash val="dot"/>
+                      <a:round/>
+                      <a:headEnd type="none" w="med" len="med"/>
+                      <a:tailEnd type="none" w="med" len="med"/>
+                    </a:lnB>
+                  </a:tcPr>
+                </a:tc>
+                <a:extLst>
+                  <a:ext uri="{0D108BD9-81ED-4DB2-BD59-A6C34878D82A}">
+                    <a16:rowId xmlns:a16="http://schemas.microsoft.com/office/drawing/2014/main" val="3254972039"/>
+                  </a:ext>
+                </a:extLst>
+              </a:tr>
+              <a:tr h="216000">
+                <a:tc>
+                  <a:txBody>
+                    <a:bodyPr/>
+                    <a:lstStyle/>
+                    <a:p>
+                      <a:pPr algn="ctr"/>
+                      <a:r>
+                        <a:rPr lang="de-DE" sz="1200" b="1" dirty="0">
+                          <a:latin typeface="Arial" panose="020B0604020202020204" pitchFamily="34" charset="0"/>
+                          <a:cs typeface="Arial" panose="020B0604020202020204" pitchFamily="34" charset="0"/>
+                        </a:rPr>
+                        <a:t>H</a:t>
+                      </a:r>
+                    </a:p>
+                  </a:txBody>
+                  <a:tcPr anchor="ctr"/>
+                </a:tc>
+                <a:tc>
+                  <a:txBody>
+                    <a:bodyPr/>
+                    <a:lstStyle/>
+                    <a:p>
+                      <a:pPr algn="ctr"/>
+                      <a:r>
+                        <a:rPr lang="de-DE" sz="1200" dirty="0">
+                          <a:latin typeface="Arial" panose="020B0604020202020204" pitchFamily="34" charset="0"/>
+                          <a:cs typeface="Arial" panose="020B0604020202020204" pitchFamily="34" charset="0"/>
+                        </a:rPr>
+                        <a:t>0</a:t>
+                      </a:r>
+                    </a:p>
+                  </a:txBody>
+                  <a:tcPr anchor="ctr">
+                    <a:lnR w="12700" cap="flat" cmpd="sng" algn="ctr">
+                      <a:solidFill>
+                        <a:schemeClr val="tx1"/>
+                      </a:solidFill>
+                      <a:prstDash val="dot"/>
+                      <a:round/>
+                      <a:headEnd type="none" w="med" len="med"/>
+                      <a:tailEnd type="none" w="med" len="med"/>
+                    </a:lnR>
+                    <a:lnT w="12700" cap="flat" cmpd="sng" algn="ctr">
+                      <a:solidFill>
+                        <a:schemeClr val="tx1"/>
+                      </a:solidFill>
+                      <a:prstDash val="dot"/>
+                      <a:round/>
+                      <a:headEnd type="none" w="med" len="med"/>
+                      <a:tailEnd type="none" w="med" len="med"/>
+                    </a:lnT>
+                    <a:lnB w="12700" cap="flat" cmpd="sng" algn="ctr">
+                      <a:solidFill>
+                        <a:schemeClr val="tx1"/>
+                      </a:solidFill>
+                      <a:prstDash val="dot"/>
+                      <a:round/>
+                      <a:headEnd type="none" w="med" len="med"/>
+                      <a:tailEnd type="none" w="med" len="med"/>
+                    </a:lnB>
+                  </a:tcPr>
+                </a:tc>
+                <a:tc>
+                  <a:txBody>
+                    <a:bodyPr/>
+                    <a:lstStyle/>
+                    <a:p>
+                      <a:pPr algn="ctr"/>
+                      <a:r>
+                        <a:rPr lang="de-DE" sz="1200" dirty="0">
+                          <a:latin typeface="Arial" panose="020B0604020202020204" pitchFamily="34" charset="0"/>
+                          <a:cs typeface="Arial" panose="020B0604020202020204" pitchFamily="34" charset="0"/>
+                        </a:rPr>
+                        <a:t>1</a:t>
+                      </a:r>
+                    </a:p>
+                  </a:txBody>
+                  <a:tcPr anchor="ctr">
+                    <a:lnL w="12700" cap="flat" cmpd="sng" algn="ctr">
+                      <a:solidFill>
+                        <a:schemeClr val="tx1"/>
+                      </a:solidFill>
+                      <a:prstDash val="dot"/>
+                      <a:round/>
+                      <a:headEnd type="none" w="med" len="med"/>
+                      <a:tailEnd type="none" w="med" len="med"/>
+                    </a:lnL>
+                    <a:lnR w="12700" cap="flat" cmpd="sng" algn="ctr">
+                      <a:solidFill>
+                        <a:schemeClr val="tx1"/>
+                      </a:solidFill>
+                      <a:prstDash val="dot"/>
+                      <a:round/>
+                      <a:headEnd type="none" w="med" len="med"/>
+                      <a:tailEnd type="none" w="med" len="med"/>
+                    </a:lnR>
+                    <a:lnT w="12700" cap="flat" cmpd="sng" algn="ctr">
+                      <a:solidFill>
+                        <a:schemeClr val="tx1"/>
+                      </a:solidFill>
+                      <a:prstDash val="dot"/>
+                      <a:round/>
+                      <a:headEnd type="none" w="med" len="med"/>
+                      <a:tailEnd type="none" w="med" len="med"/>
+                    </a:lnT>
+                    <a:lnB w="12700" cap="flat" cmpd="sng" algn="ctr">
+                      <a:solidFill>
+                        <a:schemeClr val="tx1"/>
+                      </a:solidFill>
+                      <a:prstDash val="dot"/>
+                      <a:round/>
+                      <a:headEnd type="none" w="med" len="med"/>
+                      <a:tailEnd type="none" w="med" len="med"/>
+                    </a:lnB>
+                  </a:tcPr>
+                </a:tc>
+                <a:tc>
+                  <a:txBody>
+                    <a:bodyPr/>
+                    <a:lstStyle/>
+                    <a:p>
+                      <a:pPr algn="ctr"/>
+                      <a:r>
+                        <a:rPr lang="de-DE" sz="1200" dirty="0">
+                          <a:latin typeface="Arial" panose="020B0604020202020204" pitchFamily="34" charset="0"/>
+                          <a:cs typeface="Arial" panose="020B0604020202020204" pitchFamily="34" charset="0"/>
+                        </a:rPr>
+                        <a:t>0</a:t>
+                      </a:r>
+                    </a:p>
+                  </a:txBody>
+                  <a:tcPr anchor="ctr">
+                    <a:lnL w="12700" cap="flat" cmpd="sng" algn="ctr">
+                      <a:solidFill>
+                        <a:schemeClr val="tx1"/>
+                      </a:solidFill>
+                      <a:prstDash val="dot"/>
+                      <a:round/>
+                      <a:headEnd type="none" w="med" len="med"/>
+                      <a:tailEnd type="none" w="med" len="med"/>
+                    </a:lnL>
+                    <a:lnR w="12700" cap="flat" cmpd="sng" algn="ctr">
+                      <a:solidFill>
+                        <a:schemeClr val="tx1"/>
+                      </a:solidFill>
+                      <a:prstDash val="dot"/>
+                      <a:round/>
+                      <a:headEnd type="none" w="med" len="med"/>
+                      <a:tailEnd type="none" w="med" len="med"/>
+                    </a:lnR>
+                    <a:lnT w="12700" cap="flat" cmpd="sng" algn="ctr">
+                      <a:solidFill>
+                        <a:schemeClr val="tx1"/>
+                      </a:solidFill>
+                      <a:prstDash val="dot"/>
+                      <a:round/>
+                      <a:headEnd type="none" w="med" len="med"/>
+                      <a:tailEnd type="none" w="med" len="med"/>
+                    </a:lnT>
+                    <a:lnB w="12700" cap="flat" cmpd="sng" algn="ctr">
+                      <a:solidFill>
+                        <a:schemeClr val="tx1"/>
+                      </a:solidFill>
+                      <a:prstDash val="dot"/>
+                      <a:round/>
+                      <a:headEnd type="none" w="med" len="med"/>
+                      <a:tailEnd type="none" w="med" len="med"/>
+                    </a:lnB>
+                  </a:tcPr>
+                </a:tc>
+                <a:tc>
+                  <a:txBody>
+                    <a:bodyPr/>
+                    <a:lstStyle/>
+                    <a:p>
+                      <a:pPr algn="ctr"/>
+                      <a:r>
+                        <a:rPr lang="de-DE" sz="1200" dirty="0">
+                          <a:latin typeface="Arial" panose="020B0604020202020204" pitchFamily="34" charset="0"/>
+                          <a:cs typeface="Arial" panose="020B0604020202020204" pitchFamily="34" charset="0"/>
+                        </a:rPr>
+                        <a:t>0</a:t>
+                      </a:r>
+                    </a:p>
+                  </a:txBody>
+                  <a:tcPr anchor="ctr">
+                    <a:lnL w="12700" cap="flat" cmpd="sng" algn="ctr">
+                      <a:solidFill>
+                        <a:schemeClr val="tx1"/>
+                      </a:solidFill>
+                      <a:prstDash val="dot"/>
+                      <a:round/>
+                      <a:headEnd type="none" w="med" len="med"/>
+                      <a:tailEnd type="none" w="med" len="med"/>
+                    </a:lnL>
+                    <a:lnR w="12700" cap="flat" cmpd="sng" algn="ctr">
+                      <a:solidFill>
+                        <a:schemeClr val="tx1"/>
+                      </a:solidFill>
+                      <a:prstDash val="dot"/>
+                      <a:round/>
+                      <a:headEnd type="none" w="med" len="med"/>
+                      <a:tailEnd type="none" w="med" len="med"/>
+                    </a:lnR>
+                    <a:lnT w="12700" cap="flat" cmpd="sng" algn="ctr">
+                      <a:solidFill>
+                        <a:schemeClr val="tx1"/>
+                      </a:solidFill>
+                      <a:prstDash val="dot"/>
+                      <a:round/>
+                      <a:headEnd type="none" w="med" len="med"/>
+                      <a:tailEnd type="none" w="med" len="med"/>
+                    </a:lnT>
+                    <a:lnB w="12700" cap="flat" cmpd="sng" algn="ctr">
+                      <a:solidFill>
+                        <a:schemeClr val="tx1"/>
+                      </a:solidFill>
+                      <a:prstDash val="dot"/>
+                      <a:round/>
+                      <a:headEnd type="none" w="med" len="med"/>
+                      <a:tailEnd type="none" w="med" len="med"/>
+                    </a:lnB>
+                  </a:tcPr>
+                </a:tc>
+                <a:tc>
+                  <a:txBody>
+                    <a:bodyPr/>
+                    <a:lstStyle/>
+                    <a:p>
+                      <a:pPr algn="ctr"/>
+                      <a:r>
+                        <a:rPr lang="de-DE" sz="1200" dirty="0">
+                          <a:latin typeface="Arial" panose="020B0604020202020204" pitchFamily="34" charset="0"/>
+                          <a:cs typeface="Arial" panose="020B0604020202020204" pitchFamily="34" charset="0"/>
+                        </a:rPr>
+                        <a:t>0</a:t>
+                      </a:r>
+                    </a:p>
+                  </a:txBody>
+                  <a:tcPr anchor="ctr">
+                    <a:lnL w="12700" cap="flat" cmpd="sng" algn="ctr">
+                      <a:solidFill>
+                        <a:schemeClr val="tx1"/>
+                      </a:solidFill>
+                      <a:prstDash val="dot"/>
+                      <a:round/>
+                      <a:headEnd type="none" w="med" len="med"/>
+                      <a:tailEnd type="none" w="med" len="med"/>
+                    </a:lnL>
+                    <a:lnR w="12700" cap="flat" cmpd="sng" algn="ctr">
+                      <a:solidFill>
+                        <a:schemeClr val="tx1"/>
+                      </a:solidFill>
+                      <a:prstDash val="dot"/>
+                      <a:round/>
+                      <a:headEnd type="none" w="med" len="med"/>
+                      <a:tailEnd type="none" w="med" len="med"/>
+                    </a:lnR>
+                    <a:lnT w="12700" cap="flat" cmpd="sng" algn="ctr">
+                      <a:solidFill>
+                        <a:schemeClr val="tx1"/>
+                      </a:solidFill>
+                      <a:prstDash val="dot"/>
+                      <a:round/>
+                      <a:headEnd type="none" w="med" len="med"/>
+                      <a:tailEnd type="none" w="med" len="med"/>
+                    </a:lnT>
+                    <a:lnB w="12700" cap="flat" cmpd="sng" algn="ctr">
+                      <a:solidFill>
+                        <a:schemeClr val="tx1"/>
+                      </a:solidFill>
+                      <a:prstDash val="dot"/>
+                      <a:round/>
+                      <a:headEnd type="none" w="med" len="med"/>
+                      <a:tailEnd type="none" w="med" len="med"/>
+                    </a:lnB>
+                  </a:tcPr>
+                </a:tc>
+                <a:tc>
+                  <a:txBody>
+                    <a:bodyPr/>
+                    <a:lstStyle/>
+                    <a:p>
+                      <a:pPr algn="ctr"/>
+                      <a:r>
+                        <a:rPr lang="de-DE" sz="1200" dirty="0">
+                          <a:latin typeface="Arial" panose="020B0604020202020204" pitchFamily="34" charset="0"/>
+                          <a:cs typeface="Arial" panose="020B0604020202020204" pitchFamily="34" charset="0"/>
+                        </a:rPr>
+                        <a:t>0</a:t>
+                      </a:r>
+                    </a:p>
+                  </a:txBody>
+                  <a:tcPr anchor="ctr">
+                    <a:lnL w="12700" cap="flat" cmpd="sng" algn="ctr">
+                      <a:solidFill>
+                        <a:schemeClr val="tx1"/>
+                      </a:solidFill>
+                      <a:prstDash val="dot"/>
+                      <a:round/>
+                      <a:headEnd type="none" w="med" len="med"/>
+                      <a:tailEnd type="none" w="med" len="med"/>
+                    </a:lnL>
+                    <a:lnR w="12700" cap="flat" cmpd="sng" algn="ctr">
+                      <a:solidFill>
+                        <a:schemeClr val="tx1"/>
+                      </a:solidFill>
+                      <a:prstDash val="dot"/>
+                      <a:round/>
+                      <a:headEnd type="none" w="med" len="med"/>
+                      <a:tailEnd type="none" w="med" len="med"/>
+                    </a:lnR>
+                    <a:lnT w="12700" cap="flat" cmpd="sng" algn="ctr">
+                      <a:solidFill>
+                        <a:schemeClr val="tx1"/>
+                      </a:solidFill>
+                      <a:prstDash val="dot"/>
+                      <a:round/>
+                      <a:headEnd type="none" w="med" len="med"/>
+                      <a:tailEnd type="none" w="med" len="med"/>
+                    </a:lnT>
+                    <a:lnB w="12700" cap="flat" cmpd="sng" algn="ctr">
+                      <a:solidFill>
+                        <a:schemeClr val="tx1"/>
+                      </a:solidFill>
+                      <a:prstDash val="dot"/>
+                      <a:round/>
+                      <a:headEnd type="none" w="med" len="med"/>
+                      <a:tailEnd type="none" w="med" len="med"/>
+                    </a:lnB>
+                  </a:tcPr>
+                </a:tc>
+                <a:tc>
+                  <a:txBody>
+                    <a:bodyPr/>
+                    <a:lstStyle/>
+                    <a:p>
+                      <a:pPr algn="ctr"/>
+                      <a:r>
+                        <a:rPr lang="de-DE" sz="1200" dirty="0">
+                          <a:latin typeface="Arial" panose="020B0604020202020204" pitchFamily="34" charset="0"/>
+                          <a:cs typeface="Arial" panose="020B0604020202020204" pitchFamily="34" charset="0"/>
+                        </a:rPr>
+                        <a:t>0</a:t>
+                      </a:r>
+                    </a:p>
+                  </a:txBody>
+                  <a:tcPr anchor="ctr">
+                    <a:lnL w="12700" cap="flat" cmpd="sng" algn="ctr">
+                      <a:solidFill>
+                        <a:schemeClr val="tx1"/>
+                      </a:solidFill>
+                      <a:prstDash val="dot"/>
+                      <a:round/>
+                      <a:headEnd type="none" w="med" len="med"/>
+                      <a:tailEnd type="none" w="med" len="med"/>
+                    </a:lnL>
+                    <a:lnT w="12700" cap="flat" cmpd="sng" algn="ctr">
+                      <a:solidFill>
+                        <a:schemeClr val="tx1"/>
+                      </a:solidFill>
+                      <a:prstDash val="dot"/>
+                      <a:round/>
+                      <a:headEnd type="none" w="med" len="med"/>
+                      <a:tailEnd type="none" w="med" len="med"/>
+                    </a:lnT>
+                    <a:lnB w="12700" cap="flat" cmpd="sng" algn="ctr">
+                      <a:solidFill>
+                        <a:schemeClr val="tx1"/>
+                      </a:solidFill>
+                      <a:prstDash val="dot"/>
+                      <a:round/>
+                      <a:headEnd type="none" w="med" len="med"/>
+                      <a:tailEnd type="none" w="med" len="med"/>
+                    </a:lnB>
+                  </a:tcPr>
+                </a:tc>
+                <a:extLst>
+                  <a:ext uri="{0D108BD9-81ED-4DB2-BD59-A6C34878D82A}">
+                    <a16:rowId xmlns:a16="http://schemas.microsoft.com/office/drawing/2014/main" val="1780095958"/>
+                  </a:ext>
+                </a:extLst>
+              </a:tr>
+              <a:tr h="216000">
+                <a:tc>
+                  <a:txBody>
+                    <a:bodyPr/>
+                    <a:lstStyle/>
+                    <a:p>
+                      <a:pPr algn="ctr"/>
+                      <a:r>
+                        <a:rPr lang="de-DE" sz="1200" b="1" dirty="0">
+                          <a:latin typeface="Arial" panose="020B0604020202020204" pitchFamily="34" charset="0"/>
+                          <a:cs typeface="Arial" panose="020B0604020202020204" pitchFamily="34" charset="0"/>
+                        </a:rPr>
+                        <a:t>H</a:t>
+                      </a:r>
+                    </a:p>
+                  </a:txBody>
+                  <a:tcPr anchor="ctr"/>
+                </a:tc>
+                <a:tc>
+                  <a:txBody>
+                    <a:bodyPr/>
+                    <a:lstStyle/>
+                    <a:p>
+                      <a:pPr algn="ctr"/>
+                      <a:r>
+                        <a:rPr lang="de-DE" sz="1200" dirty="0">
+                          <a:latin typeface="Arial" panose="020B0604020202020204" pitchFamily="34" charset="0"/>
+                          <a:cs typeface="Arial" panose="020B0604020202020204" pitchFamily="34" charset="0"/>
+                        </a:rPr>
+                        <a:t>0</a:t>
+                      </a:r>
+                    </a:p>
+                  </a:txBody>
+                  <a:tcPr anchor="ctr">
+                    <a:lnR w="12700" cap="flat" cmpd="sng" algn="ctr">
+                      <a:solidFill>
+                        <a:schemeClr val="tx1"/>
+                      </a:solidFill>
+                      <a:prstDash val="dot"/>
+                      <a:round/>
+                      <a:headEnd type="none" w="med" len="med"/>
+                      <a:tailEnd type="none" w="med" len="med"/>
+                    </a:lnR>
+                    <a:lnT w="12700" cap="flat" cmpd="sng" algn="ctr">
+                      <a:solidFill>
+                        <a:schemeClr val="tx1"/>
+                      </a:solidFill>
+                      <a:prstDash val="dot"/>
+                      <a:round/>
+                      <a:headEnd type="none" w="med" len="med"/>
+                      <a:tailEnd type="none" w="med" len="med"/>
+                    </a:lnT>
+                    <a:lnB w="12700" cap="flat" cmpd="sng" algn="ctr">
+                      <a:solidFill>
+                        <a:schemeClr val="tx1"/>
+                      </a:solidFill>
+                      <a:prstDash val="dot"/>
+                      <a:round/>
+                      <a:headEnd type="none" w="med" len="med"/>
+                      <a:tailEnd type="none" w="med" len="med"/>
+                    </a:lnB>
+                  </a:tcPr>
+                </a:tc>
+                <a:tc>
+                  <a:txBody>
+                    <a:bodyPr/>
+                    <a:lstStyle/>
+                    <a:p>
+                      <a:pPr algn="ctr"/>
+                      <a:r>
+                        <a:rPr lang="de-DE" sz="1200" dirty="0">
+                          <a:latin typeface="Arial" panose="020B0604020202020204" pitchFamily="34" charset="0"/>
+                          <a:cs typeface="Arial" panose="020B0604020202020204" pitchFamily="34" charset="0"/>
+                        </a:rPr>
+                        <a:t>1</a:t>
+                      </a:r>
+                    </a:p>
+                  </a:txBody>
+                  <a:tcPr anchor="ctr">
+                    <a:lnL w="12700" cap="flat" cmpd="sng" algn="ctr">
+                      <a:solidFill>
+                        <a:schemeClr val="tx1"/>
+                      </a:solidFill>
+                      <a:prstDash val="dot"/>
+                      <a:round/>
+                      <a:headEnd type="none" w="med" len="med"/>
+                      <a:tailEnd type="none" w="med" len="med"/>
+                    </a:lnL>
+                    <a:lnR w="12700" cap="flat" cmpd="sng" algn="ctr">
+                      <a:solidFill>
+                        <a:schemeClr val="tx1"/>
+                      </a:solidFill>
+                      <a:prstDash val="dot"/>
+                      <a:round/>
+                      <a:headEnd type="none" w="med" len="med"/>
+                      <a:tailEnd type="none" w="med" len="med"/>
+                    </a:lnR>
+                    <a:lnT w="12700" cap="flat" cmpd="sng" algn="ctr">
+                      <a:solidFill>
+                        <a:schemeClr val="tx1"/>
+                      </a:solidFill>
+                      <a:prstDash val="dot"/>
+                      <a:round/>
+                      <a:headEnd type="none" w="med" len="med"/>
+                      <a:tailEnd type="none" w="med" len="med"/>
+                    </a:lnT>
+                    <a:lnB w="12700" cap="flat" cmpd="sng" algn="ctr">
+                      <a:solidFill>
+                        <a:schemeClr val="tx1"/>
+                      </a:solidFill>
+                      <a:prstDash val="dot"/>
+                      <a:round/>
+                      <a:headEnd type="none" w="med" len="med"/>
+                      <a:tailEnd type="none" w="med" len="med"/>
+                    </a:lnB>
+                  </a:tcPr>
+                </a:tc>
+                <a:tc>
+                  <a:txBody>
+                    <a:bodyPr/>
+                    <a:lstStyle/>
+                    <a:p>
+                      <a:pPr algn="ctr"/>
+                      <a:r>
+                        <a:rPr lang="de-DE" sz="1200" dirty="0">
+                          <a:latin typeface="Arial" panose="020B0604020202020204" pitchFamily="34" charset="0"/>
+                          <a:cs typeface="Arial" panose="020B0604020202020204" pitchFamily="34" charset="0"/>
+                        </a:rPr>
+                        <a:t>0</a:t>
+                      </a:r>
+                    </a:p>
+                  </a:txBody>
+                  <a:tcPr anchor="ctr">
+                    <a:lnL w="12700" cap="flat" cmpd="sng" algn="ctr">
+                      <a:solidFill>
+                        <a:schemeClr val="tx1"/>
+                      </a:solidFill>
+                      <a:prstDash val="dot"/>
+                      <a:round/>
+                      <a:headEnd type="none" w="med" len="med"/>
+                      <a:tailEnd type="none" w="med" len="med"/>
+                    </a:lnL>
+                    <a:lnR w="12700" cap="flat" cmpd="sng" algn="ctr">
+                      <a:solidFill>
+                        <a:schemeClr val="tx1"/>
+                      </a:solidFill>
+                      <a:prstDash val="dot"/>
+                      <a:round/>
+                      <a:headEnd type="none" w="med" len="med"/>
+                      <a:tailEnd type="none" w="med" len="med"/>
+                    </a:lnR>
+                    <a:lnT w="12700" cap="flat" cmpd="sng" algn="ctr">
+                      <a:solidFill>
+                        <a:schemeClr val="tx1"/>
+                      </a:solidFill>
+                      <a:prstDash val="dot"/>
+                      <a:round/>
+                      <a:headEnd type="none" w="med" len="med"/>
+                      <a:tailEnd type="none" w="med" len="med"/>
+                    </a:lnT>
+                    <a:lnB w="12700" cap="flat" cmpd="sng" algn="ctr">
+                      <a:solidFill>
+                        <a:schemeClr val="tx1"/>
+                      </a:solidFill>
+                      <a:prstDash val="dot"/>
+                      <a:round/>
+                      <a:headEnd type="none" w="med" len="med"/>
+                      <a:tailEnd type="none" w="med" len="med"/>
+                    </a:lnB>
+                  </a:tcPr>
+                </a:tc>
+                <a:tc>
+                  <a:txBody>
+                    <a:bodyPr/>
+                    <a:lstStyle/>
+                    <a:p>
+                      <a:pPr algn="ctr"/>
+                      <a:r>
+                        <a:rPr lang="de-DE" sz="1200" dirty="0">
+                          <a:latin typeface="Arial" panose="020B0604020202020204" pitchFamily="34" charset="0"/>
+                          <a:cs typeface="Arial" panose="020B0604020202020204" pitchFamily="34" charset="0"/>
+                        </a:rPr>
+                        <a:t>0</a:t>
+                      </a:r>
+                    </a:p>
+                  </a:txBody>
+                  <a:tcPr anchor="ctr">
+                    <a:lnL w="12700" cap="flat" cmpd="sng" algn="ctr">
+                      <a:solidFill>
+                        <a:schemeClr val="tx1"/>
+                      </a:solidFill>
+                      <a:prstDash val="dot"/>
+                      <a:round/>
+                      <a:headEnd type="none" w="med" len="med"/>
+                      <a:tailEnd type="none" w="med" len="med"/>
+                    </a:lnL>
+                    <a:lnR w="12700" cap="flat" cmpd="sng" algn="ctr">
+                      <a:solidFill>
+                        <a:schemeClr val="tx1"/>
+                      </a:solidFill>
+                      <a:prstDash val="dot"/>
+                      <a:round/>
+                      <a:headEnd type="none" w="med" len="med"/>
+                      <a:tailEnd type="none" w="med" len="med"/>
+                    </a:lnR>
+                    <a:lnT w="12700" cap="flat" cmpd="sng" algn="ctr">
+                      <a:solidFill>
+                        <a:schemeClr val="tx1"/>
+                      </a:solidFill>
+                      <a:prstDash val="dot"/>
+                      <a:round/>
+                      <a:headEnd type="none" w="med" len="med"/>
+                      <a:tailEnd type="none" w="med" len="med"/>
+                    </a:lnT>
+                    <a:lnB w="12700" cap="flat" cmpd="sng" algn="ctr">
+                      <a:solidFill>
+                        <a:schemeClr val="tx1"/>
+                      </a:solidFill>
+                      <a:prstDash val="dot"/>
+                      <a:round/>
+                      <a:headEnd type="none" w="med" len="med"/>
+                      <a:tailEnd type="none" w="med" len="med"/>
+                    </a:lnB>
+                  </a:tcPr>
+                </a:tc>
+                <a:tc>
+                  <a:txBody>
+                    <a:bodyPr/>
+                    <a:lstStyle/>
+                    <a:p>
+                      <a:pPr algn="ctr"/>
+                      <a:r>
+                        <a:rPr lang="de-DE" sz="1200" dirty="0">
+                          <a:latin typeface="Arial" panose="020B0604020202020204" pitchFamily="34" charset="0"/>
+                          <a:cs typeface="Arial" panose="020B0604020202020204" pitchFamily="34" charset="0"/>
+                        </a:rPr>
+                        <a:t>0</a:t>
+                      </a:r>
+                    </a:p>
+                  </a:txBody>
+                  <a:tcPr anchor="ctr">
+                    <a:lnL w="12700" cap="flat" cmpd="sng" algn="ctr">
+                      <a:solidFill>
+                        <a:schemeClr val="tx1"/>
+                      </a:solidFill>
+                      <a:prstDash val="dot"/>
+                      <a:round/>
+                      <a:headEnd type="none" w="med" len="med"/>
+                      <a:tailEnd type="none" w="med" len="med"/>
+                    </a:lnL>
+                    <a:lnR w="12700" cap="flat" cmpd="sng" algn="ctr">
+                      <a:solidFill>
+                        <a:schemeClr val="tx1"/>
+                      </a:solidFill>
+                      <a:prstDash val="dot"/>
+                      <a:round/>
+                      <a:headEnd type="none" w="med" len="med"/>
+                      <a:tailEnd type="none" w="med" len="med"/>
+                    </a:lnR>
+                    <a:lnT w="12700" cap="flat" cmpd="sng" algn="ctr">
+                      <a:solidFill>
+                        <a:schemeClr val="tx1"/>
+                      </a:solidFill>
+                      <a:prstDash val="dot"/>
+                      <a:round/>
+                      <a:headEnd type="none" w="med" len="med"/>
+                      <a:tailEnd type="none" w="med" len="med"/>
+                    </a:lnT>
+                    <a:lnB w="12700" cap="flat" cmpd="sng" algn="ctr">
+                      <a:solidFill>
+                        <a:schemeClr val="tx1"/>
+                      </a:solidFill>
+                      <a:prstDash val="dot"/>
+                      <a:round/>
+                      <a:headEnd type="none" w="med" len="med"/>
+                      <a:tailEnd type="none" w="med" len="med"/>
+                    </a:lnB>
+                  </a:tcPr>
+                </a:tc>
+                <a:tc>
+                  <a:txBody>
+                    <a:bodyPr/>
+                    <a:lstStyle/>
+                    <a:p>
+                      <a:pPr algn="ctr"/>
+                      <a:r>
+                        <a:rPr lang="de-DE" sz="1200" dirty="0">
+                          <a:latin typeface="Arial" panose="020B0604020202020204" pitchFamily="34" charset="0"/>
+                          <a:cs typeface="Arial" panose="020B0604020202020204" pitchFamily="34" charset="0"/>
+                        </a:rPr>
+                        <a:t>0</a:t>
+                      </a:r>
+                    </a:p>
+                  </a:txBody>
+                  <a:tcPr anchor="ctr">
+                    <a:lnL w="12700" cap="flat" cmpd="sng" algn="ctr">
+                      <a:solidFill>
+                        <a:schemeClr val="tx1"/>
+                      </a:solidFill>
+                      <a:prstDash val="dot"/>
+                      <a:round/>
+                      <a:headEnd type="none" w="med" len="med"/>
+                      <a:tailEnd type="none" w="med" len="med"/>
+                    </a:lnL>
+                    <a:lnR w="12700" cap="flat" cmpd="sng" algn="ctr">
+                      <a:solidFill>
+                        <a:schemeClr val="tx1"/>
+                      </a:solidFill>
+                      <a:prstDash val="dot"/>
+                      <a:round/>
+                      <a:headEnd type="none" w="med" len="med"/>
+                      <a:tailEnd type="none" w="med" len="med"/>
+                    </a:lnR>
+                    <a:lnT w="12700" cap="flat" cmpd="sng" algn="ctr">
+                      <a:solidFill>
+                        <a:schemeClr val="tx1"/>
+                      </a:solidFill>
+                      <a:prstDash val="dot"/>
+                      <a:round/>
+                      <a:headEnd type="none" w="med" len="med"/>
+                      <a:tailEnd type="none" w="med" len="med"/>
+                    </a:lnT>
+                    <a:lnB w="12700" cap="flat" cmpd="sng" algn="ctr">
+                      <a:solidFill>
+                        <a:schemeClr val="tx1"/>
+                      </a:solidFill>
+                      <a:prstDash val="dot"/>
+                      <a:round/>
+                      <a:headEnd type="none" w="med" len="med"/>
+                      <a:tailEnd type="none" w="med" len="med"/>
+                    </a:lnB>
+                  </a:tcPr>
+                </a:tc>
+                <a:tc>
+                  <a:txBody>
+                    <a:bodyPr/>
+                    <a:lstStyle/>
+                    <a:p>
+                      <a:pPr algn="ctr"/>
+                      <a:r>
+                        <a:rPr lang="de-DE" sz="1200" dirty="0">
+                          <a:latin typeface="Arial" panose="020B0604020202020204" pitchFamily="34" charset="0"/>
+                          <a:cs typeface="Arial" panose="020B0604020202020204" pitchFamily="34" charset="0"/>
+                        </a:rPr>
+                        <a:t>0</a:t>
+                      </a:r>
+                    </a:p>
+                  </a:txBody>
+                  <a:tcPr anchor="ctr">
+                    <a:lnL w="12700" cap="flat" cmpd="sng" algn="ctr">
+                      <a:solidFill>
+                        <a:schemeClr val="tx1"/>
+                      </a:solidFill>
+                      <a:prstDash val="dot"/>
+                      <a:round/>
+                      <a:headEnd type="none" w="med" len="med"/>
+                      <a:tailEnd type="none" w="med" len="med"/>
+                    </a:lnL>
+                    <a:lnT w="12700" cap="flat" cmpd="sng" algn="ctr">
+                      <a:solidFill>
+                        <a:schemeClr val="tx1"/>
+                      </a:solidFill>
+                      <a:prstDash val="dot"/>
+                      <a:round/>
+                      <a:headEnd type="none" w="med" len="med"/>
+                      <a:tailEnd type="none" w="med" len="med"/>
+                    </a:lnT>
+                    <a:lnB w="12700" cap="flat" cmpd="sng" algn="ctr">
+                      <a:solidFill>
+                        <a:schemeClr val="tx1"/>
+                      </a:solidFill>
+                      <a:prstDash val="dot"/>
+                      <a:round/>
+                      <a:headEnd type="none" w="med" len="med"/>
+                      <a:tailEnd type="none" w="med" len="med"/>
+                    </a:lnB>
+                  </a:tcPr>
+                </a:tc>
+                <a:extLst>
+                  <a:ext uri="{0D108BD9-81ED-4DB2-BD59-A6C34878D82A}">
+                    <a16:rowId xmlns:a16="http://schemas.microsoft.com/office/drawing/2014/main" val="2506266957"/>
+                  </a:ext>
+                </a:extLst>
+              </a:tr>
+              <a:tr h="216000">
+                <a:tc>
+                  <a:txBody>
+                    <a:bodyPr/>
+                    <a:lstStyle/>
+                    <a:p>
+                      <a:pPr algn="ctr"/>
+                      <a:r>
+                        <a:rPr lang="de-DE" sz="1200" b="1" dirty="0">
+                          <a:latin typeface="Arial" panose="020B0604020202020204" pitchFamily="34" charset="0"/>
+                          <a:cs typeface="Arial" panose="020B0604020202020204" pitchFamily="34" charset="0"/>
+                        </a:rPr>
+                        <a:t>H</a:t>
+                      </a:r>
+                    </a:p>
+                  </a:txBody>
+                  <a:tcPr anchor="ctr"/>
+                </a:tc>
+                <a:tc>
+                  <a:txBody>
+                    <a:bodyPr/>
+                    <a:lstStyle/>
+                    <a:p>
+                      <a:pPr algn="ctr"/>
+                      <a:r>
+                        <a:rPr lang="de-DE" sz="1200" dirty="0">
+                          <a:latin typeface="Arial" panose="020B0604020202020204" pitchFamily="34" charset="0"/>
+                          <a:cs typeface="Arial" panose="020B0604020202020204" pitchFamily="34" charset="0"/>
+                        </a:rPr>
+                        <a:t>0</a:t>
+                      </a:r>
+                    </a:p>
+                  </a:txBody>
+                  <a:tcPr anchor="ctr">
+                    <a:lnR w="12700" cap="flat" cmpd="sng" algn="ctr">
+                      <a:solidFill>
+                        <a:schemeClr val="tx1"/>
+                      </a:solidFill>
+                      <a:prstDash val="dot"/>
+                      <a:round/>
+                      <a:headEnd type="none" w="med" len="med"/>
+                      <a:tailEnd type="none" w="med" len="med"/>
+                    </a:lnR>
+                    <a:lnT w="12700" cap="flat" cmpd="sng" algn="ctr">
+                      <a:solidFill>
+                        <a:schemeClr val="tx1"/>
+                      </a:solidFill>
+                      <a:prstDash val="dot"/>
+                      <a:round/>
+                      <a:headEnd type="none" w="med" len="med"/>
+                      <a:tailEnd type="none" w="med" len="med"/>
+                    </a:lnT>
+                    <a:lnB w="12700" cap="flat" cmpd="sng" algn="ctr">
+                      <a:solidFill>
+                        <a:schemeClr val="tx1"/>
+                      </a:solidFill>
+                      <a:prstDash val="dot"/>
+                      <a:round/>
+                      <a:headEnd type="none" w="med" len="med"/>
+                      <a:tailEnd type="none" w="med" len="med"/>
+                    </a:lnB>
+                  </a:tcPr>
+                </a:tc>
+                <a:tc>
+                  <a:txBody>
+                    <a:bodyPr/>
+                    <a:lstStyle/>
+                    <a:p>
+                      <a:pPr algn="ctr"/>
+                      <a:r>
+                        <a:rPr lang="de-DE" sz="1200" dirty="0">
+                          <a:latin typeface="Arial" panose="020B0604020202020204" pitchFamily="34" charset="0"/>
+                          <a:cs typeface="Arial" panose="020B0604020202020204" pitchFamily="34" charset="0"/>
+                        </a:rPr>
+                        <a:t>0</a:t>
+                      </a:r>
+                    </a:p>
+                  </a:txBody>
+                  <a:tcPr anchor="ctr">
+                    <a:lnL w="12700" cap="flat" cmpd="sng" algn="ctr">
+                      <a:solidFill>
+                        <a:schemeClr val="tx1"/>
+                      </a:solidFill>
+                      <a:prstDash val="dot"/>
+                      <a:round/>
+                      <a:headEnd type="none" w="med" len="med"/>
+                      <a:tailEnd type="none" w="med" len="med"/>
+                    </a:lnL>
+                    <a:lnR w="12700" cap="flat" cmpd="sng" algn="ctr">
+                      <a:solidFill>
+                        <a:schemeClr val="tx1"/>
+                      </a:solidFill>
+                      <a:prstDash val="dot"/>
+                      <a:round/>
+                      <a:headEnd type="none" w="med" len="med"/>
+                      <a:tailEnd type="none" w="med" len="med"/>
+                    </a:lnR>
+                    <a:lnT w="12700" cap="flat" cmpd="sng" algn="ctr">
+                      <a:solidFill>
+                        <a:schemeClr val="tx1"/>
+                      </a:solidFill>
+                      <a:prstDash val="dot"/>
+                      <a:round/>
+                      <a:headEnd type="none" w="med" len="med"/>
+                      <a:tailEnd type="none" w="med" len="med"/>
+                    </a:lnT>
+                    <a:lnB w="12700" cap="flat" cmpd="sng" algn="ctr">
+                      <a:solidFill>
+                        <a:schemeClr val="tx1"/>
+                      </a:solidFill>
+                      <a:prstDash val="dot"/>
+                      <a:round/>
+                      <a:headEnd type="none" w="med" len="med"/>
+                      <a:tailEnd type="none" w="med" len="med"/>
+                    </a:lnB>
+                  </a:tcPr>
+                </a:tc>
+                <a:tc>
+                  <a:txBody>
+                    <a:bodyPr/>
+                    <a:lstStyle/>
+                    <a:p>
+                      <a:pPr algn="ctr"/>
+                      <a:r>
+                        <a:rPr lang="de-DE" sz="1200" dirty="0">
+                          <a:latin typeface="Arial" panose="020B0604020202020204" pitchFamily="34" charset="0"/>
+                          <a:cs typeface="Arial" panose="020B0604020202020204" pitchFamily="34" charset="0"/>
+                        </a:rPr>
+                        <a:t>0</a:t>
+                      </a:r>
+                    </a:p>
+                  </a:txBody>
+                  <a:tcPr anchor="ctr">
+                    <a:lnL w="12700" cap="flat" cmpd="sng" algn="ctr">
+                      <a:solidFill>
+                        <a:schemeClr val="tx1"/>
+                      </a:solidFill>
+                      <a:prstDash val="dot"/>
+                      <a:round/>
+                      <a:headEnd type="none" w="med" len="med"/>
+                      <a:tailEnd type="none" w="med" len="med"/>
+                    </a:lnL>
+                    <a:lnR w="12700" cap="flat" cmpd="sng" algn="ctr">
+                      <a:solidFill>
+                        <a:schemeClr val="tx1"/>
+                      </a:solidFill>
+                      <a:prstDash val="dot"/>
+                      <a:round/>
+                      <a:headEnd type="none" w="med" len="med"/>
+                      <a:tailEnd type="none" w="med" len="med"/>
+                    </a:lnR>
+                    <a:lnT w="12700" cap="flat" cmpd="sng" algn="ctr">
+                      <a:solidFill>
+                        <a:schemeClr val="tx1"/>
+                      </a:solidFill>
+                      <a:prstDash val="dot"/>
+                      <a:round/>
+                      <a:headEnd type="none" w="med" len="med"/>
+                      <a:tailEnd type="none" w="med" len="med"/>
+                    </a:lnT>
+                    <a:lnB w="12700" cap="flat" cmpd="sng" algn="ctr">
+                      <a:solidFill>
+                        <a:schemeClr val="tx1"/>
+                      </a:solidFill>
+                      <a:prstDash val="dot"/>
+                      <a:round/>
+                      <a:headEnd type="none" w="med" len="med"/>
+                      <a:tailEnd type="none" w="med" len="med"/>
+                    </a:lnB>
+                  </a:tcPr>
+                </a:tc>
+                <a:tc>
+                  <a:txBody>
+                    <a:bodyPr/>
+                    <a:lstStyle/>
+                    <a:p>
+                      <a:pPr algn="ctr"/>
+                      <a:r>
+                        <a:rPr lang="de-DE" sz="1200" dirty="0">
+                          <a:latin typeface="Arial" panose="020B0604020202020204" pitchFamily="34" charset="0"/>
+                          <a:cs typeface="Arial" panose="020B0604020202020204" pitchFamily="34" charset="0"/>
+                        </a:rPr>
+                        <a:t>0</a:t>
+                      </a:r>
+                    </a:p>
+                  </a:txBody>
+                  <a:tcPr anchor="ctr">
+                    <a:lnL w="12700" cap="flat" cmpd="sng" algn="ctr">
+                      <a:solidFill>
+                        <a:schemeClr val="tx1"/>
+                      </a:solidFill>
+                      <a:prstDash val="dot"/>
+                      <a:round/>
+                      <a:headEnd type="none" w="med" len="med"/>
+                      <a:tailEnd type="none" w="med" len="med"/>
+                    </a:lnL>
+                    <a:lnR w="12700" cap="flat" cmpd="sng" algn="ctr">
+                      <a:solidFill>
+                        <a:schemeClr val="tx1"/>
+                      </a:solidFill>
+                      <a:prstDash val="dot"/>
+                      <a:round/>
+                      <a:headEnd type="none" w="med" len="med"/>
+                      <a:tailEnd type="none" w="med" len="med"/>
+                    </a:lnR>
+                    <a:lnT w="12700" cap="flat" cmpd="sng" algn="ctr">
+                      <a:solidFill>
+                        <a:schemeClr val="tx1"/>
+                      </a:solidFill>
+                      <a:prstDash val="dot"/>
+                      <a:round/>
+                      <a:headEnd type="none" w="med" len="med"/>
+                      <a:tailEnd type="none" w="med" len="med"/>
+                    </a:lnT>
+                    <a:lnB w="12700" cap="flat" cmpd="sng" algn="ctr">
+                      <a:solidFill>
+                        <a:schemeClr val="tx1"/>
+                      </a:solidFill>
+                      <a:prstDash val="dot"/>
+                      <a:round/>
+                      <a:headEnd type="none" w="med" len="med"/>
+                      <a:tailEnd type="none" w="med" len="med"/>
+                    </a:lnB>
+                  </a:tcPr>
+                </a:tc>
+                <a:tc>
+                  <a:txBody>
+                    <a:bodyPr/>
+                    <a:lstStyle/>
+                    <a:p>
+                      <a:pPr algn="ctr"/>
+                      <a:r>
+                        <a:rPr lang="de-DE" sz="1200" dirty="0">
+                          <a:latin typeface="Arial" panose="020B0604020202020204" pitchFamily="34" charset="0"/>
+                          <a:cs typeface="Arial" panose="020B0604020202020204" pitchFamily="34" charset="0"/>
+                        </a:rPr>
+                        <a:t>0</a:t>
+                      </a:r>
+                    </a:p>
+                  </a:txBody>
+                  <a:tcPr anchor="ctr">
+                    <a:lnL w="12700" cap="flat" cmpd="sng" algn="ctr">
+                      <a:solidFill>
+                        <a:schemeClr val="tx1"/>
+                      </a:solidFill>
+                      <a:prstDash val="dot"/>
+                      <a:round/>
+                      <a:headEnd type="none" w="med" len="med"/>
+                      <a:tailEnd type="none" w="med" len="med"/>
+                    </a:lnL>
+                    <a:lnR w="12700" cap="flat" cmpd="sng" algn="ctr">
+                      <a:solidFill>
+                        <a:schemeClr val="tx1"/>
+                      </a:solidFill>
+                      <a:prstDash val="dot"/>
+                      <a:round/>
+                      <a:headEnd type="none" w="med" len="med"/>
+                      <a:tailEnd type="none" w="med" len="med"/>
+                    </a:lnR>
+                    <a:lnT w="12700" cap="flat" cmpd="sng" algn="ctr">
+                      <a:solidFill>
+                        <a:schemeClr val="tx1"/>
+                      </a:solidFill>
+                      <a:prstDash val="dot"/>
+                      <a:round/>
+                      <a:headEnd type="none" w="med" len="med"/>
+                      <a:tailEnd type="none" w="med" len="med"/>
+                    </a:lnT>
+                    <a:lnB w="12700" cap="flat" cmpd="sng" algn="ctr">
+                      <a:solidFill>
+                        <a:schemeClr val="tx1"/>
+                      </a:solidFill>
+                      <a:prstDash val="dot"/>
+                      <a:round/>
+                      <a:headEnd type="none" w="med" len="med"/>
+                      <a:tailEnd type="none" w="med" len="med"/>
+                    </a:lnB>
+                  </a:tcPr>
+                </a:tc>
+                <a:tc>
+                  <a:txBody>
+                    <a:bodyPr/>
+                    <a:lstStyle/>
+                    <a:p>
+                      <a:pPr algn="ctr"/>
+                      <a:r>
+                        <a:rPr lang="de-DE" sz="1200" dirty="0">
+                          <a:latin typeface="Arial" panose="020B0604020202020204" pitchFamily="34" charset="0"/>
+                          <a:cs typeface="Arial" panose="020B0604020202020204" pitchFamily="34" charset="0"/>
+                        </a:rPr>
+                        <a:t>1</a:t>
+                      </a:r>
+                    </a:p>
+                  </a:txBody>
+                  <a:tcPr anchor="ctr">
+                    <a:lnL w="12700" cap="flat" cmpd="sng" algn="ctr">
+                      <a:solidFill>
+                        <a:schemeClr val="tx1"/>
+                      </a:solidFill>
+                      <a:prstDash val="dot"/>
+                      <a:round/>
+                      <a:headEnd type="none" w="med" len="med"/>
+                      <a:tailEnd type="none" w="med" len="med"/>
+                    </a:lnL>
+                    <a:lnR w="12700" cap="flat" cmpd="sng" algn="ctr">
+                      <a:solidFill>
+                        <a:schemeClr val="tx1"/>
+                      </a:solidFill>
+                      <a:prstDash val="dot"/>
+                      <a:round/>
+                      <a:headEnd type="none" w="med" len="med"/>
+                      <a:tailEnd type="none" w="med" len="med"/>
+                    </a:lnR>
+                    <a:lnT w="12700" cap="flat" cmpd="sng" algn="ctr">
+                      <a:solidFill>
+                        <a:schemeClr val="tx1"/>
+                      </a:solidFill>
+                      <a:prstDash val="dot"/>
+                      <a:round/>
+                      <a:headEnd type="none" w="med" len="med"/>
+                      <a:tailEnd type="none" w="med" len="med"/>
+                    </a:lnT>
+                    <a:lnB w="12700" cap="flat" cmpd="sng" algn="ctr">
+                      <a:solidFill>
+                        <a:schemeClr val="tx1"/>
+                      </a:solidFill>
+                      <a:prstDash val="dot"/>
+                      <a:round/>
+                      <a:headEnd type="none" w="med" len="med"/>
+                      <a:tailEnd type="none" w="med" len="med"/>
+                    </a:lnB>
+                  </a:tcPr>
+                </a:tc>
+                <a:tc>
+                  <a:txBody>
+                    <a:bodyPr/>
+                    <a:lstStyle/>
+                    <a:p>
+                      <a:pPr algn="ctr"/>
+                      <a:r>
+                        <a:rPr lang="de-DE" sz="1200" dirty="0">
+                          <a:latin typeface="Arial" panose="020B0604020202020204" pitchFamily="34" charset="0"/>
+                          <a:cs typeface="Arial" panose="020B0604020202020204" pitchFamily="34" charset="0"/>
+                        </a:rPr>
+                        <a:t>0</a:t>
+                      </a:r>
+                    </a:p>
+                  </a:txBody>
+                  <a:tcPr anchor="ctr">
+                    <a:lnL w="12700" cap="flat" cmpd="sng" algn="ctr">
+                      <a:solidFill>
+                        <a:schemeClr val="tx1"/>
+                      </a:solidFill>
+                      <a:prstDash val="dot"/>
+                      <a:round/>
+                      <a:headEnd type="none" w="med" len="med"/>
+                      <a:tailEnd type="none" w="med" len="med"/>
+                    </a:lnL>
+                    <a:lnT w="12700" cap="flat" cmpd="sng" algn="ctr">
+                      <a:solidFill>
+                        <a:schemeClr val="tx1"/>
+                      </a:solidFill>
+                      <a:prstDash val="dot"/>
+                      <a:round/>
+                      <a:headEnd type="none" w="med" len="med"/>
+                      <a:tailEnd type="none" w="med" len="med"/>
+                    </a:lnT>
+                    <a:lnB w="12700" cap="flat" cmpd="sng" algn="ctr">
+                      <a:solidFill>
+                        <a:schemeClr val="tx1"/>
+                      </a:solidFill>
+                      <a:prstDash val="dot"/>
+                      <a:round/>
+                      <a:headEnd type="none" w="med" len="med"/>
+                      <a:tailEnd type="none" w="med" len="med"/>
+                    </a:lnB>
+                  </a:tcPr>
+                </a:tc>
+                <a:extLst>
+                  <a:ext uri="{0D108BD9-81ED-4DB2-BD59-A6C34878D82A}">
+                    <a16:rowId xmlns:a16="http://schemas.microsoft.com/office/drawing/2014/main" val="2951610868"/>
+                  </a:ext>
+                </a:extLst>
+              </a:tr>
+              <a:tr h="216000">
+                <a:tc>
+                  <a:txBody>
+                    <a:bodyPr/>
+                    <a:lstStyle/>
+                    <a:p>
+                      <a:pPr algn="ctr"/>
+                      <a:r>
+                        <a:rPr lang="de-DE" sz="1200" b="1" dirty="0">
+                          <a:latin typeface="Arial" panose="020B0604020202020204" pitchFamily="34" charset="0"/>
+                          <a:cs typeface="Arial" panose="020B0604020202020204" pitchFamily="34" charset="0"/>
+                        </a:rPr>
+                        <a:t>C</a:t>
+                      </a:r>
+                    </a:p>
+                  </a:txBody>
+                  <a:tcPr anchor="ctr"/>
+                </a:tc>
+                <a:tc>
+                  <a:txBody>
+                    <a:bodyPr/>
+                    <a:lstStyle/>
+                    <a:p>
+                      <a:pPr algn="ctr"/>
+                      <a:r>
+                        <a:rPr lang="de-DE" sz="1200" dirty="0">
+                          <a:latin typeface="Arial" panose="020B0604020202020204" pitchFamily="34" charset="0"/>
+                          <a:cs typeface="Arial" panose="020B0604020202020204" pitchFamily="34" charset="0"/>
+                        </a:rPr>
+                        <a:t>0</a:t>
+                      </a:r>
+                    </a:p>
+                  </a:txBody>
+                  <a:tcPr anchor="ctr">
+                    <a:lnR w="12700" cap="flat" cmpd="sng" algn="ctr">
+                      <a:solidFill>
+                        <a:schemeClr val="tx1"/>
+                      </a:solidFill>
+                      <a:prstDash val="dot"/>
+                      <a:round/>
+                      <a:headEnd type="none" w="med" len="med"/>
+                      <a:tailEnd type="none" w="med" len="med"/>
+                    </a:lnR>
+                    <a:lnT w="12700" cap="flat" cmpd="sng" algn="ctr">
+                      <a:solidFill>
+                        <a:schemeClr val="tx1"/>
+                      </a:solidFill>
+                      <a:prstDash val="dot"/>
+                      <a:round/>
+                      <a:headEnd type="none" w="med" len="med"/>
+                      <a:tailEnd type="none" w="med" len="med"/>
+                    </a:lnT>
+                    <a:lnB w="12700" cap="flat" cmpd="sng" algn="ctr">
+                      <a:solidFill>
+                        <a:schemeClr val="tx1"/>
+                      </a:solidFill>
+                      <a:prstDash val="dot"/>
+                      <a:round/>
+                      <a:headEnd type="none" w="med" len="med"/>
+                      <a:tailEnd type="none" w="med" len="med"/>
+                    </a:lnB>
+                  </a:tcPr>
+                </a:tc>
+                <a:tc>
+                  <a:txBody>
+                    <a:bodyPr/>
+                    <a:lstStyle/>
+                    <a:p>
+                      <a:pPr algn="ctr"/>
+                      <a:r>
+                        <a:rPr lang="de-DE" sz="1200" dirty="0">
+                          <a:latin typeface="Arial" panose="020B0604020202020204" pitchFamily="34" charset="0"/>
+                          <a:cs typeface="Arial" panose="020B0604020202020204" pitchFamily="34" charset="0"/>
+                        </a:rPr>
+                        <a:t>0</a:t>
+                      </a:r>
+                    </a:p>
+                  </a:txBody>
+                  <a:tcPr anchor="ctr">
+                    <a:lnL w="12700" cap="flat" cmpd="sng" algn="ctr">
+                      <a:solidFill>
+                        <a:schemeClr val="tx1"/>
+                      </a:solidFill>
+                      <a:prstDash val="dot"/>
+                      <a:round/>
+                      <a:headEnd type="none" w="med" len="med"/>
+                      <a:tailEnd type="none" w="med" len="med"/>
+                    </a:lnL>
+                    <a:lnR w="12700" cap="flat" cmpd="sng" algn="ctr">
+                      <a:solidFill>
+                        <a:schemeClr val="tx1"/>
+                      </a:solidFill>
+                      <a:prstDash val="dot"/>
+                      <a:round/>
+                      <a:headEnd type="none" w="med" len="med"/>
+                      <a:tailEnd type="none" w="med" len="med"/>
+                    </a:lnR>
+                    <a:lnT w="12700" cap="flat" cmpd="sng" algn="ctr">
+                      <a:solidFill>
+                        <a:schemeClr val="tx1"/>
+                      </a:solidFill>
+                      <a:prstDash val="dot"/>
+                      <a:round/>
+                      <a:headEnd type="none" w="med" len="med"/>
+                      <a:tailEnd type="none" w="med" len="med"/>
+                    </a:lnT>
+                    <a:lnB w="12700" cap="flat" cmpd="sng" algn="ctr">
+                      <a:solidFill>
+                        <a:schemeClr val="tx1"/>
+                      </a:solidFill>
+                      <a:prstDash val="dot"/>
+                      <a:round/>
+                      <a:headEnd type="none" w="med" len="med"/>
+                      <a:tailEnd type="none" w="med" len="med"/>
+                    </a:lnB>
+                  </a:tcPr>
+                </a:tc>
+                <a:tc>
+                  <a:txBody>
+                    <a:bodyPr/>
+                    <a:lstStyle/>
+                    <a:p>
+                      <a:pPr algn="ctr"/>
+                      <a:r>
+                        <a:rPr lang="de-DE" sz="1200" dirty="0">
+                          <a:latin typeface="Arial" panose="020B0604020202020204" pitchFamily="34" charset="0"/>
+                          <a:cs typeface="Arial" panose="020B0604020202020204" pitchFamily="34" charset="0"/>
+                        </a:rPr>
+                        <a:t>0</a:t>
+                      </a:r>
+                    </a:p>
+                  </a:txBody>
+                  <a:tcPr anchor="ctr">
+                    <a:lnL w="12700" cap="flat" cmpd="sng" algn="ctr">
+                      <a:solidFill>
+                        <a:schemeClr val="tx1"/>
+                      </a:solidFill>
+                      <a:prstDash val="dot"/>
+                      <a:round/>
+                      <a:headEnd type="none" w="med" len="med"/>
+                      <a:tailEnd type="none" w="med" len="med"/>
+                    </a:lnL>
+                    <a:lnR w="12700" cap="flat" cmpd="sng" algn="ctr">
+                      <a:solidFill>
+                        <a:schemeClr val="tx1"/>
+                      </a:solidFill>
+                      <a:prstDash val="dot"/>
+                      <a:round/>
+                      <a:headEnd type="none" w="med" len="med"/>
+                      <a:tailEnd type="none" w="med" len="med"/>
+                    </a:lnR>
+                    <a:lnT w="12700" cap="flat" cmpd="sng" algn="ctr">
+                      <a:solidFill>
+                        <a:schemeClr val="tx1"/>
+                      </a:solidFill>
+                      <a:prstDash val="dot"/>
+                      <a:round/>
+                      <a:headEnd type="none" w="med" len="med"/>
+                      <a:tailEnd type="none" w="med" len="med"/>
+                    </a:lnT>
+                    <a:lnB w="12700" cap="flat" cmpd="sng" algn="ctr">
+                      <a:solidFill>
+                        <a:schemeClr val="tx1"/>
+                      </a:solidFill>
+                      <a:prstDash val="dot"/>
+                      <a:round/>
+                      <a:headEnd type="none" w="med" len="med"/>
+                      <a:tailEnd type="none" w="med" len="med"/>
+                    </a:lnB>
+                  </a:tcPr>
+                </a:tc>
+                <a:tc>
+                  <a:txBody>
+                    <a:bodyPr/>
+                    <a:lstStyle/>
+                    <a:p>
+                      <a:pPr algn="ctr"/>
+                      <a:r>
+                        <a:rPr lang="de-DE" sz="1200" dirty="0">
+                          <a:latin typeface="Arial" panose="020B0604020202020204" pitchFamily="34" charset="0"/>
+                          <a:cs typeface="Arial" panose="020B0604020202020204" pitchFamily="34" charset="0"/>
+                        </a:rPr>
+                        <a:t>0</a:t>
+                      </a:r>
+                    </a:p>
+                  </a:txBody>
+                  <a:tcPr anchor="ctr">
+                    <a:lnL w="12700" cap="flat" cmpd="sng" algn="ctr">
+                      <a:solidFill>
+                        <a:schemeClr val="tx1"/>
+                      </a:solidFill>
+                      <a:prstDash val="dot"/>
+                      <a:round/>
+                      <a:headEnd type="none" w="med" len="med"/>
+                      <a:tailEnd type="none" w="med" len="med"/>
+                    </a:lnL>
+                    <a:lnR w="12700" cap="flat" cmpd="sng" algn="ctr">
+                      <a:solidFill>
+                        <a:schemeClr val="tx1"/>
+                      </a:solidFill>
+                      <a:prstDash val="dot"/>
+                      <a:round/>
+                      <a:headEnd type="none" w="med" len="med"/>
+                      <a:tailEnd type="none" w="med" len="med"/>
+                    </a:lnR>
+                    <a:lnT w="12700" cap="flat" cmpd="sng" algn="ctr">
+                      <a:solidFill>
+                        <a:schemeClr val="tx1"/>
+                      </a:solidFill>
+                      <a:prstDash val="dot"/>
+                      <a:round/>
+                      <a:headEnd type="none" w="med" len="med"/>
+                      <a:tailEnd type="none" w="med" len="med"/>
+                    </a:lnT>
+                    <a:lnB w="12700" cap="flat" cmpd="sng" algn="ctr">
+                      <a:solidFill>
+                        <a:schemeClr val="tx1"/>
+                      </a:solidFill>
+                      <a:prstDash val="dot"/>
+                      <a:round/>
+                      <a:headEnd type="none" w="med" len="med"/>
+                      <a:tailEnd type="none" w="med" len="med"/>
+                    </a:lnB>
+                  </a:tcPr>
+                </a:tc>
+                <a:tc>
+                  <a:txBody>
+                    <a:bodyPr/>
+                    <a:lstStyle/>
+                    <a:p>
+                      <a:pPr algn="ctr"/>
+                      <a:r>
+                        <a:rPr lang="de-DE" sz="1200" dirty="0">
+                          <a:latin typeface="Arial" panose="020B0604020202020204" pitchFamily="34" charset="0"/>
+                          <a:cs typeface="Arial" panose="020B0604020202020204" pitchFamily="34" charset="0"/>
+                        </a:rPr>
+                        <a:t>1</a:t>
+                      </a:r>
+                    </a:p>
+                  </a:txBody>
+                  <a:tcPr anchor="ctr">
+                    <a:lnL w="12700" cap="flat" cmpd="sng" algn="ctr">
+                      <a:solidFill>
+                        <a:schemeClr val="tx1"/>
+                      </a:solidFill>
+                      <a:prstDash val="dot"/>
+                      <a:round/>
+                      <a:headEnd type="none" w="med" len="med"/>
+                      <a:tailEnd type="none" w="med" len="med"/>
+                    </a:lnL>
+                    <a:lnR w="12700" cap="flat" cmpd="sng" algn="ctr">
+                      <a:solidFill>
+                        <a:schemeClr val="tx1"/>
+                      </a:solidFill>
+                      <a:prstDash val="dot"/>
+                      <a:round/>
+                      <a:headEnd type="none" w="med" len="med"/>
+                      <a:tailEnd type="none" w="med" len="med"/>
+                    </a:lnR>
+                    <a:lnT w="12700" cap="flat" cmpd="sng" algn="ctr">
+                      <a:solidFill>
+                        <a:schemeClr val="tx1"/>
+                      </a:solidFill>
+                      <a:prstDash val="dot"/>
+                      <a:round/>
+                      <a:headEnd type="none" w="med" len="med"/>
+                      <a:tailEnd type="none" w="med" len="med"/>
+                    </a:lnT>
+                    <a:lnB w="12700" cap="flat" cmpd="sng" algn="ctr">
+                      <a:solidFill>
+                        <a:schemeClr val="tx1"/>
+                      </a:solidFill>
+                      <a:prstDash val="dot"/>
+                      <a:round/>
+                      <a:headEnd type="none" w="med" len="med"/>
+                      <a:tailEnd type="none" w="med" len="med"/>
+                    </a:lnB>
+                  </a:tcPr>
+                </a:tc>
+                <a:tc>
+                  <a:txBody>
+                    <a:bodyPr/>
+                    <a:lstStyle/>
+                    <a:p>
+                      <a:pPr algn="ctr"/>
+                      <a:r>
+                        <a:rPr lang="de-DE" sz="1200" dirty="0">
+                          <a:latin typeface="Arial" panose="020B0604020202020204" pitchFamily="34" charset="0"/>
+                          <a:cs typeface="Arial" panose="020B0604020202020204" pitchFamily="34" charset="0"/>
+                        </a:rPr>
+                        <a:t>0</a:t>
+                      </a:r>
+                    </a:p>
+                  </a:txBody>
+                  <a:tcPr anchor="ctr">
+                    <a:lnL w="12700" cap="flat" cmpd="sng" algn="ctr">
+                      <a:solidFill>
+                        <a:schemeClr val="tx1"/>
+                      </a:solidFill>
+                      <a:prstDash val="dot"/>
+                      <a:round/>
+                      <a:headEnd type="none" w="med" len="med"/>
+                      <a:tailEnd type="none" w="med" len="med"/>
+                    </a:lnL>
+                    <a:lnR w="12700" cap="flat" cmpd="sng" algn="ctr">
+                      <a:solidFill>
+                        <a:schemeClr val="tx1"/>
+                      </a:solidFill>
+                      <a:prstDash val="dot"/>
+                      <a:round/>
+                      <a:headEnd type="none" w="med" len="med"/>
+                      <a:tailEnd type="none" w="med" len="med"/>
+                    </a:lnR>
+                    <a:lnT w="12700" cap="flat" cmpd="sng" algn="ctr">
+                      <a:solidFill>
+                        <a:schemeClr val="tx1"/>
+                      </a:solidFill>
+                      <a:prstDash val="dot"/>
+                      <a:round/>
+                      <a:headEnd type="none" w="med" len="med"/>
+                      <a:tailEnd type="none" w="med" len="med"/>
+                    </a:lnT>
+                    <a:lnB w="12700" cap="flat" cmpd="sng" algn="ctr">
+                      <a:solidFill>
+                        <a:schemeClr val="tx1"/>
+                      </a:solidFill>
+                      <a:prstDash val="dot"/>
+                      <a:round/>
+                      <a:headEnd type="none" w="med" len="med"/>
+                      <a:tailEnd type="none" w="med" len="med"/>
+                    </a:lnB>
+                  </a:tcPr>
+                </a:tc>
+                <a:tc>
+                  <a:txBody>
+                    <a:bodyPr/>
+                    <a:lstStyle/>
+                    <a:p>
+                      <a:pPr algn="ctr"/>
+                      <a:r>
+                        <a:rPr lang="de-DE" sz="1200" dirty="0">
+                          <a:latin typeface="Arial" panose="020B0604020202020204" pitchFamily="34" charset="0"/>
+                          <a:cs typeface="Arial" panose="020B0604020202020204" pitchFamily="34" charset="0"/>
+                        </a:rPr>
+                        <a:t>3</a:t>
+                      </a:r>
+                    </a:p>
+                  </a:txBody>
+                  <a:tcPr anchor="ctr">
+                    <a:lnL w="12700" cap="flat" cmpd="sng" algn="ctr">
+                      <a:solidFill>
+                        <a:schemeClr val="tx1"/>
+                      </a:solidFill>
+                      <a:prstDash val="dot"/>
+                      <a:round/>
+                      <a:headEnd type="none" w="med" len="med"/>
+                      <a:tailEnd type="none" w="med" len="med"/>
+                    </a:lnL>
+                    <a:lnT w="12700" cap="flat" cmpd="sng" algn="ctr">
+                      <a:solidFill>
+                        <a:schemeClr val="tx1"/>
+                      </a:solidFill>
+                      <a:prstDash val="dot"/>
+                      <a:round/>
+                      <a:headEnd type="none" w="med" len="med"/>
+                      <a:tailEnd type="none" w="med" len="med"/>
+                    </a:lnT>
+                    <a:lnB w="12700" cap="flat" cmpd="sng" algn="ctr">
+                      <a:solidFill>
+                        <a:schemeClr val="tx1"/>
+                      </a:solidFill>
+                      <a:prstDash val="dot"/>
+                      <a:round/>
+                      <a:headEnd type="none" w="med" len="med"/>
+                      <a:tailEnd type="none" w="med" len="med"/>
+                    </a:lnB>
+                  </a:tcPr>
+                </a:tc>
+                <a:extLst>
+                  <a:ext uri="{0D108BD9-81ED-4DB2-BD59-A6C34878D82A}">
+                    <a16:rowId xmlns:a16="http://schemas.microsoft.com/office/drawing/2014/main" val="1140954133"/>
+                  </a:ext>
+                </a:extLst>
+              </a:tr>
+              <a:tr h="216000">
+                <a:tc>
+                  <a:txBody>
+                    <a:bodyPr/>
+                    <a:lstStyle/>
+                    <a:p>
+                      <a:pPr algn="ctr"/>
+                      <a:r>
+                        <a:rPr lang="de-DE" sz="1200" b="1" dirty="0">
+                          <a:latin typeface="Arial" panose="020B0604020202020204" pitchFamily="34" charset="0"/>
+                          <a:cs typeface="Arial" panose="020B0604020202020204" pitchFamily="34" charset="0"/>
+                        </a:rPr>
+                        <a:t>N</a:t>
+                      </a:r>
+                    </a:p>
+                  </a:txBody>
+                  <a:tcPr anchor="ctr"/>
+                </a:tc>
+                <a:tc>
+                  <a:txBody>
+                    <a:bodyPr/>
+                    <a:lstStyle/>
+                    <a:p>
+                      <a:pPr algn="ctr"/>
+                      <a:r>
+                        <a:rPr lang="de-DE" sz="1200" dirty="0">
+                          <a:latin typeface="Arial" panose="020B0604020202020204" pitchFamily="34" charset="0"/>
+                          <a:cs typeface="Arial" panose="020B0604020202020204" pitchFamily="34" charset="0"/>
+                        </a:rPr>
+                        <a:t>0</a:t>
+                      </a:r>
+                    </a:p>
+                  </a:txBody>
+                  <a:tcPr anchor="ctr">
+                    <a:lnR w="12700" cap="flat" cmpd="sng" algn="ctr">
+                      <a:solidFill>
+                        <a:schemeClr val="tx1"/>
+                      </a:solidFill>
+                      <a:prstDash val="dot"/>
+                      <a:round/>
+                      <a:headEnd type="none" w="med" len="med"/>
+                      <a:tailEnd type="none" w="med" len="med"/>
+                    </a:lnR>
+                    <a:lnT w="12700" cap="flat" cmpd="sng" algn="ctr">
+                      <a:solidFill>
+                        <a:schemeClr val="tx1"/>
+                      </a:solidFill>
+                      <a:prstDash val="dot"/>
+                      <a:round/>
+                      <a:headEnd type="none" w="med" len="med"/>
+                      <a:tailEnd type="none" w="med" len="med"/>
+                    </a:lnT>
+                    <a:lnB w="12700" cap="flat" cmpd="sng" algn="ctr">
+                      <a:solidFill>
+                        <a:schemeClr val="tx1"/>
+                      </a:solidFill>
+                      <a:prstDash val="sysDot"/>
+                      <a:round/>
+                      <a:headEnd type="none" w="med" len="med"/>
+                      <a:tailEnd type="none" w="med" len="med"/>
+                    </a:lnB>
+                  </a:tcPr>
+                </a:tc>
+                <a:tc>
+                  <a:txBody>
+                    <a:bodyPr/>
+                    <a:lstStyle/>
+                    <a:p>
+                      <a:pPr algn="ctr"/>
+                      <a:r>
+                        <a:rPr lang="de-DE" sz="1200" dirty="0">
+                          <a:latin typeface="Arial" panose="020B0604020202020204" pitchFamily="34" charset="0"/>
+                          <a:cs typeface="Arial" panose="020B0604020202020204" pitchFamily="34" charset="0"/>
+                        </a:rPr>
+                        <a:t>0</a:t>
+                      </a:r>
+                    </a:p>
+                  </a:txBody>
+                  <a:tcPr anchor="ctr">
+                    <a:lnL w="12700" cap="flat" cmpd="sng" algn="ctr">
+                      <a:solidFill>
+                        <a:schemeClr val="tx1"/>
+                      </a:solidFill>
+                      <a:prstDash val="dot"/>
+                      <a:round/>
+                      <a:headEnd type="none" w="med" len="med"/>
+                      <a:tailEnd type="none" w="med" len="med"/>
+                    </a:lnL>
+                    <a:lnR w="12700" cap="flat" cmpd="sng" algn="ctr">
+                      <a:solidFill>
+                        <a:schemeClr val="tx1"/>
+                      </a:solidFill>
+                      <a:prstDash val="dot"/>
+                      <a:round/>
+                      <a:headEnd type="none" w="med" len="med"/>
+                      <a:tailEnd type="none" w="med" len="med"/>
+                    </a:lnR>
+                    <a:lnT w="12700" cap="flat" cmpd="sng" algn="ctr">
+                      <a:solidFill>
+                        <a:schemeClr val="tx1"/>
+                      </a:solidFill>
+                      <a:prstDash val="dot"/>
+                      <a:round/>
+                      <a:headEnd type="none" w="med" len="med"/>
+                      <a:tailEnd type="none" w="med" len="med"/>
+                    </a:lnT>
+                    <a:lnB w="12700" cap="flat" cmpd="sng" algn="ctr">
+                      <a:solidFill>
+                        <a:schemeClr val="tx1"/>
+                      </a:solidFill>
+                      <a:prstDash val="sysDot"/>
+                      <a:round/>
+                      <a:headEnd type="none" w="med" len="med"/>
+                      <a:tailEnd type="none" w="med" len="med"/>
+                    </a:lnB>
+                  </a:tcPr>
+                </a:tc>
+                <a:tc>
+                  <a:txBody>
+                    <a:bodyPr/>
+                    <a:lstStyle/>
+                    <a:p>
+                      <a:pPr algn="ctr"/>
+                      <a:r>
+                        <a:rPr lang="de-DE" sz="1200" dirty="0">
+                          <a:latin typeface="Arial" panose="020B0604020202020204" pitchFamily="34" charset="0"/>
+                          <a:cs typeface="Arial" panose="020B0604020202020204" pitchFamily="34" charset="0"/>
+                        </a:rPr>
+                        <a:t>0</a:t>
+                      </a:r>
+                    </a:p>
+                  </a:txBody>
+                  <a:tcPr anchor="ctr">
+                    <a:lnL w="12700" cap="flat" cmpd="sng" algn="ctr">
+                      <a:solidFill>
+                        <a:schemeClr val="tx1"/>
+                      </a:solidFill>
+                      <a:prstDash val="dot"/>
+                      <a:round/>
+                      <a:headEnd type="none" w="med" len="med"/>
+                      <a:tailEnd type="none" w="med" len="med"/>
+                    </a:lnL>
+                    <a:lnR w="12700" cap="flat" cmpd="sng" algn="ctr">
+                      <a:solidFill>
+                        <a:schemeClr val="tx1"/>
+                      </a:solidFill>
+                      <a:prstDash val="dot"/>
+                      <a:round/>
+                      <a:headEnd type="none" w="med" len="med"/>
+                      <a:tailEnd type="none" w="med" len="med"/>
+                    </a:lnR>
+                    <a:lnT w="12700" cap="flat" cmpd="sng" algn="ctr">
+                      <a:solidFill>
+                        <a:schemeClr val="tx1"/>
+                      </a:solidFill>
+                      <a:prstDash val="dot"/>
+                      <a:round/>
+                      <a:headEnd type="none" w="med" len="med"/>
+                      <a:tailEnd type="none" w="med" len="med"/>
+                    </a:lnT>
+                    <a:lnB w="12700" cap="flat" cmpd="sng" algn="ctr">
+                      <a:solidFill>
+                        <a:schemeClr val="tx1"/>
+                      </a:solidFill>
+                      <a:prstDash val="sysDot"/>
+                      <a:round/>
+                      <a:headEnd type="none" w="med" len="med"/>
+                      <a:tailEnd type="none" w="med" len="med"/>
+                    </a:lnB>
+                  </a:tcPr>
+                </a:tc>
+                <a:tc>
+                  <a:txBody>
+                    <a:bodyPr/>
+                    <a:lstStyle/>
+                    <a:p>
+                      <a:pPr algn="ctr"/>
+                      <a:r>
+                        <a:rPr lang="de-DE" sz="1200" dirty="0">
+                          <a:latin typeface="Arial" panose="020B0604020202020204" pitchFamily="34" charset="0"/>
+                          <a:cs typeface="Arial" panose="020B0604020202020204" pitchFamily="34" charset="0"/>
+                        </a:rPr>
+                        <a:t>0</a:t>
+                      </a:r>
+                    </a:p>
+                  </a:txBody>
+                  <a:tcPr anchor="ctr">
+                    <a:lnL w="12700" cap="flat" cmpd="sng" algn="ctr">
+                      <a:solidFill>
+                        <a:schemeClr val="tx1"/>
+                      </a:solidFill>
+                      <a:prstDash val="dot"/>
+                      <a:round/>
+                      <a:headEnd type="none" w="med" len="med"/>
+                      <a:tailEnd type="none" w="med" len="med"/>
+                    </a:lnL>
+                    <a:lnR w="12700" cap="flat" cmpd="sng" algn="ctr">
+                      <a:solidFill>
+                        <a:schemeClr val="tx1"/>
+                      </a:solidFill>
+                      <a:prstDash val="dot"/>
+                      <a:round/>
+                      <a:headEnd type="none" w="med" len="med"/>
+                      <a:tailEnd type="none" w="med" len="med"/>
+                    </a:lnR>
+                    <a:lnT w="12700" cap="flat" cmpd="sng" algn="ctr">
+                      <a:solidFill>
+                        <a:schemeClr val="tx1"/>
+                      </a:solidFill>
+                      <a:prstDash val="dot"/>
+                      <a:round/>
+                      <a:headEnd type="none" w="med" len="med"/>
+                      <a:tailEnd type="none" w="med" len="med"/>
+                    </a:lnT>
+                    <a:lnB w="12700" cap="flat" cmpd="sng" algn="ctr">
+                      <a:solidFill>
+                        <a:schemeClr val="tx1"/>
+                      </a:solidFill>
+                      <a:prstDash val="sysDot"/>
+                      <a:round/>
+                      <a:headEnd type="none" w="med" len="med"/>
+                      <a:tailEnd type="none" w="med" len="med"/>
+                    </a:lnB>
+                  </a:tcPr>
+                </a:tc>
+                <a:tc>
+                  <a:txBody>
+                    <a:bodyPr/>
+                    <a:lstStyle/>
+                    <a:p>
+                      <a:pPr algn="ctr"/>
+                      <a:r>
+                        <a:rPr lang="de-DE" sz="1200" dirty="0">
+                          <a:latin typeface="Arial" panose="020B0604020202020204" pitchFamily="34" charset="0"/>
+                          <a:cs typeface="Arial" panose="020B0604020202020204" pitchFamily="34" charset="0"/>
+                        </a:rPr>
+                        <a:t>0</a:t>
+                      </a:r>
+                    </a:p>
+                  </a:txBody>
+                  <a:tcPr anchor="ctr">
+                    <a:lnL w="12700" cap="flat" cmpd="sng" algn="ctr">
+                      <a:solidFill>
+                        <a:schemeClr val="tx1"/>
+                      </a:solidFill>
+                      <a:prstDash val="dot"/>
+                      <a:round/>
+                      <a:headEnd type="none" w="med" len="med"/>
+                      <a:tailEnd type="none" w="med" len="med"/>
+                    </a:lnL>
+                    <a:lnR w="12700" cap="flat" cmpd="sng" algn="ctr">
+                      <a:solidFill>
+                        <a:schemeClr val="tx1"/>
+                      </a:solidFill>
+                      <a:prstDash val="dot"/>
+                      <a:round/>
+                      <a:headEnd type="none" w="med" len="med"/>
+                      <a:tailEnd type="none" w="med" len="med"/>
+                    </a:lnR>
+                    <a:lnT w="12700" cap="flat" cmpd="sng" algn="ctr">
+                      <a:solidFill>
+                        <a:schemeClr val="tx1"/>
+                      </a:solidFill>
+                      <a:prstDash val="dot"/>
+                      <a:round/>
+                      <a:headEnd type="none" w="med" len="med"/>
+                      <a:tailEnd type="none" w="med" len="med"/>
+                    </a:lnT>
+                    <a:lnB w="12700" cap="flat" cmpd="sng" algn="ctr">
+                      <a:solidFill>
+                        <a:schemeClr val="tx1"/>
+                      </a:solidFill>
+                      <a:prstDash val="sysDot"/>
+                      <a:round/>
+                      <a:headEnd type="none" w="med" len="med"/>
+                      <a:tailEnd type="none" w="med" len="med"/>
+                    </a:lnB>
+                  </a:tcPr>
+                </a:tc>
+                <a:tc>
+                  <a:txBody>
+                    <a:bodyPr/>
+                    <a:lstStyle/>
+                    <a:p>
+                      <a:pPr algn="ctr"/>
+                      <a:r>
+                        <a:rPr lang="de-DE" sz="1200" dirty="0">
+                          <a:latin typeface="Arial" panose="020B0604020202020204" pitchFamily="34" charset="0"/>
+                          <a:cs typeface="Arial" panose="020B0604020202020204" pitchFamily="34" charset="0"/>
+                        </a:rPr>
+                        <a:t>3</a:t>
+                      </a:r>
+                    </a:p>
+                  </a:txBody>
+                  <a:tcPr anchor="ctr">
+                    <a:lnL w="12700" cap="flat" cmpd="sng" algn="ctr">
+                      <a:solidFill>
+                        <a:schemeClr val="tx1"/>
+                      </a:solidFill>
+                      <a:prstDash val="dot"/>
+                      <a:round/>
+                      <a:headEnd type="none" w="med" len="med"/>
+                      <a:tailEnd type="none" w="med" len="med"/>
+                    </a:lnL>
+                    <a:lnR w="12700" cap="flat" cmpd="sng" algn="ctr">
+                      <a:solidFill>
+                        <a:schemeClr val="tx1"/>
+                      </a:solidFill>
+                      <a:prstDash val="dot"/>
+                      <a:round/>
+                      <a:headEnd type="none" w="med" len="med"/>
+                      <a:tailEnd type="none" w="med" len="med"/>
+                    </a:lnR>
+                    <a:lnT w="12700" cap="flat" cmpd="sng" algn="ctr">
+                      <a:solidFill>
+                        <a:schemeClr val="tx1"/>
+                      </a:solidFill>
+                      <a:prstDash val="dot"/>
+                      <a:round/>
+                      <a:headEnd type="none" w="med" len="med"/>
+                      <a:tailEnd type="none" w="med" len="med"/>
+                    </a:lnT>
+                    <a:lnB w="12700" cap="flat" cmpd="sng" algn="ctr">
+                      <a:solidFill>
+                        <a:schemeClr val="tx1"/>
+                      </a:solidFill>
+                      <a:prstDash val="sysDot"/>
+                      <a:round/>
+                      <a:headEnd type="none" w="med" len="med"/>
+                      <a:tailEnd type="none" w="med" len="med"/>
+                    </a:lnB>
+                  </a:tcPr>
+                </a:tc>
+                <a:tc>
+                  <a:txBody>
+                    <a:bodyPr/>
+                    <a:lstStyle/>
+                    <a:p>
+                      <a:pPr algn="ctr"/>
+                      <a:r>
+                        <a:rPr lang="de-DE" sz="1200" dirty="0">
+                          <a:latin typeface="Arial" panose="020B0604020202020204" pitchFamily="34" charset="0"/>
+                          <a:cs typeface="Arial" panose="020B0604020202020204" pitchFamily="34" charset="0"/>
+                        </a:rPr>
+                        <a:t>2</a:t>
+                      </a:r>
+                    </a:p>
+                  </a:txBody>
+                  <a:tcPr anchor="ctr">
+                    <a:lnL w="12700" cap="flat" cmpd="sng" algn="ctr">
+                      <a:solidFill>
+                        <a:schemeClr val="tx1"/>
+                      </a:solidFill>
+                      <a:prstDash val="dot"/>
+                      <a:round/>
+                      <a:headEnd type="none" w="med" len="med"/>
+                      <a:tailEnd type="none" w="med" len="med"/>
+                    </a:lnL>
+                    <a:lnT w="12700" cap="flat" cmpd="sng" algn="ctr">
+                      <a:solidFill>
+                        <a:schemeClr val="tx1"/>
+                      </a:solidFill>
+                      <a:prstDash val="dot"/>
+                      <a:round/>
+                      <a:headEnd type="none" w="med" len="med"/>
+                      <a:tailEnd type="none" w="med" len="med"/>
+                    </a:lnT>
+                    <a:lnB w="12700" cap="flat" cmpd="sng" algn="ctr">
+                      <a:solidFill>
+                        <a:schemeClr val="tx1"/>
+                      </a:solidFill>
+                      <a:prstDash val="sysDot"/>
+                      <a:round/>
+                      <a:headEnd type="none" w="med" len="med"/>
+                      <a:tailEnd type="none" w="med" len="med"/>
+                    </a:lnB>
+                  </a:tcPr>
+                </a:tc>
+                <a:extLst>
+                  <a:ext uri="{0D108BD9-81ED-4DB2-BD59-A6C34878D82A}">
+                    <a16:rowId xmlns:a16="http://schemas.microsoft.com/office/drawing/2014/main" val="2461113615"/>
+                  </a:ext>
+                </a:extLst>
+              </a:tr>
+            </a:tbl>
+          </a:graphicData>
+        </a:graphic>
+      </p:graphicFrame>
+      <p:graphicFrame>
+        <p:nvGraphicFramePr>
+          <p:cNvPr id="8" name="Tabelle 7">
+            <a:extLst>
+              <a:ext uri="{FF2B5EF4-FFF2-40B4-BE49-F238E27FC236}">
+                <a16:creationId xmlns:a16="http://schemas.microsoft.com/office/drawing/2014/main" id="{4DB2CE0F-FBC7-4F75-A5F6-5AC3A8A28D6D}"/>
+              </a:ext>
+            </a:extLst>
+          </p:cNvPr>
+          <p:cNvGraphicFramePr>
+            <a:graphicFrameLocks noGrp="1"/>
+          </p:cNvGraphicFramePr>
+          <p:nvPr>
+            <p:extLst>
+              <p:ext uri="{D42A27DB-BD31-4B8C-83A1-F6EECF244321}">
+                <p14:modId xmlns:p14="http://schemas.microsoft.com/office/powerpoint/2010/main" val="4017042035"/>
+              </p:ext>
+            </p:extLst>
+          </p:nvPr>
+        </p:nvGraphicFramePr>
+        <p:xfrm>
+          <a:off x="7663402" y="1945640"/>
+          <a:ext cx="2476280" cy="2194560"/>
         </p:xfrm>
         <a:graphic>
           <a:graphicData uri="http://schemas.openxmlformats.org/drawingml/2006/table">
@@ -3390,49 +9051,49 @@
                     </a:ext>
                   </a:extLst>
                 </a:gridCol>
-                <a:gridCol w="208280">
+                <a:gridCol w="324000">
                   <a:extLst>
                     <a:ext uri="{9D8B030D-6E8A-4147-A177-3AD203B41FA5}">
                       <a16:colId xmlns:a16="http://schemas.microsoft.com/office/drawing/2014/main" val="4138838359"/>
                     </a:ext>
                   </a:extLst>
                 </a:gridCol>
-                <a:gridCol w="208280">
+                <a:gridCol w="324000">
                   <a:extLst>
                     <a:ext uri="{9D8B030D-6E8A-4147-A177-3AD203B41FA5}">
                       <a16:colId xmlns:a16="http://schemas.microsoft.com/office/drawing/2014/main" val="1778424054"/>
                     </a:ext>
                   </a:extLst>
                 </a:gridCol>
-                <a:gridCol w="208280">
+                <a:gridCol w="324000">
                   <a:extLst>
                     <a:ext uri="{9D8B030D-6E8A-4147-A177-3AD203B41FA5}">
                       <a16:colId xmlns:a16="http://schemas.microsoft.com/office/drawing/2014/main" val="3773267374"/>
                     </a:ext>
                   </a:extLst>
                 </a:gridCol>
-                <a:gridCol w="208280">
+                <a:gridCol w="324000">
                   <a:extLst>
                     <a:ext uri="{9D8B030D-6E8A-4147-A177-3AD203B41FA5}">
                       <a16:colId xmlns:a16="http://schemas.microsoft.com/office/drawing/2014/main" val="3359534323"/>
                     </a:ext>
                   </a:extLst>
                 </a:gridCol>
-                <a:gridCol w="208280">
+                <a:gridCol w="324000">
                   <a:extLst>
                     <a:ext uri="{9D8B030D-6E8A-4147-A177-3AD203B41FA5}">
                       <a16:colId xmlns:a16="http://schemas.microsoft.com/office/drawing/2014/main" val="961354694"/>
                     </a:ext>
                   </a:extLst>
                 </a:gridCol>
-                <a:gridCol w="208280">
+                <a:gridCol w="324000">
                   <a:extLst>
                     <a:ext uri="{9D8B030D-6E8A-4147-A177-3AD203B41FA5}">
                       <a16:colId xmlns:a16="http://schemas.microsoft.com/office/drawing/2014/main" val="2871666653"/>
                     </a:ext>
                   </a:extLst>
                 </a:gridCol>
-                <a:gridCol w="208280">
+                <a:gridCol w="324000">
                   <a:extLst>
                     <a:ext uri="{9D8B030D-6E8A-4147-A177-3AD203B41FA5}">
                       <a16:colId xmlns:a16="http://schemas.microsoft.com/office/drawing/2014/main" val="1803651156"/>
@@ -3447,7 +9108,10 @@
                     <a:lstStyle/>
                     <a:p>
                       <a:pPr algn="ctr"/>
-                      <a:endParaRPr lang="de-DE" sz="1200" dirty="0"/>
+                      <a:endParaRPr lang="de-DE" sz="1200" b="1" dirty="0">
+                        <a:latin typeface="Arial" panose="020B0604020202020204" pitchFamily="34" charset="0"/>
+                        <a:cs typeface="Arial" panose="020B0604020202020204" pitchFamily="34" charset="0"/>
+                      </a:endParaRPr>
                     </a:p>
                   </a:txBody>
                   <a:tcPr anchor="ctr"/>
@@ -3459,7 +9123,10 @@
                     <a:p>
                       <a:pPr algn="ctr"/>
                       <a:r>
-                        <a:rPr lang="de-DE" sz="1200" dirty="0"/>
+                        <a:rPr lang="de-DE" sz="1200" b="1" dirty="0">
+                          <a:latin typeface="Arial" panose="020B0604020202020204" pitchFamily="34" charset="0"/>
+                          <a:cs typeface="Arial" panose="020B0604020202020204" pitchFamily="34" charset="0"/>
+                        </a:rPr>
                         <a:t>O</a:t>
                       </a:r>
                     </a:p>
@@ -3473,7 +9140,10 @@
                     <a:p>
                       <a:pPr algn="ctr"/>
                       <a:r>
-                        <a:rPr lang="de-DE" sz="1200" dirty="0"/>
+                        <a:rPr lang="de-DE" sz="1200" b="1" dirty="0">
+                          <a:latin typeface="Arial" panose="020B0604020202020204" pitchFamily="34" charset="0"/>
+                          <a:cs typeface="Arial" panose="020B0604020202020204" pitchFamily="34" charset="0"/>
+                        </a:rPr>
                         <a:t>C</a:t>
                       </a:r>
                     </a:p>
@@ -3487,7 +9157,10 @@
                     <a:p>
                       <a:pPr algn="ctr"/>
                       <a:r>
-                        <a:rPr lang="de-DE" sz="1200" dirty="0"/>
+                        <a:rPr lang="de-DE" sz="1200" b="1" dirty="0">
+                          <a:latin typeface="Arial" panose="020B0604020202020204" pitchFamily="34" charset="0"/>
+                          <a:cs typeface="Arial" panose="020B0604020202020204" pitchFamily="34" charset="0"/>
+                        </a:rPr>
                         <a:t>H</a:t>
                       </a:r>
                     </a:p>
@@ -3501,7 +9174,10 @@
                     <a:p>
                       <a:pPr algn="ctr"/>
                       <a:r>
-                        <a:rPr lang="de-DE" sz="1200" dirty="0"/>
+                        <a:rPr lang="de-DE" sz="1200" b="1" dirty="0">
+                          <a:latin typeface="Arial" panose="020B0604020202020204" pitchFamily="34" charset="0"/>
+                          <a:cs typeface="Arial" panose="020B0604020202020204" pitchFamily="34" charset="0"/>
+                        </a:rPr>
                         <a:t>H</a:t>
                       </a:r>
                     </a:p>
@@ -3515,7 +9191,10 @@
                     <a:p>
                       <a:pPr algn="ctr"/>
                       <a:r>
-                        <a:rPr lang="de-DE" sz="1200" dirty="0"/>
+                        <a:rPr lang="de-DE" sz="1200" b="1" dirty="0">
+                          <a:latin typeface="Arial" panose="020B0604020202020204" pitchFamily="34" charset="0"/>
+                          <a:cs typeface="Arial" panose="020B0604020202020204" pitchFamily="34" charset="0"/>
+                        </a:rPr>
                         <a:t>H</a:t>
                       </a:r>
                     </a:p>
@@ -3529,7 +9208,10 @@
                     <a:p>
                       <a:pPr algn="ctr"/>
                       <a:r>
-                        <a:rPr lang="de-DE" sz="1200" dirty="0"/>
+                        <a:rPr lang="de-DE" sz="1200" b="1" dirty="0">
+                          <a:latin typeface="Arial" panose="020B0604020202020204" pitchFamily="34" charset="0"/>
+                          <a:cs typeface="Arial" panose="020B0604020202020204" pitchFamily="34" charset="0"/>
+                        </a:rPr>
                         <a:t>C</a:t>
                       </a:r>
                     </a:p>
@@ -3543,7 +9225,10 @@
                     <a:p>
                       <a:pPr algn="ctr"/>
                       <a:r>
-                        <a:rPr lang="de-DE" sz="1200" dirty="0"/>
+                        <a:rPr lang="de-DE" sz="1200" b="1" dirty="0">
+                          <a:latin typeface="Arial" panose="020B0604020202020204" pitchFamily="34" charset="0"/>
+                          <a:cs typeface="Arial" panose="020B0604020202020204" pitchFamily="34" charset="0"/>
+                        </a:rPr>
                         <a:t>N</a:t>
                       </a:r>
                     </a:p>
@@ -3564,7 +9249,10 @@
                     <a:p>
                       <a:pPr algn="ctr"/>
                       <a:r>
-                        <a:rPr lang="de-DE" sz="1200" dirty="0"/>
+                        <a:rPr lang="de-DE" sz="1200" b="1" dirty="0">
+                          <a:latin typeface="Arial" panose="020B0604020202020204" pitchFamily="34" charset="0"/>
+                          <a:cs typeface="Arial" panose="020B0604020202020204" pitchFamily="34" charset="0"/>
+                        </a:rPr>
                         <a:t>O</a:t>
                       </a:r>
                     </a:p>
@@ -3578,96 +9266,295 @@
                     <a:p>
                       <a:pPr algn="ctr"/>
                       <a:r>
-                        <a:rPr lang="de-DE" sz="1200" dirty="0"/>
-                        <a:t>4</a:t>
-                      </a:r>
-                    </a:p>
-                  </a:txBody>
-                  <a:tcPr anchor="ctr"/>
-                </a:tc>
-                <a:tc>
-                  <a:txBody>
-                    <a:bodyPr/>
-                    <a:lstStyle/>
-                    <a:p>
-                      <a:pPr algn="ctr"/>
-                      <a:r>
-                        <a:rPr lang="de-DE" sz="1200" dirty="0"/>
+                        <a:rPr lang="de-DE" sz="1200" dirty="0">
+                          <a:latin typeface="Arial" panose="020B0604020202020204" pitchFamily="34" charset="0"/>
+                          <a:cs typeface="Arial" panose="020B0604020202020204" pitchFamily="34" charset="0"/>
+                        </a:rPr>
+                        <a:t>0</a:t>
+                      </a:r>
+                    </a:p>
+                  </a:txBody>
+                  <a:tcPr anchor="ctr">
+                    <a:lnR w="12700" cap="flat" cmpd="sng" algn="ctr">
+                      <a:solidFill>
+                        <a:schemeClr val="tx1"/>
+                      </a:solidFill>
+                      <a:prstDash val="sysDot"/>
+                      <a:round/>
+                      <a:headEnd type="none" w="med" len="med"/>
+                      <a:tailEnd type="none" w="med" len="med"/>
+                    </a:lnR>
+                    <a:lnB w="12700" cap="flat" cmpd="sng" algn="ctr">
+                      <a:solidFill>
+                        <a:schemeClr val="tx1"/>
+                      </a:solidFill>
+                      <a:prstDash val="sysDot"/>
+                      <a:round/>
+                      <a:headEnd type="none" w="med" len="med"/>
+                      <a:tailEnd type="none" w="med" len="med"/>
+                    </a:lnB>
+                  </a:tcPr>
+                </a:tc>
+                <a:tc>
+                  <a:txBody>
+                    <a:bodyPr/>
+                    <a:lstStyle/>
+                    <a:p>
+                      <a:pPr algn="ctr"/>
+                      <a:r>
+                        <a:rPr lang="de-DE" sz="1200" dirty="0">
+                          <a:latin typeface="Arial" panose="020B0604020202020204" pitchFamily="34" charset="0"/>
+                          <a:cs typeface="Arial" panose="020B0604020202020204" pitchFamily="34" charset="0"/>
+                        </a:rPr>
+                        <a:t>-1</a:t>
+                      </a:r>
+                    </a:p>
+                  </a:txBody>
+                  <a:tcPr anchor="ctr">
+                    <a:lnL w="12700" cap="flat" cmpd="sng" algn="ctr">
+                      <a:solidFill>
+                        <a:schemeClr val="tx1"/>
+                      </a:solidFill>
+                      <a:prstDash val="sysDot"/>
+                      <a:round/>
+                      <a:headEnd type="none" w="med" len="med"/>
+                      <a:tailEnd type="none" w="med" len="med"/>
+                    </a:lnL>
+                    <a:lnR w="12700" cap="flat" cmpd="sng" algn="ctr">
+                      <a:solidFill>
+                        <a:schemeClr val="tx1"/>
+                      </a:solidFill>
+                      <a:prstDash val="sysDot"/>
+                      <a:round/>
+                      <a:headEnd type="none" w="med" len="med"/>
+                      <a:tailEnd type="none" w="med" len="med"/>
+                    </a:lnR>
+                    <a:lnB w="12700" cap="flat" cmpd="sng" algn="ctr">
+                      <a:solidFill>
+                        <a:schemeClr val="tx1"/>
+                      </a:solidFill>
+                      <a:prstDash val="sysDot"/>
+                      <a:round/>
+                      <a:headEnd type="none" w="med" len="med"/>
+                      <a:tailEnd type="none" w="med" len="med"/>
+                    </a:lnB>
+                  </a:tcPr>
+                </a:tc>
+                <a:tc>
+                  <a:txBody>
+                    <a:bodyPr/>
+                    <a:lstStyle/>
+                    <a:p>
+                      <a:pPr algn="ctr"/>
+                      <a:r>
+                        <a:rPr lang="de-DE" sz="1200" dirty="0">
+                          <a:latin typeface="Arial" panose="020B0604020202020204" pitchFamily="34" charset="0"/>
+                          <a:cs typeface="Arial" panose="020B0604020202020204" pitchFamily="34" charset="0"/>
+                        </a:rPr>
+                        <a:t>0</a:t>
+                      </a:r>
+                    </a:p>
+                  </a:txBody>
+                  <a:tcPr anchor="ctr">
+                    <a:lnL w="12700" cap="flat" cmpd="sng" algn="ctr">
+                      <a:solidFill>
+                        <a:schemeClr val="tx1"/>
+                      </a:solidFill>
+                      <a:prstDash val="sysDot"/>
+                      <a:round/>
+                      <a:headEnd type="none" w="med" len="med"/>
+                      <a:tailEnd type="none" w="med" len="med"/>
+                    </a:lnL>
+                    <a:lnR w="12700" cap="flat" cmpd="sng" algn="ctr">
+                      <a:solidFill>
+                        <a:schemeClr val="tx1"/>
+                      </a:solidFill>
+                      <a:prstDash val="sysDot"/>
+                      <a:round/>
+                      <a:headEnd type="none" w="med" len="med"/>
+                      <a:tailEnd type="none" w="med" len="med"/>
+                    </a:lnR>
+                    <a:lnB w="12700" cap="flat" cmpd="sng" algn="ctr">
+                      <a:solidFill>
+                        <a:schemeClr val="tx1"/>
+                      </a:solidFill>
+                      <a:prstDash val="sysDot"/>
+                      <a:round/>
+                      <a:headEnd type="none" w="med" len="med"/>
+                      <a:tailEnd type="none" w="med" len="med"/>
+                    </a:lnB>
+                  </a:tcPr>
+                </a:tc>
+                <a:tc>
+                  <a:txBody>
+                    <a:bodyPr/>
+                    <a:lstStyle/>
+                    <a:p>
+                      <a:pPr algn="ctr"/>
+                      <a:r>
+                        <a:rPr lang="de-DE" sz="1200" dirty="0">
+                          <a:latin typeface="Arial" panose="020B0604020202020204" pitchFamily="34" charset="0"/>
+                          <a:cs typeface="Arial" panose="020B0604020202020204" pitchFamily="34" charset="0"/>
+                        </a:rPr>
+                        <a:t>0</a:t>
+                      </a:r>
+                    </a:p>
+                  </a:txBody>
+                  <a:tcPr anchor="ctr">
+                    <a:lnL w="12700" cap="flat" cmpd="sng" algn="ctr">
+                      <a:solidFill>
+                        <a:schemeClr val="tx1"/>
+                      </a:solidFill>
+                      <a:prstDash val="sysDot"/>
+                      <a:round/>
+                      <a:headEnd type="none" w="med" len="med"/>
+                      <a:tailEnd type="none" w="med" len="med"/>
+                    </a:lnL>
+                    <a:lnR w="12700" cap="flat" cmpd="sng" algn="ctr">
+                      <a:solidFill>
+                        <a:schemeClr val="tx1"/>
+                      </a:solidFill>
+                      <a:prstDash val="sysDot"/>
+                      <a:round/>
+                      <a:headEnd type="none" w="med" len="med"/>
+                      <a:tailEnd type="none" w="med" len="med"/>
+                    </a:lnR>
+                    <a:lnB w="12700" cap="flat" cmpd="sng" algn="ctr">
+                      <a:solidFill>
+                        <a:schemeClr val="tx1"/>
+                      </a:solidFill>
+                      <a:prstDash val="sysDot"/>
+                      <a:round/>
+                      <a:headEnd type="none" w="med" len="med"/>
+                      <a:tailEnd type="none" w="med" len="med"/>
+                    </a:lnB>
+                  </a:tcPr>
+                </a:tc>
+                <a:tc>
+                  <a:txBody>
+                    <a:bodyPr/>
+                    <a:lstStyle/>
+                    <a:p>
+                      <a:pPr algn="ctr"/>
+                      <a:r>
+                        <a:rPr lang="de-DE" sz="1200" dirty="0">
+                          <a:latin typeface="Arial" panose="020B0604020202020204" pitchFamily="34" charset="0"/>
+                          <a:cs typeface="Arial" panose="020B0604020202020204" pitchFamily="34" charset="0"/>
+                        </a:rPr>
                         <a:t>1</a:t>
                       </a:r>
                     </a:p>
                   </a:txBody>
-                  <a:tcPr anchor="ctr"/>
-                </a:tc>
-                <a:tc>
-                  <a:txBody>
-                    <a:bodyPr/>
-                    <a:lstStyle/>
-                    <a:p>
-                      <a:pPr algn="ctr"/>
-                      <a:r>
-                        <a:rPr lang="de-DE" sz="1200" dirty="0"/>
+                  <a:tcPr anchor="ctr">
+                    <a:lnL w="12700" cap="flat" cmpd="sng" algn="ctr">
+                      <a:solidFill>
+                        <a:schemeClr val="tx1"/>
+                      </a:solidFill>
+                      <a:prstDash val="sysDot"/>
+                      <a:round/>
+                      <a:headEnd type="none" w="med" len="med"/>
+                      <a:tailEnd type="none" w="med" len="med"/>
+                    </a:lnL>
+                    <a:lnR w="12700" cap="flat" cmpd="sng" algn="ctr">
+                      <a:solidFill>
+                        <a:schemeClr val="tx1"/>
+                      </a:solidFill>
+                      <a:prstDash val="sysDot"/>
+                      <a:round/>
+                      <a:headEnd type="none" w="med" len="med"/>
+                      <a:tailEnd type="none" w="med" len="med"/>
+                    </a:lnR>
+                    <a:lnB w="12700" cap="flat" cmpd="sng" algn="ctr">
+                      <a:solidFill>
+                        <a:schemeClr val="tx1"/>
+                      </a:solidFill>
+                      <a:prstDash val="sysDot"/>
+                      <a:round/>
+                      <a:headEnd type="none" w="med" len="med"/>
+                      <a:tailEnd type="none" w="med" len="med"/>
+                    </a:lnB>
+                  </a:tcPr>
+                </a:tc>
+                <a:tc>
+                  <a:txBody>
+                    <a:bodyPr/>
+                    <a:lstStyle/>
+                    <a:p>
+                      <a:pPr algn="ctr"/>
+                      <a:r>
+                        <a:rPr lang="de-DE" sz="1200" dirty="0">
+                          <a:latin typeface="Arial" panose="020B0604020202020204" pitchFamily="34" charset="0"/>
+                          <a:cs typeface="Arial" panose="020B0604020202020204" pitchFamily="34" charset="0"/>
+                        </a:rPr>
                         <a:t>0</a:t>
                       </a:r>
                     </a:p>
                   </a:txBody>
-                  <a:tcPr anchor="ctr"/>
-                </a:tc>
-                <a:tc>
-                  <a:txBody>
-                    <a:bodyPr/>
-                    <a:lstStyle/>
-                    <a:p>
-                      <a:pPr algn="ctr"/>
-                      <a:r>
-                        <a:rPr lang="de-DE" sz="1200" dirty="0"/>
+                  <a:tcPr anchor="ctr">
+                    <a:lnL w="12700" cap="flat" cmpd="sng" algn="ctr">
+                      <a:solidFill>
+                        <a:schemeClr val="tx1"/>
+                      </a:solidFill>
+                      <a:prstDash val="sysDot"/>
+                      <a:round/>
+                      <a:headEnd type="none" w="med" len="med"/>
+                      <a:tailEnd type="none" w="med" len="med"/>
+                    </a:lnL>
+                    <a:lnR w="12700" cap="flat" cmpd="sng" algn="ctr">
+                      <a:solidFill>
+                        <a:schemeClr val="tx1"/>
+                      </a:solidFill>
+                      <a:prstDash val="sysDot"/>
+                      <a:round/>
+                      <a:headEnd type="none" w="med" len="med"/>
+                      <a:tailEnd type="none" w="med" len="med"/>
+                    </a:lnR>
+                    <a:lnB w="12700" cap="flat" cmpd="sng" algn="ctr">
+                      <a:solidFill>
+                        <a:schemeClr val="tx1"/>
+                      </a:solidFill>
+                      <a:prstDash val="sysDot"/>
+                      <a:round/>
+                      <a:headEnd type="none" w="med" len="med"/>
+                      <a:tailEnd type="none" w="med" len="med"/>
+                    </a:lnB>
+                  </a:tcPr>
+                </a:tc>
+                <a:tc>
+                  <a:txBody>
+                    <a:bodyPr/>
+                    <a:lstStyle/>
+                    <a:p>
+                      <a:pPr algn="ctr"/>
+                      <a:r>
+                        <a:rPr lang="de-DE" sz="1200" dirty="0">
+                          <a:latin typeface="Arial" panose="020B0604020202020204" pitchFamily="34" charset="0"/>
+                          <a:cs typeface="Arial" panose="020B0604020202020204" pitchFamily="34" charset="0"/>
+                        </a:rPr>
                         <a:t>0</a:t>
                       </a:r>
                     </a:p>
                   </a:txBody>
-                  <a:tcPr anchor="ctr"/>
-                </a:tc>
-                <a:tc>
-                  <a:txBody>
-                    <a:bodyPr/>
-                    <a:lstStyle/>
-                    <a:p>
-                      <a:pPr algn="ctr"/>
-                      <a:r>
-                        <a:rPr lang="de-DE" sz="1200" dirty="0"/>
-                        <a:t>1</a:t>
-                      </a:r>
-                    </a:p>
-                  </a:txBody>
-                  <a:tcPr anchor="ctr"/>
-                </a:tc>
-                <a:tc>
-                  <a:txBody>
-                    <a:bodyPr/>
-                    <a:lstStyle/>
-                    <a:p>
-                      <a:pPr algn="ctr"/>
-                      <a:r>
-                        <a:rPr lang="de-DE" sz="1200" dirty="0"/>
-                        <a:t>0</a:t>
-                      </a:r>
-                    </a:p>
-                  </a:txBody>
-                  <a:tcPr anchor="ctr"/>
-                </a:tc>
-                <a:tc>
-                  <a:txBody>
-                    <a:bodyPr/>
-                    <a:lstStyle/>
-                    <a:p>
-                      <a:pPr algn="ctr"/>
-                      <a:r>
-                        <a:rPr lang="de-DE" sz="1200" dirty="0"/>
-                        <a:t>0</a:t>
-                      </a:r>
-                    </a:p>
-                  </a:txBody>
-                  <a:tcPr anchor="ctr"/>
+                  <a:tcPr anchor="ctr">
+                    <a:lnL w="12700" cap="flat" cmpd="sng" algn="ctr">
+                      <a:solidFill>
+                        <a:schemeClr val="tx1"/>
+                      </a:solidFill>
+                      <a:prstDash val="sysDot"/>
+                      <a:round/>
+                      <a:headEnd type="none" w="med" len="med"/>
+                      <a:tailEnd type="none" w="med" len="med"/>
+                    </a:lnL>
+                    <a:lnB w="12700" cap="flat" cmpd="sng" algn="ctr">
+                      <a:solidFill>
+                        <a:schemeClr val="tx1"/>
+                      </a:solidFill>
+                      <a:prstDash val="sysDot"/>
+                      <a:round/>
+                      <a:headEnd type="none" w="med" len="med"/>
+                      <a:tailEnd type="none" w="med" len="med"/>
+                    </a:lnB>
+                  </a:tcPr>
                 </a:tc>
                 <a:extLst>
                   <a:ext uri="{0D108BD9-81ED-4DB2-BD59-A6C34878D82A}">
@@ -3683,7 +9570,10 @@
                     <a:p>
                       <a:pPr algn="ctr"/>
                       <a:r>
-                        <a:rPr lang="de-DE" sz="1200" dirty="0"/>
+                        <a:rPr lang="de-DE" sz="1200" b="1" dirty="0">
+                          <a:latin typeface="Arial" panose="020B0604020202020204" pitchFamily="34" charset="0"/>
+                          <a:cs typeface="Arial" panose="020B0604020202020204" pitchFamily="34" charset="0"/>
+                        </a:rPr>
                         <a:t>C</a:t>
                       </a:r>
                     </a:p>
@@ -3696,76 +9586,359 @@
                     <a:lstStyle/>
                     <a:p>
                       <a:pPr algn="ctr"/>
-                      <a:endParaRPr lang="de-DE" sz="1200"/>
-                    </a:p>
-                  </a:txBody>
-                  <a:tcPr anchor="ctr"/>
-                </a:tc>
-                <a:tc>
-                  <a:txBody>
-                    <a:bodyPr/>
-                    <a:lstStyle/>
-                    <a:p>
-                      <a:pPr algn="ctr"/>
-                      <a:endParaRPr lang="de-DE" sz="1200" dirty="0"/>
-                    </a:p>
-                  </a:txBody>
-                  <a:tcPr anchor="ctr"/>
-                </a:tc>
-                <a:tc>
-                  <a:txBody>
-                    <a:bodyPr/>
-                    <a:lstStyle/>
-                    <a:p>
-                      <a:pPr algn="ctr"/>
-                      <a:endParaRPr lang="de-DE" sz="1200" dirty="0"/>
-                    </a:p>
-                  </a:txBody>
-                  <a:tcPr anchor="ctr"/>
-                </a:tc>
-                <a:tc>
-                  <a:txBody>
-                    <a:bodyPr/>
-                    <a:lstStyle/>
-                    <a:p>
-                      <a:pPr algn="ctr"/>
-                      <a:endParaRPr lang="de-DE" sz="1200"/>
-                    </a:p>
-                  </a:txBody>
-                  <a:tcPr anchor="ctr"/>
-                </a:tc>
-                <a:tc>
-                  <a:txBody>
-                    <a:bodyPr/>
-                    <a:lstStyle/>
-                    <a:p>
-                      <a:pPr algn="ctr"/>
-                      <a:endParaRPr lang="de-DE" sz="1200"/>
-                    </a:p>
-                  </a:txBody>
-                  <a:tcPr anchor="ctr"/>
-                </a:tc>
-                <a:tc>
-                  <a:txBody>
-                    <a:bodyPr/>
-                    <a:lstStyle/>
-                    <a:p>
-                      <a:pPr algn="ctr"/>
-                      <a:endParaRPr lang="de-DE" sz="1200"/>
-                    </a:p>
-                  </a:txBody>
-                  <a:tcPr anchor="ctr"/>
-                </a:tc>
-                <a:tc>
-                  <a:txBody>
-                    <a:bodyPr/>
-                    <a:lstStyle/>
-                    <a:p>
-                      <a:pPr algn="ctr"/>
-                      <a:endParaRPr lang="de-DE" sz="1200" dirty="0"/>
-                    </a:p>
-                  </a:txBody>
-                  <a:tcPr anchor="ctr"/>
+                      <a:r>
+                        <a:rPr lang="de-DE" sz="1200" dirty="0">
+                          <a:latin typeface="Arial" panose="020B0604020202020204" pitchFamily="34" charset="0"/>
+                          <a:cs typeface="Arial" panose="020B0604020202020204" pitchFamily="34" charset="0"/>
+                        </a:rPr>
+                        <a:t>-1</a:t>
+                      </a:r>
+                    </a:p>
+                  </a:txBody>
+                  <a:tcPr anchor="ctr">
+                    <a:lnR w="12700" cap="flat" cmpd="sng" algn="ctr">
+                      <a:solidFill>
+                        <a:schemeClr val="tx1"/>
+                      </a:solidFill>
+                      <a:prstDash val="sysDot"/>
+                      <a:round/>
+                      <a:headEnd type="none" w="med" len="med"/>
+                      <a:tailEnd type="none" w="med" len="med"/>
+                    </a:lnR>
+                    <a:lnT w="12700" cap="flat" cmpd="sng" algn="ctr">
+                      <a:solidFill>
+                        <a:schemeClr val="tx1"/>
+                      </a:solidFill>
+                      <a:prstDash val="sysDot"/>
+                      <a:round/>
+                      <a:headEnd type="none" w="med" len="med"/>
+                      <a:tailEnd type="none" w="med" len="med"/>
+                    </a:lnT>
+                    <a:lnB w="12700" cap="flat" cmpd="sng" algn="ctr">
+                      <a:solidFill>
+                        <a:schemeClr val="tx1"/>
+                      </a:solidFill>
+                      <a:prstDash val="sysDot"/>
+                      <a:round/>
+                      <a:headEnd type="none" w="med" len="med"/>
+                      <a:tailEnd type="none" w="med" len="med"/>
+                    </a:lnB>
+                  </a:tcPr>
+                </a:tc>
+                <a:tc>
+                  <a:txBody>
+                    <a:bodyPr/>
+                    <a:lstStyle/>
+                    <a:p>
+                      <a:pPr algn="ctr"/>
+                      <a:r>
+                        <a:rPr lang="de-DE" sz="1200" dirty="0">
+                          <a:latin typeface="Arial" panose="020B0604020202020204" pitchFamily="34" charset="0"/>
+                          <a:cs typeface="Arial" panose="020B0604020202020204" pitchFamily="34" charset="0"/>
+                        </a:rPr>
+                        <a:t>0</a:t>
+                      </a:r>
+                    </a:p>
+                  </a:txBody>
+                  <a:tcPr anchor="ctr">
+                    <a:lnL w="12700" cap="flat" cmpd="sng" algn="ctr">
+                      <a:solidFill>
+                        <a:schemeClr val="tx1"/>
+                      </a:solidFill>
+                      <a:prstDash val="sysDot"/>
+                      <a:round/>
+                      <a:headEnd type="none" w="med" len="med"/>
+                      <a:tailEnd type="none" w="med" len="med"/>
+                    </a:lnL>
+                    <a:lnR w="12700" cap="flat" cmpd="sng" algn="ctr">
+                      <a:solidFill>
+                        <a:schemeClr val="tx1"/>
+                      </a:solidFill>
+                      <a:prstDash val="sysDot"/>
+                      <a:round/>
+                      <a:headEnd type="none" w="med" len="med"/>
+                      <a:tailEnd type="none" w="med" len="med"/>
+                    </a:lnR>
+                    <a:lnT w="12700" cap="flat" cmpd="sng" algn="ctr">
+                      <a:solidFill>
+                        <a:schemeClr val="tx1"/>
+                      </a:solidFill>
+                      <a:prstDash val="sysDot"/>
+                      <a:round/>
+                      <a:headEnd type="none" w="med" len="med"/>
+                      <a:tailEnd type="none" w="med" len="med"/>
+                    </a:lnT>
+                    <a:lnB w="12700" cap="flat" cmpd="sng" algn="ctr">
+                      <a:solidFill>
+                        <a:schemeClr val="tx1"/>
+                      </a:solidFill>
+                      <a:prstDash val="sysDot"/>
+                      <a:round/>
+                      <a:headEnd type="none" w="med" len="med"/>
+                      <a:tailEnd type="none" w="med" len="med"/>
+                    </a:lnB>
+                  </a:tcPr>
+                </a:tc>
+                <a:tc>
+                  <a:txBody>
+                    <a:bodyPr/>
+                    <a:lstStyle/>
+                    <a:p>
+                      <a:pPr algn="ctr"/>
+                      <a:r>
+                        <a:rPr lang="de-DE" sz="1200" dirty="0">
+                          <a:latin typeface="Arial" panose="020B0604020202020204" pitchFamily="34" charset="0"/>
+                          <a:cs typeface="Arial" panose="020B0604020202020204" pitchFamily="34" charset="0"/>
+                        </a:rPr>
+                        <a:t>0</a:t>
+                      </a:r>
+                    </a:p>
+                  </a:txBody>
+                  <a:tcPr anchor="ctr">
+                    <a:lnL w="12700" cap="flat" cmpd="sng" algn="ctr">
+                      <a:solidFill>
+                        <a:schemeClr val="tx1"/>
+                      </a:solidFill>
+                      <a:prstDash val="sysDot"/>
+                      <a:round/>
+                      <a:headEnd type="none" w="med" len="med"/>
+                      <a:tailEnd type="none" w="med" len="med"/>
+                    </a:lnL>
+                    <a:lnR w="12700" cap="flat" cmpd="sng" algn="ctr">
+                      <a:solidFill>
+                        <a:schemeClr val="tx1"/>
+                      </a:solidFill>
+                      <a:prstDash val="sysDot"/>
+                      <a:round/>
+                      <a:headEnd type="none" w="med" len="med"/>
+                      <a:tailEnd type="none" w="med" len="med"/>
+                    </a:lnR>
+                    <a:lnT w="12700" cap="flat" cmpd="sng" algn="ctr">
+                      <a:solidFill>
+                        <a:schemeClr val="tx1"/>
+                      </a:solidFill>
+                      <a:prstDash val="sysDot"/>
+                      <a:round/>
+                      <a:headEnd type="none" w="med" len="med"/>
+                      <a:tailEnd type="none" w="med" len="med"/>
+                    </a:lnT>
+                    <a:lnB w="12700" cap="flat" cmpd="sng" algn="ctr">
+                      <a:solidFill>
+                        <a:schemeClr val="tx1"/>
+                      </a:solidFill>
+                      <a:prstDash val="sysDot"/>
+                      <a:round/>
+                      <a:headEnd type="none" w="med" len="med"/>
+                      <a:tailEnd type="none" w="med" len="med"/>
+                    </a:lnB>
+                  </a:tcPr>
+                </a:tc>
+                <a:tc>
+                  <a:txBody>
+                    <a:bodyPr/>
+                    <a:lstStyle/>
+                    <a:p>
+                      <a:pPr algn="ctr"/>
+                      <a:r>
+                        <a:rPr lang="de-DE" sz="1200" dirty="0">
+                          <a:latin typeface="Arial" panose="020B0604020202020204" pitchFamily="34" charset="0"/>
+                          <a:cs typeface="Arial" panose="020B0604020202020204" pitchFamily="34" charset="0"/>
+                        </a:rPr>
+                        <a:t>0</a:t>
+                      </a:r>
+                    </a:p>
+                  </a:txBody>
+                  <a:tcPr anchor="ctr">
+                    <a:lnL w="12700" cap="flat" cmpd="sng" algn="ctr">
+                      <a:solidFill>
+                        <a:schemeClr val="tx1"/>
+                      </a:solidFill>
+                      <a:prstDash val="sysDot"/>
+                      <a:round/>
+                      <a:headEnd type="none" w="med" len="med"/>
+                      <a:tailEnd type="none" w="med" len="med"/>
+                    </a:lnL>
+                    <a:lnR w="12700" cap="flat" cmpd="sng" algn="ctr">
+                      <a:solidFill>
+                        <a:schemeClr val="tx1"/>
+                      </a:solidFill>
+                      <a:prstDash val="sysDot"/>
+                      <a:round/>
+                      <a:headEnd type="none" w="med" len="med"/>
+                      <a:tailEnd type="none" w="med" len="med"/>
+                    </a:lnR>
+                    <a:lnT w="12700" cap="flat" cmpd="sng" algn="ctr">
+                      <a:solidFill>
+                        <a:schemeClr val="tx1"/>
+                      </a:solidFill>
+                      <a:prstDash val="sysDot"/>
+                      <a:round/>
+                      <a:headEnd type="none" w="med" len="med"/>
+                      <a:tailEnd type="none" w="med" len="med"/>
+                    </a:lnT>
+                    <a:lnB w="12700" cap="flat" cmpd="sng" algn="ctr">
+                      <a:solidFill>
+                        <a:schemeClr val="tx1"/>
+                      </a:solidFill>
+                      <a:prstDash val="sysDot"/>
+                      <a:round/>
+                      <a:headEnd type="none" w="med" len="med"/>
+                      <a:tailEnd type="none" w="med" len="med"/>
+                    </a:lnB>
+                  </a:tcPr>
+                </a:tc>
+                <a:tc>
+                  <a:txBody>
+                    <a:bodyPr/>
+                    <a:lstStyle/>
+                    <a:p>
+                      <a:pPr algn="ctr"/>
+                      <a:r>
+                        <a:rPr lang="de-DE" sz="1200" dirty="0">
+                          <a:latin typeface="Arial" panose="020B0604020202020204" pitchFamily="34" charset="0"/>
+                          <a:cs typeface="Arial" panose="020B0604020202020204" pitchFamily="34" charset="0"/>
+                        </a:rPr>
+                        <a:t>0</a:t>
+                      </a:r>
+                    </a:p>
+                  </a:txBody>
+                  <a:tcPr anchor="ctr">
+                    <a:lnL w="12700" cap="flat" cmpd="sng" algn="ctr">
+                      <a:solidFill>
+                        <a:schemeClr val="tx1"/>
+                      </a:solidFill>
+                      <a:prstDash val="sysDot"/>
+                      <a:round/>
+                      <a:headEnd type="none" w="med" len="med"/>
+                      <a:tailEnd type="none" w="med" len="med"/>
+                    </a:lnL>
+                    <a:lnR w="12700" cap="flat" cmpd="sng" algn="ctr">
+                      <a:solidFill>
+                        <a:schemeClr val="tx1"/>
+                      </a:solidFill>
+                      <a:prstDash val="sysDot"/>
+                      <a:round/>
+                      <a:headEnd type="none" w="med" len="med"/>
+                      <a:tailEnd type="none" w="med" len="med"/>
+                    </a:lnR>
+                    <a:lnT w="12700" cap="flat" cmpd="sng" algn="ctr">
+                      <a:solidFill>
+                        <a:schemeClr val="tx1"/>
+                      </a:solidFill>
+                      <a:prstDash val="sysDot"/>
+                      <a:round/>
+                      <a:headEnd type="none" w="med" len="med"/>
+                      <a:tailEnd type="none" w="med" len="med"/>
+                    </a:lnT>
+                    <a:lnB w="12700" cap="flat" cmpd="sng" algn="ctr">
+                      <a:solidFill>
+                        <a:schemeClr val="tx1"/>
+                      </a:solidFill>
+                      <a:prstDash val="sysDot"/>
+                      <a:round/>
+                      <a:headEnd type="none" w="med" len="med"/>
+                      <a:tailEnd type="none" w="med" len="med"/>
+                    </a:lnB>
+                  </a:tcPr>
+                </a:tc>
+                <a:tc>
+                  <a:txBody>
+                    <a:bodyPr/>
+                    <a:lstStyle/>
+                    <a:p>
+                      <a:pPr algn="ctr"/>
+                      <a:r>
+                        <a:rPr lang="de-DE" sz="1200" dirty="0">
+                          <a:latin typeface="Arial" panose="020B0604020202020204" pitchFamily="34" charset="0"/>
+                          <a:cs typeface="Arial" panose="020B0604020202020204" pitchFamily="34" charset="0"/>
+                        </a:rPr>
+                        <a:t>1</a:t>
+                      </a:r>
+                    </a:p>
+                  </a:txBody>
+                  <a:tcPr anchor="ctr">
+                    <a:lnL w="12700" cap="flat" cmpd="sng" algn="ctr">
+                      <a:solidFill>
+                        <a:schemeClr val="tx1"/>
+                      </a:solidFill>
+                      <a:prstDash val="sysDot"/>
+                      <a:round/>
+                      <a:headEnd type="none" w="med" len="med"/>
+                      <a:tailEnd type="none" w="med" len="med"/>
+                    </a:lnL>
+                    <a:lnR w="12700" cap="flat" cmpd="sng" algn="ctr">
+                      <a:solidFill>
+                        <a:schemeClr val="tx1"/>
+                      </a:solidFill>
+                      <a:prstDash val="sysDot"/>
+                      <a:round/>
+                      <a:headEnd type="none" w="med" len="med"/>
+                      <a:tailEnd type="none" w="med" len="med"/>
+                    </a:lnR>
+                    <a:lnT w="12700" cap="flat" cmpd="sng" algn="ctr">
+                      <a:solidFill>
+                        <a:schemeClr val="tx1"/>
+                      </a:solidFill>
+                      <a:prstDash val="sysDot"/>
+                      <a:round/>
+                      <a:headEnd type="none" w="med" len="med"/>
+                      <a:tailEnd type="none" w="med" len="med"/>
+                    </a:lnT>
+                    <a:lnB w="12700" cap="flat" cmpd="sng" algn="ctr">
+                      <a:solidFill>
+                        <a:schemeClr val="tx1"/>
+                      </a:solidFill>
+                      <a:prstDash val="sysDot"/>
+                      <a:round/>
+                      <a:headEnd type="none" w="med" len="med"/>
+                      <a:tailEnd type="none" w="med" len="med"/>
+                    </a:lnB>
+                  </a:tcPr>
+                </a:tc>
+                <a:tc>
+                  <a:txBody>
+                    <a:bodyPr/>
+                    <a:lstStyle/>
+                    <a:p>
+                      <a:pPr algn="ctr"/>
+                      <a:r>
+                        <a:rPr lang="de-DE" sz="1200" dirty="0">
+                          <a:latin typeface="Arial" panose="020B0604020202020204" pitchFamily="34" charset="0"/>
+                          <a:cs typeface="Arial" panose="020B0604020202020204" pitchFamily="34" charset="0"/>
+                        </a:rPr>
+                        <a:t>0</a:t>
+                      </a:r>
+                    </a:p>
+                  </a:txBody>
+                  <a:tcPr anchor="ctr">
+                    <a:lnL w="12700" cap="flat" cmpd="sng" algn="ctr">
+                      <a:solidFill>
+                        <a:schemeClr val="tx1"/>
+                      </a:solidFill>
+                      <a:prstDash val="sysDot"/>
+                      <a:round/>
+                      <a:headEnd type="none" w="med" len="med"/>
+                      <a:tailEnd type="none" w="med" len="med"/>
+                    </a:lnL>
+                    <a:lnT w="12700" cap="flat" cmpd="sng" algn="ctr">
+                      <a:solidFill>
+                        <a:schemeClr val="tx1"/>
+                      </a:solidFill>
+                      <a:prstDash val="sysDot"/>
+                      <a:round/>
+                      <a:headEnd type="none" w="med" len="med"/>
+                      <a:tailEnd type="none" w="med" len="med"/>
+                    </a:lnT>
+                    <a:lnB w="12700" cap="flat" cmpd="sng" algn="ctr">
+                      <a:solidFill>
+                        <a:schemeClr val="tx1"/>
+                      </a:solidFill>
+                      <a:prstDash val="sysDot"/>
+                      <a:round/>
+                      <a:headEnd type="none" w="med" len="med"/>
+                      <a:tailEnd type="none" w="med" len="med"/>
+                    </a:lnB>
+                  </a:tcPr>
                 </a:tc>
                 <a:extLst>
                   <a:ext uri="{0D108BD9-81ED-4DB2-BD59-A6C34878D82A}">
@@ -3781,7 +9954,10 @@
                     <a:p>
                       <a:pPr algn="ctr"/>
                       <a:r>
-                        <a:rPr lang="de-DE" sz="1200" dirty="0"/>
+                        <a:rPr lang="de-DE" sz="1200" b="1" dirty="0">
+                          <a:latin typeface="Arial" panose="020B0604020202020204" pitchFamily="34" charset="0"/>
+                          <a:cs typeface="Arial" panose="020B0604020202020204" pitchFamily="34" charset="0"/>
+                        </a:rPr>
                         <a:t>H</a:t>
                       </a:r>
                     </a:p>
@@ -3794,76 +9970,359 @@
                     <a:lstStyle/>
                     <a:p>
                       <a:pPr algn="ctr"/>
-                      <a:endParaRPr lang="de-DE" sz="1200"/>
-                    </a:p>
-                  </a:txBody>
-                  <a:tcPr anchor="ctr"/>
-                </a:tc>
-                <a:tc>
-                  <a:txBody>
-                    <a:bodyPr/>
-                    <a:lstStyle/>
-                    <a:p>
-                      <a:pPr algn="ctr"/>
-                      <a:endParaRPr lang="de-DE" sz="1200"/>
-                    </a:p>
-                  </a:txBody>
-                  <a:tcPr anchor="ctr"/>
-                </a:tc>
-                <a:tc>
-                  <a:txBody>
-                    <a:bodyPr/>
-                    <a:lstStyle/>
-                    <a:p>
-                      <a:pPr algn="ctr"/>
-                      <a:endParaRPr lang="de-DE" sz="1200" dirty="0"/>
-                    </a:p>
-                  </a:txBody>
-                  <a:tcPr anchor="ctr"/>
-                </a:tc>
-                <a:tc>
-                  <a:txBody>
-                    <a:bodyPr/>
-                    <a:lstStyle/>
-                    <a:p>
-                      <a:pPr algn="ctr"/>
-                      <a:endParaRPr lang="de-DE" sz="1200" dirty="0"/>
-                    </a:p>
-                  </a:txBody>
-                  <a:tcPr anchor="ctr"/>
-                </a:tc>
-                <a:tc>
-                  <a:txBody>
-                    <a:bodyPr/>
-                    <a:lstStyle/>
-                    <a:p>
-                      <a:pPr algn="ctr"/>
-                      <a:endParaRPr lang="de-DE" sz="1200"/>
-                    </a:p>
-                  </a:txBody>
-                  <a:tcPr anchor="ctr"/>
-                </a:tc>
-                <a:tc>
-                  <a:txBody>
-                    <a:bodyPr/>
-                    <a:lstStyle/>
-                    <a:p>
-                      <a:pPr algn="ctr"/>
-                      <a:endParaRPr lang="de-DE" sz="1200"/>
-                    </a:p>
-                  </a:txBody>
-                  <a:tcPr anchor="ctr"/>
-                </a:tc>
-                <a:tc>
-                  <a:txBody>
-                    <a:bodyPr/>
-                    <a:lstStyle/>
-                    <a:p>
-                      <a:pPr algn="ctr"/>
-                      <a:endParaRPr lang="de-DE" sz="1200"/>
-                    </a:p>
-                  </a:txBody>
-                  <a:tcPr anchor="ctr"/>
+                      <a:r>
+                        <a:rPr lang="de-DE" sz="1200" dirty="0">
+                          <a:latin typeface="Arial" panose="020B0604020202020204" pitchFamily="34" charset="0"/>
+                          <a:cs typeface="Arial" panose="020B0604020202020204" pitchFamily="34" charset="0"/>
+                        </a:rPr>
+                        <a:t>0</a:t>
+                      </a:r>
+                    </a:p>
+                  </a:txBody>
+                  <a:tcPr anchor="ctr">
+                    <a:lnR w="12700" cap="flat" cmpd="sng" algn="ctr">
+                      <a:solidFill>
+                        <a:schemeClr val="tx1"/>
+                      </a:solidFill>
+                      <a:prstDash val="sysDot"/>
+                      <a:round/>
+                      <a:headEnd type="none" w="med" len="med"/>
+                      <a:tailEnd type="none" w="med" len="med"/>
+                    </a:lnR>
+                    <a:lnT w="12700" cap="flat" cmpd="sng" algn="ctr">
+                      <a:solidFill>
+                        <a:schemeClr val="tx1"/>
+                      </a:solidFill>
+                      <a:prstDash val="sysDot"/>
+                      <a:round/>
+                      <a:headEnd type="none" w="med" len="med"/>
+                      <a:tailEnd type="none" w="med" len="med"/>
+                    </a:lnT>
+                    <a:lnB w="12700" cap="flat" cmpd="sng" algn="ctr">
+                      <a:solidFill>
+                        <a:schemeClr val="tx1"/>
+                      </a:solidFill>
+                      <a:prstDash val="sysDot"/>
+                      <a:round/>
+                      <a:headEnd type="none" w="med" len="med"/>
+                      <a:tailEnd type="none" w="med" len="med"/>
+                    </a:lnB>
+                  </a:tcPr>
+                </a:tc>
+                <a:tc>
+                  <a:txBody>
+                    <a:bodyPr/>
+                    <a:lstStyle/>
+                    <a:p>
+                      <a:pPr algn="ctr"/>
+                      <a:r>
+                        <a:rPr lang="de-DE" sz="1200" dirty="0">
+                          <a:latin typeface="Arial" panose="020B0604020202020204" pitchFamily="34" charset="0"/>
+                          <a:cs typeface="Arial" panose="020B0604020202020204" pitchFamily="34" charset="0"/>
+                        </a:rPr>
+                        <a:t>0</a:t>
+                      </a:r>
+                    </a:p>
+                  </a:txBody>
+                  <a:tcPr anchor="ctr">
+                    <a:lnL w="12700" cap="flat" cmpd="sng" algn="ctr">
+                      <a:solidFill>
+                        <a:schemeClr val="tx1"/>
+                      </a:solidFill>
+                      <a:prstDash val="sysDot"/>
+                      <a:round/>
+                      <a:headEnd type="none" w="med" len="med"/>
+                      <a:tailEnd type="none" w="med" len="med"/>
+                    </a:lnL>
+                    <a:lnR w="12700" cap="flat" cmpd="sng" algn="ctr">
+                      <a:solidFill>
+                        <a:schemeClr val="tx1"/>
+                      </a:solidFill>
+                      <a:prstDash val="sysDot"/>
+                      <a:round/>
+                      <a:headEnd type="none" w="med" len="med"/>
+                      <a:tailEnd type="none" w="med" len="med"/>
+                    </a:lnR>
+                    <a:lnT w="12700" cap="flat" cmpd="sng" algn="ctr">
+                      <a:solidFill>
+                        <a:schemeClr val="tx1"/>
+                      </a:solidFill>
+                      <a:prstDash val="sysDot"/>
+                      <a:round/>
+                      <a:headEnd type="none" w="med" len="med"/>
+                      <a:tailEnd type="none" w="med" len="med"/>
+                    </a:lnT>
+                    <a:lnB w="12700" cap="flat" cmpd="sng" algn="ctr">
+                      <a:solidFill>
+                        <a:schemeClr val="tx1"/>
+                      </a:solidFill>
+                      <a:prstDash val="sysDot"/>
+                      <a:round/>
+                      <a:headEnd type="none" w="med" len="med"/>
+                      <a:tailEnd type="none" w="med" len="med"/>
+                    </a:lnB>
+                  </a:tcPr>
+                </a:tc>
+                <a:tc>
+                  <a:txBody>
+                    <a:bodyPr/>
+                    <a:lstStyle/>
+                    <a:p>
+                      <a:pPr algn="ctr"/>
+                      <a:r>
+                        <a:rPr lang="de-DE" sz="1200" dirty="0">
+                          <a:latin typeface="Arial" panose="020B0604020202020204" pitchFamily="34" charset="0"/>
+                          <a:cs typeface="Arial" panose="020B0604020202020204" pitchFamily="34" charset="0"/>
+                        </a:rPr>
+                        <a:t>0</a:t>
+                      </a:r>
+                    </a:p>
+                  </a:txBody>
+                  <a:tcPr anchor="ctr">
+                    <a:lnL w="12700" cap="flat" cmpd="sng" algn="ctr">
+                      <a:solidFill>
+                        <a:schemeClr val="tx1"/>
+                      </a:solidFill>
+                      <a:prstDash val="sysDot"/>
+                      <a:round/>
+                      <a:headEnd type="none" w="med" len="med"/>
+                      <a:tailEnd type="none" w="med" len="med"/>
+                    </a:lnL>
+                    <a:lnR w="12700" cap="flat" cmpd="sng" algn="ctr">
+                      <a:solidFill>
+                        <a:schemeClr val="tx1"/>
+                      </a:solidFill>
+                      <a:prstDash val="sysDot"/>
+                      <a:round/>
+                      <a:headEnd type="none" w="med" len="med"/>
+                      <a:tailEnd type="none" w="med" len="med"/>
+                    </a:lnR>
+                    <a:lnT w="12700" cap="flat" cmpd="sng" algn="ctr">
+                      <a:solidFill>
+                        <a:schemeClr val="tx1"/>
+                      </a:solidFill>
+                      <a:prstDash val="sysDot"/>
+                      <a:round/>
+                      <a:headEnd type="none" w="med" len="med"/>
+                      <a:tailEnd type="none" w="med" len="med"/>
+                    </a:lnT>
+                    <a:lnB w="12700" cap="flat" cmpd="sng" algn="ctr">
+                      <a:solidFill>
+                        <a:schemeClr val="tx1"/>
+                      </a:solidFill>
+                      <a:prstDash val="sysDot"/>
+                      <a:round/>
+                      <a:headEnd type="none" w="med" len="med"/>
+                      <a:tailEnd type="none" w="med" len="med"/>
+                    </a:lnB>
+                  </a:tcPr>
+                </a:tc>
+                <a:tc>
+                  <a:txBody>
+                    <a:bodyPr/>
+                    <a:lstStyle/>
+                    <a:p>
+                      <a:pPr algn="ctr"/>
+                      <a:r>
+                        <a:rPr lang="de-DE" sz="1200" dirty="0">
+                          <a:latin typeface="Arial" panose="020B0604020202020204" pitchFamily="34" charset="0"/>
+                          <a:cs typeface="Arial" panose="020B0604020202020204" pitchFamily="34" charset="0"/>
+                        </a:rPr>
+                        <a:t>0</a:t>
+                      </a:r>
+                    </a:p>
+                  </a:txBody>
+                  <a:tcPr anchor="ctr">
+                    <a:lnL w="12700" cap="flat" cmpd="sng" algn="ctr">
+                      <a:solidFill>
+                        <a:schemeClr val="tx1"/>
+                      </a:solidFill>
+                      <a:prstDash val="sysDot"/>
+                      <a:round/>
+                      <a:headEnd type="none" w="med" len="med"/>
+                      <a:tailEnd type="none" w="med" len="med"/>
+                    </a:lnL>
+                    <a:lnR w="12700" cap="flat" cmpd="sng" algn="ctr">
+                      <a:solidFill>
+                        <a:schemeClr val="tx1"/>
+                      </a:solidFill>
+                      <a:prstDash val="sysDot"/>
+                      <a:round/>
+                      <a:headEnd type="none" w="med" len="med"/>
+                      <a:tailEnd type="none" w="med" len="med"/>
+                    </a:lnR>
+                    <a:lnT w="12700" cap="flat" cmpd="sng" algn="ctr">
+                      <a:solidFill>
+                        <a:schemeClr val="tx1"/>
+                      </a:solidFill>
+                      <a:prstDash val="sysDot"/>
+                      <a:round/>
+                      <a:headEnd type="none" w="med" len="med"/>
+                      <a:tailEnd type="none" w="med" len="med"/>
+                    </a:lnT>
+                    <a:lnB w="12700" cap="flat" cmpd="sng" algn="ctr">
+                      <a:solidFill>
+                        <a:schemeClr val="tx1"/>
+                      </a:solidFill>
+                      <a:prstDash val="sysDot"/>
+                      <a:round/>
+                      <a:headEnd type="none" w="med" len="med"/>
+                      <a:tailEnd type="none" w="med" len="med"/>
+                    </a:lnB>
+                  </a:tcPr>
+                </a:tc>
+                <a:tc>
+                  <a:txBody>
+                    <a:bodyPr/>
+                    <a:lstStyle/>
+                    <a:p>
+                      <a:pPr algn="ctr"/>
+                      <a:r>
+                        <a:rPr lang="de-DE" sz="1200" dirty="0">
+                          <a:latin typeface="Arial" panose="020B0604020202020204" pitchFamily="34" charset="0"/>
+                          <a:cs typeface="Arial" panose="020B0604020202020204" pitchFamily="34" charset="0"/>
+                        </a:rPr>
+                        <a:t>0</a:t>
+                      </a:r>
+                    </a:p>
+                  </a:txBody>
+                  <a:tcPr anchor="ctr">
+                    <a:lnL w="12700" cap="flat" cmpd="sng" algn="ctr">
+                      <a:solidFill>
+                        <a:schemeClr val="tx1"/>
+                      </a:solidFill>
+                      <a:prstDash val="sysDot"/>
+                      <a:round/>
+                      <a:headEnd type="none" w="med" len="med"/>
+                      <a:tailEnd type="none" w="med" len="med"/>
+                    </a:lnL>
+                    <a:lnR w="12700" cap="flat" cmpd="sng" algn="ctr">
+                      <a:solidFill>
+                        <a:schemeClr val="tx1"/>
+                      </a:solidFill>
+                      <a:prstDash val="sysDot"/>
+                      <a:round/>
+                      <a:headEnd type="none" w="med" len="med"/>
+                      <a:tailEnd type="none" w="med" len="med"/>
+                    </a:lnR>
+                    <a:lnT w="12700" cap="flat" cmpd="sng" algn="ctr">
+                      <a:solidFill>
+                        <a:schemeClr val="tx1"/>
+                      </a:solidFill>
+                      <a:prstDash val="sysDot"/>
+                      <a:round/>
+                      <a:headEnd type="none" w="med" len="med"/>
+                      <a:tailEnd type="none" w="med" len="med"/>
+                    </a:lnT>
+                    <a:lnB w="12700" cap="flat" cmpd="sng" algn="ctr">
+                      <a:solidFill>
+                        <a:schemeClr val="tx1"/>
+                      </a:solidFill>
+                      <a:prstDash val="sysDot"/>
+                      <a:round/>
+                      <a:headEnd type="none" w="med" len="med"/>
+                      <a:tailEnd type="none" w="med" len="med"/>
+                    </a:lnB>
+                  </a:tcPr>
+                </a:tc>
+                <a:tc>
+                  <a:txBody>
+                    <a:bodyPr/>
+                    <a:lstStyle/>
+                    <a:p>
+                      <a:pPr algn="ctr"/>
+                      <a:r>
+                        <a:rPr lang="de-DE" sz="1200" dirty="0">
+                          <a:latin typeface="Arial" panose="020B0604020202020204" pitchFamily="34" charset="0"/>
+                          <a:cs typeface="Arial" panose="020B0604020202020204" pitchFamily="34" charset="0"/>
+                        </a:rPr>
+                        <a:t>0</a:t>
+                      </a:r>
+                    </a:p>
+                  </a:txBody>
+                  <a:tcPr anchor="ctr">
+                    <a:lnL w="12700" cap="flat" cmpd="sng" algn="ctr">
+                      <a:solidFill>
+                        <a:schemeClr val="tx1"/>
+                      </a:solidFill>
+                      <a:prstDash val="sysDot"/>
+                      <a:round/>
+                      <a:headEnd type="none" w="med" len="med"/>
+                      <a:tailEnd type="none" w="med" len="med"/>
+                    </a:lnL>
+                    <a:lnR w="12700" cap="flat" cmpd="sng" algn="ctr">
+                      <a:solidFill>
+                        <a:schemeClr val="tx1"/>
+                      </a:solidFill>
+                      <a:prstDash val="sysDot"/>
+                      <a:round/>
+                      <a:headEnd type="none" w="med" len="med"/>
+                      <a:tailEnd type="none" w="med" len="med"/>
+                    </a:lnR>
+                    <a:lnT w="12700" cap="flat" cmpd="sng" algn="ctr">
+                      <a:solidFill>
+                        <a:schemeClr val="tx1"/>
+                      </a:solidFill>
+                      <a:prstDash val="sysDot"/>
+                      <a:round/>
+                      <a:headEnd type="none" w="med" len="med"/>
+                      <a:tailEnd type="none" w="med" len="med"/>
+                    </a:lnT>
+                    <a:lnB w="12700" cap="flat" cmpd="sng" algn="ctr">
+                      <a:solidFill>
+                        <a:schemeClr val="tx1"/>
+                      </a:solidFill>
+                      <a:prstDash val="sysDot"/>
+                      <a:round/>
+                      <a:headEnd type="none" w="med" len="med"/>
+                      <a:tailEnd type="none" w="med" len="med"/>
+                    </a:lnB>
+                  </a:tcPr>
+                </a:tc>
+                <a:tc>
+                  <a:txBody>
+                    <a:bodyPr/>
+                    <a:lstStyle/>
+                    <a:p>
+                      <a:pPr algn="ctr"/>
+                      <a:r>
+                        <a:rPr lang="de-DE" sz="1200" dirty="0">
+                          <a:latin typeface="Arial" panose="020B0604020202020204" pitchFamily="34" charset="0"/>
+                          <a:cs typeface="Arial" panose="020B0604020202020204" pitchFamily="34" charset="0"/>
+                        </a:rPr>
+                        <a:t>0</a:t>
+                      </a:r>
+                    </a:p>
+                  </a:txBody>
+                  <a:tcPr anchor="ctr">
+                    <a:lnL w="12700" cap="flat" cmpd="sng" algn="ctr">
+                      <a:solidFill>
+                        <a:schemeClr val="tx1"/>
+                      </a:solidFill>
+                      <a:prstDash val="sysDot"/>
+                      <a:round/>
+                      <a:headEnd type="none" w="med" len="med"/>
+                      <a:tailEnd type="none" w="med" len="med"/>
+                    </a:lnL>
+                    <a:lnT w="12700" cap="flat" cmpd="sng" algn="ctr">
+                      <a:solidFill>
+                        <a:schemeClr val="tx1"/>
+                      </a:solidFill>
+                      <a:prstDash val="sysDot"/>
+                      <a:round/>
+                      <a:headEnd type="none" w="med" len="med"/>
+                      <a:tailEnd type="none" w="med" len="med"/>
+                    </a:lnT>
+                    <a:lnB w="12700" cap="flat" cmpd="sng" algn="ctr">
+                      <a:solidFill>
+                        <a:schemeClr val="tx1"/>
+                      </a:solidFill>
+                      <a:prstDash val="sysDot"/>
+                      <a:round/>
+                      <a:headEnd type="none" w="med" len="med"/>
+                      <a:tailEnd type="none" w="med" len="med"/>
+                    </a:lnB>
+                  </a:tcPr>
                 </a:tc>
                 <a:extLst>
                   <a:ext uri="{0D108BD9-81ED-4DB2-BD59-A6C34878D82A}">
@@ -3879,7 +10338,10 @@
                     <a:p>
                       <a:pPr algn="ctr"/>
                       <a:r>
-                        <a:rPr lang="de-DE" sz="1200" dirty="0"/>
+                        <a:rPr lang="de-DE" sz="1200" b="1" dirty="0">
+                          <a:latin typeface="Arial" panose="020B0604020202020204" pitchFamily="34" charset="0"/>
+                          <a:cs typeface="Arial" panose="020B0604020202020204" pitchFamily="34" charset="0"/>
+                        </a:rPr>
                         <a:t>H</a:t>
                       </a:r>
                     </a:p>
@@ -3892,76 +10354,359 @@
                     <a:lstStyle/>
                     <a:p>
                       <a:pPr algn="ctr"/>
-                      <a:endParaRPr lang="de-DE" sz="1200"/>
-                    </a:p>
-                  </a:txBody>
-                  <a:tcPr anchor="ctr"/>
-                </a:tc>
-                <a:tc>
-                  <a:txBody>
-                    <a:bodyPr/>
-                    <a:lstStyle/>
-                    <a:p>
-                      <a:pPr algn="ctr"/>
-                      <a:endParaRPr lang="de-DE" sz="1200"/>
-                    </a:p>
-                  </a:txBody>
-                  <a:tcPr anchor="ctr"/>
-                </a:tc>
-                <a:tc>
-                  <a:txBody>
-                    <a:bodyPr/>
-                    <a:lstStyle/>
-                    <a:p>
-                      <a:pPr algn="ctr"/>
-                      <a:endParaRPr lang="de-DE" sz="1200"/>
-                    </a:p>
-                  </a:txBody>
-                  <a:tcPr anchor="ctr"/>
-                </a:tc>
-                <a:tc>
-                  <a:txBody>
-                    <a:bodyPr/>
-                    <a:lstStyle/>
-                    <a:p>
-                      <a:pPr algn="ctr"/>
-                      <a:endParaRPr lang="de-DE" sz="1200" dirty="0"/>
-                    </a:p>
-                  </a:txBody>
-                  <a:tcPr anchor="ctr"/>
-                </a:tc>
-                <a:tc>
-                  <a:txBody>
-                    <a:bodyPr/>
-                    <a:lstStyle/>
-                    <a:p>
-                      <a:pPr algn="ctr"/>
-                      <a:endParaRPr lang="de-DE" sz="1200"/>
-                    </a:p>
-                  </a:txBody>
-                  <a:tcPr anchor="ctr"/>
-                </a:tc>
-                <a:tc>
-                  <a:txBody>
-                    <a:bodyPr/>
-                    <a:lstStyle/>
-                    <a:p>
-                      <a:pPr algn="ctr"/>
-                      <a:endParaRPr lang="de-DE" sz="1200"/>
-                    </a:p>
-                  </a:txBody>
-                  <a:tcPr anchor="ctr"/>
-                </a:tc>
-                <a:tc>
-                  <a:txBody>
-                    <a:bodyPr/>
-                    <a:lstStyle/>
-                    <a:p>
-                      <a:pPr algn="ctr"/>
-                      <a:endParaRPr lang="de-DE" sz="1200"/>
-                    </a:p>
-                  </a:txBody>
-                  <a:tcPr anchor="ctr"/>
+                      <a:r>
+                        <a:rPr lang="de-DE" sz="1200" dirty="0">
+                          <a:latin typeface="Arial" panose="020B0604020202020204" pitchFamily="34" charset="0"/>
+                          <a:cs typeface="Arial" panose="020B0604020202020204" pitchFamily="34" charset="0"/>
+                        </a:rPr>
+                        <a:t>0</a:t>
+                      </a:r>
+                    </a:p>
+                  </a:txBody>
+                  <a:tcPr anchor="ctr">
+                    <a:lnR w="12700" cap="flat" cmpd="sng" algn="ctr">
+                      <a:solidFill>
+                        <a:schemeClr val="tx1"/>
+                      </a:solidFill>
+                      <a:prstDash val="sysDot"/>
+                      <a:round/>
+                      <a:headEnd type="none" w="med" len="med"/>
+                      <a:tailEnd type="none" w="med" len="med"/>
+                    </a:lnR>
+                    <a:lnT w="12700" cap="flat" cmpd="sng" algn="ctr">
+                      <a:solidFill>
+                        <a:schemeClr val="tx1"/>
+                      </a:solidFill>
+                      <a:prstDash val="sysDot"/>
+                      <a:round/>
+                      <a:headEnd type="none" w="med" len="med"/>
+                      <a:tailEnd type="none" w="med" len="med"/>
+                    </a:lnT>
+                    <a:lnB w="12700" cap="flat" cmpd="sng" algn="ctr">
+                      <a:solidFill>
+                        <a:schemeClr val="tx1"/>
+                      </a:solidFill>
+                      <a:prstDash val="sysDot"/>
+                      <a:round/>
+                      <a:headEnd type="none" w="med" len="med"/>
+                      <a:tailEnd type="none" w="med" len="med"/>
+                    </a:lnB>
+                  </a:tcPr>
+                </a:tc>
+                <a:tc>
+                  <a:txBody>
+                    <a:bodyPr/>
+                    <a:lstStyle/>
+                    <a:p>
+                      <a:pPr algn="ctr"/>
+                      <a:r>
+                        <a:rPr lang="de-DE" sz="1200" dirty="0">
+                          <a:latin typeface="Arial" panose="020B0604020202020204" pitchFamily="34" charset="0"/>
+                          <a:cs typeface="Arial" panose="020B0604020202020204" pitchFamily="34" charset="0"/>
+                        </a:rPr>
+                        <a:t>0</a:t>
+                      </a:r>
+                    </a:p>
+                  </a:txBody>
+                  <a:tcPr anchor="ctr">
+                    <a:lnL w="12700" cap="flat" cmpd="sng" algn="ctr">
+                      <a:solidFill>
+                        <a:schemeClr val="tx1"/>
+                      </a:solidFill>
+                      <a:prstDash val="sysDot"/>
+                      <a:round/>
+                      <a:headEnd type="none" w="med" len="med"/>
+                      <a:tailEnd type="none" w="med" len="med"/>
+                    </a:lnL>
+                    <a:lnR w="12700" cap="flat" cmpd="sng" algn="ctr">
+                      <a:solidFill>
+                        <a:schemeClr val="tx1"/>
+                      </a:solidFill>
+                      <a:prstDash val="sysDot"/>
+                      <a:round/>
+                      <a:headEnd type="none" w="med" len="med"/>
+                      <a:tailEnd type="none" w="med" len="med"/>
+                    </a:lnR>
+                    <a:lnT w="12700" cap="flat" cmpd="sng" algn="ctr">
+                      <a:solidFill>
+                        <a:schemeClr val="tx1"/>
+                      </a:solidFill>
+                      <a:prstDash val="sysDot"/>
+                      <a:round/>
+                      <a:headEnd type="none" w="med" len="med"/>
+                      <a:tailEnd type="none" w="med" len="med"/>
+                    </a:lnT>
+                    <a:lnB w="12700" cap="flat" cmpd="sng" algn="ctr">
+                      <a:solidFill>
+                        <a:schemeClr val="tx1"/>
+                      </a:solidFill>
+                      <a:prstDash val="sysDot"/>
+                      <a:round/>
+                      <a:headEnd type="none" w="med" len="med"/>
+                      <a:tailEnd type="none" w="med" len="med"/>
+                    </a:lnB>
+                  </a:tcPr>
+                </a:tc>
+                <a:tc>
+                  <a:txBody>
+                    <a:bodyPr/>
+                    <a:lstStyle/>
+                    <a:p>
+                      <a:pPr algn="ctr"/>
+                      <a:r>
+                        <a:rPr lang="de-DE" sz="1200" dirty="0">
+                          <a:latin typeface="Arial" panose="020B0604020202020204" pitchFamily="34" charset="0"/>
+                          <a:cs typeface="Arial" panose="020B0604020202020204" pitchFamily="34" charset="0"/>
+                        </a:rPr>
+                        <a:t>0</a:t>
+                      </a:r>
+                    </a:p>
+                  </a:txBody>
+                  <a:tcPr anchor="ctr">
+                    <a:lnL w="12700" cap="flat" cmpd="sng" algn="ctr">
+                      <a:solidFill>
+                        <a:schemeClr val="tx1"/>
+                      </a:solidFill>
+                      <a:prstDash val="sysDot"/>
+                      <a:round/>
+                      <a:headEnd type="none" w="med" len="med"/>
+                      <a:tailEnd type="none" w="med" len="med"/>
+                    </a:lnL>
+                    <a:lnR w="12700" cap="flat" cmpd="sng" algn="ctr">
+                      <a:solidFill>
+                        <a:schemeClr val="tx1"/>
+                      </a:solidFill>
+                      <a:prstDash val="sysDot"/>
+                      <a:round/>
+                      <a:headEnd type="none" w="med" len="med"/>
+                      <a:tailEnd type="none" w="med" len="med"/>
+                    </a:lnR>
+                    <a:lnT w="12700" cap="flat" cmpd="sng" algn="ctr">
+                      <a:solidFill>
+                        <a:schemeClr val="tx1"/>
+                      </a:solidFill>
+                      <a:prstDash val="sysDot"/>
+                      <a:round/>
+                      <a:headEnd type="none" w="med" len="med"/>
+                      <a:tailEnd type="none" w="med" len="med"/>
+                    </a:lnT>
+                    <a:lnB w="12700" cap="flat" cmpd="sng" algn="ctr">
+                      <a:solidFill>
+                        <a:schemeClr val="tx1"/>
+                      </a:solidFill>
+                      <a:prstDash val="sysDot"/>
+                      <a:round/>
+                      <a:headEnd type="none" w="med" len="med"/>
+                      <a:tailEnd type="none" w="med" len="med"/>
+                    </a:lnB>
+                  </a:tcPr>
+                </a:tc>
+                <a:tc>
+                  <a:txBody>
+                    <a:bodyPr/>
+                    <a:lstStyle/>
+                    <a:p>
+                      <a:pPr algn="ctr"/>
+                      <a:r>
+                        <a:rPr lang="de-DE" sz="1200" dirty="0">
+                          <a:latin typeface="Arial" panose="020B0604020202020204" pitchFamily="34" charset="0"/>
+                          <a:cs typeface="Arial" panose="020B0604020202020204" pitchFamily="34" charset="0"/>
+                        </a:rPr>
+                        <a:t>0</a:t>
+                      </a:r>
+                    </a:p>
+                  </a:txBody>
+                  <a:tcPr anchor="ctr">
+                    <a:lnL w="12700" cap="flat" cmpd="sng" algn="ctr">
+                      <a:solidFill>
+                        <a:schemeClr val="tx1"/>
+                      </a:solidFill>
+                      <a:prstDash val="sysDot"/>
+                      <a:round/>
+                      <a:headEnd type="none" w="med" len="med"/>
+                      <a:tailEnd type="none" w="med" len="med"/>
+                    </a:lnL>
+                    <a:lnR w="12700" cap="flat" cmpd="sng" algn="ctr">
+                      <a:solidFill>
+                        <a:schemeClr val="tx1"/>
+                      </a:solidFill>
+                      <a:prstDash val="sysDot"/>
+                      <a:round/>
+                      <a:headEnd type="none" w="med" len="med"/>
+                      <a:tailEnd type="none" w="med" len="med"/>
+                    </a:lnR>
+                    <a:lnT w="12700" cap="flat" cmpd="sng" algn="ctr">
+                      <a:solidFill>
+                        <a:schemeClr val="tx1"/>
+                      </a:solidFill>
+                      <a:prstDash val="sysDot"/>
+                      <a:round/>
+                      <a:headEnd type="none" w="med" len="med"/>
+                      <a:tailEnd type="none" w="med" len="med"/>
+                    </a:lnT>
+                    <a:lnB w="12700" cap="flat" cmpd="sng" algn="ctr">
+                      <a:solidFill>
+                        <a:schemeClr val="tx1"/>
+                      </a:solidFill>
+                      <a:prstDash val="sysDot"/>
+                      <a:round/>
+                      <a:headEnd type="none" w="med" len="med"/>
+                      <a:tailEnd type="none" w="med" len="med"/>
+                    </a:lnB>
+                  </a:tcPr>
+                </a:tc>
+                <a:tc>
+                  <a:txBody>
+                    <a:bodyPr/>
+                    <a:lstStyle/>
+                    <a:p>
+                      <a:pPr algn="ctr"/>
+                      <a:r>
+                        <a:rPr lang="de-DE" sz="1200" dirty="0">
+                          <a:latin typeface="Arial" panose="020B0604020202020204" pitchFamily="34" charset="0"/>
+                          <a:cs typeface="Arial" panose="020B0604020202020204" pitchFamily="34" charset="0"/>
+                        </a:rPr>
+                        <a:t>0</a:t>
+                      </a:r>
+                    </a:p>
+                  </a:txBody>
+                  <a:tcPr anchor="ctr">
+                    <a:lnL w="12700" cap="flat" cmpd="sng" algn="ctr">
+                      <a:solidFill>
+                        <a:schemeClr val="tx1"/>
+                      </a:solidFill>
+                      <a:prstDash val="sysDot"/>
+                      <a:round/>
+                      <a:headEnd type="none" w="med" len="med"/>
+                      <a:tailEnd type="none" w="med" len="med"/>
+                    </a:lnL>
+                    <a:lnR w="12700" cap="flat" cmpd="sng" algn="ctr">
+                      <a:solidFill>
+                        <a:schemeClr val="tx1"/>
+                      </a:solidFill>
+                      <a:prstDash val="sysDot"/>
+                      <a:round/>
+                      <a:headEnd type="none" w="med" len="med"/>
+                      <a:tailEnd type="none" w="med" len="med"/>
+                    </a:lnR>
+                    <a:lnT w="12700" cap="flat" cmpd="sng" algn="ctr">
+                      <a:solidFill>
+                        <a:schemeClr val="tx1"/>
+                      </a:solidFill>
+                      <a:prstDash val="sysDot"/>
+                      <a:round/>
+                      <a:headEnd type="none" w="med" len="med"/>
+                      <a:tailEnd type="none" w="med" len="med"/>
+                    </a:lnT>
+                    <a:lnB w="12700" cap="flat" cmpd="sng" algn="ctr">
+                      <a:solidFill>
+                        <a:schemeClr val="tx1"/>
+                      </a:solidFill>
+                      <a:prstDash val="sysDot"/>
+                      <a:round/>
+                      <a:headEnd type="none" w="med" len="med"/>
+                      <a:tailEnd type="none" w="med" len="med"/>
+                    </a:lnB>
+                  </a:tcPr>
+                </a:tc>
+                <a:tc>
+                  <a:txBody>
+                    <a:bodyPr/>
+                    <a:lstStyle/>
+                    <a:p>
+                      <a:pPr algn="ctr"/>
+                      <a:r>
+                        <a:rPr lang="de-DE" sz="1200" dirty="0">
+                          <a:latin typeface="Arial" panose="020B0604020202020204" pitchFamily="34" charset="0"/>
+                          <a:cs typeface="Arial" panose="020B0604020202020204" pitchFamily="34" charset="0"/>
+                        </a:rPr>
+                        <a:t>0</a:t>
+                      </a:r>
+                    </a:p>
+                  </a:txBody>
+                  <a:tcPr anchor="ctr">
+                    <a:lnL w="12700" cap="flat" cmpd="sng" algn="ctr">
+                      <a:solidFill>
+                        <a:schemeClr val="tx1"/>
+                      </a:solidFill>
+                      <a:prstDash val="sysDot"/>
+                      <a:round/>
+                      <a:headEnd type="none" w="med" len="med"/>
+                      <a:tailEnd type="none" w="med" len="med"/>
+                    </a:lnL>
+                    <a:lnR w="12700" cap="flat" cmpd="sng" algn="ctr">
+                      <a:solidFill>
+                        <a:schemeClr val="tx1"/>
+                      </a:solidFill>
+                      <a:prstDash val="sysDot"/>
+                      <a:round/>
+                      <a:headEnd type="none" w="med" len="med"/>
+                      <a:tailEnd type="none" w="med" len="med"/>
+                    </a:lnR>
+                    <a:lnT w="12700" cap="flat" cmpd="sng" algn="ctr">
+                      <a:solidFill>
+                        <a:schemeClr val="tx1"/>
+                      </a:solidFill>
+                      <a:prstDash val="sysDot"/>
+                      <a:round/>
+                      <a:headEnd type="none" w="med" len="med"/>
+                      <a:tailEnd type="none" w="med" len="med"/>
+                    </a:lnT>
+                    <a:lnB w="12700" cap="flat" cmpd="sng" algn="ctr">
+                      <a:solidFill>
+                        <a:schemeClr val="tx1"/>
+                      </a:solidFill>
+                      <a:prstDash val="sysDot"/>
+                      <a:round/>
+                      <a:headEnd type="none" w="med" len="med"/>
+                      <a:tailEnd type="none" w="med" len="med"/>
+                    </a:lnB>
+                  </a:tcPr>
+                </a:tc>
+                <a:tc>
+                  <a:txBody>
+                    <a:bodyPr/>
+                    <a:lstStyle/>
+                    <a:p>
+                      <a:pPr algn="ctr"/>
+                      <a:r>
+                        <a:rPr lang="de-DE" sz="1200" dirty="0">
+                          <a:latin typeface="Arial" panose="020B0604020202020204" pitchFamily="34" charset="0"/>
+                          <a:cs typeface="Arial" panose="020B0604020202020204" pitchFamily="34" charset="0"/>
+                        </a:rPr>
+                        <a:t>0</a:t>
+                      </a:r>
+                    </a:p>
+                  </a:txBody>
+                  <a:tcPr anchor="ctr">
+                    <a:lnL w="12700" cap="flat" cmpd="sng" algn="ctr">
+                      <a:solidFill>
+                        <a:schemeClr val="tx1"/>
+                      </a:solidFill>
+                      <a:prstDash val="sysDot"/>
+                      <a:round/>
+                      <a:headEnd type="none" w="med" len="med"/>
+                      <a:tailEnd type="none" w="med" len="med"/>
+                    </a:lnL>
+                    <a:lnT w="12700" cap="flat" cmpd="sng" algn="ctr">
+                      <a:solidFill>
+                        <a:schemeClr val="tx1"/>
+                      </a:solidFill>
+                      <a:prstDash val="sysDot"/>
+                      <a:round/>
+                      <a:headEnd type="none" w="med" len="med"/>
+                      <a:tailEnd type="none" w="med" len="med"/>
+                    </a:lnT>
+                    <a:lnB w="12700" cap="flat" cmpd="sng" algn="ctr">
+                      <a:solidFill>
+                        <a:schemeClr val="tx1"/>
+                      </a:solidFill>
+                      <a:prstDash val="sysDot"/>
+                      <a:round/>
+                      <a:headEnd type="none" w="med" len="med"/>
+                      <a:tailEnd type="none" w="med" len="med"/>
+                    </a:lnB>
+                  </a:tcPr>
                 </a:tc>
                 <a:extLst>
                   <a:ext uri="{0D108BD9-81ED-4DB2-BD59-A6C34878D82A}">
@@ -3977,7 +10722,10 @@
                     <a:p>
                       <a:pPr algn="ctr"/>
                       <a:r>
-                        <a:rPr lang="de-DE" sz="1200" dirty="0"/>
+                        <a:rPr lang="de-DE" sz="1200" b="1" dirty="0">
+                          <a:latin typeface="Arial" panose="020B0604020202020204" pitchFamily="34" charset="0"/>
+                          <a:cs typeface="Arial" panose="020B0604020202020204" pitchFamily="34" charset="0"/>
+                        </a:rPr>
                         <a:t>H</a:t>
                       </a:r>
                     </a:p>
@@ -3990,76 +10738,359 @@
                     <a:lstStyle/>
                     <a:p>
                       <a:pPr algn="ctr"/>
-                      <a:endParaRPr lang="de-DE" sz="1200"/>
-                    </a:p>
-                  </a:txBody>
-                  <a:tcPr anchor="ctr"/>
-                </a:tc>
-                <a:tc>
-                  <a:txBody>
-                    <a:bodyPr/>
-                    <a:lstStyle/>
-                    <a:p>
-                      <a:pPr algn="ctr"/>
-                      <a:endParaRPr lang="de-DE" sz="1200"/>
-                    </a:p>
-                  </a:txBody>
-                  <a:tcPr anchor="ctr"/>
-                </a:tc>
-                <a:tc>
-                  <a:txBody>
-                    <a:bodyPr/>
-                    <a:lstStyle/>
-                    <a:p>
-                      <a:pPr algn="ctr"/>
-                      <a:endParaRPr lang="de-DE" sz="1200"/>
-                    </a:p>
-                  </a:txBody>
-                  <a:tcPr anchor="ctr"/>
-                </a:tc>
-                <a:tc>
-                  <a:txBody>
-                    <a:bodyPr/>
-                    <a:lstStyle/>
-                    <a:p>
-                      <a:pPr algn="ctr"/>
-                      <a:endParaRPr lang="de-DE" sz="1200"/>
-                    </a:p>
-                  </a:txBody>
-                  <a:tcPr anchor="ctr"/>
-                </a:tc>
-                <a:tc>
-                  <a:txBody>
-                    <a:bodyPr/>
-                    <a:lstStyle/>
-                    <a:p>
-                      <a:pPr algn="ctr"/>
-                      <a:endParaRPr lang="de-DE" sz="1200" dirty="0"/>
-                    </a:p>
-                  </a:txBody>
-                  <a:tcPr anchor="ctr"/>
-                </a:tc>
-                <a:tc>
-                  <a:txBody>
-                    <a:bodyPr/>
-                    <a:lstStyle/>
-                    <a:p>
-                      <a:pPr algn="ctr"/>
-                      <a:endParaRPr lang="de-DE" sz="1200"/>
-                    </a:p>
-                  </a:txBody>
-                  <a:tcPr anchor="ctr"/>
-                </a:tc>
-                <a:tc>
-                  <a:txBody>
-                    <a:bodyPr/>
-                    <a:lstStyle/>
-                    <a:p>
-                      <a:pPr algn="ctr"/>
-                      <a:endParaRPr lang="de-DE" sz="1200"/>
-                    </a:p>
-                  </a:txBody>
-                  <a:tcPr anchor="ctr"/>
+                      <a:r>
+                        <a:rPr lang="de-DE" sz="1200" dirty="0">
+                          <a:latin typeface="Arial" panose="020B0604020202020204" pitchFamily="34" charset="0"/>
+                          <a:cs typeface="Arial" panose="020B0604020202020204" pitchFamily="34" charset="0"/>
+                        </a:rPr>
+                        <a:t>1</a:t>
+                      </a:r>
+                    </a:p>
+                  </a:txBody>
+                  <a:tcPr anchor="ctr">
+                    <a:lnR w="12700" cap="flat" cmpd="sng" algn="ctr">
+                      <a:solidFill>
+                        <a:schemeClr val="tx1"/>
+                      </a:solidFill>
+                      <a:prstDash val="sysDot"/>
+                      <a:round/>
+                      <a:headEnd type="none" w="med" len="med"/>
+                      <a:tailEnd type="none" w="med" len="med"/>
+                    </a:lnR>
+                    <a:lnT w="12700" cap="flat" cmpd="sng" algn="ctr">
+                      <a:solidFill>
+                        <a:schemeClr val="tx1"/>
+                      </a:solidFill>
+                      <a:prstDash val="sysDot"/>
+                      <a:round/>
+                      <a:headEnd type="none" w="med" len="med"/>
+                      <a:tailEnd type="none" w="med" len="med"/>
+                    </a:lnT>
+                    <a:lnB w="12700" cap="flat" cmpd="sng" algn="ctr">
+                      <a:solidFill>
+                        <a:schemeClr val="tx1"/>
+                      </a:solidFill>
+                      <a:prstDash val="sysDot"/>
+                      <a:round/>
+                      <a:headEnd type="none" w="med" len="med"/>
+                      <a:tailEnd type="none" w="med" len="med"/>
+                    </a:lnB>
+                  </a:tcPr>
+                </a:tc>
+                <a:tc>
+                  <a:txBody>
+                    <a:bodyPr/>
+                    <a:lstStyle/>
+                    <a:p>
+                      <a:pPr algn="ctr"/>
+                      <a:r>
+                        <a:rPr lang="de-DE" sz="1200" dirty="0">
+                          <a:latin typeface="Arial" panose="020B0604020202020204" pitchFamily="34" charset="0"/>
+                          <a:cs typeface="Arial" panose="020B0604020202020204" pitchFamily="34" charset="0"/>
+                        </a:rPr>
+                        <a:t>0</a:t>
+                      </a:r>
+                    </a:p>
+                  </a:txBody>
+                  <a:tcPr anchor="ctr">
+                    <a:lnL w="12700" cap="flat" cmpd="sng" algn="ctr">
+                      <a:solidFill>
+                        <a:schemeClr val="tx1"/>
+                      </a:solidFill>
+                      <a:prstDash val="sysDot"/>
+                      <a:round/>
+                      <a:headEnd type="none" w="med" len="med"/>
+                      <a:tailEnd type="none" w="med" len="med"/>
+                    </a:lnL>
+                    <a:lnR w="12700" cap="flat" cmpd="sng" algn="ctr">
+                      <a:solidFill>
+                        <a:schemeClr val="tx1"/>
+                      </a:solidFill>
+                      <a:prstDash val="sysDot"/>
+                      <a:round/>
+                      <a:headEnd type="none" w="med" len="med"/>
+                      <a:tailEnd type="none" w="med" len="med"/>
+                    </a:lnR>
+                    <a:lnT w="12700" cap="flat" cmpd="sng" algn="ctr">
+                      <a:solidFill>
+                        <a:schemeClr val="tx1"/>
+                      </a:solidFill>
+                      <a:prstDash val="sysDot"/>
+                      <a:round/>
+                      <a:headEnd type="none" w="med" len="med"/>
+                      <a:tailEnd type="none" w="med" len="med"/>
+                    </a:lnT>
+                    <a:lnB w="12700" cap="flat" cmpd="sng" algn="ctr">
+                      <a:solidFill>
+                        <a:schemeClr val="tx1"/>
+                      </a:solidFill>
+                      <a:prstDash val="sysDot"/>
+                      <a:round/>
+                      <a:headEnd type="none" w="med" len="med"/>
+                      <a:tailEnd type="none" w="med" len="med"/>
+                    </a:lnB>
+                  </a:tcPr>
+                </a:tc>
+                <a:tc>
+                  <a:txBody>
+                    <a:bodyPr/>
+                    <a:lstStyle/>
+                    <a:p>
+                      <a:pPr algn="ctr"/>
+                      <a:r>
+                        <a:rPr lang="de-DE" sz="1200" dirty="0">
+                          <a:latin typeface="Arial" panose="020B0604020202020204" pitchFamily="34" charset="0"/>
+                          <a:cs typeface="Arial" panose="020B0604020202020204" pitchFamily="34" charset="0"/>
+                        </a:rPr>
+                        <a:t>0</a:t>
+                      </a:r>
+                    </a:p>
+                  </a:txBody>
+                  <a:tcPr anchor="ctr">
+                    <a:lnL w="12700" cap="flat" cmpd="sng" algn="ctr">
+                      <a:solidFill>
+                        <a:schemeClr val="tx1"/>
+                      </a:solidFill>
+                      <a:prstDash val="sysDot"/>
+                      <a:round/>
+                      <a:headEnd type="none" w="med" len="med"/>
+                      <a:tailEnd type="none" w="med" len="med"/>
+                    </a:lnL>
+                    <a:lnR w="12700" cap="flat" cmpd="sng" algn="ctr">
+                      <a:solidFill>
+                        <a:schemeClr val="tx1"/>
+                      </a:solidFill>
+                      <a:prstDash val="sysDot"/>
+                      <a:round/>
+                      <a:headEnd type="none" w="med" len="med"/>
+                      <a:tailEnd type="none" w="med" len="med"/>
+                    </a:lnR>
+                    <a:lnT w="12700" cap="flat" cmpd="sng" algn="ctr">
+                      <a:solidFill>
+                        <a:schemeClr val="tx1"/>
+                      </a:solidFill>
+                      <a:prstDash val="sysDot"/>
+                      <a:round/>
+                      <a:headEnd type="none" w="med" len="med"/>
+                      <a:tailEnd type="none" w="med" len="med"/>
+                    </a:lnT>
+                    <a:lnB w="12700" cap="flat" cmpd="sng" algn="ctr">
+                      <a:solidFill>
+                        <a:schemeClr val="tx1"/>
+                      </a:solidFill>
+                      <a:prstDash val="sysDot"/>
+                      <a:round/>
+                      <a:headEnd type="none" w="med" len="med"/>
+                      <a:tailEnd type="none" w="med" len="med"/>
+                    </a:lnB>
+                  </a:tcPr>
+                </a:tc>
+                <a:tc>
+                  <a:txBody>
+                    <a:bodyPr/>
+                    <a:lstStyle/>
+                    <a:p>
+                      <a:pPr algn="ctr"/>
+                      <a:r>
+                        <a:rPr lang="de-DE" sz="1200" dirty="0">
+                          <a:latin typeface="Arial" panose="020B0604020202020204" pitchFamily="34" charset="0"/>
+                          <a:cs typeface="Arial" panose="020B0604020202020204" pitchFamily="34" charset="0"/>
+                        </a:rPr>
+                        <a:t>0</a:t>
+                      </a:r>
+                    </a:p>
+                  </a:txBody>
+                  <a:tcPr anchor="ctr">
+                    <a:lnL w="12700" cap="flat" cmpd="sng" algn="ctr">
+                      <a:solidFill>
+                        <a:schemeClr val="tx1"/>
+                      </a:solidFill>
+                      <a:prstDash val="sysDot"/>
+                      <a:round/>
+                      <a:headEnd type="none" w="med" len="med"/>
+                      <a:tailEnd type="none" w="med" len="med"/>
+                    </a:lnL>
+                    <a:lnR w="12700" cap="flat" cmpd="sng" algn="ctr">
+                      <a:solidFill>
+                        <a:schemeClr val="tx1"/>
+                      </a:solidFill>
+                      <a:prstDash val="sysDot"/>
+                      <a:round/>
+                      <a:headEnd type="none" w="med" len="med"/>
+                      <a:tailEnd type="none" w="med" len="med"/>
+                    </a:lnR>
+                    <a:lnT w="12700" cap="flat" cmpd="sng" algn="ctr">
+                      <a:solidFill>
+                        <a:schemeClr val="tx1"/>
+                      </a:solidFill>
+                      <a:prstDash val="sysDot"/>
+                      <a:round/>
+                      <a:headEnd type="none" w="med" len="med"/>
+                      <a:tailEnd type="none" w="med" len="med"/>
+                    </a:lnT>
+                    <a:lnB w="12700" cap="flat" cmpd="sng" algn="ctr">
+                      <a:solidFill>
+                        <a:schemeClr val="tx1"/>
+                      </a:solidFill>
+                      <a:prstDash val="sysDot"/>
+                      <a:round/>
+                      <a:headEnd type="none" w="med" len="med"/>
+                      <a:tailEnd type="none" w="med" len="med"/>
+                    </a:lnB>
+                  </a:tcPr>
+                </a:tc>
+                <a:tc>
+                  <a:txBody>
+                    <a:bodyPr/>
+                    <a:lstStyle/>
+                    <a:p>
+                      <a:pPr algn="ctr"/>
+                      <a:r>
+                        <a:rPr lang="de-DE" sz="1200" dirty="0">
+                          <a:latin typeface="Arial" panose="020B0604020202020204" pitchFamily="34" charset="0"/>
+                          <a:cs typeface="Arial" panose="020B0604020202020204" pitchFamily="34" charset="0"/>
+                        </a:rPr>
+                        <a:t>0</a:t>
+                      </a:r>
+                    </a:p>
+                  </a:txBody>
+                  <a:tcPr anchor="ctr">
+                    <a:lnL w="12700" cap="flat" cmpd="sng" algn="ctr">
+                      <a:solidFill>
+                        <a:schemeClr val="tx1"/>
+                      </a:solidFill>
+                      <a:prstDash val="sysDot"/>
+                      <a:round/>
+                      <a:headEnd type="none" w="med" len="med"/>
+                      <a:tailEnd type="none" w="med" len="med"/>
+                    </a:lnL>
+                    <a:lnR w="12700" cap="flat" cmpd="sng" algn="ctr">
+                      <a:solidFill>
+                        <a:schemeClr val="tx1"/>
+                      </a:solidFill>
+                      <a:prstDash val="sysDot"/>
+                      <a:round/>
+                      <a:headEnd type="none" w="med" len="med"/>
+                      <a:tailEnd type="none" w="med" len="med"/>
+                    </a:lnR>
+                    <a:lnT w="12700" cap="flat" cmpd="sng" algn="ctr">
+                      <a:solidFill>
+                        <a:schemeClr val="tx1"/>
+                      </a:solidFill>
+                      <a:prstDash val="sysDot"/>
+                      <a:round/>
+                      <a:headEnd type="none" w="med" len="med"/>
+                      <a:tailEnd type="none" w="med" len="med"/>
+                    </a:lnT>
+                    <a:lnB w="12700" cap="flat" cmpd="sng" algn="ctr">
+                      <a:solidFill>
+                        <a:schemeClr val="tx1"/>
+                      </a:solidFill>
+                      <a:prstDash val="sysDot"/>
+                      <a:round/>
+                      <a:headEnd type="none" w="med" len="med"/>
+                      <a:tailEnd type="none" w="med" len="med"/>
+                    </a:lnB>
+                  </a:tcPr>
+                </a:tc>
+                <a:tc>
+                  <a:txBody>
+                    <a:bodyPr/>
+                    <a:lstStyle/>
+                    <a:p>
+                      <a:pPr algn="ctr"/>
+                      <a:r>
+                        <a:rPr lang="de-DE" sz="1200" dirty="0">
+                          <a:latin typeface="Arial" panose="020B0604020202020204" pitchFamily="34" charset="0"/>
+                          <a:cs typeface="Arial" panose="020B0604020202020204" pitchFamily="34" charset="0"/>
+                        </a:rPr>
+                        <a:t>0</a:t>
+                      </a:r>
+                    </a:p>
+                  </a:txBody>
+                  <a:tcPr anchor="ctr">
+                    <a:lnL w="12700" cap="flat" cmpd="sng" algn="ctr">
+                      <a:solidFill>
+                        <a:schemeClr val="tx1"/>
+                      </a:solidFill>
+                      <a:prstDash val="sysDot"/>
+                      <a:round/>
+                      <a:headEnd type="none" w="med" len="med"/>
+                      <a:tailEnd type="none" w="med" len="med"/>
+                    </a:lnL>
+                    <a:lnR w="12700" cap="flat" cmpd="sng" algn="ctr">
+                      <a:solidFill>
+                        <a:schemeClr val="tx1"/>
+                      </a:solidFill>
+                      <a:prstDash val="sysDot"/>
+                      <a:round/>
+                      <a:headEnd type="none" w="med" len="med"/>
+                      <a:tailEnd type="none" w="med" len="med"/>
+                    </a:lnR>
+                    <a:lnT w="12700" cap="flat" cmpd="sng" algn="ctr">
+                      <a:solidFill>
+                        <a:schemeClr val="tx1"/>
+                      </a:solidFill>
+                      <a:prstDash val="sysDot"/>
+                      <a:round/>
+                      <a:headEnd type="none" w="med" len="med"/>
+                      <a:tailEnd type="none" w="med" len="med"/>
+                    </a:lnT>
+                    <a:lnB w="12700" cap="flat" cmpd="sng" algn="ctr">
+                      <a:solidFill>
+                        <a:schemeClr val="tx1"/>
+                      </a:solidFill>
+                      <a:prstDash val="sysDot"/>
+                      <a:round/>
+                      <a:headEnd type="none" w="med" len="med"/>
+                      <a:tailEnd type="none" w="med" len="med"/>
+                    </a:lnB>
+                  </a:tcPr>
+                </a:tc>
+                <a:tc>
+                  <a:txBody>
+                    <a:bodyPr/>
+                    <a:lstStyle/>
+                    <a:p>
+                      <a:pPr algn="ctr"/>
+                      <a:r>
+                        <a:rPr lang="de-DE" sz="1200" dirty="0">
+                          <a:latin typeface="Arial" panose="020B0604020202020204" pitchFamily="34" charset="0"/>
+                          <a:cs typeface="Arial" panose="020B0604020202020204" pitchFamily="34" charset="0"/>
+                        </a:rPr>
+                        <a:t>0</a:t>
+                      </a:r>
+                    </a:p>
+                  </a:txBody>
+                  <a:tcPr anchor="ctr">
+                    <a:lnL w="12700" cap="flat" cmpd="sng" algn="ctr">
+                      <a:solidFill>
+                        <a:schemeClr val="tx1"/>
+                      </a:solidFill>
+                      <a:prstDash val="sysDot"/>
+                      <a:round/>
+                      <a:headEnd type="none" w="med" len="med"/>
+                      <a:tailEnd type="none" w="med" len="med"/>
+                    </a:lnL>
+                    <a:lnT w="12700" cap="flat" cmpd="sng" algn="ctr">
+                      <a:solidFill>
+                        <a:schemeClr val="tx1"/>
+                      </a:solidFill>
+                      <a:prstDash val="sysDot"/>
+                      <a:round/>
+                      <a:headEnd type="none" w="med" len="med"/>
+                      <a:tailEnd type="none" w="med" len="med"/>
+                    </a:lnT>
+                    <a:lnB w="12700" cap="flat" cmpd="sng" algn="ctr">
+                      <a:solidFill>
+                        <a:schemeClr val="tx1"/>
+                      </a:solidFill>
+                      <a:prstDash val="sysDot"/>
+                      <a:round/>
+                      <a:headEnd type="none" w="med" len="med"/>
+                      <a:tailEnd type="none" w="med" len="med"/>
+                    </a:lnB>
+                  </a:tcPr>
                 </a:tc>
                 <a:extLst>
                   <a:ext uri="{0D108BD9-81ED-4DB2-BD59-A6C34878D82A}">
@@ -4075,7 +11106,10 @@
                     <a:p>
                       <a:pPr algn="ctr"/>
                       <a:r>
-                        <a:rPr lang="de-DE" sz="1200" dirty="0"/>
+                        <a:rPr lang="de-DE" sz="1200" b="1" dirty="0">
+                          <a:latin typeface="Arial" panose="020B0604020202020204" pitchFamily="34" charset="0"/>
+                          <a:cs typeface="Arial" panose="020B0604020202020204" pitchFamily="34" charset="0"/>
+                        </a:rPr>
                         <a:t>C</a:t>
                       </a:r>
                     </a:p>
@@ -4088,76 +11122,359 @@
                     <a:lstStyle/>
                     <a:p>
                       <a:pPr algn="ctr"/>
-                      <a:endParaRPr lang="de-DE" sz="1200"/>
-                    </a:p>
-                  </a:txBody>
-                  <a:tcPr anchor="ctr"/>
-                </a:tc>
-                <a:tc>
-                  <a:txBody>
-                    <a:bodyPr/>
-                    <a:lstStyle/>
-                    <a:p>
-                      <a:pPr algn="ctr"/>
-                      <a:endParaRPr lang="de-DE" sz="1200"/>
-                    </a:p>
-                  </a:txBody>
-                  <a:tcPr anchor="ctr"/>
-                </a:tc>
-                <a:tc>
-                  <a:txBody>
-                    <a:bodyPr/>
-                    <a:lstStyle/>
-                    <a:p>
-                      <a:pPr algn="ctr"/>
-                      <a:endParaRPr lang="de-DE" sz="1200"/>
-                    </a:p>
-                  </a:txBody>
-                  <a:tcPr anchor="ctr"/>
-                </a:tc>
-                <a:tc>
-                  <a:txBody>
-                    <a:bodyPr/>
-                    <a:lstStyle/>
-                    <a:p>
-                      <a:pPr algn="ctr"/>
-                      <a:endParaRPr lang="de-DE" sz="1200"/>
-                    </a:p>
-                  </a:txBody>
-                  <a:tcPr anchor="ctr"/>
-                </a:tc>
-                <a:tc>
-                  <a:txBody>
-                    <a:bodyPr/>
-                    <a:lstStyle/>
-                    <a:p>
-                      <a:pPr algn="ctr"/>
-                      <a:endParaRPr lang="de-DE" sz="1200"/>
-                    </a:p>
-                  </a:txBody>
-                  <a:tcPr anchor="ctr"/>
-                </a:tc>
-                <a:tc>
-                  <a:txBody>
-                    <a:bodyPr/>
-                    <a:lstStyle/>
-                    <a:p>
-                      <a:pPr algn="ctr"/>
-                      <a:endParaRPr lang="de-DE" sz="1200" dirty="0"/>
-                    </a:p>
-                  </a:txBody>
-                  <a:tcPr anchor="ctr"/>
-                </a:tc>
-                <a:tc>
-                  <a:txBody>
-                    <a:bodyPr/>
-                    <a:lstStyle/>
-                    <a:p>
-                      <a:pPr algn="ctr"/>
-                      <a:endParaRPr lang="de-DE" sz="1200" dirty="0"/>
-                    </a:p>
-                  </a:txBody>
-                  <a:tcPr anchor="ctr"/>
+                      <a:r>
+                        <a:rPr lang="de-DE" sz="1200" dirty="0">
+                          <a:latin typeface="Arial" panose="020B0604020202020204" pitchFamily="34" charset="0"/>
+                          <a:cs typeface="Arial" panose="020B0604020202020204" pitchFamily="34" charset="0"/>
+                        </a:rPr>
+                        <a:t>0</a:t>
+                      </a:r>
+                    </a:p>
+                  </a:txBody>
+                  <a:tcPr anchor="ctr">
+                    <a:lnR w="12700" cap="flat" cmpd="sng" algn="ctr">
+                      <a:solidFill>
+                        <a:schemeClr val="tx1"/>
+                      </a:solidFill>
+                      <a:prstDash val="sysDot"/>
+                      <a:round/>
+                      <a:headEnd type="none" w="med" len="med"/>
+                      <a:tailEnd type="none" w="med" len="med"/>
+                    </a:lnR>
+                    <a:lnT w="12700" cap="flat" cmpd="sng" algn="ctr">
+                      <a:solidFill>
+                        <a:schemeClr val="tx1"/>
+                      </a:solidFill>
+                      <a:prstDash val="sysDot"/>
+                      <a:round/>
+                      <a:headEnd type="none" w="med" len="med"/>
+                      <a:tailEnd type="none" w="med" len="med"/>
+                    </a:lnT>
+                    <a:lnB w="12700" cap="flat" cmpd="sng" algn="ctr">
+                      <a:solidFill>
+                        <a:schemeClr val="tx1"/>
+                      </a:solidFill>
+                      <a:prstDash val="sysDot"/>
+                      <a:round/>
+                      <a:headEnd type="none" w="med" len="med"/>
+                      <a:tailEnd type="none" w="med" len="med"/>
+                    </a:lnB>
+                  </a:tcPr>
+                </a:tc>
+                <a:tc>
+                  <a:txBody>
+                    <a:bodyPr/>
+                    <a:lstStyle/>
+                    <a:p>
+                      <a:pPr algn="ctr"/>
+                      <a:r>
+                        <a:rPr lang="de-DE" sz="1200" dirty="0">
+                          <a:latin typeface="Arial" panose="020B0604020202020204" pitchFamily="34" charset="0"/>
+                          <a:cs typeface="Arial" panose="020B0604020202020204" pitchFamily="34" charset="0"/>
+                        </a:rPr>
+                        <a:t>1</a:t>
+                      </a:r>
+                    </a:p>
+                  </a:txBody>
+                  <a:tcPr anchor="ctr">
+                    <a:lnL w="12700" cap="flat" cmpd="sng" algn="ctr">
+                      <a:solidFill>
+                        <a:schemeClr val="tx1"/>
+                      </a:solidFill>
+                      <a:prstDash val="sysDot"/>
+                      <a:round/>
+                      <a:headEnd type="none" w="med" len="med"/>
+                      <a:tailEnd type="none" w="med" len="med"/>
+                    </a:lnL>
+                    <a:lnR w="12700" cap="flat" cmpd="sng" algn="ctr">
+                      <a:solidFill>
+                        <a:schemeClr val="tx1"/>
+                      </a:solidFill>
+                      <a:prstDash val="sysDot"/>
+                      <a:round/>
+                      <a:headEnd type="none" w="med" len="med"/>
+                      <a:tailEnd type="none" w="med" len="med"/>
+                    </a:lnR>
+                    <a:lnT w="12700" cap="flat" cmpd="sng" algn="ctr">
+                      <a:solidFill>
+                        <a:schemeClr val="tx1"/>
+                      </a:solidFill>
+                      <a:prstDash val="sysDot"/>
+                      <a:round/>
+                      <a:headEnd type="none" w="med" len="med"/>
+                      <a:tailEnd type="none" w="med" len="med"/>
+                    </a:lnT>
+                    <a:lnB w="12700" cap="flat" cmpd="sng" algn="ctr">
+                      <a:solidFill>
+                        <a:schemeClr val="tx1"/>
+                      </a:solidFill>
+                      <a:prstDash val="sysDot"/>
+                      <a:round/>
+                      <a:headEnd type="none" w="med" len="med"/>
+                      <a:tailEnd type="none" w="med" len="med"/>
+                    </a:lnB>
+                  </a:tcPr>
+                </a:tc>
+                <a:tc>
+                  <a:txBody>
+                    <a:bodyPr/>
+                    <a:lstStyle/>
+                    <a:p>
+                      <a:pPr algn="ctr"/>
+                      <a:r>
+                        <a:rPr lang="de-DE" sz="1200" dirty="0">
+                          <a:latin typeface="Arial" panose="020B0604020202020204" pitchFamily="34" charset="0"/>
+                          <a:cs typeface="Arial" panose="020B0604020202020204" pitchFamily="34" charset="0"/>
+                        </a:rPr>
+                        <a:t>0</a:t>
+                      </a:r>
+                    </a:p>
+                  </a:txBody>
+                  <a:tcPr anchor="ctr">
+                    <a:lnL w="12700" cap="flat" cmpd="sng" algn="ctr">
+                      <a:solidFill>
+                        <a:schemeClr val="tx1"/>
+                      </a:solidFill>
+                      <a:prstDash val="sysDot"/>
+                      <a:round/>
+                      <a:headEnd type="none" w="med" len="med"/>
+                      <a:tailEnd type="none" w="med" len="med"/>
+                    </a:lnL>
+                    <a:lnR w="12700" cap="flat" cmpd="sng" algn="ctr">
+                      <a:solidFill>
+                        <a:schemeClr val="tx1"/>
+                      </a:solidFill>
+                      <a:prstDash val="sysDot"/>
+                      <a:round/>
+                      <a:headEnd type="none" w="med" len="med"/>
+                      <a:tailEnd type="none" w="med" len="med"/>
+                    </a:lnR>
+                    <a:lnT w="12700" cap="flat" cmpd="sng" algn="ctr">
+                      <a:solidFill>
+                        <a:schemeClr val="tx1"/>
+                      </a:solidFill>
+                      <a:prstDash val="sysDot"/>
+                      <a:round/>
+                      <a:headEnd type="none" w="med" len="med"/>
+                      <a:tailEnd type="none" w="med" len="med"/>
+                    </a:lnT>
+                    <a:lnB w="12700" cap="flat" cmpd="sng" algn="ctr">
+                      <a:solidFill>
+                        <a:schemeClr val="tx1"/>
+                      </a:solidFill>
+                      <a:prstDash val="sysDot"/>
+                      <a:round/>
+                      <a:headEnd type="none" w="med" len="med"/>
+                      <a:tailEnd type="none" w="med" len="med"/>
+                    </a:lnB>
+                  </a:tcPr>
+                </a:tc>
+                <a:tc>
+                  <a:txBody>
+                    <a:bodyPr/>
+                    <a:lstStyle/>
+                    <a:p>
+                      <a:pPr algn="ctr"/>
+                      <a:r>
+                        <a:rPr lang="de-DE" sz="1200" dirty="0">
+                          <a:latin typeface="Arial" panose="020B0604020202020204" pitchFamily="34" charset="0"/>
+                          <a:cs typeface="Arial" panose="020B0604020202020204" pitchFamily="34" charset="0"/>
+                        </a:rPr>
+                        <a:t>0</a:t>
+                      </a:r>
+                    </a:p>
+                  </a:txBody>
+                  <a:tcPr anchor="ctr">
+                    <a:lnL w="12700" cap="flat" cmpd="sng" algn="ctr">
+                      <a:solidFill>
+                        <a:schemeClr val="tx1"/>
+                      </a:solidFill>
+                      <a:prstDash val="sysDot"/>
+                      <a:round/>
+                      <a:headEnd type="none" w="med" len="med"/>
+                      <a:tailEnd type="none" w="med" len="med"/>
+                    </a:lnL>
+                    <a:lnR w="12700" cap="flat" cmpd="sng" algn="ctr">
+                      <a:solidFill>
+                        <a:schemeClr val="tx1"/>
+                      </a:solidFill>
+                      <a:prstDash val="sysDot"/>
+                      <a:round/>
+                      <a:headEnd type="none" w="med" len="med"/>
+                      <a:tailEnd type="none" w="med" len="med"/>
+                    </a:lnR>
+                    <a:lnT w="12700" cap="flat" cmpd="sng" algn="ctr">
+                      <a:solidFill>
+                        <a:schemeClr val="tx1"/>
+                      </a:solidFill>
+                      <a:prstDash val="sysDot"/>
+                      <a:round/>
+                      <a:headEnd type="none" w="med" len="med"/>
+                      <a:tailEnd type="none" w="med" len="med"/>
+                    </a:lnT>
+                    <a:lnB w="12700" cap="flat" cmpd="sng" algn="ctr">
+                      <a:solidFill>
+                        <a:schemeClr val="tx1"/>
+                      </a:solidFill>
+                      <a:prstDash val="sysDot"/>
+                      <a:round/>
+                      <a:headEnd type="none" w="med" len="med"/>
+                      <a:tailEnd type="none" w="med" len="med"/>
+                    </a:lnB>
+                  </a:tcPr>
+                </a:tc>
+                <a:tc>
+                  <a:txBody>
+                    <a:bodyPr/>
+                    <a:lstStyle/>
+                    <a:p>
+                      <a:pPr algn="ctr"/>
+                      <a:r>
+                        <a:rPr lang="de-DE" sz="1200" dirty="0">
+                          <a:latin typeface="Arial" panose="020B0604020202020204" pitchFamily="34" charset="0"/>
+                          <a:cs typeface="Arial" panose="020B0604020202020204" pitchFamily="34" charset="0"/>
+                        </a:rPr>
+                        <a:t>0</a:t>
+                      </a:r>
+                    </a:p>
+                  </a:txBody>
+                  <a:tcPr anchor="ctr">
+                    <a:lnL w="12700" cap="flat" cmpd="sng" algn="ctr">
+                      <a:solidFill>
+                        <a:schemeClr val="tx1"/>
+                      </a:solidFill>
+                      <a:prstDash val="sysDot"/>
+                      <a:round/>
+                      <a:headEnd type="none" w="med" len="med"/>
+                      <a:tailEnd type="none" w="med" len="med"/>
+                    </a:lnL>
+                    <a:lnR w="12700" cap="flat" cmpd="sng" algn="ctr">
+                      <a:solidFill>
+                        <a:schemeClr val="tx1"/>
+                      </a:solidFill>
+                      <a:prstDash val="sysDot"/>
+                      <a:round/>
+                      <a:headEnd type="none" w="med" len="med"/>
+                      <a:tailEnd type="none" w="med" len="med"/>
+                    </a:lnR>
+                    <a:lnT w="12700" cap="flat" cmpd="sng" algn="ctr">
+                      <a:solidFill>
+                        <a:schemeClr val="tx1"/>
+                      </a:solidFill>
+                      <a:prstDash val="sysDot"/>
+                      <a:round/>
+                      <a:headEnd type="none" w="med" len="med"/>
+                      <a:tailEnd type="none" w="med" len="med"/>
+                    </a:lnT>
+                    <a:lnB w="12700" cap="flat" cmpd="sng" algn="ctr">
+                      <a:solidFill>
+                        <a:schemeClr val="tx1"/>
+                      </a:solidFill>
+                      <a:prstDash val="sysDot"/>
+                      <a:round/>
+                      <a:headEnd type="none" w="med" len="med"/>
+                      <a:tailEnd type="none" w="med" len="med"/>
+                    </a:lnB>
+                  </a:tcPr>
+                </a:tc>
+                <a:tc>
+                  <a:txBody>
+                    <a:bodyPr/>
+                    <a:lstStyle/>
+                    <a:p>
+                      <a:pPr algn="ctr"/>
+                      <a:r>
+                        <a:rPr lang="de-DE" sz="1200" dirty="0">
+                          <a:latin typeface="Arial" panose="020B0604020202020204" pitchFamily="34" charset="0"/>
+                          <a:cs typeface="Arial" panose="020B0604020202020204" pitchFamily="34" charset="0"/>
+                        </a:rPr>
+                        <a:t>0</a:t>
+                      </a:r>
+                    </a:p>
+                  </a:txBody>
+                  <a:tcPr anchor="ctr">
+                    <a:lnL w="12700" cap="flat" cmpd="sng" algn="ctr">
+                      <a:solidFill>
+                        <a:schemeClr val="tx1"/>
+                      </a:solidFill>
+                      <a:prstDash val="sysDot"/>
+                      <a:round/>
+                      <a:headEnd type="none" w="med" len="med"/>
+                      <a:tailEnd type="none" w="med" len="med"/>
+                    </a:lnL>
+                    <a:lnR w="12700" cap="flat" cmpd="sng" algn="ctr">
+                      <a:solidFill>
+                        <a:schemeClr val="tx1"/>
+                      </a:solidFill>
+                      <a:prstDash val="sysDot"/>
+                      <a:round/>
+                      <a:headEnd type="none" w="med" len="med"/>
+                      <a:tailEnd type="none" w="med" len="med"/>
+                    </a:lnR>
+                    <a:lnT w="12700" cap="flat" cmpd="sng" algn="ctr">
+                      <a:solidFill>
+                        <a:schemeClr val="tx1"/>
+                      </a:solidFill>
+                      <a:prstDash val="sysDot"/>
+                      <a:round/>
+                      <a:headEnd type="none" w="med" len="med"/>
+                      <a:tailEnd type="none" w="med" len="med"/>
+                    </a:lnT>
+                    <a:lnB w="12700" cap="flat" cmpd="sng" algn="ctr">
+                      <a:solidFill>
+                        <a:schemeClr val="tx1"/>
+                      </a:solidFill>
+                      <a:prstDash val="sysDot"/>
+                      <a:round/>
+                      <a:headEnd type="none" w="med" len="med"/>
+                      <a:tailEnd type="none" w="med" len="med"/>
+                    </a:lnB>
+                  </a:tcPr>
+                </a:tc>
+                <a:tc>
+                  <a:txBody>
+                    <a:bodyPr/>
+                    <a:lstStyle/>
+                    <a:p>
+                      <a:pPr algn="ctr"/>
+                      <a:r>
+                        <a:rPr lang="de-DE" sz="1200" dirty="0">
+                          <a:latin typeface="Arial" panose="020B0604020202020204" pitchFamily="34" charset="0"/>
+                          <a:cs typeface="Arial" panose="020B0604020202020204" pitchFamily="34" charset="0"/>
+                        </a:rPr>
+                        <a:t>0</a:t>
+                      </a:r>
+                    </a:p>
+                  </a:txBody>
+                  <a:tcPr anchor="ctr">
+                    <a:lnL w="12700" cap="flat" cmpd="sng" algn="ctr">
+                      <a:solidFill>
+                        <a:schemeClr val="tx1"/>
+                      </a:solidFill>
+                      <a:prstDash val="sysDot"/>
+                      <a:round/>
+                      <a:headEnd type="none" w="med" len="med"/>
+                      <a:tailEnd type="none" w="med" len="med"/>
+                    </a:lnL>
+                    <a:lnT w="12700" cap="flat" cmpd="sng" algn="ctr">
+                      <a:solidFill>
+                        <a:schemeClr val="tx1"/>
+                      </a:solidFill>
+                      <a:prstDash val="sysDot"/>
+                      <a:round/>
+                      <a:headEnd type="none" w="med" len="med"/>
+                      <a:tailEnd type="none" w="med" len="med"/>
+                    </a:lnT>
+                    <a:lnB w="12700" cap="flat" cmpd="sng" algn="ctr">
+                      <a:solidFill>
+                        <a:schemeClr val="tx1"/>
+                      </a:solidFill>
+                      <a:prstDash val="sysDot"/>
+                      <a:round/>
+                      <a:headEnd type="none" w="med" len="med"/>
+                      <a:tailEnd type="none" w="med" len="med"/>
+                    </a:lnB>
+                  </a:tcPr>
                 </a:tc>
                 <a:extLst>
                   <a:ext uri="{0D108BD9-81ED-4DB2-BD59-A6C34878D82A}">
@@ -4173,7 +11490,10 @@
                     <a:p>
                       <a:pPr algn="ctr"/>
                       <a:r>
-                        <a:rPr lang="de-DE" sz="1200" dirty="0"/>
+                        <a:rPr lang="de-DE" sz="1200" b="1" dirty="0">
+                          <a:latin typeface="Arial" panose="020B0604020202020204" pitchFamily="34" charset="0"/>
+                          <a:cs typeface="Arial" panose="020B0604020202020204" pitchFamily="34" charset="0"/>
+                        </a:rPr>
                         <a:t>N</a:t>
                       </a:r>
                     </a:p>
@@ -4186,76 +11506,359 @@
                     <a:lstStyle/>
                     <a:p>
                       <a:pPr algn="ctr"/>
-                      <a:endParaRPr lang="de-DE" sz="1200"/>
-                    </a:p>
-                  </a:txBody>
-                  <a:tcPr anchor="ctr"/>
-                </a:tc>
-                <a:tc>
-                  <a:txBody>
-                    <a:bodyPr/>
-                    <a:lstStyle/>
-                    <a:p>
-                      <a:pPr algn="ctr"/>
-                      <a:endParaRPr lang="de-DE" sz="1200"/>
-                    </a:p>
-                  </a:txBody>
-                  <a:tcPr anchor="ctr"/>
-                </a:tc>
-                <a:tc>
-                  <a:txBody>
-                    <a:bodyPr/>
-                    <a:lstStyle/>
-                    <a:p>
-                      <a:pPr algn="ctr"/>
-                      <a:endParaRPr lang="de-DE" sz="1200"/>
-                    </a:p>
-                  </a:txBody>
-                  <a:tcPr anchor="ctr"/>
-                </a:tc>
-                <a:tc>
-                  <a:txBody>
-                    <a:bodyPr/>
-                    <a:lstStyle/>
-                    <a:p>
-                      <a:pPr algn="ctr"/>
-                      <a:endParaRPr lang="de-DE" sz="1200"/>
-                    </a:p>
-                  </a:txBody>
-                  <a:tcPr anchor="ctr"/>
-                </a:tc>
-                <a:tc>
-                  <a:txBody>
-                    <a:bodyPr/>
-                    <a:lstStyle/>
-                    <a:p>
-                      <a:pPr algn="ctr"/>
-                      <a:endParaRPr lang="de-DE" sz="1200"/>
-                    </a:p>
-                  </a:txBody>
-                  <a:tcPr anchor="ctr"/>
-                </a:tc>
-                <a:tc>
-                  <a:txBody>
-                    <a:bodyPr/>
-                    <a:lstStyle/>
-                    <a:p>
-                      <a:pPr algn="ctr"/>
-                      <a:endParaRPr lang="de-DE" sz="1200"/>
-                    </a:p>
-                  </a:txBody>
-                  <a:tcPr anchor="ctr"/>
-                </a:tc>
-                <a:tc>
-                  <a:txBody>
-                    <a:bodyPr/>
-                    <a:lstStyle/>
-                    <a:p>
-                      <a:pPr algn="ctr"/>
-                      <a:endParaRPr lang="de-DE" sz="1200" dirty="0"/>
-                    </a:p>
-                  </a:txBody>
-                  <a:tcPr anchor="ctr"/>
+                      <a:r>
+                        <a:rPr lang="de-DE" sz="1200" dirty="0">
+                          <a:latin typeface="Arial" panose="020B0604020202020204" pitchFamily="34" charset="0"/>
+                          <a:cs typeface="Arial" panose="020B0604020202020204" pitchFamily="34" charset="0"/>
+                        </a:rPr>
+                        <a:t>0</a:t>
+                      </a:r>
+                    </a:p>
+                  </a:txBody>
+                  <a:tcPr anchor="ctr">
+                    <a:lnR w="12700" cap="flat" cmpd="sng" algn="ctr">
+                      <a:solidFill>
+                        <a:schemeClr val="tx1"/>
+                      </a:solidFill>
+                      <a:prstDash val="sysDot"/>
+                      <a:round/>
+                      <a:headEnd type="none" w="med" len="med"/>
+                      <a:tailEnd type="none" w="med" len="med"/>
+                    </a:lnR>
+                    <a:lnT w="12700" cap="flat" cmpd="sng" algn="ctr">
+                      <a:solidFill>
+                        <a:schemeClr val="tx1"/>
+                      </a:solidFill>
+                      <a:prstDash val="sysDot"/>
+                      <a:round/>
+                      <a:headEnd type="none" w="med" len="med"/>
+                      <a:tailEnd type="none" w="med" len="med"/>
+                    </a:lnT>
+                    <a:lnB w="12700" cap="flat" cmpd="sng" algn="ctr">
+                      <a:solidFill>
+                        <a:schemeClr val="tx1"/>
+                      </a:solidFill>
+                      <a:prstDash val="sysDot"/>
+                      <a:round/>
+                      <a:headEnd type="none" w="med" len="med"/>
+                      <a:tailEnd type="none" w="med" len="med"/>
+                    </a:lnB>
+                  </a:tcPr>
+                </a:tc>
+                <a:tc>
+                  <a:txBody>
+                    <a:bodyPr/>
+                    <a:lstStyle/>
+                    <a:p>
+                      <a:pPr algn="ctr"/>
+                      <a:r>
+                        <a:rPr lang="de-DE" sz="1200" dirty="0">
+                          <a:latin typeface="Arial" panose="020B0604020202020204" pitchFamily="34" charset="0"/>
+                          <a:cs typeface="Arial" panose="020B0604020202020204" pitchFamily="34" charset="0"/>
+                        </a:rPr>
+                        <a:t>0</a:t>
+                      </a:r>
+                    </a:p>
+                  </a:txBody>
+                  <a:tcPr anchor="ctr">
+                    <a:lnL w="12700" cap="flat" cmpd="sng" algn="ctr">
+                      <a:solidFill>
+                        <a:schemeClr val="tx1"/>
+                      </a:solidFill>
+                      <a:prstDash val="sysDot"/>
+                      <a:round/>
+                      <a:headEnd type="none" w="med" len="med"/>
+                      <a:tailEnd type="none" w="med" len="med"/>
+                    </a:lnL>
+                    <a:lnR w="12700" cap="flat" cmpd="sng" algn="ctr">
+                      <a:solidFill>
+                        <a:schemeClr val="tx1"/>
+                      </a:solidFill>
+                      <a:prstDash val="sysDot"/>
+                      <a:round/>
+                      <a:headEnd type="none" w="med" len="med"/>
+                      <a:tailEnd type="none" w="med" len="med"/>
+                    </a:lnR>
+                    <a:lnT w="12700" cap="flat" cmpd="sng" algn="ctr">
+                      <a:solidFill>
+                        <a:schemeClr val="tx1"/>
+                      </a:solidFill>
+                      <a:prstDash val="sysDot"/>
+                      <a:round/>
+                      <a:headEnd type="none" w="med" len="med"/>
+                      <a:tailEnd type="none" w="med" len="med"/>
+                    </a:lnT>
+                    <a:lnB w="12700" cap="flat" cmpd="sng" algn="ctr">
+                      <a:solidFill>
+                        <a:schemeClr val="tx1"/>
+                      </a:solidFill>
+                      <a:prstDash val="sysDot"/>
+                      <a:round/>
+                      <a:headEnd type="none" w="med" len="med"/>
+                      <a:tailEnd type="none" w="med" len="med"/>
+                    </a:lnB>
+                  </a:tcPr>
+                </a:tc>
+                <a:tc>
+                  <a:txBody>
+                    <a:bodyPr/>
+                    <a:lstStyle/>
+                    <a:p>
+                      <a:pPr algn="ctr"/>
+                      <a:r>
+                        <a:rPr lang="de-DE" sz="1200" dirty="0">
+                          <a:latin typeface="Arial" panose="020B0604020202020204" pitchFamily="34" charset="0"/>
+                          <a:cs typeface="Arial" panose="020B0604020202020204" pitchFamily="34" charset="0"/>
+                        </a:rPr>
+                        <a:t>0</a:t>
+                      </a:r>
+                    </a:p>
+                  </a:txBody>
+                  <a:tcPr anchor="ctr">
+                    <a:lnL w="12700" cap="flat" cmpd="sng" algn="ctr">
+                      <a:solidFill>
+                        <a:schemeClr val="tx1"/>
+                      </a:solidFill>
+                      <a:prstDash val="sysDot"/>
+                      <a:round/>
+                      <a:headEnd type="none" w="med" len="med"/>
+                      <a:tailEnd type="none" w="med" len="med"/>
+                    </a:lnL>
+                    <a:lnR w="12700" cap="flat" cmpd="sng" algn="ctr">
+                      <a:solidFill>
+                        <a:schemeClr val="tx1"/>
+                      </a:solidFill>
+                      <a:prstDash val="sysDot"/>
+                      <a:round/>
+                      <a:headEnd type="none" w="med" len="med"/>
+                      <a:tailEnd type="none" w="med" len="med"/>
+                    </a:lnR>
+                    <a:lnT w="12700" cap="flat" cmpd="sng" algn="ctr">
+                      <a:solidFill>
+                        <a:schemeClr val="tx1"/>
+                      </a:solidFill>
+                      <a:prstDash val="sysDot"/>
+                      <a:round/>
+                      <a:headEnd type="none" w="med" len="med"/>
+                      <a:tailEnd type="none" w="med" len="med"/>
+                    </a:lnT>
+                    <a:lnB w="12700" cap="flat" cmpd="sng" algn="ctr">
+                      <a:solidFill>
+                        <a:schemeClr val="tx1"/>
+                      </a:solidFill>
+                      <a:prstDash val="sysDot"/>
+                      <a:round/>
+                      <a:headEnd type="none" w="med" len="med"/>
+                      <a:tailEnd type="none" w="med" len="med"/>
+                    </a:lnB>
+                  </a:tcPr>
+                </a:tc>
+                <a:tc>
+                  <a:txBody>
+                    <a:bodyPr/>
+                    <a:lstStyle/>
+                    <a:p>
+                      <a:pPr algn="ctr"/>
+                      <a:r>
+                        <a:rPr lang="de-DE" sz="1200" dirty="0">
+                          <a:latin typeface="Arial" panose="020B0604020202020204" pitchFamily="34" charset="0"/>
+                          <a:cs typeface="Arial" panose="020B0604020202020204" pitchFamily="34" charset="0"/>
+                        </a:rPr>
+                        <a:t>0</a:t>
+                      </a:r>
+                    </a:p>
+                  </a:txBody>
+                  <a:tcPr anchor="ctr">
+                    <a:lnL w="12700" cap="flat" cmpd="sng" algn="ctr">
+                      <a:solidFill>
+                        <a:schemeClr val="tx1"/>
+                      </a:solidFill>
+                      <a:prstDash val="sysDot"/>
+                      <a:round/>
+                      <a:headEnd type="none" w="med" len="med"/>
+                      <a:tailEnd type="none" w="med" len="med"/>
+                    </a:lnL>
+                    <a:lnR w="12700" cap="flat" cmpd="sng" algn="ctr">
+                      <a:solidFill>
+                        <a:schemeClr val="tx1"/>
+                      </a:solidFill>
+                      <a:prstDash val="sysDot"/>
+                      <a:round/>
+                      <a:headEnd type="none" w="med" len="med"/>
+                      <a:tailEnd type="none" w="med" len="med"/>
+                    </a:lnR>
+                    <a:lnT w="12700" cap="flat" cmpd="sng" algn="ctr">
+                      <a:solidFill>
+                        <a:schemeClr val="tx1"/>
+                      </a:solidFill>
+                      <a:prstDash val="sysDot"/>
+                      <a:round/>
+                      <a:headEnd type="none" w="med" len="med"/>
+                      <a:tailEnd type="none" w="med" len="med"/>
+                    </a:lnT>
+                    <a:lnB w="12700" cap="flat" cmpd="sng" algn="ctr">
+                      <a:solidFill>
+                        <a:schemeClr val="tx1"/>
+                      </a:solidFill>
+                      <a:prstDash val="sysDot"/>
+                      <a:round/>
+                      <a:headEnd type="none" w="med" len="med"/>
+                      <a:tailEnd type="none" w="med" len="med"/>
+                    </a:lnB>
+                  </a:tcPr>
+                </a:tc>
+                <a:tc>
+                  <a:txBody>
+                    <a:bodyPr/>
+                    <a:lstStyle/>
+                    <a:p>
+                      <a:pPr algn="ctr"/>
+                      <a:r>
+                        <a:rPr lang="de-DE" sz="1200" dirty="0">
+                          <a:latin typeface="Arial" panose="020B0604020202020204" pitchFamily="34" charset="0"/>
+                          <a:cs typeface="Arial" panose="020B0604020202020204" pitchFamily="34" charset="0"/>
+                        </a:rPr>
+                        <a:t>0</a:t>
+                      </a:r>
+                    </a:p>
+                  </a:txBody>
+                  <a:tcPr anchor="ctr">
+                    <a:lnL w="12700" cap="flat" cmpd="sng" algn="ctr">
+                      <a:solidFill>
+                        <a:schemeClr val="tx1"/>
+                      </a:solidFill>
+                      <a:prstDash val="sysDot"/>
+                      <a:round/>
+                      <a:headEnd type="none" w="med" len="med"/>
+                      <a:tailEnd type="none" w="med" len="med"/>
+                    </a:lnL>
+                    <a:lnR w="12700" cap="flat" cmpd="sng" algn="ctr">
+                      <a:solidFill>
+                        <a:schemeClr val="tx1"/>
+                      </a:solidFill>
+                      <a:prstDash val="sysDot"/>
+                      <a:round/>
+                      <a:headEnd type="none" w="med" len="med"/>
+                      <a:tailEnd type="none" w="med" len="med"/>
+                    </a:lnR>
+                    <a:lnT w="12700" cap="flat" cmpd="sng" algn="ctr">
+                      <a:solidFill>
+                        <a:schemeClr val="tx1"/>
+                      </a:solidFill>
+                      <a:prstDash val="sysDot"/>
+                      <a:round/>
+                      <a:headEnd type="none" w="med" len="med"/>
+                      <a:tailEnd type="none" w="med" len="med"/>
+                    </a:lnT>
+                    <a:lnB w="12700" cap="flat" cmpd="sng" algn="ctr">
+                      <a:solidFill>
+                        <a:schemeClr val="tx1"/>
+                      </a:solidFill>
+                      <a:prstDash val="sysDot"/>
+                      <a:round/>
+                      <a:headEnd type="none" w="med" len="med"/>
+                      <a:tailEnd type="none" w="med" len="med"/>
+                    </a:lnB>
+                  </a:tcPr>
+                </a:tc>
+                <a:tc>
+                  <a:txBody>
+                    <a:bodyPr/>
+                    <a:lstStyle/>
+                    <a:p>
+                      <a:pPr algn="ctr"/>
+                      <a:r>
+                        <a:rPr lang="de-DE" sz="1200" dirty="0">
+                          <a:latin typeface="Arial" panose="020B0604020202020204" pitchFamily="34" charset="0"/>
+                          <a:cs typeface="Arial" panose="020B0604020202020204" pitchFamily="34" charset="0"/>
+                        </a:rPr>
+                        <a:t>0</a:t>
+                      </a:r>
+                    </a:p>
+                  </a:txBody>
+                  <a:tcPr anchor="ctr">
+                    <a:lnL w="12700" cap="flat" cmpd="sng" algn="ctr">
+                      <a:solidFill>
+                        <a:schemeClr val="tx1"/>
+                      </a:solidFill>
+                      <a:prstDash val="sysDot"/>
+                      <a:round/>
+                      <a:headEnd type="none" w="med" len="med"/>
+                      <a:tailEnd type="none" w="med" len="med"/>
+                    </a:lnL>
+                    <a:lnR w="12700" cap="flat" cmpd="sng" algn="ctr">
+                      <a:solidFill>
+                        <a:schemeClr val="tx1"/>
+                      </a:solidFill>
+                      <a:prstDash val="sysDot"/>
+                      <a:round/>
+                      <a:headEnd type="none" w="med" len="med"/>
+                      <a:tailEnd type="none" w="med" len="med"/>
+                    </a:lnR>
+                    <a:lnT w="12700" cap="flat" cmpd="sng" algn="ctr">
+                      <a:solidFill>
+                        <a:schemeClr val="tx1"/>
+                      </a:solidFill>
+                      <a:prstDash val="sysDot"/>
+                      <a:round/>
+                      <a:headEnd type="none" w="med" len="med"/>
+                      <a:tailEnd type="none" w="med" len="med"/>
+                    </a:lnT>
+                    <a:lnB w="12700" cap="flat" cmpd="sng" algn="ctr">
+                      <a:solidFill>
+                        <a:schemeClr val="tx1"/>
+                      </a:solidFill>
+                      <a:prstDash val="sysDot"/>
+                      <a:round/>
+                      <a:headEnd type="none" w="med" len="med"/>
+                      <a:tailEnd type="none" w="med" len="med"/>
+                    </a:lnB>
+                  </a:tcPr>
+                </a:tc>
+                <a:tc>
+                  <a:txBody>
+                    <a:bodyPr/>
+                    <a:lstStyle/>
+                    <a:p>
+                      <a:pPr algn="ctr"/>
+                      <a:r>
+                        <a:rPr lang="de-DE" sz="1200" dirty="0">
+                          <a:latin typeface="Arial" panose="020B0604020202020204" pitchFamily="34" charset="0"/>
+                          <a:cs typeface="Arial" panose="020B0604020202020204" pitchFamily="34" charset="0"/>
+                        </a:rPr>
+                        <a:t>0</a:t>
+                      </a:r>
+                    </a:p>
+                  </a:txBody>
+                  <a:tcPr anchor="ctr">
+                    <a:lnL w="12700" cap="flat" cmpd="sng" algn="ctr">
+                      <a:solidFill>
+                        <a:schemeClr val="tx1"/>
+                      </a:solidFill>
+                      <a:prstDash val="sysDot"/>
+                      <a:round/>
+                      <a:headEnd type="none" w="med" len="med"/>
+                      <a:tailEnd type="none" w="med" len="med"/>
+                    </a:lnL>
+                    <a:lnT w="12700" cap="flat" cmpd="sng" algn="ctr">
+                      <a:solidFill>
+                        <a:schemeClr val="tx1"/>
+                      </a:solidFill>
+                      <a:prstDash val="sysDot"/>
+                      <a:round/>
+                      <a:headEnd type="none" w="med" len="med"/>
+                      <a:tailEnd type="none" w="med" len="med"/>
+                    </a:lnT>
+                    <a:lnB w="12700" cap="flat" cmpd="sng" algn="ctr">
+                      <a:solidFill>
+                        <a:schemeClr val="tx1"/>
+                      </a:solidFill>
+                      <a:prstDash val="sysDot"/>
+                      <a:round/>
+                      <a:headEnd type="none" w="med" len="med"/>
+                      <a:tailEnd type="none" w="med" len="med"/>
+                    </a:lnB>
+                  </a:tcPr>
                 </a:tc>
                 <a:extLst>
                   <a:ext uri="{0D108BD9-81ED-4DB2-BD59-A6C34878D82A}">

--- a/Kapitel4/Kapitel4.pptx
+++ b/Kapitel4/Kapitel4.pptx
@@ -6,6 +6,7 @@
   </p:sldMasterIdLst>
   <p:sldIdLst>
     <p:sldId id="257" r:id="rId2"/>
+    <p:sldId id="258" r:id="rId3"/>
   </p:sldIdLst>
   <p:sldSz cx="12192000" cy="6858000"/>
   <p:notesSz cx="6858000" cy="9144000"/>
@@ -259,7 +260,7 @@
           <a:p>
             <a:fld id="{31AE3AAC-D95A-4AAF-A317-292EE053B245}" type="datetimeFigureOut">
               <a:rPr lang="de-DE" smtClean="0"/>
-              <a:t>02.09.2019</a:t>
+              <a:t>03.09.2019</a:t>
             </a:fld>
             <a:endParaRPr lang="de-DE"/>
           </a:p>
@@ -457,7 +458,7 @@
           <a:p>
             <a:fld id="{31AE3AAC-D95A-4AAF-A317-292EE053B245}" type="datetimeFigureOut">
               <a:rPr lang="de-DE" smtClean="0"/>
-              <a:t>02.09.2019</a:t>
+              <a:t>03.09.2019</a:t>
             </a:fld>
             <a:endParaRPr lang="de-DE"/>
           </a:p>
@@ -665,7 +666,7 @@
           <a:p>
             <a:fld id="{31AE3AAC-D95A-4AAF-A317-292EE053B245}" type="datetimeFigureOut">
               <a:rPr lang="de-DE" smtClean="0"/>
-              <a:t>02.09.2019</a:t>
+              <a:t>03.09.2019</a:t>
             </a:fld>
             <a:endParaRPr lang="de-DE"/>
           </a:p>
@@ -863,7 +864,7 @@
           <a:p>
             <a:fld id="{31AE3AAC-D95A-4AAF-A317-292EE053B245}" type="datetimeFigureOut">
               <a:rPr lang="de-DE" smtClean="0"/>
-              <a:t>02.09.2019</a:t>
+              <a:t>03.09.2019</a:t>
             </a:fld>
             <a:endParaRPr lang="de-DE"/>
           </a:p>
@@ -1138,7 +1139,7 @@
           <a:p>
             <a:fld id="{31AE3AAC-D95A-4AAF-A317-292EE053B245}" type="datetimeFigureOut">
               <a:rPr lang="de-DE" smtClean="0"/>
-              <a:t>02.09.2019</a:t>
+              <a:t>03.09.2019</a:t>
             </a:fld>
             <a:endParaRPr lang="de-DE"/>
           </a:p>
@@ -1403,7 +1404,7 @@
           <a:p>
             <a:fld id="{31AE3AAC-D95A-4AAF-A317-292EE053B245}" type="datetimeFigureOut">
               <a:rPr lang="de-DE" smtClean="0"/>
-              <a:t>02.09.2019</a:t>
+              <a:t>03.09.2019</a:t>
             </a:fld>
             <a:endParaRPr lang="de-DE"/>
           </a:p>
@@ -1815,7 +1816,7 @@
           <a:p>
             <a:fld id="{31AE3AAC-D95A-4AAF-A317-292EE053B245}" type="datetimeFigureOut">
               <a:rPr lang="de-DE" smtClean="0"/>
-              <a:t>02.09.2019</a:t>
+              <a:t>03.09.2019</a:t>
             </a:fld>
             <a:endParaRPr lang="de-DE"/>
           </a:p>
@@ -1956,7 +1957,7 @@
           <a:p>
             <a:fld id="{31AE3AAC-D95A-4AAF-A317-292EE053B245}" type="datetimeFigureOut">
               <a:rPr lang="de-DE" smtClean="0"/>
-              <a:t>02.09.2019</a:t>
+              <a:t>03.09.2019</a:t>
             </a:fld>
             <a:endParaRPr lang="de-DE"/>
           </a:p>
@@ -2069,7 +2070,7 @@
           <a:p>
             <a:fld id="{31AE3AAC-D95A-4AAF-A317-292EE053B245}" type="datetimeFigureOut">
               <a:rPr lang="de-DE" smtClean="0"/>
-              <a:t>02.09.2019</a:t>
+              <a:t>03.09.2019</a:t>
             </a:fld>
             <a:endParaRPr lang="de-DE"/>
           </a:p>
@@ -2380,7 +2381,7 @@
           <a:p>
             <a:fld id="{31AE3AAC-D95A-4AAF-A317-292EE053B245}" type="datetimeFigureOut">
               <a:rPr lang="de-DE" smtClean="0"/>
-              <a:t>02.09.2019</a:t>
+              <a:t>03.09.2019</a:t>
             </a:fld>
             <a:endParaRPr lang="de-DE"/>
           </a:p>
@@ -2668,7 +2669,7 @@
           <a:p>
             <a:fld id="{31AE3AAC-D95A-4AAF-A317-292EE053B245}" type="datetimeFigureOut">
               <a:rPr lang="de-DE" smtClean="0"/>
-              <a:t>02.09.2019</a:t>
+              <a:t>03.09.2019</a:t>
             </a:fld>
             <a:endParaRPr lang="de-DE"/>
           </a:p>
@@ -2909,7 +2910,7 @@
           <a:p>
             <a:fld id="{31AE3AAC-D95A-4AAF-A317-292EE053B245}" type="datetimeFigureOut">
               <a:rPr lang="de-DE" smtClean="0"/>
-              <a:t>02.09.2019</a:t>
+              <a:t>03.09.2019</a:t>
             </a:fld>
             <a:endParaRPr lang="de-DE"/>
           </a:p>
@@ -11883,6 +11884,689 @@
 </p:sld>
 </file>
 
+<file path=ppt/slides/slide2.xml><?xml version="1.0" encoding="utf-8"?>
+<p:sld xmlns:a="http://schemas.openxmlformats.org/drawingml/2006/main" xmlns:r="http://schemas.openxmlformats.org/officeDocument/2006/relationships" xmlns:p="http://schemas.openxmlformats.org/presentationml/2006/main">
+  <p:cSld>
+    <p:spTree>
+      <p:nvGrpSpPr>
+        <p:cNvPr id="1" name=""/>
+        <p:cNvGrpSpPr/>
+        <p:nvPr/>
+      </p:nvGrpSpPr>
+      <p:grpSpPr>
+        <a:xfrm>
+          <a:off x="0" y="0"/>
+          <a:ext cx="0" cy="0"/>
+          <a:chOff x="0" y="0"/>
+          <a:chExt cx="0" cy="0"/>
+        </a:xfrm>
+      </p:grpSpPr>
+      <p:sp>
+        <p:nvSpPr>
+          <p:cNvPr id="2" name="Titel 1">
+            <a:extLst>
+              <a:ext uri="{FF2B5EF4-FFF2-40B4-BE49-F238E27FC236}">
+                <a16:creationId xmlns:a16="http://schemas.microsoft.com/office/drawing/2014/main" id="{0D038303-28DE-4526-BE31-E46B4AC1F92C}"/>
+              </a:ext>
+            </a:extLst>
+          </p:cNvPr>
+          <p:cNvSpPr>
+            <a:spLocks noGrp="1"/>
+          </p:cNvSpPr>
+          <p:nvPr>
+            <p:ph type="title"/>
+          </p:nvPr>
+        </p:nvSpPr>
+        <p:spPr>
+          <a:xfrm>
+            <a:off x="838200" y="365125"/>
+            <a:ext cx="10515600" cy="1325563"/>
+          </a:xfrm>
+        </p:spPr>
+        <p:txBody>
+          <a:bodyPr/>
+          <a:lstStyle/>
+          <a:p>
+            <a:r>
+              <a:rPr lang="de-DE" dirty="0">
+                <a:latin typeface="Arial" panose="020B0604020202020204" pitchFamily="34" charset="0"/>
+                <a:cs typeface="Arial" panose="020B0604020202020204" pitchFamily="34" charset="0"/>
+              </a:rPr>
+              <a:t>Abb4_26</a:t>
+            </a:r>
+          </a:p>
+        </p:txBody>
+      </p:sp>
+      <p:sp>
+        <p:nvSpPr>
+          <p:cNvPr id="4" name="Rechteck 3">
+            <a:extLst>
+              <a:ext uri="{FF2B5EF4-FFF2-40B4-BE49-F238E27FC236}">
+                <a16:creationId xmlns:a16="http://schemas.microsoft.com/office/drawing/2014/main" id="{80D56131-1E4E-477A-B9A5-8EFE1F3EE480}"/>
+              </a:ext>
+            </a:extLst>
+          </p:cNvPr>
+          <p:cNvSpPr/>
+          <p:nvPr/>
+        </p:nvSpPr>
+        <p:spPr>
+          <a:xfrm>
+            <a:off x="1855433" y="1626024"/>
+            <a:ext cx="949910" cy="426128"/>
+          </a:xfrm>
+          <a:prstGeom prst="rect">
+            <a:avLst/>
+          </a:prstGeom>
+        </p:spPr>
+        <p:style>
+          <a:lnRef idx="2">
+            <a:schemeClr val="dk1"/>
+          </a:lnRef>
+          <a:fillRef idx="1">
+            <a:schemeClr val="lt1"/>
+          </a:fillRef>
+          <a:effectRef idx="0">
+            <a:schemeClr val="dk1"/>
+          </a:effectRef>
+          <a:fontRef idx="minor">
+            <a:schemeClr val="dk1"/>
+          </a:fontRef>
+        </p:style>
+        <p:txBody>
+          <a:bodyPr rtlCol="0" anchor="ctr"/>
+          <a:lstStyle/>
+          <a:p>
+            <a:pPr algn="ctr"/>
+            <a:r>
+              <a:rPr lang="de-DE" sz="1200" dirty="0">
+                <a:latin typeface="Arial" panose="020B0604020202020204" pitchFamily="34" charset="0"/>
+                <a:cs typeface="Arial" panose="020B0604020202020204" pitchFamily="34" charset="0"/>
+              </a:rPr>
+              <a:t>Glucose-6-phosphat</a:t>
+            </a:r>
+          </a:p>
+        </p:txBody>
+      </p:sp>
+      <p:sp>
+        <p:nvSpPr>
+          <p:cNvPr id="6" name="Rechteck 5">
+            <a:extLst>
+              <a:ext uri="{FF2B5EF4-FFF2-40B4-BE49-F238E27FC236}">
+                <a16:creationId xmlns:a16="http://schemas.microsoft.com/office/drawing/2014/main" id="{E8204E97-BBF6-4D43-A54B-64138C15E0A0}"/>
+              </a:ext>
+            </a:extLst>
+          </p:cNvPr>
+          <p:cNvSpPr/>
+          <p:nvPr/>
+        </p:nvSpPr>
+        <p:spPr>
+          <a:xfrm>
+            <a:off x="1396730" y="2127322"/>
+            <a:ext cx="720000" cy="360000"/>
+          </a:xfrm>
+          <a:prstGeom prst="rect">
+            <a:avLst/>
+          </a:prstGeom>
+        </p:spPr>
+        <p:style>
+          <a:lnRef idx="2">
+            <a:schemeClr val="dk1"/>
+          </a:lnRef>
+          <a:fillRef idx="1">
+            <a:schemeClr val="lt1"/>
+          </a:fillRef>
+          <a:effectRef idx="0">
+            <a:schemeClr val="dk1"/>
+          </a:effectRef>
+          <a:fontRef idx="minor">
+            <a:schemeClr val="dk1"/>
+          </a:fontRef>
+        </p:style>
+        <p:txBody>
+          <a:bodyPr rtlCol="0" anchor="ctr"/>
+          <a:lstStyle/>
+          <a:p>
+            <a:pPr algn="ctr"/>
+            <a:r>
+              <a:rPr lang="de-DE" sz="1200" dirty="0">
+                <a:latin typeface="Arial" panose="020B0604020202020204" pitchFamily="34" charset="0"/>
+                <a:cs typeface="Arial" panose="020B0604020202020204" pitchFamily="34" charset="0"/>
+              </a:rPr>
+              <a:t>NADP</a:t>
+            </a:r>
+            <a:r>
+              <a:rPr lang="de-DE" sz="1200" baseline="30000" dirty="0">
+                <a:latin typeface="Arial" panose="020B0604020202020204" pitchFamily="34" charset="0"/>
+                <a:cs typeface="Arial" panose="020B0604020202020204" pitchFamily="34" charset="0"/>
+              </a:rPr>
+              <a:t>+</a:t>
+            </a:r>
+          </a:p>
+        </p:txBody>
+      </p:sp>
+      <p:sp>
+        <p:nvSpPr>
+          <p:cNvPr id="7" name="Rechteck 6">
+            <a:extLst>
+              <a:ext uri="{FF2B5EF4-FFF2-40B4-BE49-F238E27FC236}">
+                <a16:creationId xmlns:a16="http://schemas.microsoft.com/office/drawing/2014/main" id="{FF184427-C1F6-48E3-AA08-024998968905}"/>
+              </a:ext>
+            </a:extLst>
+          </p:cNvPr>
+          <p:cNvSpPr/>
+          <p:nvPr/>
+        </p:nvSpPr>
+        <p:spPr>
+          <a:xfrm>
+            <a:off x="1396730" y="2747702"/>
+            <a:ext cx="720000" cy="360000"/>
+          </a:xfrm>
+          <a:prstGeom prst="rect">
+            <a:avLst/>
+          </a:prstGeom>
+        </p:spPr>
+        <p:style>
+          <a:lnRef idx="2">
+            <a:schemeClr val="dk1"/>
+          </a:lnRef>
+          <a:fillRef idx="1">
+            <a:schemeClr val="lt1"/>
+          </a:fillRef>
+          <a:effectRef idx="0">
+            <a:schemeClr val="dk1"/>
+          </a:effectRef>
+          <a:fontRef idx="minor">
+            <a:schemeClr val="dk1"/>
+          </a:fontRef>
+        </p:style>
+        <p:txBody>
+          <a:bodyPr rtlCol="0" anchor="ctr"/>
+          <a:lstStyle/>
+          <a:p>
+            <a:pPr algn="ctr"/>
+            <a:r>
+              <a:rPr lang="de-DE" sz="1200" dirty="0">
+                <a:latin typeface="Arial" panose="020B0604020202020204" pitchFamily="34" charset="0"/>
+                <a:cs typeface="Arial" panose="020B0604020202020204" pitchFamily="34" charset="0"/>
+              </a:rPr>
+              <a:t>NADPH</a:t>
+            </a:r>
+          </a:p>
+        </p:txBody>
+      </p:sp>
+      <p:cxnSp>
+        <p:nvCxnSpPr>
+          <p:cNvPr id="9" name="Gerade Verbindung mit Pfeil 8">
+            <a:extLst>
+              <a:ext uri="{FF2B5EF4-FFF2-40B4-BE49-F238E27FC236}">
+                <a16:creationId xmlns:a16="http://schemas.microsoft.com/office/drawing/2014/main" id="{5F8925AE-5F8C-4FA7-8695-AAEF5675E1FB}"/>
+              </a:ext>
+            </a:extLst>
+          </p:cNvPr>
+          <p:cNvCxnSpPr>
+            <a:cxnSpLocks/>
+            <a:stCxn id="4" idx="2"/>
+            <a:endCxn id="24" idx="0"/>
+          </p:cNvCxnSpPr>
+          <p:nvPr/>
+        </p:nvCxnSpPr>
+        <p:spPr>
+          <a:xfrm>
+            <a:off x="2330388" y="2052152"/>
+            <a:ext cx="11045" cy="1145550"/>
+          </a:xfrm>
+          <a:prstGeom prst="straightConnector1">
+            <a:avLst/>
+          </a:prstGeom>
+          <a:ln>
+            <a:tailEnd type="triangle"/>
+          </a:ln>
+        </p:spPr>
+        <p:style>
+          <a:lnRef idx="1">
+            <a:schemeClr val="dk1"/>
+          </a:lnRef>
+          <a:fillRef idx="0">
+            <a:schemeClr val="dk1"/>
+          </a:fillRef>
+          <a:effectRef idx="0">
+            <a:schemeClr val="dk1"/>
+          </a:effectRef>
+          <a:fontRef idx="minor">
+            <a:schemeClr val="tx1"/>
+          </a:fontRef>
+        </p:style>
+      </p:cxnSp>
+      <p:sp>
+        <p:nvSpPr>
+          <p:cNvPr id="24" name="Rechteck 23">
+            <a:extLst>
+              <a:ext uri="{FF2B5EF4-FFF2-40B4-BE49-F238E27FC236}">
+                <a16:creationId xmlns:a16="http://schemas.microsoft.com/office/drawing/2014/main" id="{C59CE670-719B-4357-B18E-47E5805832F9}"/>
+              </a:ext>
+            </a:extLst>
+          </p:cNvPr>
+          <p:cNvSpPr/>
+          <p:nvPr/>
+        </p:nvSpPr>
+        <p:spPr>
+          <a:xfrm>
+            <a:off x="1765433" y="3197702"/>
+            <a:ext cx="1152000" cy="426128"/>
+          </a:xfrm>
+          <a:prstGeom prst="rect">
+            <a:avLst/>
+          </a:prstGeom>
+        </p:spPr>
+        <p:style>
+          <a:lnRef idx="2">
+            <a:schemeClr val="dk1"/>
+          </a:lnRef>
+          <a:fillRef idx="1">
+            <a:schemeClr val="lt1"/>
+          </a:fillRef>
+          <a:effectRef idx="0">
+            <a:schemeClr val="dk1"/>
+          </a:effectRef>
+          <a:fontRef idx="minor">
+            <a:schemeClr val="dk1"/>
+          </a:fontRef>
+        </p:style>
+        <p:txBody>
+          <a:bodyPr rtlCol="0" anchor="ctr"/>
+          <a:lstStyle/>
+          <a:p>
+            <a:pPr algn="ctr"/>
+            <a:r>
+              <a:rPr lang="de-DE" sz="1200" dirty="0">
+                <a:latin typeface="Arial" panose="020B0604020202020204" pitchFamily="34" charset="0"/>
+                <a:cs typeface="Arial" panose="020B0604020202020204" pitchFamily="34" charset="0"/>
+              </a:rPr>
+              <a:t>6-Phospho-gluconolacton</a:t>
+            </a:r>
+          </a:p>
+        </p:txBody>
+      </p:sp>
+      <p:sp>
+        <p:nvSpPr>
+          <p:cNvPr id="36" name="Ellipse 35">
+            <a:extLst>
+              <a:ext uri="{FF2B5EF4-FFF2-40B4-BE49-F238E27FC236}">
+                <a16:creationId xmlns:a16="http://schemas.microsoft.com/office/drawing/2014/main" id="{D83D08D0-C048-4F3D-A62C-CC67848330FF}"/>
+              </a:ext>
+            </a:extLst>
+          </p:cNvPr>
+          <p:cNvSpPr/>
+          <p:nvPr/>
+        </p:nvSpPr>
+        <p:spPr>
+          <a:xfrm>
+            <a:off x="1765433" y="1536024"/>
+            <a:ext cx="180000" cy="180000"/>
+          </a:xfrm>
+          <a:prstGeom prst="ellipse">
+            <a:avLst/>
+          </a:prstGeom>
+        </p:spPr>
+        <p:style>
+          <a:lnRef idx="2">
+            <a:schemeClr val="dk1"/>
+          </a:lnRef>
+          <a:fillRef idx="1">
+            <a:schemeClr val="lt1"/>
+          </a:fillRef>
+          <a:effectRef idx="0">
+            <a:schemeClr val="dk1"/>
+          </a:effectRef>
+          <a:fontRef idx="minor">
+            <a:schemeClr val="dk1"/>
+          </a:fontRef>
+        </p:style>
+        <p:txBody>
+          <a:bodyPr rtlCol="0" anchor="ctr"/>
+          <a:lstStyle/>
+          <a:p>
+            <a:pPr algn="ctr"/>
+            <a:r>
+              <a:rPr lang="de-DE" sz="1200" dirty="0">
+                <a:latin typeface="Arial" panose="020B0604020202020204" pitchFamily="34" charset="0"/>
+                <a:cs typeface="Arial" panose="020B0604020202020204" pitchFamily="34" charset="0"/>
+              </a:rPr>
+              <a:t>1</a:t>
+            </a:r>
+          </a:p>
+        </p:txBody>
+      </p:sp>
+      <p:sp>
+        <p:nvSpPr>
+          <p:cNvPr id="37" name="Ellipse 36">
+            <a:extLst>
+              <a:ext uri="{FF2B5EF4-FFF2-40B4-BE49-F238E27FC236}">
+                <a16:creationId xmlns:a16="http://schemas.microsoft.com/office/drawing/2014/main" id="{E709719F-5032-41AC-AD5B-F18378287429}"/>
+              </a:ext>
+            </a:extLst>
+          </p:cNvPr>
+          <p:cNvSpPr/>
+          <p:nvPr/>
+        </p:nvSpPr>
+        <p:spPr>
+          <a:xfrm>
+            <a:off x="1306729" y="2041799"/>
+            <a:ext cx="180000" cy="180000"/>
+          </a:xfrm>
+          <a:prstGeom prst="ellipse">
+            <a:avLst/>
+          </a:prstGeom>
+        </p:spPr>
+        <p:style>
+          <a:lnRef idx="2">
+            <a:schemeClr val="dk1"/>
+          </a:lnRef>
+          <a:fillRef idx="1">
+            <a:schemeClr val="lt1"/>
+          </a:fillRef>
+          <a:effectRef idx="0">
+            <a:schemeClr val="dk1"/>
+          </a:effectRef>
+          <a:fontRef idx="minor">
+            <a:schemeClr val="dk1"/>
+          </a:fontRef>
+        </p:style>
+        <p:txBody>
+          <a:bodyPr rtlCol="0" anchor="ctr"/>
+          <a:lstStyle/>
+          <a:p>
+            <a:pPr algn="ctr"/>
+            <a:r>
+              <a:rPr lang="de-DE" sz="1200" dirty="0">
+                <a:latin typeface="Arial" panose="020B0604020202020204" pitchFamily="34" charset="0"/>
+                <a:cs typeface="Arial" panose="020B0604020202020204" pitchFamily="34" charset="0"/>
+              </a:rPr>
+              <a:t>3</a:t>
+            </a:r>
+          </a:p>
+        </p:txBody>
+      </p:sp>
+      <p:sp>
+        <p:nvSpPr>
+          <p:cNvPr id="38" name="Ellipse 37">
+            <a:extLst>
+              <a:ext uri="{FF2B5EF4-FFF2-40B4-BE49-F238E27FC236}">
+                <a16:creationId xmlns:a16="http://schemas.microsoft.com/office/drawing/2014/main" id="{337EBF5B-0BE0-4D4E-BE06-71D5E11CF37A}"/>
+              </a:ext>
+            </a:extLst>
+          </p:cNvPr>
+          <p:cNvSpPr/>
+          <p:nvPr/>
+        </p:nvSpPr>
+        <p:spPr>
+          <a:xfrm>
+            <a:off x="1306730" y="2653162"/>
+            <a:ext cx="180000" cy="180000"/>
+          </a:xfrm>
+          <a:prstGeom prst="ellipse">
+            <a:avLst/>
+          </a:prstGeom>
+        </p:spPr>
+        <p:style>
+          <a:lnRef idx="2">
+            <a:schemeClr val="dk1"/>
+          </a:lnRef>
+          <a:fillRef idx="1">
+            <a:schemeClr val="lt1"/>
+          </a:fillRef>
+          <a:effectRef idx="0">
+            <a:schemeClr val="dk1"/>
+          </a:effectRef>
+          <a:fontRef idx="minor">
+            <a:schemeClr val="dk1"/>
+          </a:fontRef>
+        </p:style>
+        <p:txBody>
+          <a:bodyPr rtlCol="0" anchor="ctr"/>
+          <a:lstStyle/>
+          <a:p>
+            <a:pPr algn="ctr"/>
+            <a:r>
+              <a:rPr lang="de-DE" sz="1200" dirty="0">
+                <a:latin typeface="Arial" panose="020B0604020202020204" pitchFamily="34" charset="0"/>
+                <a:cs typeface="Arial" panose="020B0604020202020204" pitchFamily="34" charset="0"/>
+              </a:rPr>
+              <a:t>4</a:t>
+            </a:r>
+          </a:p>
+        </p:txBody>
+      </p:sp>
+      <p:grpSp>
+        <p:nvGrpSpPr>
+          <p:cNvPr id="41" name="Gruppieren 40">
+            <a:extLst>
+              <a:ext uri="{FF2B5EF4-FFF2-40B4-BE49-F238E27FC236}">
+                <a16:creationId xmlns:a16="http://schemas.microsoft.com/office/drawing/2014/main" id="{F440FFD8-148A-4DDE-AE49-CE7DD75D4EA2}"/>
+              </a:ext>
+            </a:extLst>
+          </p:cNvPr>
+          <p:cNvGrpSpPr/>
+          <p:nvPr/>
+        </p:nvGrpSpPr>
+        <p:grpSpPr>
+          <a:xfrm>
+            <a:off x="2636388" y="2657702"/>
+            <a:ext cx="450000" cy="450000"/>
+            <a:chOff x="2636388" y="2657702"/>
+            <a:chExt cx="450000" cy="450000"/>
+          </a:xfrm>
+        </p:grpSpPr>
+        <p:sp>
+          <p:nvSpPr>
+            <p:cNvPr id="26" name="Rechteck 25">
+              <a:extLst>
+                <a:ext uri="{FF2B5EF4-FFF2-40B4-BE49-F238E27FC236}">
+                  <a16:creationId xmlns:a16="http://schemas.microsoft.com/office/drawing/2014/main" id="{3CB02674-A8B6-4665-8016-D73F03E1184E}"/>
+                </a:ext>
+              </a:extLst>
+            </p:cNvPr>
+            <p:cNvSpPr/>
+            <p:nvPr/>
+          </p:nvSpPr>
+          <p:spPr>
+            <a:xfrm>
+              <a:off x="2726388" y="2747702"/>
+              <a:ext cx="360000" cy="360000"/>
+            </a:xfrm>
+            <a:prstGeom prst="rect">
+              <a:avLst/>
+            </a:prstGeom>
+          </p:spPr>
+          <p:style>
+            <a:lnRef idx="2">
+              <a:schemeClr val="dk1"/>
+            </a:lnRef>
+            <a:fillRef idx="1">
+              <a:schemeClr val="lt1"/>
+            </a:fillRef>
+            <a:effectRef idx="0">
+              <a:schemeClr val="dk1"/>
+            </a:effectRef>
+            <a:fontRef idx="minor">
+              <a:schemeClr val="dk1"/>
+            </a:fontRef>
+          </p:style>
+          <p:txBody>
+            <a:bodyPr rtlCol="0" anchor="ctr"/>
+            <a:lstStyle/>
+            <a:p>
+              <a:pPr algn="ctr"/>
+              <a:r>
+                <a:rPr lang="de-DE" sz="1200" dirty="0">
+                  <a:latin typeface="Arial" panose="020B0604020202020204" pitchFamily="34" charset="0"/>
+                  <a:cs typeface="Arial" panose="020B0604020202020204" pitchFamily="34" charset="0"/>
+                </a:rPr>
+                <a:t>H</a:t>
+              </a:r>
+              <a:r>
+                <a:rPr lang="de-DE" sz="1200" baseline="30000" dirty="0">
+                  <a:latin typeface="Arial" panose="020B0604020202020204" pitchFamily="34" charset="0"/>
+                  <a:cs typeface="Arial" panose="020B0604020202020204" pitchFamily="34" charset="0"/>
+                </a:rPr>
+                <a:t>+</a:t>
+              </a:r>
+            </a:p>
+          </p:txBody>
+        </p:sp>
+        <p:sp>
+          <p:nvSpPr>
+            <p:cNvPr id="39" name="Ellipse 38">
+              <a:extLst>
+                <a:ext uri="{FF2B5EF4-FFF2-40B4-BE49-F238E27FC236}">
+                  <a16:creationId xmlns:a16="http://schemas.microsoft.com/office/drawing/2014/main" id="{3F6C46FA-47D6-4E8A-8F10-A57682389956}"/>
+                </a:ext>
+              </a:extLst>
+            </p:cNvPr>
+            <p:cNvSpPr/>
+            <p:nvPr/>
+          </p:nvSpPr>
+          <p:spPr>
+            <a:xfrm>
+              <a:off x="2636388" y="2657702"/>
+              <a:ext cx="180000" cy="180000"/>
+            </a:xfrm>
+            <a:prstGeom prst="ellipse">
+              <a:avLst/>
+            </a:prstGeom>
+          </p:spPr>
+          <p:style>
+            <a:lnRef idx="2">
+              <a:schemeClr val="dk1"/>
+            </a:lnRef>
+            <a:fillRef idx="1">
+              <a:schemeClr val="lt1"/>
+            </a:fillRef>
+            <a:effectRef idx="0">
+              <a:schemeClr val="dk1"/>
+            </a:effectRef>
+            <a:fontRef idx="minor">
+              <a:schemeClr val="dk1"/>
+            </a:fontRef>
+          </p:style>
+          <p:txBody>
+            <a:bodyPr rtlCol="0" anchor="ctr"/>
+            <a:lstStyle/>
+            <a:p>
+              <a:pPr algn="ctr"/>
+              <a:r>
+                <a:rPr lang="de-DE" sz="1200" dirty="0">
+                  <a:latin typeface="Arial" panose="020B0604020202020204" pitchFamily="34" charset="0"/>
+                  <a:cs typeface="Arial" panose="020B0604020202020204" pitchFamily="34" charset="0"/>
+                </a:rPr>
+                <a:t>5</a:t>
+              </a:r>
+            </a:p>
+          </p:txBody>
+        </p:sp>
+      </p:grpSp>
+      <p:cxnSp>
+        <p:nvCxnSpPr>
+          <p:cNvPr id="45" name="Verbinder: gekrümmt 44">
+            <a:extLst>
+              <a:ext uri="{FF2B5EF4-FFF2-40B4-BE49-F238E27FC236}">
+                <a16:creationId xmlns:a16="http://schemas.microsoft.com/office/drawing/2014/main" id="{D63129F6-A73F-40B0-861A-963B0B666016}"/>
+              </a:ext>
+            </a:extLst>
+          </p:cNvPr>
+          <p:cNvCxnSpPr>
+            <a:cxnSpLocks/>
+            <a:stCxn id="6" idx="3"/>
+            <a:endCxn id="26" idx="1"/>
+          </p:cNvCxnSpPr>
+          <p:nvPr/>
+        </p:nvCxnSpPr>
+        <p:spPr>
+          <a:xfrm>
+            <a:off x="2116730" y="2307322"/>
+            <a:ext cx="609658" cy="620380"/>
+          </a:xfrm>
+          <a:prstGeom prst="curvedConnector3">
+            <a:avLst>
+              <a:gd name="adj1" fmla="val 36894"/>
+            </a:avLst>
+          </a:prstGeom>
+          <a:ln>
+            <a:tailEnd type="triangle"/>
+          </a:ln>
+        </p:spPr>
+        <p:style>
+          <a:lnRef idx="1">
+            <a:schemeClr val="dk1"/>
+          </a:lnRef>
+          <a:fillRef idx="0">
+            <a:schemeClr val="dk1"/>
+          </a:fillRef>
+          <a:effectRef idx="0">
+            <a:schemeClr val="dk1"/>
+          </a:effectRef>
+          <a:fontRef idx="minor">
+            <a:schemeClr val="tx1"/>
+          </a:fontRef>
+        </p:style>
+      </p:cxnSp>
+      <p:cxnSp>
+        <p:nvCxnSpPr>
+          <p:cNvPr id="49" name="Verbinder: gekrümmt 48">
+            <a:extLst>
+              <a:ext uri="{FF2B5EF4-FFF2-40B4-BE49-F238E27FC236}">
+                <a16:creationId xmlns:a16="http://schemas.microsoft.com/office/drawing/2014/main" id="{F66D12EF-BAD4-4FB1-A978-E253DD6AA991}"/>
+              </a:ext>
+            </a:extLst>
+          </p:cNvPr>
+          <p:cNvCxnSpPr>
+            <a:stCxn id="6" idx="3"/>
+            <a:endCxn id="7" idx="3"/>
+          </p:cNvCxnSpPr>
+          <p:nvPr/>
+        </p:nvCxnSpPr>
+        <p:spPr>
+          <a:xfrm>
+            <a:off x="2116730" y="2307322"/>
+            <a:ext cx="12700" cy="620380"/>
+          </a:xfrm>
+          <a:prstGeom prst="curvedConnector3">
+            <a:avLst>
+              <a:gd name="adj1" fmla="val 1800000"/>
+            </a:avLst>
+          </a:prstGeom>
+          <a:ln>
+            <a:tailEnd type="triangle"/>
+          </a:ln>
+        </p:spPr>
+        <p:style>
+          <a:lnRef idx="1">
+            <a:schemeClr val="dk1"/>
+          </a:lnRef>
+          <a:fillRef idx="0">
+            <a:schemeClr val="dk1"/>
+          </a:fillRef>
+          <a:effectRef idx="0">
+            <a:schemeClr val="dk1"/>
+          </a:effectRef>
+          <a:fontRef idx="minor">
+            <a:schemeClr val="tx1"/>
+          </a:fontRef>
+        </p:style>
+      </p:cxnSp>
+    </p:spTree>
+    <p:extLst>
+      <p:ext uri="{BB962C8B-B14F-4D97-AF65-F5344CB8AC3E}">
+        <p14:creationId xmlns:p14="http://schemas.microsoft.com/office/powerpoint/2010/main" val="347423658"/>
+      </p:ext>
+    </p:extLst>
+  </p:cSld>
+  <p:clrMapOvr>
+    <a:masterClrMapping/>
+  </p:clrMapOvr>
+</p:sld>
+</file>
+
 <file path=ppt/theme/theme1.xml><?xml version="1.0" encoding="utf-8"?>
 <a:theme xmlns:a="http://schemas.openxmlformats.org/drawingml/2006/main" name="Office">
   <a:themeElements>
@@ -12168,7 +12852,46 @@
       </a:bgFillStyleLst>
     </a:fmtScheme>
   </a:themeElements>
-  <a:objectDefaults/>
+  <a:objectDefaults>
+    <a:spDef>
+      <a:spPr/>
+      <a:bodyPr/>
+      <a:lstStyle/>
+      <a:style>
+        <a:lnRef idx="2">
+          <a:schemeClr val="dk1"/>
+        </a:lnRef>
+        <a:fillRef idx="1">
+          <a:schemeClr val="lt1"/>
+        </a:fillRef>
+        <a:effectRef idx="0">
+          <a:schemeClr val="dk1"/>
+        </a:effectRef>
+        <a:fontRef idx="minor">
+          <a:schemeClr val="dk1"/>
+        </a:fontRef>
+      </a:style>
+    </a:spDef>
+    <a:lnDef>
+      <a:spPr/>
+      <a:bodyPr/>
+      <a:lstStyle/>
+      <a:style>
+        <a:lnRef idx="1">
+          <a:schemeClr val="dk1"/>
+        </a:lnRef>
+        <a:fillRef idx="0">
+          <a:schemeClr val="dk1"/>
+        </a:fillRef>
+        <a:effectRef idx="0">
+          <a:schemeClr val="dk1"/>
+        </a:effectRef>
+        <a:fontRef idx="minor">
+          <a:schemeClr val="tx1"/>
+        </a:fontRef>
+      </a:style>
+    </a:lnDef>
+  </a:objectDefaults>
   <a:extraClrSchemeLst/>
   <a:extLst>
     <a:ext uri="{05A4C25C-085E-4340-85A3-A5531E510DB2}">

--- a/Kapitel4/Kapitel4.pptx
+++ b/Kapitel4/Kapitel4.pptx
@@ -7,6 +7,7 @@
   <p:sldIdLst>
     <p:sldId id="257" r:id="rId2"/>
     <p:sldId id="258" r:id="rId3"/>
+    <p:sldId id="259" r:id="rId4"/>
   </p:sldIdLst>
   <p:sldSz cx="12192000" cy="6858000"/>
   <p:notesSz cx="6858000" cy="9144000"/>
@@ -260,7 +261,7 @@
           <a:p>
             <a:fld id="{31AE3AAC-D95A-4AAF-A317-292EE053B245}" type="datetimeFigureOut">
               <a:rPr lang="de-DE" smtClean="0"/>
-              <a:t>03.09.2019</a:t>
+              <a:t>04.09.2019</a:t>
             </a:fld>
             <a:endParaRPr lang="de-DE"/>
           </a:p>
@@ -458,7 +459,7 @@
           <a:p>
             <a:fld id="{31AE3AAC-D95A-4AAF-A317-292EE053B245}" type="datetimeFigureOut">
               <a:rPr lang="de-DE" smtClean="0"/>
-              <a:t>03.09.2019</a:t>
+              <a:t>04.09.2019</a:t>
             </a:fld>
             <a:endParaRPr lang="de-DE"/>
           </a:p>
@@ -666,7 +667,7 @@
           <a:p>
             <a:fld id="{31AE3AAC-D95A-4AAF-A317-292EE053B245}" type="datetimeFigureOut">
               <a:rPr lang="de-DE" smtClean="0"/>
-              <a:t>03.09.2019</a:t>
+              <a:t>04.09.2019</a:t>
             </a:fld>
             <a:endParaRPr lang="de-DE"/>
           </a:p>
@@ -864,7 +865,7 @@
           <a:p>
             <a:fld id="{31AE3AAC-D95A-4AAF-A317-292EE053B245}" type="datetimeFigureOut">
               <a:rPr lang="de-DE" smtClean="0"/>
-              <a:t>03.09.2019</a:t>
+              <a:t>04.09.2019</a:t>
             </a:fld>
             <a:endParaRPr lang="de-DE"/>
           </a:p>
@@ -1139,7 +1140,7 @@
           <a:p>
             <a:fld id="{31AE3AAC-D95A-4AAF-A317-292EE053B245}" type="datetimeFigureOut">
               <a:rPr lang="de-DE" smtClean="0"/>
-              <a:t>03.09.2019</a:t>
+              <a:t>04.09.2019</a:t>
             </a:fld>
             <a:endParaRPr lang="de-DE"/>
           </a:p>
@@ -1404,7 +1405,7 @@
           <a:p>
             <a:fld id="{31AE3AAC-D95A-4AAF-A317-292EE053B245}" type="datetimeFigureOut">
               <a:rPr lang="de-DE" smtClean="0"/>
-              <a:t>03.09.2019</a:t>
+              <a:t>04.09.2019</a:t>
             </a:fld>
             <a:endParaRPr lang="de-DE"/>
           </a:p>
@@ -1816,7 +1817,7 @@
           <a:p>
             <a:fld id="{31AE3AAC-D95A-4AAF-A317-292EE053B245}" type="datetimeFigureOut">
               <a:rPr lang="de-DE" smtClean="0"/>
-              <a:t>03.09.2019</a:t>
+              <a:t>04.09.2019</a:t>
             </a:fld>
             <a:endParaRPr lang="de-DE"/>
           </a:p>
@@ -1957,7 +1958,7 @@
           <a:p>
             <a:fld id="{31AE3AAC-D95A-4AAF-A317-292EE053B245}" type="datetimeFigureOut">
               <a:rPr lang="de-DE" smtClean="0"/>
-              <a:t>03.09.2019</a:t>
+              <a:t>04.09.2019</a:t>
             </a:fld>
             <a:endParaRPr lang="de-DE"/>
           </a:p>
@@ -2070,7 +2071,7 @@
           <a:p>
             <a:fld id="{31AE3AAC-D95A-4AAF-A317-292EE053B245}" type="datetimeFigureOut">
               <a:rPr lang="de-DE" smtClean="0"/>
-              <a:t>03.09.2019</a:t>
+              <a:t>04.09.2019</a:t>
             </a:fld>
             <a:endParaRPr lang="de-DE"/>
           </a:p>
@@ -2381,7 +2382,7 @@
           <a:p>
             <a:fld id="{31AE3AAC-D95A-4AAF-A317-292EE053B245}" type="datetimeFigureOut">
               <a:rPr lang="de-DE" smtClean="0"/>
-              <a:t>03.09.2019</a:t>
+              <a:t>04.09.2019</a:t>
             </a:fld>
             <a:endParaRPr lang="de-DE"/>
           </a:p>
@@ -2669,7 +2670,7 @@
           <a:p>
             <a:fld id="{31AE3AAC-D95A-4AAF-A317-292EE053B245}" type="datetimeFigureOut">
               <a:rPr lang="de-DE" smtClean="0"/>
-              <a:t>03.09.2019</a:t>
+              <a:t>04.09.2019</a:t>
             </a:fld>
             <a:endParaRPr lang="de-DE"/>
           </a:p>
@@ -2910,7 +2911,7 @@
           <a:p>
             <a:fld id="{31AE3AAC-D95A-4AAF-A317-292EE053B245}" type="datetimeFigureOut">
               <a:rPr lang="de-DE" smtClean="0"/>
-              <a:t>03.09.2019</a:t>
+              <a:t>04.09.2019</a:t>
             </a:fld>
             <a:endParaRPr lang="de-DE"/>
           </a:p>
@@ -11919,7 +11920,7 @@
         </p:nvSpPr>
         <p:spPr>
           <a:xfrm>
-            <a:off x="838200" y="365125"/>
+            <a:off x="838200" y="365205"/>
             <a:ext cx="10515600" cy="1325563"/>
           </a:xfrm>
         </p:spPr>
@@ -11937,163 +11938,6 @@
           </a:p>
         </p:txBody>
       </p:sp>
-      <p:sp>
-        <p:nvSpPr>
-          <p:cNvPr id="4" name="Rechteck 3">
-            <a:extLst>
-              <a:ext uri="{FF2B5EF4-FFF2-40B4-BE49-F238E27FC236}">
-                <a16:creationId xmlns:a16="http://schemas.microsoft.com/office/drawing/2014/main" id="{80D56131-1E4E-477A-B9A5-8EFE1F3EE480}"/>
-              </a:ext>
-            </a:extLst>
-          </p:cNvPr>
-          <p:cNvSpPr/>
-          <p:nvPr/>
-        </p:nvSpPr>
-        <p:spPr>
-          <a:xfrm>
-            <a:off x="1855433" y="1626024"/>
-            <a:ext cx="949910" cy="426128"/>
-          </a:xfrm>
-          <a:prstGeom prst="rect">
-            <a:avLst/>
-          </a:prstGeom>
-        </p:spPr>
-        <p:style>
-          <a:lnRef idx="2">
-            <a:schemeClr val="dk1"/>
-          </a:lnRef>
-          <a:fillRef idx="1">
-            <a:schemeClr val="lt1"/>
-          </a:fillRef>
-          <a:effectRef idx="0">
-            <a:schemeClr val="dk1"/>
-          </a:effectRef>
-          <a:fontRef idx="minor">
-            <a:schemeClr val="dk1"/>
-          </a:fontRef>
-        </p:style>
-        <p:txBody>
-          <a:bodyPr rtlCol="0" anchor="ctr"/>
-          <a:lstStyle/>
-          <a:p>
-            <a:pPr algn="ctr"/>
-            <a:r>
-              <a:rPr lang="de-DE" sz="1200" dirty="0">
-                <a:latin typeface="Arial" panose="020B0604020202020204" pitchFamily="34" charset="0"/>
-                <a:cs typeface="Arial" panose="020B0604020202020204" pitchFamily="34" charset="0"/>
-              </a:rPr>
-              <a:t>Glucose-6-phosphat</a:t>
-            </a:r>
-          </a:p>
-        </p:txBody>
-      </p:sp>
-      <p:sp>
-        <p:nvSpPr>
-          <p:cNvPr id="6" name="Rechteck 5">
-            <a:extLst>
-              <a:ext uri="{FF2B5EF4-FFF2-40B4-BE49-F238E27FC236}">
-                <a16:creationId xmlns:a16="http://schemas.microsoft.com/office/drawing/2014/main" id="{E8204E97-BBF6-4D43-A54B-64138C15E0A0}"/>
-              </a:ext>
-            </a:extLst>
-          </p:cNvPr>
-          <p:cNvSpPr/>
-          <p:nvPr/>
-        </p:nvSpPr>
-        <p:spPr>
-          <a:xfrm>
-            <a:off x="1396730" y="2127322"/>
-            <a:ext cx="720000" cy="360000"/>
-          </a:xfrm>
-          <a:prstGeom prst="rect">
-            <a:avLst/>
-          </a:prstGeom>
-        </p:spPr>
-        <p:style>
-          <a:lnRef idx="2">
-            <a:schemeClr val="dk1"/>
-          </a:lnRef>
-          <a:fillRef idx="1">
-            <a:schemeClr val="lt1"/>
-          </a:fillRef>
-          <a:effectRef idx="0">
-            <a:schemeClr val="dk1"/>
-          </a:effectRef>
-          <a:fontRef idx="minor">
-            <a:schemeClr val="dk1"/>
-          </a:fontRef>
-        </p:style>
-        <p:txBody>
-          <a:bodyPr rtlCol="0" anchor="ctr"/>
-          <a:lstStyle/>
-          <a:p>
-            <a:pPr algn="ctr"/>
-            <a:r>
-              <a:rPr lang="de-DE" sz="1200" dirty="0">
-                <a:latin typeface="Arial" panose="020B0604020202020204" pitchFamily="34" charset="0"/>
-                <a:cs typeface="Arial" panose="020B0604020202020204" pitchFamily="34" charset="0"/>
-              </a:rPr>
-              <a:t>NADP</a:t>
-            </a:r>
-            <a:r>
-              <a:rPr lang="de-DE" sz="1200" baseline="30000" dirty="0">
-                <a:latin typeface="Arial" panose="020B0604020202020204" pitchFamily="34" charset="0"/>
-                <a:cs typeface="Arial" panose="020B0604020202020204" pitchFamily="34" charset="0"/>
-              </a:rPr>
-              <a:t>+</a:t>
-            </a:r>
-          </a:p>
-        </p:txBody>
-      </p:sp>
-      <p:sp>
-        <p:nvSpPr>
-          <p:cNvPr id="7" name="Rechteck 6">
-            <a:extLst>
-              <a:ext uri="{FF2B5EF4-FFF2-40B4-BE49-F238E27FC236}">
-                <a16:creationId xmlns:a16="http://schemas.microsoft.com/office/drawing/2014/main" id="{FF184427-C1F6-48E3-AA08-024998968905}"/>
-              </a:ext>
-            </a:extLst>
-          </p:cNvPr>
-          <p:cNvSpPr/>
-          <p:nvPr/>
-        </p:nvSpPr>
-        <p:spPr>
-          <a:xfrm>
-            <a:off x="1396730" y="2747702"/>
-            <a:ext cx="720000" cy="360000"/>
-          </a:xfrm>
-          <a:prstGeom prst="rect">
-            <a:avLst/>
-          </a:prstGeom>
-        </p:spPr>
-        <p:style>
-          <a:lnRef idx="2">
-            <a:schemeClr val="dk1"/>
-          </a:lnRef>
-          <a:fillRef idx="1">
-            <a:schemeClr val="lt1"/>
-          </a:fillRef>
-          <a:effectRef idx="0">
-            <a:schemeClr val="dk1"/>
-          </a:effectRef>
-          <a:fontRef idx="minor">
-            <a:schemeClr val="dk1"/>
-          </a:fontRef>
-        </p:style>
-        <p:txBody>
-          <a:bodyPr rtlCol="0" anchor="ctr"/>
-          <a:lstStyle/>
-          <a:p>
-            <a:pPr algn="ctr"/>
-            <a:r>
-              <a:rPr lang="de-DE" sz="1200" dirty="0">
-                <a:latin typeface="Arial" panose="020B0604020202020204" pitchFamily="34" charset="0"/>
-                <a:cs typeface="Arial" panose="020B0604020202020204" pitchFamily="34" charset="0"/>
-              </a:rPr>
-              <a:t>NADPH</a:t>
-            </a:r>
-          </a:p>
-        </p:txBody>
-      </p:sp>
       <p:cxnSp>
         <p:nvCxnSpPr>
           <p:cNvPr id="9" name="Gerade Verbindung mit Pfeil 8">
@@ -12105,15 +11949,15 @@
           </p:cNvPr>
           <p:cNvCxnSpPr>
             <a:cxnSpLocks/>
-            <a:stCxn id="4" idx="2"/>
-            <a:endCxn id="24" idx="0"/>
+            <a:stCxn id="4" idx="0"/>
+            <a:endCxn id="24" idx="2"/>
           </p:cNvCxnSpPr>
           <p:nvPr/>
         </p:nvCxnSpPr>
         <p:spPr>
-          <a:xfrm>
-            <a:off x="2330388" y="2052152"/>
-            <a:ext cx="11045" cy="1145550"/>
+          <a:xfrm flipV="1">
+            <a:off x="7032276" y="4026490"/>
+            <a:ext cx="3677" cy="1736255"/>
           </a:xfrm>
           <a:prstGeom prst="straightConnector1">
             <a:avLst/>
@@ -12151,12 +11995,18 @@
         </p:nvSpPr>
         <p:spPr>
           <a:xfrm>
-            <a:off x="1765433" y="3197702"/>
+            <a:off x="6459953" y="3600362"/>
             <a:ext cx="1152000" cy="426128"/>
           </a:xfrm>
           <a:prstGeom prst="rect">
             <a:avLst/>
           </a:prstGeom>
+          <a:solidFill>
+            <a:schemeClr val="tx1">
+              <a:lumMod val="50000"/>
+              <a:lumOff val="50000"/>
+            </a:schemeClr>
+          </a:solidFill>
         </p:spPr>
         <p:style>
           <a:lnRef idx="2">
@@ -12179,6 +12029,9 @@
             <a:pPr algn="ctr"/>
             <a:r>
               <a:rPr lang="de-DE" sz="1200" dirty="0">
+                <a:solidFill>
+                  <a:schemeClr val="bg1"/>
+                </a:solidFill>
                 <a:latin typeface="Arial" panose="020B0604020202020204" pitchFamily="34" charset="0"/>
                 <a:cs typeface="Arial" panose="020B0604020202020204" pitchFamily="34" charset="0"/>
               </a:rPr>
@@ -12187,12 +12040,190 @@
           </a:p>
         </p:txBody>
       </p:sp>
+      <p:grpSp>
+        <p:nvGrpSpPr>
+          <p:cNvPr id="22" name="Gruppieren 21">
+            <a:extLst>
+              <a:ext uri="{FF2B5EF4-FFF2-40B4-BE49-F238E27FC236}">
+                <a16:creationId xmlns:a16="http://schemas.microsoft.com/office/drawing/2014/main" id="{D77E68DB-0E16-409C-BC84-4DB310049A69}"/>
+              </a:ext>
+            </a:extLst>
+          </p:cNvPr>
+          <p:cNvGrpSpPr/>
+          <p:nvPr/>
+        </p:nvGrpSpPr>
+        <p:grpSpPr>
+          <a:xfrm>
+            <a:off x="6349709" y="5672745"/>
+            <a:ext cx="1258567" cy="516128"/>
+            <a:chOff x="1765433" y="1536024"/>
+            <a:chExt cx="1258567" cy="516128"/>
+          </a:xfrm>
+          <a:solidFill>
+            <a:schemeClr val="tx1">
+              <a:lumMod val="50000"/>
+              <a:lumOff val="50000"/>
+            </a:schemeClr>
+          </a:solidFill>
+        </p:grpSpPr>
+        <p:sp>
+          <p:nvSpPr>
+            <p:cNvPr id="4" name="Rechteck 3">
+              <a:extLst>
+                <a:ext uri="{FF2B5EF4-FFF2-40B4-BE49-F238E27FC236}">
+                  <a16:creationId xmlns:a16="http://schemas.microsoft.com/office/drawing/2014/main" id="{80D56131-1E4E-477A-B9A5-8EFE1F3EE480}"/>
+                </a:ext>
+              </a:extLst>
+            </p:cNvPr>
+            <p:cNvSpPr/>
+            <p:nvPr/>
+          </p:nvSpPr>
+          <p:spPr>
+            <a:xfrm>
+              <a:off x="1872000" y="1626024"/>
+              <a:ext cx="1152000" cy="426128"/>
+            </a:xfrm>
+            <a:prstGeom prst="rect">
+              <a:avLst/>
+            </a:prstGeom>
+            <a:grpFill/>
+          </p:spPr>
+          <p:style>
+            <a:lnRef idx="2">
+              <a:schemeClr val="dk1"/>
+            </a:lnRef>
+            <a:fillRef idx="1">
+              <a:schemeClr val="lt1"/>
+            </a:fillRef>
+            <a:effectRef idx="0">
+              <a:schemeClr val="dk1"/>
+            </a:effectRef>
+            <a:fontRef idx="minor">
+              <a:schemeClr val="dk1"/>
+            </a:fontRef>
+          </p:style>
+          <p:txBody>
+            <a:bodyPr rtlCol="0" anchor="ctr"/>
+            <a:lstStyle/>
+            <a:p>
+              <a:pPr algn="ctr"/>
+              <a:r>
+                <a:rPr lang="de-DE" sz="1200" dirty="0">
+                  <a:solidFill>
+                    <a:schemeClr val="bg1"/>
+                  </a:solidFill>
+                  <a:latin typeface="Arial" panose="020B0604020202020204" pitchFamily="34" charset="0"/>
+                  <a:cs typeface="Arial" panose="020B0604020202020204" pitchFamily="34" charset="0"/>
+                </a:rPr>
+                <a:t>Glucose-6-phosphat</a:t>
+              </a:r>
+            </a:p>
+          </p:txBody>
+        </p:sp>
+        <p:sp>
+          <p:nvSpPr>
+            <p:cNvPr id="36" name="Ellipse 35">
+              <a:extLst>
+                <a:ext uri="{FF2B5EF4-FFF2-40B4-BE49-F238E27FC236}">
+                  <a16:creationId xmlns:a16="http://schemas.microsoft.com/office/drawing/2014/main" id="{D83D08D0-C048-4F3D-A62C-CC67848330FF}"/>
+                </a:ext>
+              </a:extLst>
+            </p:cNvPr>
+            <p:cNvSpPr/>
+            <p:nvPr/>
+          </p:nvSpPr>
+          <p:spPr>
+            <a:xfrm>
+              <a:off x="1765433" y="1536024"/>
+              <a:ext cx="180000" cy="180000"/>
+            </a:xfrm>
+            <a:prstGeom prst="ellipse">
+              <a:avLst/>
+            </a:prstGeom>
+            <a:grpFill/>
+          </p:spPr>
+          <p:style>
+            <a:lnRef idx="2">
+              <a:schemeClr val="dk1"/>
+            </a:lnRef>
+            <a:fillRef idx="1">
+              <a:schemeClr val="lt1"/>
+            </a:fillRef>
+            <a:effectRef idx="0">
+              <a:schemeClr val="dk1"/>
+            </a:effectRef>
+            <a:fontRef idx="minor">
+              <a:schemeClr val="dk1"/>
+            </a:fontRef>
+          </p:style>
+          <p:txBody>
+            <a:bodyPr rtlCol="0" anchor="ctr"/>
+            <a:lstStyle/>
+            <a:p>
+              <a:pPr algn="ctr"/>
+              <a:r>
+                <a:rPr lang="de-DE" sz="1200" dirty="0">
+                  <a:solidFill>
+                    <a:schemeClr val="bg1"/>
+                  </a:solidFill>
+                  <a:latin typeface="Arial" panose="020B0604020202020204" pitchFamily="34" charset="0"/>
+                  <a:cs typeface="Arial" panose="020B0604020202020204" pitchFamily="34" charset="0"/>
+                </a:rPr>
+                <a:t>1</a:t>
+              </a:r>
+            </a:p>
+          </p:txBody>
+        </p:sp>
+      </p:grpSp>
+      <p:cxnSp>
+        <p:nvCxnSpPr>
+          <p:cNvPr id="20" name="Gerade Verbindung mit Pfeil 19">
+            <a:extLst>
+              <a:ext uri="{FF2B5EF4-FFF2-40B4-BE49-F238E27FC236}">
+                <a16:creationId xmlns:a16="http://schemas.microsoft.com/office/drawing/2014/main" id="{C23A95B0-AFA0-4EAF-B71C-1BD4FEEA2421}"/>
+              </a:ext>
+            </a:extLst>
+          </p:cNvPr>
+          <p:cNvCxnSpPr>
+            <a:cxnSpLocks/>
+            <a:stCxn id="24" idx="0"/>
+            <a:endCxn id="23" idx="2"/>
+          </p:cNvCxnSpPr>
+          <p:nvPr/>
+        </p:nvCxnSpPr>
+        <p:spPr>
+          <a:xfrm flipH="1" flipV="1">
+            <a:off x="7015709" y="1990920"/>
+            <a:ext cx="20244" cy="1609442"/>
+          </a:xfrm>
+          <a:prstGeom prst="straightConnector1">
+            <a:avLst/>
+          </a:prstGeom>
+          <a:ln>
+            <a:tailEnd type="triangle"/>
+          </a:ln>
+        </p:spPr>
+        <p:style>
+          <a:lnRef idx="1">
+            <a:schemeClr val="dk1"/>
+          </a:lnRef>
+          <a:fillRef idx="0">
+            <a:schemeClr val="dk1"/>
+          </a:fillRef>
+          <a:effectRef idx="0">
+            <a:schemeClr val="dk1"/>
+          </a:effectRef>
+          <a:fontRef idx="minor">
+            <a:schemeClr val="tx1"/>
+          </a:fontRef>
+        </p:style>
+      </p:cxnSp>
       <p:sp>
         <p:nvSpPr>
-          <p:cNvPr id="36" name="Ellipse 35">
+          <p:cNvPr id="23" name="Rechteck 22">
             <a:extLst>
               <a:ext uri="{FF2B5EF4-FFF2-40B4-BE49-F238E27FC236}">
-                <a16:creationId xmlns:a16="http://schemas.microsoft.com/office/drawing/2014/main" id="{D83D08D0-C048-4F3D-A62C-CC67848330FF}"/>
+                <a16:creationId xmlns:a16="http://schemas.microsoft.com/office/drawing/2014/main" id="{DB2CB1E6-4747-4CCD-89CA-4351627BF81A}"/>
               </a:ext>
             </a:extLst>
           </p:cNvPr>
@@ -12201,12 +12232,18 @@
         </p:nvSpPr>
         <p:spPr>
           <a:xfrm>
-            <a:off x="1765433" y="1536024"/>
-            <a:ext cx="180000" cy="180000"/>
+            <a:off x="6439709" y="1564792"/>
+            <a:ext cx="1152000" cy="426128"/>
           </a:xfrm>
-          <a:prstGeom prst="ellipse">
+          <a:prstGeom prst="rect">
             <a:avLst/>
           </a:prstGeom>
+          <a:solidFill>
+            <a:schemeClr val="tx1">
+              <a:lumMod val="50000"/>
+              <a:lumOff val="50000"/>
+            </a:schemeClr>
+          </a:solidFill>
         </p:spPr>
         <p:style>
           <a:lnRef idx="2">
@@ -12229,20 +12266,66 @@
             <a:pPr algn="ctr"/>
             <a:r>
               <a:rPr lang="de-DE" sz="1200" dirty="0">
+                <a:solidFill>
+                  <a:schemeClr val="bg1"/>
+                </a:solidFill>
                 <a:latin typeface="Arial" panose="020B0604020202020204" pitchFamily="34" charset="0"/>
                 <a:cs typeface="Arial" panose="020B0604020202020204" pitchFamily="34" charset="0"/>
               </a:rPr>
-              <a:t>1</a:t>
+              <a:t>6-Phospho-glucononat</a:t>
             </a:r>
           </a:p>
         </p:txBody>
       </p:sp>
+      <p:cxnSp>
+        <p:nvCxnSpPr>
+          <p:cNvPr id="46" name="Gerade Verbindung mit Pfeil 45">
+            <a:extLst>
+              <a:ext uri="{FF2B5EF4-FFF2-40B4-BE49-F238E27FC236}">
+                <a16:creationId xmlns:a16="http://schemas.microsoft.com/office/drawing/2014/main" id="{5FA37971-3DD5-424A-88B9-7BED6DAE080A}"/>
+              </a:ext>
+            </a:extLst>
+          </p:cNvPr>
+          <p:cNvCxnSpPr>
+            <a:cxnSpLocks/>
+            <a:stCxn id="23" idx="1"/>
+            <a:endCxn id="47" idx="1"/>
+          </p:cNvCxnSpPr>
+          <p:nvPr/>
+        </p:nvCxnSpPr>
+        <p:spPr>
+          <a:xfrm flipH="1">
+            <a:off x="1635862" y="1777856"/>
+            <a:ext cx="4803847" cy="0"/>
+          </a:xfrm>
+          <a:prstGeom prst="straightConnector1">
+            <a:avLst/>
+          </a:prstGeom>
+          <a:ln>
+            <a:tailEnd type="triangle"/>
+          </a:ln>
+        </p:spPr>
+        <p:style>
+          <a:lnRef idx="1">
+            <a:schemeClr val="dk1"/>
+          </a:lnRef>
+          <a:fillRef idx="0">
+            <a:schemeClr val="dk1"/>
+          </a:fillRef>
+          <a:effectRef idx="0">
+            <a:schemeClr val="dk1"/>
+          </a:effectRef>
+          <a:fontRef idx="minor">
+            <a:schemeClr val="tx1"/>
+          </a:fontRef>
+        </p:style>
+      </p:cxnSp>
       <p:sp>
         <p:nvSpPr>
-          <p:cNvPr id="37" name="Ellipse 36">
+          <p:cNvPr id="47" name="Rechteck 46">
             <a:extLst>
               <a:ext uri="{FF2B5EF4-FFF2-40B4-BE49-F238E27FC236}">
-                <a16:creationId xmlns:a16="http://schemas.microsoft.com/office/drawing/2014/main" id="{E709719F-5032-41AC-AD5B-F18378287429}"/>
+                <a16:creationId xmlns:a16="http://schemas.microsoft.com/office/drawing/2014/main" id="{72A7051C-2B75-4EF0-98A2-5A52E0E53B65}"/>
               </a:ext>
             </a:extLst>
           </p:cNvPr>
@@ -12251,12 +12334,18 @@
         </p:nvSpPr>
         <p:spPr>
           <a:xfrm>
-            <a:off x="1306729" y="2041799"/>
-            <a:ext cx="180000" cy="180000"/>
+            <a:off x="1635862" y="1564792"/>
+            <a:ext cx="1152000" cy="426128"/>
           </a:xfrm>
-          <a:prstGeom prst="ellipse">
+          <a:prstGeom prst="rect">
             <a:avLst/>
           </a:prstGeom>
+          <a:solidFill>
+            <a:schemeClr val="tx1">
+              <a:lumMod val="50000"/>
+              <a:lumOff val="50000"/>
+            </a:schemeClr>
+          </a:solidFill>
         </p:spPr>
         <p:style>
           <a:lnRef idx="2">
@@ -12279,20 +12368,23 @@
             <a:pPr algn="ctr"/>
             <a:r>
               <a:rPr lang="de-DE" sz="1200" dirty="0">
+                <a:solidFill>
+                  <a:schemeClr val="bg1"/>
+                </a:solidFill>
                 <a:latin typeface="Arial" panose="020B0604020202020204" pitchFamily="34" charset="0"/>
                 <a:cs typeface="Arial" panose="020B0604020202020204" pitchFamily="34" charset="0"/>
               </a:rPr>
-              <a:t>3</a:t>
+              <a:t>Ribulose-5-phosphat</a:t>
             </a:r>
           </a:p>
         </p:txBody>
       </p:sp>
       <p:sp>
         <p:nvSpPr>
-          <p:cNvPr id="38" name="Ellipse 37">
+          <p:cNvPr id="67" name="Rechteck 66">
             <a:extLst>
               <a:ext uri="{FF2B5EF4-FFF2-40B4-BE49-F238E27FC236}">
-                <a16:creationId xmlns:a16="http://schemas.microsoft.com/office/drawing/2014/main" id="{337EBF5B-0BE0-4D4E-BE06-71D5E11CF37A}"/>
+                <a16:creationId xmlns:a16="http://schemas.microsoft.com/office/drawing/2014/main" id="{0F9BF733-46F0-4500-94B7-40679845FECB}"/>
               </a:ext>
             </a:extLst>
           </p:cNvPr>
@@ -12301,12 +12393,18 @@
         </p:nvSpPr>
         <p:spPr>
           <a:xfrm>
-            <a:off x="1306730" y="2653162"/>
-            <a:ext cx="180000" cy="180000"/>
+            <a:off x="2530957" y="2698884"/>
+            <a:ext cx="1152000" cy="426128"/>
           </a:xfrm>
-          <a:prstGeom prst="ellipse">
+          <a:prstGeom prst="rect">
             <a:avLst/>
           </a:prstGeom>
+          <a:solidFill>
+            <a:schemeClr val="tx1">
+              <a:lumMod val="50000"/>
+              <a:lumOff val="50000"/>
+            </a:schemeClr>
+          </a:solidFill>
         </p:spPr>
         <p:style>
           <a:lnRef idx="2">
@@ -12329,20 +12427,853 @@
             <a:pPr algn="ctr"/>
             <a:r>
               <a:rPr lang="de-DE" sz="1200" dirty="0">
+                <a:solidFill>
+                  <a:schemeClr val="bg1"/>
+                </a:solidFill>
                 <a:latin typeface="Arial" panose="020B0604020202020204" pitchFamily="34" charset="0"/>
                 <a:cs typeface="Arial" panose="020B0604020202020204" pitchFamily="34" charset="0"/>
               </a:rPr>
-              <a:t>4</a:t>
+              <a:t>Xylulose-5-phosphat</a:t>
+            </a:r>
+          </a:p>
+        </p:txBody>
+      </p:sp>
+      <p:sp>
+        <p:nvSpPr>
+          <p:cNvPr id="68" name="Rechteck 67">
+            <a:extLst>
+              <a:ext uri="{FF2B5EF4-FFF2-40B4-BE49-F238E27FC236}">
+                <a16:creationId xmlns:a16="http://schemas.microsoft.com/office/drawing/2014/main" id="{3C5AB48B-942E-4F0A-88A9-A7CB5125E0D4}"/>
+              </a:ext>
+            </a:extLst>
+          </p:cNvPr>
+          <p:cNvSpPr/>
+          <p:nvPr/>
+        </p:nvSpPr>
+        <p:spPr>
+          <a:xfrm>
+            <a:off x="630224" y="2700298"/>
+            <a:ext cx="1152000" cy="426128"/>
+          </a:xfrm>
+          <a:prstGeom prst="rect">
+            <a:avLst/>
+          </a:prstGeom>
+          <a:solidFill>
+            <a:schemeClr val="tx1">
+              <a:lumMod val="50000"/>
+              <a:lumOff val="50000"/>
+            </a:schemeClr>
+          </a:solidFill>
+        </p:spPr>
+        <p:style>
+          <a:lnRef idx="2">
+            <a:schemeClr val="dk1"/>
+          </a:lnRef>
+          <a:fillRef idx="1">
+            <a:schemeClr val="lt1"/>
+          </a:fillRef>
+          <a:effectRef idx="0">
+            <a:schemeClr val="dk1"/>
+          </a:effectRef>
+          <a:fontRef idx="minor">
+            <a:schemeClr val="dk1"/>
+          </a:fontRef>
+        </p:style>
+        <p:txBody>
+          <a:bodyPr rtlCol="0" anchor="ctr"/>
+          <a:lstStyle/>
+          <a:p>
+            <a:pPr algn="ctr"/>
+            <a:r>
+              <a:rPr lang="de-DE" sz="1200" dirty="0">
+                <a:solidFill>
+                  <a:schemeClr val="bg1"/>
+                </a:solidFill>
+                <a:latin typeface="Arial" panose="020B0604020202020204" pitchFamily="34" charset="0"/>
+                <a:cs typeface="Arial" panose="020B0604020202020204" pitchFamily="34" charset="0"/>
+              </a:rPr>
+              <a:t>Ribose-5-phosphat</a:t>
+            </a:r>
+          </a:p>
+        </p:txBody>
+      </p:sp>
+      <p:sp>
+        <p:nvSpPr>
+          <p:cNvPr id="76" name="Rechteck 75">
+            <a:extLst>
+              <a:ext uri="{FF2B5EF4-FFF2-40B4-BE49-F238E27FC236}">
+                <a16:creationId xmlns:a16="http://schemas.microsoft.com/office/drawing/2014/main" id="{65035BE6-F44E-4D30-9792-4DF561FB8154}"/>
+              </a:ext>
+            </a:extLst>
+          </p:cNvPr>
+          <p:cNvSpPr/>
+          <p:nvPr/>
+        </p:nvSpPr>
+        <p:spPr>
+          <a:xfrm>
+            <a:off x="2458957" y="3873418"/>
+            <a:ext cx="1296000" cy="426128"/>
+          </a:xfrm>
+          <a:prstGeom prst="rect">
+            <a:avLst/>
+          </a:prstGeom>
+          <a:solidFill>
+            <a:schemeClr val="tx1">
+              <a:lumMod val="50000"/>
+              <a:lumOff val="50000"/>
+            </a:schemeClr>
+          </a:solidFill>
+        </p:spPr>
+        <p:style>
+          <a:lnRef idx="2">
+            <a:schemeClr val="dk1"/>
+          </a:lnRef>
+          <a:fillRef idx="1">
+            <a:schemeClr val="lt1"/>
+          </a:fillRef>
+          <a:effectRef idx="0">
+            <a:schemeClr val="dk1"/>
+          </a:effectRef>
+          <a:fontRef idx="minor">
+            <a:schemeClr val="dk1"/>
+          </a:fontRef>
+        </p:style>
+        <p:txBody>
+          <a:bodyPr rtlCol="0" anchor="ctr"/>
+          <a:lstStyle/>
+          <a:p>
+            <a:pPr algn="ctr"/>
+            <a:r>
+              <a:rPr lang="de-DE" sz="1200" dirty="0">
+                <a:solidFill>
+                  <a:schemeClr val="bg1"/>
+                </a:solidFill>
+                <a:latin typeface="Arial" panose="020B0604020202020204" pitchFamily="34" charset="0"/>
+                <a:cs typeface="Arial" panose="020B0604020202020204" pitchFamily="34" charset="0"/>
+              </a:rPr>
+              <a:t>Glycerinaldehyd-3-phosphat</a:t>
+            </a:r>
+          </a:p>
+        </p:txBody>
+      </p:sp>
+      <p:sp>
+        <p:nvSpPr>
+          <p:cNvPr id="78" name="Rechteck 77">
+            <a:extLst>
+              <a:ext uri="{FF2B5EF4-FFF2-40B4-BE49-F238E27FC236}">
+                <a16:creationId xmlns:a16="http://schemas.microsoft.com/office/drawing/2014/main" id="{65727BA2-105E-4B68-B59A-51143CA21494}"/>
+              </a:ext>
+            </a:extLst>
+          </p:cNvPr>
+          <p:cNvSpPr/>
+          <p:nvPr/>
+        </p:nvSpPr>
+        <p:spPr>
+          <a:xfrm>
+            <a:off x="592904" y="3915340"/>
+            <a:ext cx="1224000" cy="426128"/>
+          </a:xfrm>
+          <a:prstGeom prst="rect">
+            <a:avLst/>
+          </a:prstGeom>
+          <a:solidFill>
+            <a:schemeClr val="tx1">
+              <a:lumMod val="50000"/>
+              <a:lumOff val="50000"/>
+            </a:schemeClr>
+          </a:solidFill>
+        </p:spPr>
+        <p:style>
+          <a:lnRef idx="2">
+            <a:schemeClr val="dk1"/>
+          </a:lnRef>
+          <a:fillRef idx="1">
+            <a:schemeClr val="lt1"/>
+          </a:fillRef>
+          <a:effectRef idx="0">
+            <a:schemeClr val="dk1"/>
+          </a:effectRef>
+          <a:fontRef idx="minor">
+            <a:schemeClr val="dk1"/>
+          </a:fontRef>
+        </p:style>
+        <p:txBody>
+          <a:bodyPr rtlCol="0" anchor="ctr"/>
+          <a:lstStyle/>
+          <a:p>
+            <a:pPr algn="ctr"/>
+            <a:r>
+              <a:rPr lang="de-DE" sz="1200" dirty="0">
+                <a:solidFill>
+                  <a:schemeClr val="bg1"/>
+                </a:solidFill>
+                <a:latin typeface="Arial" panose="020B0604020202020204" pitchFamily="34" charset="0"/>
+                <a:cs typeface="Arial" panose="020B0604020202020204" pitchFamily="34" charset="0"/>
+              </a:rPr>
+              <a:t>Sedoheptulose-7-phosphat</a:t>
+            </a:r>
+          </a:p>
+        </p:txBody>
+      </p:sp>
+      <p:sp>
+        <p:nvSpPr>
+          <p:cNvPr id="79" name="Rechteck 78">
+            <a:extLst>
+              <a:ext uri="{FF2B5EF4-FFF2-40B4-BE49-F238E27FC236}">
+                <a16:creationId xmlns:a16="http://schemas.microsoft.com/office/drawing/2014/main" id="{B7862FE9-4C65-4486-A621-BB929F459F86}"/>
+              </a:ext>
+            </a:extLst>
+          </p:cNvPr>
+          <p:cNvSpPr/>
+          <p:nvPr/>
+        </p:nvSpPr>
+        <p:spPr>
+          <a:xfrm>
+            <a:off x="2355536" y="5412763"/>
+            <a:ext cx="1224000" cy="426128"/>
+          </a:xfrm>
+          <a:prstGeom prst="rect">
+            <a:avLst/>
+          </a:prstGeom>
+          <a:solidFill>
+            <a:schemeClr val="tx1">
+              <a:lumMod val="50000"/>
+              <a:lumOff val="50000"/>
+            </a:schemeClr>
+          </a:solidFill>
+        </p:spPr>
+        <p:style>
+          <a:lnRef idx="2">
+            <a:schemeClr val="dk1"/>
+          </a:lnRef>
+          <a:fillRef idx="1">
+            <a:schemeClr val="lt1"/>
+          </a:fillRef>
+          <a:effectRef idx="0">
+            <a:schemeClr val="dk1"/>
+          </a:effectRef>
+          <a:fontRef idx="minor">
+            <a:schemeClr val="dk1"/>
+          </a:fontRef>
+        </p:style>
+        <p:txBody>
+          <a:bodyPr rtlCol="0" anchor="ctr"/>
+          <a:lstStyle/>
+          <a:p>
+            <a:pPr algn="ctr"/>
+            <a:r>
+              <a:rPr lang="de-DE" sz="1200" dirty="0">
+                <a:solidFill>
+                  <a:schemeClr val="bg1"/>
+                </a:solidFill>
+                <a:latin typeface="Arial" panose="020B0604020202020204" pitchFamily="34" charset="0"/>
+                <a:cs typeface="Arial" panose="020B0604020202020204" pitchFamily="34" charset="0"/>
+              </a:rPr>
+              <a:t>Erythrose-4-phosphat</a:t>
+            </a:r>
+          </a:p>
+        </p:txBody>
+      </p:sp>
+      <p:sp>
+        <p:nvSpPr>
+          <p:cNvPr id="80" name="Rechteck 79">
+            <a:extLst>
+              <a:ext uri="{FF2B5EF4-FFF2-40B4-BE49-F238E27FC236}">
+                <a16:creationId xmlns:a16="http://schemas.microsoft.com/office/drawing/2014/main" id="{5289E54B-2000-4FC4-A7AA-1EFD49DB9984}"/>
+              </a:ext>
+            </a:extLst>
+          </p:cNvPr>
+          <p:cNvSpPr/>
+          <p:nvPr/>
+        </p:nvSpPr>
+        <p:spPr>
+          <a:xfrm>
+            <a:off x="4536084" y="4536557"/>
+            <a:ext cx="1296000" cy="426128"/>
+          </a:xfrm>
+          <a:prstGeom prst="rect">
+            <a:avLst/>
+          </a:prstGeom>
+          <a:solidFill>
+            <a:schemeClr val="tx1">
+              <a:lumMod val="50000"/>
+              <a:lumOff val="50000"/>
+            </a:schemeClr>
+          </a:solidFill>
+        </p:spPr>
+        <p:style>
+          <a:lnRef idx="2">
+            <a:schemeClr val="dk1"/>
+          </a:lnRef>
+          <a:fillRef idx="1">
+            <a:schemeClr val="lt1"/>
+          </a:fillRef>
+          <a:effectRef idx="0">
+            <a:schemeClr val="dk1"/>
+          </a:effectRef>
+          <a:fontRef idx="minor">
+            <a:schemeClr val="dk1"/>
+          </a:fontRef>
+        </p:style>
+        <p:txBody>
+          <a:bodyPr rtlCol="0" anchor="ctr"/>
+          <a:lstStyle/>
+          <a:p>
+            <a:pPr algn="ctr"/>
+            <a:r>
+              <a:rPr lang="de-DE" sz="1200" dirty="0">
+                <a:solidFill>
+                  <a:schemeClr val="bg1"/>
+                </a:solidFill>
+                <a:latin typeface="Arial" panose="020B0604020202020204" pitchFamily="34" charset="0"/>
+                <a:cs typeface="Arial" panose="020B0604020202020204" pitchFamily="34" charset="0"/>
+              </a:rPr>
+              <a:t>Glycerinaldehyd-3-phosphat</a:t>
+            </a:r>
+          </a:p>
+        </p:txBody>
+      </p:sp>
+      <p:cxnSp>
+        <p:nvCxnSpPr>
+          <p:cNvPr id="145" name="Verbinder: gekrümmt 144">
+            <a:extLst>
+              <a:ext uri="{FF2B5EF4-FFF2-40B4-BE49-F238E27FC236}">
+                <a16:creationId xmlns:a16="http://schemas.microsoft.com/office/drawing/2014/main" id="{ECF33D60-9068-4EFA-A7DD-E0143CFDCDDA}"/>
+              </a:ext>
+            </a:extLst>
+          </p:cNvPr>
+          <p:cNvCxnSpPr>
+            <a:cxnSpLocks/>
+            <a:stCxn id="67" idx="1"/>
+            <a:endCxn id="76" idx="0"/>
+          </p:cNvCxnSpPr>
+          <p:nvPr/>
+        </p:nvCxnSpPr>
+        <p:spPr>
+          <a:xfrm rot="10800000" flipH="1" flipV="1">
+            <a:off x="2530957" y="2911948"/>
+            <a:ext cx="576000" cy="961470"/>
+          </a:xfrm>
+          <a:prstGeom prst="curvedConnector4">
+            <a:avLst>
+              <a:gd name="adj1" fmla="val -66146"/>
+              <a:gd name="adj2" fmla="val 61080"/>
+            </a:avLst>
+          </a:prstGeom>
+          <a:ln>
+            <a:headEnd type="triangle"/>
+            <a:tailEnd type="triangle"/>
+          </a:ln>
+        </p:spPr>
+        <p:style>
+          <a:lnRef idx="1">
+            <a:schemeClr val="dk1"/>
+          </a:lnRef>
+          <a:fillRef idx="0">
+            <a:schemeClr val="dk1"/>
+          </a:fillRef>
+          <a:effectRef idx="0">
+            <a:schemeClr val="dk1"/>
+          </a:effectRef>
+          <a:fontRef idx="minor">
+            <a:schemeClr val="tx1"/>
+          </a:fontRef>
+        </p:style>
+      </p:cxnSp>
+      <p:cxnSp>
+        <p:nvCxnSpPr>
+          <p:cNvPr id="147" name="Verbinder: gekrümmt 146">
+            <a:extLst>
+              <a:ext uri="{FF2B5EF4-FFF2-40B4-BE49-F238E27FC236}">
+                <a16:creationId xmlns:a16="http://schemas.microsoft.com/office/drawing/2014/main" id="{77D35498-E2F0-42EA-8950-A8E52644D447}"/>
+              </a:ext>
+            </a:extLst>
+          </p:cNvPr>
+          <p:cNvCxnSpPr>
+            <a:cxnSpLocks/>
+            <a:stCxn id="68" idx="3"/>
+            <a:endCxn id="78" idx="0"/>
+          </p:cNvCxnSpPr>
+          <p:nvPr/>
+        </p:nvCxnSpPr>
+        <p:spPr>
+          <a:xfrm flipH="1">
+            <a:off x="1204904" y="2913362"/>
+            <a:ext cx="577320" cy="1001978"/>
+          </a:xfrm>
+          <a:prstGeom prst="curvedConnector4">
+            <a:avLst>
+              <a:gd name="adj1" fmla="val -65995"/>
+              <a:gd name="adj2" fmla="val 60632"/>
+            </a:avLst>
+          </a:prstGeom>
+          <a:ln>
+            <a:headEnd type="triangle"/>
+            <a:tailEnd type="triangle"/>
+          </a:ln>
+        </p:spPr>
+        <p:style>
+          <a:lnRef idx="1">
+            <a:schemeClr val="dk1"/>
+          </a:lnRef>
+          <a:fillRef idx="0">
+            <a:schemeClr val="dk1"/>
+          </a:fillRef>
+          <a:effectRef idx="0">
+            <a:schemeClr val="dk1"/>
+          </a:effectRef>
+          <a:fontRef idx="minor">
+            <a:schemeClr val="tx1"/>
+          </a:fontRef>
+        </p:style>
+      </p:cxnSp>
+      <p:cxnSp>
+        <p:nvCxnSpPr>
+          <p:cNvPr id="158" name="Gerade Verbindung mit Pfeil 157">
+            <a:extLst>
+              <a:ext uri="{FF2B5EF4-FFF2-40B4-BE49-F238E27FC236}">
+                <a16:creationId xmlns:a16="http://schemas.microsoft.com/office/drawing/2014/main" id="{182E84AA-0707-4E5D-B7C4-6CBFFEBD8EE1}"/>
+              </a:ext>
+            </a:extLst>
+          </p:cNvPr>
+          <p:cNvCxnSpPr>
+            <a:cxnSpLocks/>
+            <a:stCxn id="47" idx="2"/>
+            <a:endCxn id="67" idx="0"/>
+          </p:cNvCxnSpPr>
+          <p:nvPr/>
+        </p:nvCxnSpPr>
+        <p:spPr>
+          <a:xfrm>
+            <a:off x="2211862" y="1990920"/>
+            <a:ext cx="895095" cy="707964"/>
+          </a:xfrm>
+          <a:prstGeom prst="straightConnector1">
+            <a:avLst/>
+          </a:prstGeom>
+          <a:ln>
+            <a:headEnd type="triangle"/>
+            <a:tailEnd type="triangle"/>
+          </a:ln>
+        </p:spPr>
+        <p:style>
+          <a:lnRef idx="1">
+            <a:schemeClr val="dk1"/>
+          </a:lnRef>
+          <a:fillRef idx="0">
+            <a:schemeClr val="dk1"/>
+          </a:fillRef>
+          <a:effectRef idx="0">
+            <a:schemeClr val="dk1"/>
+          </a:effectRef>
+          <a:fontRef idx="minor">
+            <a:schemeClr val="tx1"/>
+          </a:fontRef>
+        </p:style>
+      </p:cxnSp>
+      <p:cxnSp>
+        <p:nvCxnSpPr>
+          <p:cNvPr id="164" name="Gerade Verbindung mit Pfeil 163">
+            <a:extLst>
+              <a:ext uri="{FF2B5EF4-FFF2-40B4-BE49-F238E27FC236}">
+                <a16:creationId xmlns:a16="http://schemas.microsoft.com/office/drawing/2014/main" id="{64BE1374-2392-480C-B200-59D773D0F0EF}"/>
+              </a:ext>
+            </a:extLst>
+          </p:cNvPr>
+          <p:cNvCxnSpPr>
+            <a:cxnSpLocks/>
+            <a:stCxn id="47" idx="2"/>
+            <a:endCxn id="68" idx="0"/>
+          </p:cNvCxnSpPr>
+          <p:nvPr/>
+        </p:nvCxnSpPr>
+        <p:spPr>
+          <a:xfrm flipH="1">
+            <a:off x="1206224" y="1990920"/>
+            <a:ext cx="1005638" cy="709378"/>
+          </a:xfrm>
+          <a:prstGeom prst="straightConnector1">
+            <a:avLst/>
+          </a:prstGeom>
+          <a:ln>
+            <a:headEnd type="triangle"/>
+            <a:tailEnd type="triangle"/>
+          </a:ln>
+        </p:spPr>
+        <p:style>
+          <a:lnRef idx="1">
+            <a:schemeClr val="dk1"/>
+          </a:lnRef>
+          <a:fillRef idx="0">
+            <a:schemeClr val="dk1"/>
+          </a:fillRef>
+          <a:effectRef idx="0">
+            <a:schemeClr val="dk1"/>
+          </a:effectRef>
+          <a:fontRef idx="minor">
+            <a:schemeClr val="tx1"/>
+          </a:fontRef>
+        </p:style>
+      </p:cxnSp>
+      <p:sp>
+        <p:nvSpPr>
+          <p:cNvPr id="183" name="Rechteck 182">
+            <a:extLst>
+              <a:ext uri="{FF2B5EF4-FFF2-40B4-BE49-F238E27FC236}">
+                <a16:creationId xmlns:a16="http://schemas.microsoft.com/office/drawing/2014/main" id="{5E89513F-0B66-486F-8471-32197D79D7DF}"/>
+              </a:ext>
+            </a:extLst>
+          </p:cNvPr>
+          <p:cNvSpPr/>
+          <p:nvPr/>
+        </p:nvSpPr>
+        <p:spPr>
+          <a:xfrm>
+            <a:off x="630224" y="5930809"/>
+            <a:ext cx="1296000" cy="426128"/>
+          </a:xfrm>
+          <a:prstGeom prst="rect">
+            <a:avLst/>
+          </a:prstGeom>
+          <a:solidFill>
+            <a:schemeClr val="tx1">
+              <a:lumMod val="50000"/>
+              <a:lumOff val="50000"/>
+            </a:schemeClr>
+          </a:solidFill>
+        </p:spPr>
+        <p:style>
+          <a:lnRef idx="2">
+            <a:schemeClr val="dk1"/>
+          </a:lnRef>
+          <a:fillRef idx="1">
+            <a:schemeClr val="lt1"/>
+          </a:fillRef>
+          <a:effectRef idx="0">
+            <a:schemeClr val="dk1"/>
+          </a:effectRef>
+          <a:fontRef idx="minor">
+            <a:schemeClr val="dk1"/>
+          </a:fontRef>
+        </p:style>
+        <p:txBody>
+          <a:bodyPr rtlCol="0" anchor="ctr"/>
+          <a:lstStyle/>
+          <a:p>
+            <a:pPr algn="ctr"/>
+            <a:r>
+              <a:rPr lang="de-DE" sz="1200" dirty="0">
+                <a:solidFill>
+                  <a:schemeClr val="bg1"/>
+                </a:solidFill>
+                <a:latin typeface="Arial" panose="020B0604020202020204" pitchFamily="34" charset="0"/>
+                <a:cs typeface="Arial" panose="020B0604020202020204" pitchFamily="34" charset="0"/>
+              </a:rPr>
+              <a:t>Fructose-6-phosphat</a:t>
+            </a:r>
+          </a:p>
+        </p:txBody>
+      </p:sp>
+      <p:cxnSp>
+        <p:nvCxnSpPr>
+          <p:cNvPr id="189" name="Verbinder: gekrümmt 188">
+            <a:extLst>
+              <a:ext uri="{FF2B5EF4-FFF2-40B4-BE49-F238E27FC236}">
+                <a16:creationId xmlns:a16="http://schemas.microsoft.com/office/drawing/2014/main" id="{4B1C700D-A20F-4493-9577-096F4F00528B}"/>
+              </a:ext>
+            </a:extLst>
+          </p:cNvPr>
+          <p:cNvCxnSpPr>
+            <a:cxnSpLocks/>
+            <a:stCxn id="4" idx="2"/>
+            <a:endCxn id="183" idx="3"/>
+          </p:cNvCxnSpPr>
+          <p:nvPr/>
+        </p:nvCxnSpPr>
+        <p:spPr>
+          <a:xfrm rot="5400000" flipH="1">
+            <a:off x="4456750" y="3613347"/>
+            <a:ext cx="45000" cy="5106052"/>
+          </a:xfrm>
+          <a:prstGeom prst="curvedConnector4">
+            <a:avLst>
+              <a:gd name="adj1" fmla="val -508000"/>
+              <a:gd name="adj2" fmla="val 55640"/>
+            </a:avLst>
+          </a:prstGeom>
+          <a:ln>
+            <a:headEnd type="triangle"/>
+            <a:tailEnd type="triangle"/>
+          </a:ln>
+        </p:spPr>
+        <p:style>
+          <a:lnRef idx="1">
+            <a:schemeClr val="dk1"/>
+          </a:lnRef>
+          <a:fillRef idx="0">
+            <a:schemeClr val="dk1"/>
+          </a:fillRef>
+          <a:effectRef idx="0">
+            <a:schemeClr val="dk1"/>
+          </a:effectRef>
+          <a:fontRef idx="minor">
+            <a:schemeClr val="tx1"/>
+          </a:fontRef>
+        </p:style>
+      </p:cxnSp>
+      <p:cxnSp>
+        <p:nvCxnSpPr>
+          <p:cNvPr id="191" name="Verbinder: gekrümmt 190">
+            <a:extLst>
+              <a:ext uri="{FF2B5EF4-FFF2-40B4-BE49-F238E27FC236}">
+                <a16:creationId xmlns:a16="http://schemas.microsoft.com/office/drawing/2014/main" id="{61947321-B371-485C-821D-0B4286625991}"/>
+              </a:ext>
+            </a:extLst>
+          </p:cNvPr>
+          <p:cNvCxnSpPr>
+            <a:cxnSpLocks/>
+            <a:stCxn id="76" idx="1"/>
+            <a:endCxn id="79" idx="0"/>
+          </p:cNvCxnSpPr>
+          <p:nvPr/>
+        </p:nvCxnSpPr>
+        <p:spPr>
+          <a:xfrm rot="10800000" flipH="1" flipV="1">
+            <a:off x="2458956" y="4086481"/>
+            <a:ext cx="508579" cy="1326281"/>
+          </a:xfrm>
+          <a:prstGeom prst="curvedConnector4">
+            <a:avLst>
+              <a:gd name="adj1" fmla="val -58059"/>
+              <a:gd name="adj2" fmla="val 58032"/>
+            </a:avLst>
+          </a:prstGeom>
+          <a:ln>
+            <a:headEnd type="triangle"/>
+            <a:tailEnd type="triangle"/>
+          </a:ln>
+        </p:spPr>
+        <p:style>
+          <a:lnRef idx="1">
+            <a:schemeClr val="dk1"/>
+          </a:lnRef>
+          <a:fillRef idx="0">
+            <a:schemeClr val="dk1"/>
+          </a:fillRef>
+          <a:effectRef idx="0">
+            <a:schemeClr val="dk1"/>
+          </a:effectRef>
+          <a:fontRef idx="minor">
+            <a:schemeClr val="tx1"/>
+          </a:fontRef>
+        </p:style>
+      </p:cxnSp>
+      <p:cxnSp>
+        <p:nvCxnSpPr>
+          <p:cNvPr id="195" name="Verbinder: gekrümmt 194">
+            <a:extLst>
+              <a:ext uri="{FF2B5EF4-FFF2-40B4-BE49-F238E27FC236}">
+                <a16:creationId xmlns:a16="http://schemas.microsoft.com/office/drawing/2014/main" id="{17BAA88A-A73C-49AB-9C35-9CEA93533DF4}"/>
+              </a:ext>
+            </a:extLst>
+          </p:cNvPr>
+          <p:cNvCxnSpPr>
+            <a:cxnSpLocks/>
+            <a:stCxn id="80" idx="1"/>
+            <a:endCxn id="79" idx="3"/>
+          </p:cNvCxnSpPr>
+          <p:nvPr/>
+        </p:nvCxnSpPr>
+        <p:spPr>
+          <a:xfrm rot="10800000" flipV="1">
+            <a:off x="3579536" y="4749621"/>
+            <a:ext cx="956548" cy="876206"/>
+          </a:xfrm>
+          <a:prstGeom prst="curvedConnector3">
+            <a:avLst>
+              <a:gd name="adj1" fmla="val 50000"/>
+            </a:avLst>
+          </a:prstGeom>
+          <a:ln>
+            <a:headEnd type="triangle"/>
+            <a:tailEnd type="triangle"/>
+          </a:ln>
+        </p:spPr>
+        <p:style>
+          <a:lnRef idx="1">
+            <a:schemeClr val="dk1"/>
+          </a:lnRef>
+          <a:fillRef idx="0">
+            <a:schemeClr val="dk1"/>
+          </a:fillRef>
+          <a:effectRef idx="0">
+            <a:schemeClr val="dk1"/>
+          </a:effectRef>
+          <a:fontRef idx="minor">
+            <a:schemeClr val="tx1"/>
+          </a:fontRef>
+        </p:style>
+      </p:cxnSp>
+      <p:cxnSp>
+        <p:nvCxnSpPr>
+          <p:cNvPr id="197" name="Verbinder: gekrümmt 196">
+            <a:extLst>
+              <a:ext uri="{FF2B5EF4-FFF2-40B4-BE49-F238E27FC236}">
+                <a16:creationId xmlns:a16="http://schemas.microsoft.com/office/drawing/2014/main" id="{C5ABB9B8-1A52-42A6-B683-F004E97D9D5F}"/>
+              </a:ext>
+            </a:extLst>
+          </p:cNvPr>
+          <p:cNvCxnSpPr>
+            <a:cxnSpLocks/>
+            <a:stCxn id="78" idx="3"/>
+            <a:endCxn id="183" idx="0"/>
+          </p:cNvCxnSpPr>
+          <p:nvPr/>
+        </p:nvCxnSpPr>
+        <p:spPr>
+          <a:xfrm flipH="1">
+            <a:off x="1278224" y="4128404"/>
+            <a:ext cx="538680" cy="1802405"/>
+          </a:xfrm>
+          <a:prstGeom prst="curvedConnector4">
+            <a:avLst>
+              <a:gd name="adj1" fmla="val -67192"/>
+              <a:gd name="adj2" fmla="val 55911"/>
+            </a:avLst>
+          </a:prstGeom>
+          <a:ln>
+            <a:headEnd type="triangle"/>
+            <a:tailEnd type="triangle"/>
+          </a:ln>
+        </p:spPr>
+        <p:style>
+          <a:lnRef idx="1">
+            <a:schemeClr val="dk1"/>
+          </a:lnRef>
+          <a:fillRef idx="0">
+            <a:schemeClr val="dk1"/>
+          </a:fillRef>
+          <a:effectRef idx="0">
+            <a:schemeClr val="dk1"/>
+          </a:effectRef>
+          <a:fontRef idx="minor">
+            <a:schemeClr val="tx1"/>
+          </a:fontRef>
+        </p:style>
+      </p:cxnSp>
+      <p:cxnSp>
+        <p:nvCxnSpPr>
+          <p:cNvPr id="203" name="Verbinder: gekrümmt 202">
+            <a:extLst>
+              <a:ext uri="{FF2B5EF4-FFF2-40B4-BE49-F238E27FC236}">
+                <a16:creationId xmlns:a16="http://schemas.microsoft.com/office/drawing/2014/main" id="{55C23601-EDDC-4C0E-9F4F-CABD092BF507}"/>
+              </a:ext>
+            </a:extLst>
+          </p:cNvPr>
+          <p:cNvCxnSpPr>
+            <a:cxnSpLocks/>
+            <a:stCxn id="67" idx="3"/>
+            <a:endCxn id="80" idx="1"/>
+          </p:cNvCxnSpPr>
+          <p:nvPr/>
+        </p:nvCxnSpPr>
+        <p:spPr>
+          <a:xfrm>
+            <a:off x="3682957" y="2911948"/>
+            <a:ext cx="853127" cy="1837673"/>
+          </a:xfrm>
+          <a:prstGeom prst="curvedConnector3">
+            <a:avLst>
+              <a:gd name="adj1" fmla="val 50000"/>
+            </a:avLst>
+          </a:prstGeom>
+          <a:ln>
+            <a:headEnd type="triangle"/>
+            <a:tailEnd type="triangle"/>
+          </a:ln>
+        </p:spPr>
+        <p:style>
+          <a:lnRef idx="1">
+            <a:schemeClr val="dk1"/>
+          </a:lnRef>
+          <a:fillRef idx="0">
+            <a:schemeClr val="dk1"/>
+          </a:fillRef>
+          <a:effectRef idx="0">
+            <a:schemeClr val="dk1"/>
+          </a:effectRef>
+          <a:fontRef idx="minor">
+            <a:schemeClr val="tx1"/>
+          </a:fontRef>
+        </p:style>
+      </p:cxnSp>
+    </p:spTree>
+    <p:extLst>
+      <p:ext uri="{BB962C8B-B14F-4D97-AF65-F5344CB8AC3E}">
+        <p14:creationId xmlns:p14="http://schemas.microsoft.com/office/powerpoint/2010/main" val="347423658"/>
+      </p:ext>
+    </p:extLst>
+  </p:cSld>
+  <p:clrMapOvr>
+    <a:masterClrMapping/>
+  </p:clrMapOvr>
+</p:sld>
+</file>
+
+<file path=ppt/slides/slide3.xml><?xml version="1.0" encoding="utf-8"?>
+<p:sld xmlns:a="http://schemas.openxmlformats.org/drawingml/2006/main" xmlns:r="http://schemas.openxmlformats.org/officeDocument/2006/relationships" xmlns:p="http://schemas.openxmlformats.org/presentationml/2006/main">
+  <p:cSld>
+    <p:spTree>
+      <p:nvGrpSpPr>
+        <p:cNvPr id="1" name=""/>
+        <p:cNvGrpSpPr/>
+        <p:nvPr/>
+      </p:nvGrpSpPr>
+      <p:grpSpPr>
+        <a:xfrm>
+          <a:off x="0" y="0"/>
+          <a:ext cx="0" cy="0"/>
+          <a:chOff x="0" y="0"/>
+          <a:chExt cx="0" cy="0"/>
+        </a:xfrm>
+      </p:grpSpPr>
+      <p:sp>
+        <p:nvSpPr>
+          <p:cNvPr id="2" name="Titel 1">
+            <a:extLst>
+              <a:ext uri="{FF2B5EF4-FFF2-40B4-BE49-F238E27FC236}">
+                <a16:creationId xmlns:a16="http://schemas.microsoft.com/office/drawing/2014/main" id="{F7DF90D3-3353-4204-BE20-B042355550FE}"/>
+              </a:ext>
+            </a:extLst>
+          </p:cNvPr>
+          <p:cNvSpPr>
+            <a:spLocks noGrp="1"/>
+          </p:cNvSpPr>
+          <p:nvPr>
+            <p:ph type="title"/>
+          </p:nvPr>
+        </p:nvSpPr>
+        <p:spPr/>
+        <p:txBody>
+          <a:bodyPr/>
+          <a:lstStyle/>
+          <a:p>
+            <a:r>
+              <a:rPr lang="de-DE" dirty="0">
+                <a:latin typeface="Arial" panose="020B0604020202020204" pitchFamily="34" charset="0"/>
+                <a:cs typeface="Arial" panose="020B0604020202020204" pitchFamily="34" charset="0"/>
+              </a:rPr>
+              <a:t>Zwischenablage</a:t>
             </a:r>
           </a:p>
         </p:txBody>
       </p:sp>
       <p:grpSp>
         <p:nvGrpSpPr>
-          <p:cNvPr id="41" name="Gruppieren 40">
+          <p:cNvPr id="3" name="Gruppieren 2">
             <a:extLst>
               <a:ext uri="{FF2B5EF4-FFF2-40B4-BE49-F238E27FC236}">
-                <a16:creationId xmlns:a16="http://schemas.microsoft.com/office/drawing/2014/main" id="{F440FFD8-148A-4DDE-AE49-CE7DD75D4EA2}"/>
+                <a16:creationId xmlns:a16="http://schemas.microsoft.com/office/drawing/2014/main" id="{42DB421C-85F1-485B-A29D-E045445BC60C}"/>
               </a:ext>
             </a:extLst>
           </p:cNvPr>
@@ -12351,7 +13282,256 @@
         </p:nvGrpSpPr>
         <p:grpSpPr>
           <a:xfrm>
-            <a:off x="2636388" y="2657702"/>
+            <a:off x="420904" y="2165624"/>
+            <a:ext cx="810001" cy="445523"/>
+            <a:chOff x="1306729" y="2041799"/>
+            <a:chExt cx="810001" cy="445523"/>
+          </a:xfrm>
+        </p:grpSpPr>
+        <p:sp>
+          <p:nvSpPr>
+            <p:cNvPr id="4" name="Rechteck 3">
+              <a:extLst>
+                <a:ext uri="{FF2B5EF4-FFF2-40B4-BE49-F238E27FC236}">
+                  <a16:creationId xmlns:a16="http://schemas.microsoft.com/office/drawing/2014/main" id="{718A6FAB-ABF5-458C-B0FE-CB7D21B03674}"/>
+                </a:ext>
+              </a:extLst>
+            </p:cNvPr>
+            <p:cNvSpPr/>
+            <p:nvPr/>
+          </p:nvSpPr>
+          <p:spPr>
+            <a:xfrm>
+              <a:off x="1396730" y="2127322"/>
+              <a:ext cx="720000" cy="360000"/>
+            </a:xfrm>
+            <a:prstGeom prst="rect">
+              <a:avLst/>
+            </a:prstGeom>
+          </p:spPr>
+          <p:style>
+            <a:lnRef idx="2">
+              <a:schemeClr val="dk1"/>
+            </a:lnRef>
+            <a:fillRef idx="1">
+              <a:schemeClr val="lt1"/>
+            </a:fillRef>
+            <a:effectRef idx="0">
+              <a:schemeClr val="dk1"/>
+            </a:effectRef>
+            <a:fontRef idx="minor">
+              <a:schemeClr val="dk1"/>
+            </a:fontRef>
+          </p:style>
+          <p:txBody>
+            <a:bodyPr rtlCol="0" anchor="ctr"/>
+            <a:lstStyle/>
+            <a:p>
+              <a:pPr algn="ctr"/>
+              <a:r>
+                <a:rPr lang="de-DE" sz="1200" dirty="0">
+                  <a:latin typeface="Arial" panose="020B0604020202020204" pitchFamily="34" charset="0"/>
+                  <a:cs typeface="Arial" panose="020B0604020202020204" pitchFamily="34" charset="0"/>
+                </a:rPr>
+                <a:t>NADP</a:t>
+              </a:r>
+              <a:r>
+                <a:rPr lang="de-DE" sz="1200" baseline="30000" dirty="0">
+                  <a:latin typeface="Arial" panose="020B0604020202020204" pitchFamily="34" charset="0"/>
+                  <a:cs typeface="Arial" panose="020B0604020202020204" pitchFamily="34" charset="0"/>
+                </a:rPr>
+                <a:t>+</a:t>
+              </a:r>
+            </a:p>
+          </p:txBody>
+        </p:sp>
+        <p:sp>
+          <p:nvSpPr>
+            <p:cNvPr id="5" name="Ellipse 4">
+              <a:extLst>
+                <a:ext uri="{FF2B5EF4-FFF2-40B4-BE49-F238E27FC236}">
+                  <a16:creationId xmlns:a16="http://schemas.microsoft.com/office/drawing/2014/main" id="{9DB0EED9-E585-4729-81DE-84AE4F6F80CB}"/>
+                </a:ext>
+              </a:extLst>
+            </p:cNvPr>
+            <p:cNvSpPr/>
+            <p:nvPr/>
+          </p:nvSpPr>
+          <p:spPr>
+            <a:xfrm>
+              <a:off x="1306729" y="2041799"/>
+              <a:ext cx="180000" cy="180000"/>
+            </a:xfrm>
+            <a:prstGeom prst="ellipse">
+              <a:avLst/>
+            </a:prstGeom>
+          </p:spPr>
+          <p:style>
+            <a:lnRef idx="2">
+              <a:schemeClr val="dk1"/>
+            </a:lnRef>
+            <a:fillRef idx="1">
+              <a:schemeClr val="lt1"/>
+            </a:fillRef>
+            <a:effectRef idx="0">
+              <a:schemeClr val="dk1"/>
+            </a:effectRef>
+            <a:fontRef idx="minor">
+              <a:schemeClr val="dk1"/>
+            </a:fontRef>
+          </p:style>
+          <p:txBody>
+            <a:bodyPr rtlCol="0" anchor="ctr"/>
+            <a:lstStyle/>
+            <a:p>
+              <a:pPr algn="ctr"/>
+              <a:r>
+                <a:rPr lang="de-DE" sz="1200" dirty="0">
+                  <a:latin typeface="Arial" panose="020B0604020202020204" pitchFamily="34" charset="0"/>
+                  <a:cs typeface="Arial" panose="020B0604020202020204" pitchFamily="34" charset="0"/>
+                </a:rPr>
+                <a:t>3</a:t>
+              </a:r>
+            </a:p>
+          </p:txBody>
+        </p:sp>
+      </p:grpSp>
+      <p:grpSp>
+        <p:nvGrpSpPr>
+          <p:cNvPr id="6" name="Gruppieren 5">
+            <a:extLst>
+              <a:ext uri="{FF2B5EF4-FFF2-40B4-BE49-F238E27FC236}">
+                <a16:creationId xmlns:a16="http://schemas.microsoft.com/office/drawing/2014/main" id="{F0A882F9-AF66-441B-840B-D4FF71DF0E00}"/>
+              </a:ext>
+            </a:extLst>
+          </p:cNvPr>
+          <p:cNvGrpSpPr/>
+          <p:nvPr/>
+        </p:nvGrpSpPr>
+        <p:grpSpPr>
+          <a:xfrm>
+            <a:off x="420905" y="2776987"/>
+            <a:ext cx="810000" cy="454540"/>
+            <a:chOff x="1306730" y="2653162"/>
+            <a:chExt cx="810000" cy="454540"/>
+          </a:xfrm>
+        </p:grpSpPr>
+        <p:sp>
+          <p:nvSpPr>
+            <p:cNvPr id="7" name="Rechteck 6">
+              <a:extLst>
+                <a:ext uri="{FF2B5EF4-FFF2-40B4-BE49-F238E27FC236}">
+                  <a16:creationId xmlns:a16="http://schemas.microsoft.com/office/drawing/2014/main" id="{38D09B46-0BF0-49B3-9C3B-4E85D517C316}"/>
+                </a:ext>
+              </a:extLst>
+            </p:cNvPr>
+            <p:cNvSpPr/>
+            <p:nvPr/>
+          </p:nvSpPr>
+          <p:spPr>
+            <a:xfrm>
+              <a:off x="1396730" y="2747702"/>
+              <a:ext cx="720000" cy="360000"/>
+            </a:xfrm>
+            <a:prstGeom prst="rect">
+              <a:avLst/>
+            </a:prstGeom>
+          </p:spPr>
+          <p:style>
+            <a:lnRef idx="2">
+              <a:schemeClr val="dk1"/>
+            </a:lnRef>
+            <a:fillRef idx="1">
+              <a:schemeClr val="lt1"/>
+            </a:fillRef>
+            <a:effectRef idx="0">
+              <a:schemeClr val="dk1"/>
+            </a:effectRef>
+            <a:fontRef idx="minor">
+              <a:schemeClr val="dk1"/>
+            </a:fontRef>
+          </p:style>
+          <p:txBody>
+            <a:bodyPr rtlCol="0" anchor="ctr"/>
+            <a:lstStyle/>
+            <a:p>
+              <a:pPr algn="ctr"/>
+              <a:r>
+                <a:rPr lang="de-DE" sz="1200" dirty="0">
+                  <a:latin typeface="Arial" panose="020B0604020202020204" pitchFamily="34" charset="0"/>
+                  <a:cs typeface="Arial" panose="020B0604020202020204" pitchFamily="34" charset="0"/>
+                </a:rPr>
+                <a:t>NADPH</a:t>
+              </a:r>
+            </a:p>
+          </p:txBody>
+        </p:sp>
+        <p:sp>
+          <p:nvSpPr>
+            <p:cNvPr id="8" name="Ellipse 7">
+              <a:extLst>
+                <a:ext uri="{FF2B5EF4-FFF2-40B4-BE49-F238E27FC236}">
+                  <a16:creationId xmlns:a16="http://schemas.microsoft.com/office/drawing/2014/main" id="{C7FFBF70-079B-4A7D-91D0-D35C28960EAE}"/>
+                </a:ext>
+              </a:extLst>
+            </p:cNvPr>
+            <p:cNvSpPr/>
+            <p:nvPr/>
+          </p:nvSpPr>
+          <p:spPr>
+            <a:xfrm>
+              <a:off x="1306730" y="2653162"/>
+              <a:ext cx="180000" cy="180000"/>
+            </a:xfrm>
+            <a:prstGeom prst="ellipse">
+              <a:avLst/>
+            </a:prstGeom>
+          </p:spPr>
+          <p:style>
+            <a:lnRef idx="2">
+              <a:schemeClr val="dk1"/>
+            </a:lnRef>
+            <a:fillRef idx="1">
+              <a:schemeClr val="lt1"/>
+            </a:fillRef>
+            <a:effectRef idx="0">
+              <a:schemeClr val="dk1"/>
+            </a:effectRef>
+            <a:fontRef idx="minor">
+              <a:schemeClr val="dk1"/>
+            </a:fontRef>
+          </p:style>
+          <p:txBody>
+            <a:bodyPr rtlCol="0" anchor="ctr"/>
+            <a:lstStyle/>
+            <a:p>
+              <a:pPr algn="ctr"/>
+              <a:r>
+                <a:rPr lang="de-DE" sz="1200" dirty="0">
+                  <a:latin typeface="Arial" panose="020B0604020202020204" pitchFamily="34" charset="0"/>
+                  <a:cs typeface="Arial" panose="020B0604020202020204" pitchFamily="34" charset="0"/>
+                </a:rPr>
+                <a:t>4</a:t>
+              </a:r>
+            </a:p>
+          </p:txBody>
+        </p:sp>
+      </p:grpSp>
+      <p:grpSp>
+        <p:nvGrpSpPr>
+          <p:cNvPr id="9" name="Gruppieren 8">
+            <a:extLst>
+              <a:ext uri="{FF2B5EF4-FFF2-40B4-BE49-F238E27FC236}">
+                <a16:creationId xmlns:a16="http://schemas.microsoft.com/office/drawing/2014/main" id="{333A4F5B-901F-4B07-BF3B-430523A53C1B}"/>
+              </a:ext>
+            </a:extLst>
+          </p:cNvPr>
+          <p:cNvGrpSpPr/>
+          <p:nvPr/>
+        </p:nvGrpSpPr>
+        <p:grpSpPr>
+          <a:xfrm>
+            <a:off x="1750563" y="2781527"/>
             <a:ext cx="450000" cy="450000"/>
             <a:chOff x="2636388" y="2657702"/>
             <a:chExt cx="450000" cy="450000"/>
@@ -12359,10 +13539,10 @@
         </p:grpSpPr>
         <p:sp>
           <p:nvSpPr>
-            <p:cNvPr id="26" name="Rechteck 25">
+            <p:cNvPr id="10" name="Rechteck 9">
               <a:extLst>
                 <a:ext uri="{FF2B5EF4-FFF2-40B4-BE49-F238E27FC236}">
-                  <a16:creationId xmlns:a16="http://schemas.microsoft.com/office/drawing/2014/main" id="{3CB02674-A8B6-4665-8016-D73F03E1184E}"/>
+                  <a16:creationId xmlns:a16="http://schemas.microsoft.com/office/drawing/2014/main" id="{7D967870-E091-477C-B921-ED7B8EFD8BBB}"/>
                 </a:ext>
               </a:extLst>
             </p:cNvPr>
@@ -12416,10 +13596,10 @@
         </p:sp>
         <p:sp>
           <p:nvSpPr>
-            <p:cNvPr id="39" name="Ellipse 38">
+            <p:cNvPr id="11" name="Ellipse 10">
               <a:extLst>
                 <a:ext uri="{FF2B5EF4-FFF2-40B4-BE49-F238E27FC236}">
-                  <a16:creationId xmlns:a16="http://schemas.microsoft.com/office/drawing/2014/main" id="{3F6C46FA-47D6-4E8A-8F10-A57682389956}"/>
+                  <a16:creationId xmlns:a16="http://schemas.microsoft.com/office/drawing/2014/main" id="{8DE5F20B-B248-4567-9E81-C6DF0E07710A}"/>
                 </a:ext>
               </a:extLst>
             </p:cNvPr>
@@ -12465,99 +13645,760 @@
           </p:txBody>
         </p:sp>
       </p:grpSp>
-      <p:cxnSp>
-        <p:nvCxnSpPr>
-          <p:cNvPr id="45" name="Verbinder: gekrümmt 44">
+      <p:sp>
+        <p:nvSpPr>
+          <p:cNvPr id="12" name="Sechseck 11">
             <a:extLst>
               <a:ext uri="{FF2B5EF4-FFF2-40B4-BE49-F238E27FC236}">
-                <a16:creationId xmlns:a16="http://schemas.microsoft.com/office/drawing/2014/main" id="{D63129F6-A73F-40B0-861A-963B0B666016}"/>
+                <a16:creationId xmlns:a16="http://schemas.microsoft.com/office/drawing/2014/main" id="{A6CDE9A9-5917-4A21-9EF2-759214B962B7}"/>
               </a:ext>
             </a:extLst>
           </p:cNvPr>
-          <p:cNvCxnSpPr>
-            <a:cxnSpLocks/>
-            <a:stCxn id="6" idx="3"/>
-            <a:endCxn id="26" idx="1"/>
-          </p:cNvCxnSpPr>
+          <p:cNvSpPr/>
           <p:nvPr/>
-        </p:nvCxnSpPr>
+        </p:nvSpPr>
         <p:spPr>
           <a:xfrm>
-            <a:off x="2116730" y="2307322"/>
-            <a:ext cx="609658" cy="620380"/>
+            <a:off x="1317130" y="2564817"/>
+            <a:ext cx="288000" cy="288000"/>
           </a:xfrm>
-          <a:prstGeom prst="curvedConnector3">
-            <a:avLst>
-              <a:gd name="adj1" fmla="val 36894"/>
-            </a:avLst>
+          <a:prstGeom prst="hexagon">
+            <a:avLst/>
           </a:prstGeom>
-          <a:ln>
-            <a:tailEnd type="triangle"/>
-          </a:ln>
+          <a:ln w="19050"/>
         </p:spPr>
         <p:style>
-          <a:lnRef idx="1">
+          <a:lnRef idx="2">
             <a:schemeClr val="dk1"/>
           </a:lnRef>
-          <a:fillRef idx="0">
-            <a:schemeClr val="dk1"/>
+          <a:fillRef idx="1">
+            <a:schemeClr val="lt1"/>
           </a:fillRef>
           <a:effectRef idx="0">
             <a:schemeClr val="dk1"/>
           </a:effectRef>
           <a:fontRef idx="minor">
-            <a:schemeClr val="tx1"/>
+            <a:schemeClr val="dk1"/>
           </a:fontRef>
         </p:style>
-      </p:cxnSp>
-      <p:cxnSp>
-        <p:nvCxnSpPr>
-          <p:cNvPr id="49" name="Verbinder: gekrümmt 48">
+        <p:txBody>
+          <a:bodyPr rtlCol="0" anchor="ctr"/>
+          <a:lstStyle/>
+          <a:p>
+            <a:pPr algn="ctr"/>
+            <a:r>
+              <a:rPr lang="de-DE" sz="1200" b="1" dirty="0">
+                <a:latin typeface="Arial" panose="020B0604020202020204" pitchFamily="34" charset="0"/>
+                <a:cs typeface="Arial" panose="020B0604020202020204" pitchFamily="34" charset="0"/>
+              </a:rPr>
+              <a:t>1</a:t>
+            </a:r>
+          </a:p>
+        </p:txBody>
+      </p:sp>
+      <p:grpSp>
+        <p:nvGrpSpPr>
+          <p:cNvPr id="13" name="Gruppieren 12">
             <a:extLst>
               <a:ext uri="{FF2B5EF4-FFF2-40B4-BE49-F238E27FC236}">
-                <a16:creationId xmlns:a16="http://schemas.microsoft.com/office/drawing/2014/main" id="{F66D12EF-BAD4-4FB1-A978-E253DD6AA991}"/>
+                <a16:creationId xmlns:a16="http://schemas.microsoft.com/office/drawing/2014/main" id="{273AD62F-410E-4CF1-BB8B-B9B67338E8C6}"/>
               </a:ext>
             </a:extLst>
           </p:cNvPr>
-          <p:cNvCxnSpPr>
-            <a:stCxn id="6" idx="3"/>
-            <a:endCxn id="7" idx="3"/>
-          </p:cNvCxnSpPr>
+          <p:cNvGrpSpPr/>
           <p:nvPr/>
-        </p:nvCxnSpPr>
+        </p:nvGrpSpPr>
+        <p:grpSpPr>
+          <a:xfrm>
+            <a:off x="636905" y="3743309"/>
+            <a:ext cx="594000" cy="450000"/>
+            <a:chOff x="8880614" y="2927702"/>
+            <a:chExt cx="594000" cy="450000"/>
+          </a:xfrm>
+        </p:grpSpPr>
+        <p:sp>
+          <p:nvSpPr>
+            <p:cNvPr id="14" name="Rechteck 13">
+              <a:extLst>
+                <a:ext uri="{FF2B5EF4-FFF2-40B4-BE49-F238E27FC236}">
+                  <a16:creationId xmlns:a16="http://schemas.microsoft.com/office/drawing/2014/main" id="{0F47EC59-008D-4DD7-99CA-D4D8B3915352}"/>
+                </a:ext>
+              </a:extLst>
+            </p:cNvPr>
+            <p:cNvSpPr/>
+            <p:nvPr/>
+          </p:nvSpPr>
+          <p:spPr>
+            <a:xfrm>
+              <a:off x="8970614" y="3017702"/>
+              <a:ext cx="504000" cy="360000"/>
+            </a:xfrm>
+            <a:prstGeom prst="rect">
+              <a:avLst/>
+            </a:prstGeom>
+          </p:spPr>
+          <p:style>
+            <a:lnRef idx="2">
+              <a:schemeClr val="dk1"/>
+            </a:lnRef>
+            <a:fillRef idx="1">
+              <a:schemeClr val="lt1"/>
+            </a:fillRef>
+            <a:effectRef idx="0">
+              <a:schemeClr val="dk1"/>
+            </a:effectRef>
+            <a:fontRef idx="minor">
+              <a:schemeClr val="dk1"/>
+            </a:fontRef>
+          </p:style>
+          <p:txBody>
+            <a:bodyPr rtlCol="0" anchor="ctr"/>
+            <a:lstStyle/>
+            <a:p>
+              <a:pPr algn="ctr"/>
+              <a:r>
+                <a:rPr lang="de-DE" sz="1200" dirty="0">
+                  <a:latin typeface="Arial" panose="020B0604020202020204" pitchFamily="34" charset="0"/>
+                  <a:cs typeface="Arial" panose="020B0604020202020204" pitchFamily="34" charset="0"/>
+                </a:rPr>
+                <a:t>H</a:t>
+              </a:r>
+              <a:r>
+                <a:rPr lang="de-DE" sz="1200" baseline="-25000" dirty="0">
+                  <a:latin typeface="Arial" panose="020B0604020202020204" pitchFamily="34" charset="0"/>
+                  <a:cs typeface="Arial" panose="020B0604020202020204" pitchFamily="34" charset="0"/>
+                </a:rPr>
+                <a:t>2</a:t>
+              </a:r>
+              <a:r>
+                <a:rPr lang="de-DE" sz="1200" dirty="0">
+                  <a:latin typeface="Arial" panose="020B0604020202020204" pitchFamily="34" charset="0"/>
+                  <a:cs typeface="Arial" panose="020B0604020202020204" pitchFamily="34" charset="0"/>
+                </a:rPr>
+                <a:t>O</a:t>
+              </a:r>
+              <a:endParaRPr lang="de-DE" sz="1200" baseline="30000" dirty="0">
+                <a:latin typeface="Arial" panose="020B0604020202020204" pitchFamily="34" charset="0"/>
+                <a:cs typeface="Arial" panose="020B0604020202020204" pitchFamily="34" charset="0"/>
+              </a:endParaRPr>
+            </a:p>
+          </p:txBody>
+        </p:sp>
+        <p:sp>
+          <p:nvSpPr>
+            <p:cNvPr id="15" name="Ellipse 14">
+              <a:extLst>
+                <a:ext uri="{FF2B5EF4-FFF2-40B4-BE49-F238E27FC236}">
+                  <a16:creationId xmlns:a16="http://schemas.microsoft.com/office/drawing/2014/main" id="{92E5907B-4619-485B-86C8-7920E6AE0293}"/>
+                </a:ext>
+              </a:extLst>
+            </p:cNvPr>
+            <p:cNvSpPr/>
+            <p:nvPr/>
+          </p:nvSpPr>
+          <p:spPr>
+            <a:xfrm>
+              <a:off x="8880614" y="2927702"/>
+              <a:ext cx="180000" cy="180000"/>
+            </a:xfrm>
+            <a:prstGeom prst="ellipse">
+              <a:avLst/>
+            </a:prstGeom>
+          </p:spPr>
+          <p:style>
+            <a:lnRef idx="2">
+              <a:schemeClr val="dk1"/>
+            </a:lnRef>
+            <a:fillRef idx="1">
+              <a:schemeClr val="lt1"/>
+            </a:fillRef>
+            <a:effectRef idx="0">
+              <a:schemeClr val="dk1"/>
+            </a:effectRef>
+            <a:fontRef idx="minor">
+              <a:schemeClr val="dk1"/>
+            </a:fontRef>
+          </p:style>
+          <p:txBody>
+            <a:bodyPr rtlCol="0" anchor="ctr"/>
+            <a:lstStyle/>
+            <a:p>
+              <a:pPr algn="ctr"/>
+              <a:r>
+                <a:rPr lang="de-DE" sz="1200" dirty="0">
+                  <a:latin typeface="Arial" panose="020B0604020202020204" pitchFamily="34" charset="0"/>
+                  <a:cs typeface="Arial" panose="020B0604020202020204" pitchFamily="34" charset="0"/>
+                </a:rPr>
+                <a:t>6</a:t>
+              </a:r>
+            </a:p>
+          </p:txBody>
+        </p:sp>
+      </p:grpSp>
+      <p:grpSp>
+        <p:nvGrpSpPr>
+          <p:cNvPr id="16" name="Gruppieren 15">
+            <a:extLst>
+              <a:ext uri="{FF2B5EF4-FFF2-40B4-BE49-F238E27FC236}">
+                <a16:creationId xmlns:a16="http://schemas.microsoft.com/office/drawing/2014/main" id="{07CCCB69-616B-4AF3-A0F1-64F7BBF1EC3F}"/>
+              </a:ext>
+            </a:extLst>
+          </p:cNvPr>
+          <p:cNvGrpSpPr/>
+          <p:nvPr/>
+        </p:nvGrpSpPr>
+        <p:grpSpPr>
+          <a:xfrm>
+            <a:off x="776710" y="4259437"/>
+            <a:ext cx="450000" cy="450000"/>
+            <a:chOff x="2636388" y="2657702"/>
+            <a:chExt cx="450000" cy="450000"/>
+          </a:xfrm>
+        </p:grpSpPr>
+        <p:sp>
+          <p:nvSpPr>
+            <p:cNvPr id="17" name="Rechteck 16">
+              <a:extLst>
+                <a:ext uri="{FF2B5EF4-FFF2-40B4-BE49-F238E27FC236}">
+                  <a16:creationId xmlns:a16="http://schemas.microsoft.com/office/drawing/2014/main" id="{B1D8A74F-0373-4D77-872A-497A0841EF03}"/>
+                </a:ext>
+              </a:extLst>
+            </p:cNvPr>
+            <p:cNvSpPr/>
+            <p:nvPr/>
+          </p:nvSpPr>
+          <p:spPr>
+            <a:xfrm>
+              <a:off x="2726388" y="2747702"/>
+              <a:ext cx="360000" cy="360000"/>
+            </a:xfrm>
+            <a:prstGeom prst="rect">
+              <a:avLst/>
+            </a:prstGeom>
+          </p:spPr>
+          <p:style>
+            <a:lnRef idx="2">
+              <a:schemeClr val="dk1"/>
+            </a:lnRef>
+            <a:fillRef idx="1">
+              <a:schemeClr val="lt1"/>
+            </a:fillRef>
+            <a:effectRef idx="0">
+              <a:schemeClr val="dk1"/>
+            </a:effectRef>
+            <a:fontRef idx="minor">
+              <a:schemeClr val="dk1"/>
+            </a:fontRef>
+          </p:style>
+          <p:txBody>
+            <a:bodyPr rtlCol="0" anchor="ctr"/>
+            <a:lstStyle/>
+            <a:p>
+              <a:pPr algn="ctr"/>
+              <a:r>
+                <a:rPr lang="de-DE" sz="1200" dirty="0">
+                  <a:latin typeface="Arial" panose="020B0604020202020204" pitchFamily="34" charset="0"/>
+                  <a:cs typeface="Arial" panose="020B0604020202020204" pitchFamily="34" charset="0"/>
+                </a:rPr>
+                <a:t>H</a:t>
+              </a:r>
+              <a:r>
+                <a:rPr lang="de-DE" sz="1200" baseline="30000" dirty="0">
+                  <a:latin typeface="Arial" panose="020B0604020202020204" pitchFamily="34" charset="0"/>
+                  <a:cs typeface="Arial" panose="020B0604020202020204" pitchFamily="34" charset="0"/>
+                </a:rPr>
+                <a:t>+</a:t>
+              </a:r>
+            </a:p>
+          </p:txBody>
+        </p:sp>
+        <p:sp>
+          <p:nvSpPr>
+            <p:cNvPr id="18" name="Ellipse 17">
+              <a:extLst>
+                <a:ext uri="{FF2B5EF4-FFF2-40B4-BE49-F238E27FC236}">
+                  <a16:creationId xmlns:a16="http://schemas.microsoft.com/office/drawing/2014/main" id="{2AA3BD5B-4C87-4949-BFE4-714BEDD0094D}"/>
+                </a:ext>
+              </a:extLst>
+            </p:cNvPr>
+            <p:cNvSpPr/>
+            <p:nvPr/>
+          </p:nvSpPr>
+          <p:spPr>
+            <a:xfrm>
+              <a:off x="2636388" y="2657702"/>
+              <a:ext cx="180000" cy="180000"/>
+            </a:xfrm>
+            <a:prstGeom prst="ellipse">
+              <a:avLst/>
+            </a:prstGeom>
+          </p:spPr>
+          <p:style>
+            <a:lnRef idx="2">
+              <a:schemeClr val="dk1"/>
+            </a:lnRef>
+            <a:fillRef idx="1">
+              <a:schemeClr val="lt1"/>
+            </a:fillRef>
+            <a:effectRef idx="0">
+              <a:schemeClr val="dk1"/>
+            </a:effectRef>
+            <a:fontRef idx="minor">
+              <a:schemeClr val="dk1"/>
+            </a:fontRef>
+          </p:style>
+          <p:txBody>
+            <a:bodyPr rtlCol="0" anchor="ctr"/>
+            <a:lstStyle/>
+            <a:p>
+              <a:pPr algn="ctr"/>
+              <a:r>
+                <a:rPr lang="de-DE" sz="1200" dirty="0">
+                  <a:latin typeface="Arial" panose="020B0604020202020204" pitchFamily="34" charset="0"/>
+                  <a:cs typeface="Arial" panose="020B0604020202020204" pitchFamily="34" charset="0"/>
+                </a:rPr>
+                <a:t>5</a:t>
+              </a:r>
+            </a:p>
+          </p:txBody>
+        </p:sp>
+      </p:grpSp>
+      <p:sp>
+        <p:nvSpPr>
+          <p:cNvPr id="19" name="Sechseck 18">
+            <a:extLst>
+              <a:ext uri="{FF2B5EF4-FFF2-40B4-BE49-F238E27FC236}">
+                <a16:creationId xmlns:a16="http://schemas.microsoft.com/office/drawing/2014/main" id="{3348A902-B141-45FC-B9A6-69FB097A1D46}"/>
+              </a:ext>
+            </a:extLst>
+          </p:cNvPr>
+          <p:cNvSpPr/>
+          <p:nvPr/>
+        </p:nvSpPr>
         <p:spPr>
           <a:xfrm>
-            <a:off x="2116730" y="2307322"/>
-            <a:ext cx="12700" cy="620380"/>
+            <a:off x="1312515" y="4115437"/>
+            <a:ext cx="288000" cy="288000"/>
           </a:xfrm>
-          <a:prstGeom prst="curvedConnector3">
-            <a:avLst>
-              <a:gd name="adj1" fmla="val 1800000"/>
-            </a:avLst>
+          <a:prstGeom prst="hexagon">
+            <a:avLst/>
           </a:prstGeom>
-          <a:ln>
-            <a:tailEnd type="triangle"/>
-          </a:ln>
+          <a:ln w="19050"/>
         </p:spPr>
         <p:style>
-          <a:lnRef idx="1">
+          <a:lnRef idx="2">
             <a:schemeClr val="dk1"/>
           </a:lnRef>
-          <a:fillRef idx="0">
-            <a:schemeClr val="dk1"/>
+          <a:fillRef idx="1">
+            <a:schemeClr val="lt1"/>
           </a:fillRef>
           <a:effectRef idx="0">
             <a:schemeClr val="dk1"/>
           </a:effectRef>
           <a:fontRef idx="minor">
-            <a:schemeClr val="tx1"/>
+            <a:schemeClr val="dk1"/>
           </a:fontRef>
         </p:style>
-      </p:cxnSp>
+        <p:txBody>
+          <a:bodyPr rtlCol="0" anchor="ctr"/>
+          <a:lstStyle/>
+          <a:p>
+            <a:pPr algn="ctr"/>
+            <a:r>
+              <a:rPr lang="de-DE" sz="1200" b="1" dirty="0">
+                <a:latin typeface="Arial" panose="020B0604020202020204" pitchFamily="34" charset="0"/>
+                <a:cs typeface="Arial" panose="020B0604020202020204" pitchFamily="34" charset="0"/>
+              </a:rPr>
+              <a:t>2</a:t>
+            </a:r>
+          </a:p>
+        </p:txBody>
+      </p:sp>
+      <p:grpSp>
+        <p:nvGrpSpPr>
+          <p:cNvPr id="20" name="Gruppieren 19">
+            <a:extLst>
+              <a:ext uri="{FF2B5EF4-FFF2-40B4-BE49-F238E27FC236}">
+                <a16:creationId xmlns:a16="http://schemas.microsoft.com/office/drawing/2014/main" id="{19D8BFB5-0EA6-49AC-9665-0DC0DB3D377A}"/>
+              </a:ext>
+            </a:extLst>
+          </p:cNvPr>
+          <p:cNvGrpSpPr/>
+          <p:nvPr/>
+        </p:nvGrpSpPr>
+        <p:grpSpPr>
+          <a:xfrm>
+            <a:off x="1750563" y="5452803"/>
+            <a:ext cx="810001" cy="445523"/>
+            <a:chOff x="1306729" y="2041799"/>
+            <a:chExt cx="810001" cy="445523"/>
+          </a:xfrm>
+        </p:grpSpPr>
+        <p:sp>
+          <p:nvSpPr>
+            <p:cNvPr id="21" name="Rechteck 20">
+              <a:extLst>
+                <a:ext uri="{FF2B5EF4-FFF2-40B4-BE49-F238E27FC236}">
+                  <a16:creationId xmlns:a16="http://schemas.microsoft.com/office/drawing/2014/main" id="{4DD44EDA-1616-4CB8-A61D-964BE3F09E96}"/>
+                </a:ext>
+              </a:extLst>
+            </p:cNvPr>
+            <p:cNvSpPr/>
+            <p:nvPr/>
+          </p:nvSpPr>
+          <p:spPr>
+            <a:xfrm>
+              <a:off x="1396730" y="2127322"/>
+              <a:ext cx="720000" cy="360000"/>
+            </a:xfrm>
+            <a:prstGeom prst="rect">
+              <a:avLst/>
+            </a:prstGeom>
+          </p:spPr>
+          <p:style>
+            <a:lnRef idx="2">
+              <a:schemeClr val="dk1"/>
+            </a:lnRef>
+            <a:fillRef idx="1">
+              <a:schemeClr val="lt1"/>
+            </a:fillRef>
+            <a:effectRef idx="0">
+              <a:schemeClr val="dk1"/>
+            </a:effectRef>
+            <a:fontRef idx="minor">
+              <a:schemeClr val="dk1"/>
+            </a:fontRef>
+          </p:style>
+          <p:txBody>
+            <a:bodyPr rtlCol="0" anchor="ctr"/>
+            <a:lstStyle/>
+            <a:p>
+              <a:pPr algn="ctr"/>
+              <a:r>
+                <a:rPr lang="de-DE" sz="1200" dirty="0">
+                  <a:latin typeface="Arial" panose="020B0604020202020204" pitchFamily="34" charset="0"/>
+                  <a:cs typeface="Arial" panose="020B0604020202020204" pitchFamily="34" charset="0"/>
+                </a:rPr>
+                <a:t>NADP</a:t>
+              </a:r>
+              <a:r>
+                <a:rPr lang="de-DE" sz="1200" baseline="30000" dirty="0">
+                  <a:latin typeface="Arial" panose="020B0604020202020204" pitchFamily="34" charset="0"/>
+                  <a:cs typeface="Arial" panose="020B0604020202020204" pitchFamily="34" charset="0"/>
+                </a:rPr>
+                <a:t>+</a:t>
+              </a:r>
+            </a:p>
+          </p:txBody>
+        </p:sp>
+        <p:sp>
+          <p:nvSpPr>
+            <p:cNvPr id="22" name="Ellipse 21">
+              <a:extLst>
+                <a:ext uri="{FF2B5EF4-FFF2-40B4-BE49-F238E27FC236}">
+                  <a16:creationId xmlns:a16="http://schemas.microsoft.com/office/drawing/2014/main" id="{656A8FFB-7E5D-4099-8FE0-7A4461899BFD}"/>
+                </a:ext>
+              </a:extLst>
+            </p:cNvPr>
+            <p:cNvSpPr/>
+            <p:nvPr/>
+          </p:nvSpPr>
+          <p:spPr>
+            <a:xfrm>
+              <a:off x="1306729" y="2041799"/>
+              <a:ext cx="180000" cy="180000"/>
+            </a:xfrm>
+            <a:prstGeom prst="ellipse">
+              <a:avLst/>
+            </a:prstGeom>
+          </p:spPr>
+          <p:style>
+            <a:lnRef idx="2">
+              <a:schemeClr val="dk1"/>
+            </a:lnRef>
+            <a:fillRef idx="1">
+              <a:schemeClr val="lt1"/>
+            </a:fillRef>
+            <a:effectRef idx="0">
+              <a:schemeClr val="dk1"/>
+            </a:effectRef>
+            <a:fontRef idx="minor">
+              <a:schemeClr val="dk1"/>
+            </a:fontRef>
+          </p:style>
+          <p:txBody>
+            <a:bodyPr rtlCol="0" anchor="ctr"/>
+            <a:lstStyle/>
+            <a:p>
+              <a:pPr algn="ctr"/>
+              <a:r>
+                <a:rPr lang="de-DE" sz="1200" dirty="0">
+                  <a:latin typeface="Arial" panose="020B0604020202020204" pitchFamily="34" charset="0"/>
+                  <a:cs typeface="Arial" panose="020B0604020202020204" pitchFamily="34" charset="0"/>
+                </a:rPr>
+                <a:t>3</a:t>
+              </a:r>
+            </a:p>
+          </p:txBody>
+        </p:sp>
+      </p:grpSp>
+      <p:grpSp>
+        <p:nvGrpSpPr>
+          <p:cNvPr id="23" name="Gruppieren 22">
+            <a:extLst>
+              <a:ext uri="{FF2B5EF4-FFF2-40B4-BE49-F238E27FC236}">
+                <a16:creationId xmlns:a16="http://schemas.microsoft.com/office/drawing/2014/main" id="{F0BD24AB-CA5E-44ED-8868-A0910B31B9E8}"/>
+              </a:ext>
+            </a:extLst>
+          </p:cNvPr>
+          <p:cNvGrpSpPr/>
+          <p:nvPr/>
+        </p:nvGrpSpPr>
+        <p:grpSpPr>
+          <a:xfrm>
+            <a:off x="2562701" y="5452803"/>
+            <a:ext cx="810000" cy="454540"/>
+            <a:chOff x="1306730" y="2653162"/>
+            <a:chExt cx="810000" cy="454540"/>
+          </a:xfrm>
+        </p:grpSpPr>
+        <p:sp>
+          <p:nvSpPr>
+            <p:cNvPr id="24" name="Rechteck 23">
+              <a:extLst>
+                <a:ext uri="{FF2B5EF4-FFF2-40B4-BE49-F238E27FC236}">
+                  <a16:creationId xmlns:a16="http://schemas.microsoft.com/office/drawing/2014/main" id="{B4CC4341-46D3-4B95-853C-D3F570B8D406}"/>
+                </a:ext>
+              </a:extLst>
+            </p:cNvPr>
+            <p:cNvSpPr/>
+            <p:nvPr/>
+          </p:nvSpPr>
+          <p:spPr>
+            <a:xfrm>
+              <a:off x="1396730" y="2747702"/>
+              <a:ext cx="720000" cy="360000"/>
+            </a:xfrm>
+            <a:prstGeom prst="rect">
+              <a:avLst/>
+            </a:prstGeom>
+          </p:spPr>
+          <p:style>
+            <a:lnRef idx="2">
+              <a:schemeClr val="dk1"/>
+            </a:lnRef>
+            <a:fillRef idx="1">
+              <a:schemeClr val="lt1"/>
+            </a:fillRef>
+            <a:effectRef idx="0">
+              <a:schemeClr val="dk1"/>
+            </a:effectRef>
+            <a:fontRef idx="minor">
+              <a:schemeClr val="dk1"/>
+            </a:fontRef>
+          </p:style>
+          <p:txBody>
+            <a:bodyPr rtlCol="0" anchor="ctr"/>
+            <a:lstStyle/>
+            <a:p>
+              <a:pPr algn="ctr"/>
+              <a:r>
+                <a:rPr lang="de-DE" sz="1200" dirty="0">
+                  <a:latin typeface="Arial" panose="020B0604020202020204" pitchFamily="34" charset="0"/>
+                  <a:cs typeface="Arial" panose="020B0604020202020204" pitchFamily="34" charset="0"/>
+                </a:rPr>
+                <a:t>NADPH</a:t>
+              </a:r>
+            </a:p>
+          </p:txBody>
+        </p:sp>
+        <p:sp>
+          <p:nvSpPr>
+            <p:cNvPr id="25" name="Ellipse 24">
+              <a:extLst>
+                <a:ext uri="{FF2B5EF4-FFF2-40B4-BE49-F238E27FC236}">
+                  <a16:creationId xmlns:a16="http://schemas.microsoft.com/office/drawing/2014/main" id="{FA9B44C1-CDEE-48DC-B0F4-BD673DCFE320}"/>
+                </a:ext>
+              </a:extLst>
+            </p:cNvPr>
+            <p:cNvSpPr/>
+            <p:nvPr/>
+          </p:nvSpPr>
+          <p:spPr>
+            <a:xfrm>
+              <a:off x="1306730" y="2653162"/>
+              <a:ext cx="180000" cy="180000"/>
+            </a:xfrm>
+            <a:prstGeom prst="ellipse">
+              <a:avLst/>
+            </a:prstGeom>
+          </p:spPr>
+          <p:style>
+            <a:lnRef idx="2">
+              <a:schemeClr val="dk1"/>
+            </a:lnRef>
+            <a:fillRef idx="1">
+              <a:schemeClr val="lt1"/>
+            </a:fillRef>
+            <a:effectRef idx="0">
+              <a:schemeClr val="dk1"/>
+            </a:effectRef>
+            <a:fontRef idx="minor">
+              <a:schemeClr val="dk1"/>
+            </a:fontRef>
+          </p:style>
+          <p:txBody>
+            <a:bodyPr rtlCol="0" anchor="ctr"/>
+            <a:lstStyle/>
+            <a:p>
+              <a:pPr algn="ctr"/>
+              <a:r>
+                <a:rPr lang="de-DE" sz="1200" dirty="0">
+                  <a:latin typeface="Arial" panose="020B0604020202020204" pitchFamily="34" charset="0"/>
+                  <a:cs typeface="Arial" panose="020B0604020202020204" pitchFamily="34" charset="0"/>
+                </a:rPr>
+                <a:t>4</a:t>
+              </a:r>
+            </a:p>
+          </p:txBody>
+        </p:sp>
+      </p:grpSp>
+      <p:grpSp>
+        <p:nvGrpSpPr>
+          <p:cNvPr id="26" name="Gruppieren 25">
+            <a:extLst>
+              <a:ext uri="{FF2B5EF4-FFF2-40B4-BE49-F238E27FC236}">
+                <a16:creationId xmlns:a16="http://schemas.microsoft.com/office/drawing/2014/main" id="{9BEC9EC2-4B97-49D7-89F2-F44125BB93F2}"/>
+              </a:ext>
+            </a:extLst>
+          </p:cNvPr>
+          <p:cNvGrpSpPr/>
+          <p:nvPr/>
+        </p:nvGrpSpPr>
+        <p:grpSpPr>
+          <a:xfrm>
+            <a:off x="2562701" y="4332905"/>
+            <a:ext cx="594000" cy="450000"/>
+            <a:chOff x="8880614" y="2927702"/>
+            <a:chExt cx="594000" cy="450000"/>
+          </a:xfrm>
+        </p:grpSpPr>
+        <p:sp>
+          <p:nvSpPr>
+            <p:cNvPr id="27" name="Rechteck 26">
+              <a:extLst>
+                <a:ext uri="{FF2B5EF4-FFF2-40B4-BE49-F238E27FC236}">
+                  <a16:creationId xmlns:a16="http://schemas.microsoft.com/office/drawing/2014/main" id="{8BF31FFF-3C0E-437C-A09E-743EBC2AE210}"/>
+                </a:ext>
+              </a:extLst>
+            </p:cNvPr>
+            <p:cNvSpPr/>
+            <p:nvPr/>
+          </p:nvSpPr>
+          <p:spPr>
+            <a:xfrm>
+              <a:off x="8970614" y="3017702"/>
+              <a:ext cx="504000" cy="360000"/>
+            </a:xfrm>
+            <a:prstGeom prst="rect">
+              <a:avLst/>
+            </a:prstGeom>
+          </p:spPr>
+          <p:style>
+            <a:lnRef idx="2">
+              <a:schemeClr val="dk1"/>
+            </a:lnRef>
+            <a:fillRef idx="1">
+              <a:schemeClr val="lt1"/>
+            </a:fillRef>
+            <a:effectRef idx="0">
+              <a:schemeClr val="dk1"/>
+            </a:effectRef>
+            <a:fontRef idx="minor">
+              <a:schemeClr val="dk1"/>
+            </a:fontRef>
+          </p:style>
+          <p:txBody>
+            <a:bodyPr rtlCol="0" anchor="ctr"/>
+            <a:lstStyle/>
+            <a:p>
+              <a:pPr algn="ctr"/>
+              <a:r>
+                <a:rPr lang="de-DE" sz="1200" dirty="0">
+                  <a:latin typeface="Arial" panose="020B0604020202020204" pitchFamily="34" charset="0"/>
+                  <a:cs typeface="Arial" panose="020B0604020202020204" pitchFamily="34" charset="0"/>
+                </a:rPr>
+                <a:t>CO</a:t>
+              </a:r>
+              <a:r>
+                <a:rPr lang="de-DE" sz="1200" baseline="-25000" dirty="0">
+                  <a:latin typeface="Arial" panose="020B0604020202020204" pitchFamily="34" charset="0"/>
+                  <a:cs typeface="Arial" panose="020B0604020202020204" pitchFamily="34" charset="0"/>
+                </a:rPr>
+                <a:t>2</a:t>
+              </a:r>
+              <a:endParaRPr lang="de-DE" sz="1200" baseline="30000" dirty="0">
+                <a:latin typeface="Arial" panose="020B0604020202020204" pitchFamily="34" charset="0"/>
+                <a:cs typeface="Arial" panose="020B0604020202020204" pitchFamily="34" charset="0"/>
+              </a:endParaRPr>
+            </a:p>
+          </p:txBody>
+        </p:sp>
+        <p:sp>
+          <p:nvSpPr>
+            <p:cNvPr id="28" name="Ellipse 27">
+              <a:extLst>
+                <a:ext uri="{FF2B5EF4-FFF2-40B4-BE49-F238E27FC236}">
+                  <a16:creationId xmlns:a16="http://schemas.microsoft.com/office/drawing/2014/main" id="{7728968F-B33B-4942-89CC-ACD5A7686319}"/>
+                </a:ext>
+              </a:extLst>
+            </p:cNvPr>
+            <p:cNvSpPr/>
+            <p:nvPr/>
+          </p:nvSpPr>
+          <p:spPr>
+            <a:xfrm>
+              <a:off x="8880614" y="2927702"/>
+              <a:ext cx="180000" cy="180000"/>
+            </a:xfrm>
+            <a:prstGeom prst="ellipse">
+              <a:avLst/>
+            </a:prstGeom>
+          </p:spPr>
+          <p:style>
+            <a:lnRef idx="2">
+              <a:schemeClr val="dk1"/>
+            </a:lnRef>
+            <a:fillRef idx="1">
+              <a:schemeClr val="lt1"/>
+            </a:fillRef>
+            <a:effectRef idx="0">
+              <a:schemeClr val="dk1"/>
+            </a:effectRef>
+            <a:fontRef idx="minor">
+              <a:schemeClr val="dk1"/>
+            </a:fontRef>
+          </p:style>
+          <p:txBody>
+            <a:bodyPr rtlCol="0" anchor="ctr"/>
+            <a:lstStyle/>
+            <a:p>
+              <a:pPr algn="ctr"/>
+              <a:r>
+                <a:rPr lang="de-DE" sz="1200" dirty="0">
+                  <a:latin typeface="Arial" panose="020B0604020202020204" pitchFamily="34" charset="0"/>
+                  <a:cs typeface="Arial" panose="020B0604020202020204" pitchFamily="34" charset="0"/>
+                </a:rPr>
+                <a:t>9</a:t>
+              </a:r>
+            </a:p>
+          </p:txBody>
+        </p:sp>
+      </p:grpSp>
     </p:spTree>
     <p:extLst>
       <p:ext uri="{BB962C8B-B14F-4D97-AF65-F5344CB8AC3E}">
-        <p14:creationId xmlns:p14="http://schemas.microsoft.com/office/powerpoint/2010/main" val="347423658"/>
+        <p14:creationId xmlns:p14="http://schemas.microsoft.com/office/powerpoint/2010/main" val="3909720380"/>
       </p:ext>
     </p:extLst>
   </p:cSld>
